--- a/Diagrams.pptx
+++ b/Diagrams.pptx
@@ -6,9 +6,18 @@
   </p:sldMasterIdLst>
   <p:sldIdLst>
     <p:sldId id="256" r:id="rId2"/>
-    <p:sldId id="257" r:id="rId3"/>
-    <p:sldId id="258" r:id="rId4"/>
-    <p:sldId id="259" r:id="rId5"/>
+    <p:sldId id="260" r:id="rId3"/>
+    <p:sldId id="257" r:id="rId4"/>
+    <p:sldId id="262" r:id="rId5"/>
+    <p:sldId id="263" r:id="rId6"/>
+    <p:sldId id="264" r:id="rId7"/>
+    <p:sldId id="258" r:id="rId8"/>
+    <p:sldId id="269" r:id="rId9"/>
+    <p:sldId id="268" r:id="rId10"/>
+    <p:sldId id="265" r:id="rId11"/>
+    <p:sldId id="266" r:id="rId12"/>
+    <p:sldId id="267" r:id="rId13"/>
+    <p:sldId id="261" r:id="rId14"/>
   </p:sldIdLst>
   <p:sldSz cx="9144000" cy="6858000" type="screen4x3"/>
   <p:notesSz cx="6858000" cy="9144000"/>
@@ -3158,6 +3167,15 @@
           <a:solidFill>
             <a:schemeClr val="accent3"/>
           </a:solidFill>
+          <a:ln>
+            <a:solidFill>
+              <a:schemeClr val="accent1">
+                <a:shade val="95000"/>
+                <a:satMod val="105000"/>
+                <a:alpha val="0"/>
+              </a:schemeClr>
+            </a:solidFill>
+          </a:ln>
         </p:spPr>
         <p:style>
           <a:lnRef idx="1">
@@ -3206,6 +3224,15 @@
           <a:solidFill>
             <a:srgbClr val="FF6600"/>
           </a:solidFill>
+          <a:ln>
+            <a:solidFill>
+              <a:schemeClr val="accent1">
+                <a:shade val="95000"/>
+                <a:satMod val="105000"/>
+                <a:alpha val="0"/>
+              </a:schemeClr>
+            </a:solidFill>
+          </a:ln>
         </p:spPr>
         <p:style>
           <a:lnRef idx="1">
@@ -3609,6 +3636,2661 @@
 </p:sld>
 </file>
 
+<file path=ppt/slides/slide10.xml><?xml version="1.0" encoding="utf-8"?>
+<p:sld xmlns:a="http://schemas.openxmlformats.org/drawingml/2006/main" xmlns:r="http://schemas.openxmlformats.org/officeDocument/2006/relationships" xmlns:p="http://schemas.openxmlformats.org/presentationml/2006/main">
+  <p:cSld>
+    <p:spTree>
+      <p:nvGrpSpPr>
+        <p:cNvPr id="1" name=""/>
+        <p:cNvGrpSpPr/>
+        <p:nvPr/>
+      </p:nvGrpSpPr>
+      <p:grpSpPr>
+        <a:xfrm>
+          <a:off x="0" y="0"/>
+          <a:ext cx="0" cy="0"/>
+          <a:chOff x="0" y="0"/>
+          <a:chExt cx="0" cy="0"/>
+        </a:xfrm>
+      </p:grpSpPr>
+      <p:sp>
+        <p:nvSpPr>
+          <p:cNvPr id="4" name="Oval 3"/>
+          <p:cNvSpPr/>
+          <p:nvPr/>
+        </p:nvSpPr>
+        <p:spPr>
+          <a:xfrm>
+            <a:off x="1229862" y="2293967"/>
+            <a:ext cx="2266798" cy="3318057"/>
+          </a:xfrm>
+          <a:prstGeom prst="ellipse">
+            <a:avLst/>
+          </a:prstGeom>
+          <a:noFill/>
+        </p:spPr>
+        <p:style>
+          <a:lnRef idx="1">
+            <a:schemeClr val="accent1"/>
+          </a:lnRef>
+          <a:fillRef idx="3">
+            <a:schemeClr val="accent1"/>
+          </a:fillRef>
+          <a:effectRef idx="2">
+            <a:schemeClr val="accent1"/>
+          </a:effectRef>
+          <a:fontRef idx="minor">
+            <a:schemeClr val="lt1"/>
+          </a:fontRef>
+        </p:style>
+        <p:txBody>
+          <a:bodyPr rtlCol="0" anchor="ctr"/>
+          <a:lstStyle/>
+          <a:p>
+            <a:pPr algn="ctr"/>
+            <a:endParaRPr lang="en-US" sz="3600" dirty="0"/>
+          </a:p>
+        </p:txBody>
+      </p:sp>
+      <p:sp>
+        <p:nvSpPr>
+          <p:cNvPr id="6" name="Oval 5"/>
+          <p:cNvSpPr/>
+          <p:nvPr/>
+        </p:nvSpPr>
+        <p:spPr>
+          <a:xfrm>
+            <a:off x="5326483" y="2293967"/>
+            <a:ext cx="2286961" cy="3429722"/>
+          </a:xfrm>
+          <a:prstGeom prst="ellipse">
+            <a:avLst/>
+          </a:prstGeom>
+          <a:noFill/>
+          <a:ln>
+            <a:solidFill>
+              <a:schemeClr val="accent2"/>
+            </a:solidFill>
+          </a:ln>
+        </p:spPr>
+        <p:style>
+          <a:lnRef idx="1">
+            <a:schemeClr val="accent1"/>
+          </a:lnRef>
+          <a:fillRef idx="3">
+            <a:schemeClr val="accent1"/>
+          </a:fillRef>
+          <a:effectRef idx="2">
+            <a:schemeClr val="accent1"/>
+          </a:effectRef>
+          <a:fontRef idx="minor">
+            <a:schemeClr val="lt1"/>
+          </a:fontRef>
+        </p:style>
+        <p:txBody>
+          <a:bodyPr rtlCol="0" anchor="ctr"/>
+          <a:lstStyle/>
+          <a:p>
+            <a:pPr algn="ctr"/>
+            <a:endParaRPr lang="en-US" sz="3600" dirty="0"/>
+          </a:p>
+        </p:txBody>
+      </p:sp>
+      <p:sp>
+        <p:nvSpPr>
+          <p:cNvPr id="10" name="TextBox 9"/>
+          <p:cNvSpPr txBox="1"/>
+          <p:nvPr/>
+        </p:nvSpPr>
+        <p:spPr>
+          <a:xfrm>
+            <a:off x="1410933" y="1715746"/>
+            <a:ext cx="2085727" cy="461665"/>
+          </a:xfrm>
+          <a:prstGeom prst="rect">
+            <a:avLst/>
+          </a:prstGeom>
+          <a:noFill/>
+        </p:spPr>
+        <p:txBody>
+          <a:bodyPr wrap="none" rtlCol="0">
+            <a:spAutoFit/>
+          </a:bodyPr>
+          <a:lstStyle/>
+          <a:p>
+            <a:r>
+              <a:rPr lang="en-US" sz="2400" dirty="0" smtClean="0"/>
+              <a:t>Input / Domain</a:t>
+            </a:r>
+          </a:p>
+        </p:txBody>
+      </p:sp>
+      <p:sp>
+        <p:nvSpPr>
+          <p:cNvPr id="11" name="TextBox 10"/>
+          <p:cNvSpPr txBox="1"/>
+          <p:nvPr/>
+        </p:nvSpPr>
+        <p:spPr>
+          <a:xfrm>
+            <a:off x="5123842" y="1715746"/>
+            <a:ext cx="2613816" cy="461665"/>
+          </a:xfrm>
+          <a:prstGeom prst="rect">
+            <a:avLst/>
+          </a:prstGeom>
+          <a:noFill/>
+        </p:spPr>
+        <p:txBody>
+          <a:bodyPr wrap="none" rtlCol="0">
+            <a:spAutoFit/>
+          </a:bodyPr>
+          <a:lstStyle/>
+          <a:p>
+            <a:r>
+              <a:rPr lang="en-US" sz="2400" dirty="0" smtClean="0"/>
+              <a:t>Output / Codomain</a:t>
+            </a:r>
+          </a:p>
+        </p:txBody>
+      </p:sp>
+      <p:sp>
+        <p:nvSpPr>
+          <p:cNvPr id="2" name="Cross 1"/>
+          <p:cNvSpPr/>
+          <p:nvPr/>
+        </p:nvSpPr>
+        <p:spPr>
+          <a:xfrm>
+            <a:off x="1685818" y="2853802"/>
+            <a:ext cx="540014" cy="327709"/>
+          </a:xfrm>
+          <a:prstGeom prst="plus">
+            <a:avLst/>
+          </a:prstGeom>
+        </p:spPr>
+        <p:style>
+          <a:lnRef idx="1">
+            <a:schemeClr val="accent1"/>
+          </a:lnRef>
+          <a:fillRef idx="3">
+            <a:schemeClr val="accent1"/>
+          </a:fillRef>
+          <a:effectRef idx="2">
+            <a:schemeClr val="accent1"/>
+          </a:effectRef>
+          <a:fontRef idx="minor">
+            <a:schemeClr val="lt1"/>
+          </a:fontRef>
+        </p:style>
+        <p:txBody>
+          <a:bodyPr rtlCol="0" anchor="ctr"/>
+          <a:lstStyle/>
+          <a:p>
+            <a:pPr algn="ctr"/>
+            <a:r>
+              <a:rPr lang="en-US" dirty="0" smtClean="0"/>
+              <a:t>a1</a:t>
+            </a:r>
+            <a:endParaRPr lang="en-US" dirty="0"/>
+          </a:p>
+        </p:txBody>
+      </p:sp>
+      <p:sp>
+        <p:nvSpPr>
+          <p:cNvPr id="8" name="Cross 7"/>
+          <p:cNvSpPr/>
+          <p:nvPr/>
+        </p:nvSpPr>
+        <p:spPr>
+          <a:xfrm>
+            <a:off x="2684853" y="3525075"/>
+            <a:ext cx="540014" cy="327709"/>
+          </a:xfrm>
+          <a:prstGeom prst="plus">
+            <a:avLst/>
+          </a:prstGeom>
+        </p:spPr>
+        <p:style>
+          <a:lnRef idx="1">
+            <a:schemeClr val="accent1"/>
+          </a:lnRef>
+          <a:fillRef idx="3">
+            <a:schemeClr val="accent1"/>
+          </a:fillRef>
+          <a:effectRef idx="2">
+            <a:schemeClr val="accent1"/>
+          </a:effectRef>
+          <a:fontRef idx="minor">
+            <a:schemeClr val="lt1"/>
+          </a:fontRef>
+        </p:style>
+        <p:txBody>
+          <a:bodyPr rtlCol="0" anchor="ctr"/>
+          <a:lstStyle/>
+          <a:p>
+            <a:pPr algn="ctr"/>
+            <a:r>
+              <a:rPr lang="en-US" dirty="0" smtClean="0"/>
+              <a:t>a2</a:t>
+            </a:r>
+            <a:endParaRPr lang="en-US" dirty="0"/>
+          </a:p>
+        </p:txBody>
+      </p:sp>
+      <p:sp>
+        <p:nvSpPr>
+          <p:cNvPr id="12" name="Cross 11"/>
+          <p:cNvSpPr/>
+          <p:nvPr/>
+        </p:nvSpPr>
+        <p:spPr>
+          <a:xfrm>
+            <a:off x="1826753" y="4264621"/>
+            <a:ext cx="540014" cy="327709"/>
+          </a:xfrm>
+          <a:prstGeom prst="plus">
+            <a:avLst/>
+          </a:prstGeom>
+        </p:spPr>
+        <p:style>
+          <a:lnRef idx="1">
+            <a:schemeClr val="accent1"/>
+          </a:lnRef>
+          <a:fillRef idx="3">
+            <a:schemeClr val="accent1"/>
+          </a:fillRef>
+          <a:effectRef idx="2">
+            <a:schemeClr val="accent1"/>
+          </a:effectRef>
+          <a:fontRef idx="minor">
+            <a:schemeClr val="lt1"/>
+          </a:fontRef>
+        </p:style>
+        <p:txBody>
+          <a:bodyPr rtlCol="0" anchor="ctr"/>
+          <a:lstStyle/>
+          <a:p>
+            <a:pPr algn="ctr"/>
+            <a:r>
+              <a:rPr lang="en-US" dirty="0" smtClean="0"/>
+              <a:t>a3</a:t>
+            </a:r>
+            <a:endParaRPr lang="en-US" dirty="0"/>
+          </a:p>
+        </p:txBody>
+      </p:sp>
+      <p:sp>
+        <p:nvSpPr>
+          <p:cNvPr id="13" name="Cross 12"/>
+          <p:cNvSpPr/>
+          <p:nvPr/>
+        </p:nvSpPr>
+        <p:spPr>
+          <a:xfrm>
+            <a:off x="2464547" y="4764984"/>
+            <a:ext cx="540014" cy="327709"/>
+          </a:xfrm>
+          <a:prstGeom prst="plus">
+            <a:avLst/>
+          </a:prstGeom>
+        </p:spPr>
+        <p:style>
+          <a:lnRef idx="1">
+            <a:schemeClr val="accent1"/>
+          </a:lnRef>
+          <a:fillRef idx="3">
+            <a:schemeClr val="accent1"/>
+          </a:fillRef>
+          <a:effectRef idx="2">
+            <a:schemeClr val="accent1"/>
+          </a:effectRef>
+          <a:fontRef idx="minor">
+            <a:schemeClr val="lt1"/>
+          </a:fontRef>
+        </p:style>
+        <p:txBody>
+          <a:bodyPr rtlCol="0" anchor="ctr"/>
+          <a:lstStyle/>
+          <a:p>
+            <a:pPr algn="ctr"/>
+            <a:r>
+              <a:rPr lang="en-US" dirty="0" smtClean="0"/>
+              <a:t>an</a:t>
+            </a:r>
+            <a:endParaRPr lang="en-US" dirty="0"/>
+          </a:p>
+        </p:txBody>
+      </p:sp>
+      <p:sp>
+        <p:nvSpPr>
+          <p:cNvPr id="14" name="Cross 13"/>
+          <p:cNvSpPr/>
+          <p:nvPr/>
+        </p:nvSpPr>
+        <p:spPr>
+          <a:xfrm>
+            <a:off x="5730379" y="2907964"/>
+            <a:ext cx="540014" cy="327709"/>
+          </a:xfrm>
+          <a:prstGeom prst="plus">
+            <a:avLst/>
+          </a:prstGeom>
+          <a:solidFill>
+            <a:schemeClr val="accent2"/>
+          </a:solidFill>
+          <a:ln>
+            <a:solidFill>
+              <a:schemeClr val="accent2"/>
+            </a:solidFill>
+          </a:ln>
+        </p:spPr>
+        <p:style>
+          <a:lnRef idx="1">
+            <a:schemeClr val="accent1"/>
+          </a:lnRef>
+          <a:fillRef idx="3">
+            <a:schemeClr val="accent1"/>
+          </a:fillRef>
+          <a:effectRef idx="2">
+            <a:schemeClr val="accent1"/>
+          </a:effectRef>
+          <a:fontRef idx="minor">
+            <a:schemeClr val="lt1"/>
+          </a:fontRef>
+        </p:style>
+        <p:txBody>
+          <a:bodyPr rtlCol="0" anchor="ctr"/>
+          <a:lstStyle/>
+          <a:p>
+            <a:pPr algn="ctr"/>
+            <a:r>
+              <a:rPr lang="en-US" dirty="0" smtClean="0"/>
+              <a:t>b1</a:t>
+            </a:r>
+            <a:endParaRPr lang="en-US" dirty="0"/>
+          </a:p>
+        </p:txBody>
+      </p:sp>
+      <p:sp>
+        <p:nvSpPr>
+          <p:cNvPr id="15" name="Cross 14"/>
+          <p:cNvSpPr/>
+          <p:nvPr/>
+        </p:nvSpPr>
+        <p:spPr>
+          <a:xfrm>
+            <a:off x="5819255" y="3595091"/>
+            <a:ext cx="540014" cy="327709"/>
+          </a:xfrm>
+          <a:prstGeom prst="plus">
+            <a:avLst/>
+          </a:prstGeom>
+          <a:solidFill>
+            <a:schemeClr val="accent2"/>
+          </a:solidFill>
+          <a:ln>
+            <a:solidFill>
+              <a:schemeClr val="accent2"/>
+            </a:solidFill>
+          </a:ln>
+        </p:spPr>
+        <p:style>
+          <a:lnRef idx="1">
+            <a:schemeClr val="accent1"/>
+          </a:lnRef>
+          <a:fillRef idx="3">
+            <a:schemeClr val="accent1"/>
+          </a:fillRef>
+          <a:effectRef idx="2">
+            <a:schemeClr val="accent1"/>
+          </a:effectRef>
+          <a:fontRef idx="minor">
+            <a:schemeClr val="lt1"/>
+          </a:fontRef>
+        </p:style>
+        <p:txBody>
+          <a:bodyPr rtlCol="0" anchor="ctr"/>
+          <a:lstStyle/>
+          <a:p>
+            <a:pPr algn="ctr"/>
+            <a:r>
+              <a:rPr lang="en-US" dirty="0" smtClean="0"/>
+              <a:t>b2</a:t>
+            </a:r>
+            <a:endParaRPr lang="en-US" dirty="0"/>
+          </a:p>
+        </p:txBody>
+      </p:sp>
+      <p:sp>
+        <p:nvSpPr>
+          <p:cNvPr id="16" name="Cross 15"/>
+          <p:cNvSpPr/>
+          <p:nvPr/>
+        </p:nvSpPr>
+        <p:spPr>
+          <a:xfrm>
+            <a:off x="5819255" y="4264621"/>
+            <a:ext cx="540014" cy="327709"/>
+          </a:xfrm>
+          <a:prstGeom prst="plus">
+            <a:avLst/>
+          </a:prstGeom>
+          <a:solidFill>
+            <a:schemeClr val="accent2"/>
+          </a:solidFill>
+          <a:ln>
+            <a:solidFill>
+              <a:schemeClr val="accent2"/>
+            </a:solidFill>
+          </a:ln>
+        </p:spPr>
+        <p:style>
+          <a:lnRef idx="1">
+            <a:schemeClr val="accent1"/>
+          </a:lnRef>
+          <a:fillRef idx="3">
+            <a:schemeClr val="accent1"/>
+          </a:fillRef>
+          <a:effectRef idx="2">
+            <a:schemeClr val="accent1"/>
+          </a:effectRef>
+          <a:fontRef idx="minor">
+            <a:schemeClr val="lt1"/>
+          </a:fontRef>
+        </p:style>
+        <p:txBody>
+          <a:bodyPr rtlCol="0" anchor="ctr"/>
+          <a:lstStyle/>
+          <a:p>
+            <a:pPr algn="ctr"/>
+            <a:r>
+              <a:rPr lang="en-US" dirty="0" smtClean="0"/>
+              <a:t>b3</a:t>
+            </a:r>
+            <a:endParaRPr lang="en-US" dirty="0"/>
+          </a:p>
+        </p:txBody>
+      </p:sp>
+      <p:sp>
+        <p:nvSpPr>
+          <p:cNvPr id="17" name="Cross 16"/>
+          <p:cNvSpPr/>
+          <p:nvPr/>
+        </p:nvSpPr>
+        <p:spPr>
+          <a:xfrm>
+            <a:off x="6707226" y="3540473"/>
+            <a:ext cx="540014" cy="327709"/>
+          </a:xfrm>
+          <a:prstGeom prst="plus">
+            <a:avLst/>
+          </a:prstGeom>
+          <a:solidFill>
+            <a:schemeClr val="accent2"/>
+          </a:solidFill>
+          <a:ln>
+            <a:solidFill>
+              <a:schemeClr val="accent2"/>
+            </a:solidFill>
+          </a:ln>
+        </p:spPr>
+        <p:style>
+          <a:lnRef idx="1">
+            <a:schemeClr val="accent1"/>
+          </a:lnRef>
+          <a:fillRef idx="3">
+            <a:schemeClr val="accent1"/>
+          </a:fillRef>
+          <a:effectRef idx="2">
+            <a:schemeClr val="accent1"/>
+          </a:effectRef>
+          <a:fontRef idx="minor">
+            <a:schemeClr val="lt1"/>
+          </a:fontRef>
+        </p:style>
+        <p:txBody>
+          <a:bodyPr rtlCol="0" anchor="ctr"/>
+          <a:lstStyle/>
+          <a:p>
+            <a:pPr algn="ctr"/>
+            <a:r>
+              <a:rPr lang="en-US" dirty="0" err="1" smtClean="0"/>
+              <a:t>bm</a:t>
+            </a:r>
+            <a:endParaRPr lang="en-US" dirty="0"/>
+          </a:p>
+        </p:txBody>
+      </p:sp>
+      <p:cxnSp>
+        <p:nvCxnSpPr>
+          <p:cNvPr id="18" name="Curved Connector 17"/>
+          <p:cNvCxnSpPr>
+            <a:stCxn id="2" idx="3"/>
+            <a:endCxn id="15" idx="1"/>
+          </p:cNvCxnSpPr>
+          <p:nvPr/>
+        </p:nvCxnSpPr>
+        <p:spPr>
+          <a:xfrm>
+            <a:off x="2225832" y="3017657"/>
+            <a:ext cx="3593423" cy="741289"/>
+          </a:xfrm>
+          <a:prstGeom prst="curvedConnector3">
+            <a:avLst/>
+          </a:prstGeom>
+          <a:ln>
+            <a:tailEnd type="arrow"/>
+          </a:ln>
+        </p:spPr>
+        <p:style>
+          <a:lnRef idx="2">
+            <a:schemeClr val="accent1"/>
+          </a:lnRef>
+          <a:fillRef idx="0">
+            <a:schemeClr val="accent1"/>
+          </a:fillRef>
+          <a:effectRef idx="1">
+            <a:schemeClr val="accent1"/>
+          </a:effectRef>
+          <a:fontRef idx="minor">
+            <a:schemeClr val="tx1"/>
+          </a:fontRef>
+        </p:style>
+      </p:cxnSp>
+      <p:cxnSp>
+        <p:nvCxnSpPr>
+          <p:cNvPr id="23" name="Curved Connector 22"/>
+          <p:cNvCxnSpPr>
+            <a:stCxn id="8" idx="3"/>
+            <a:endCxn id="15" idx="1"/>
+          </p:cNvCxnSpPr>
+          <p:nvPr/>
+        </p:nvCxnSpPr>
+        <p:spPr>
+          <a:xfrm>
+            <a:off x="3224867" y="3688930"/>
+            <a:ext cx="2594388" cy="70016"/>
+          </a:xfrm>
+          <a:prstGeom prst="curvedConnector3">
+            <a:avLst>
+              <a:gd name="adj1" fmla="val 50000"/>
+            </a:avLst>
+          </a:prstGeom>
+          <a:ln>
+            <a:tailEnd type="arrow"/>
+          </a:ln>
+        </p:spPr>
+        <p:style>
+          <a:lnRef idx="2">
+            <a:schemeClr val="accent1"/>
+          </a:lnRef>
+          <a:fillRef idx="0">
+            <a:schemeClr val="accent1"/>
+          </a:fillRef>
+          <a:effectRef idx="1">
+            <a:schemeClr val="accent1"/>
+          </a:effectRef>
+          <a:fontRef idx="minor">
+            <a:schemeClr val="tx1"/>
+          </a:fontRef>
+        </p:style>
+      </p:cxnSp>
+      <p:cxnSp>
+        <p:nvCxnSpPr>
+          <p:cNvPr id="27" name="Curved Connector 26"/>
+          <p:cNvCxnSpPr>
+            <a:stCxn id="13" idx="3"/>
+            <a:endCxn id="16" idx="1"/>
+          </p:cNvCxnSpPr>
+          <p:nvPr/>
+        </p:nvCxnSpPr>
+        <p:spPr>
+          <a:xfrm flipV="1">
+            <a:off x="3004561" y="4428476"/>
+            <a:ext cx="2814694" cy="500363"/>
+          </a:xfrm>
+          <a:prstGeom prst="curvedConnector3">
+            <a:avLst/>
+          </a:prstGeom>
+          <a:ln>
+            <a:tailEnd type="arrow"/>
+          </a:ln>
+        </p:spPr>
+        <p:style>
+          <a:lnRef idx="2">
+            <a:schemeClr val="accent1"/>
+          </a:lnRef>
+          <a:fillRef idx="0">
+            <a:schemeClr val="accent1"/>
+          </a:fillRef>
+          <a:effectRef idx="1">
+            <a:schemeClr val="accent1"/>
+          </a:effectRef>
+          <a:fontRef idx="minor">
+            <a:schemeClr val="tx1"/>
+          </a:fontRef>
+        </p:style>
+      </p:cxnSp>
+      <p:sp>
+        <p:nvSpPr>
+          <p:cNvPr id="21" name="Multiply 20"/>
+          <p:cNvSpPr/>
+          <p:nvPr/>
+        </p:nvSpPr>
+        <p:spPr>
+          <a:xfrm>
+            <a:off x="3224867" y="2853802"/>
+            <a:ext cx="2495159" cy="2362237"/>
+          </a:xfrm>
+          <a:prstGeom prst="mathMultiply">
+            <a:avLst/>
+          </a:prstGeom>
+          <a:solidFill>
+            <a:srgbClr val="FF0000">
+              <a:alpha val="46000"/>
+            </a:srgbClr>
+          </a:solidFill>
+          <a:ln>
+            <a:noFill/>
+          </a:ln>
+        </p:spPr>
+        <p:style>
+          <a:lnRef idx="1">
+            <a:schemeClr val="accent1"/>
+          </a:lnRef>
+          <a:fillRef idx="3">
+            <a:schemeClr val="accent1"/>
+          </a:fillRef>
+          <a:effectRef idx="2">
+            <a:schemeClr val="accent1"/>
+          </a:effectRef>
+          <a:fontRef idx="minor">
+            <a:schemeClr val="lt1"/>
+          </a:fontRef>
+        </p:style>
+        <p:txBody>
+          <a:bodyPr rtlCol="0" anchor="ctr"/>
+          <a:lstStyle/>
+          <a:p>
+            <a:pPr algn="ctr"/>
+            <a:r>
+              <a:rPr lang="en-US" dirty="0" smtClean="0"/>
+              <a:t> </a:t>
+            </a:r>
+            <a:endParaRPr lang="en-US" dirty="0"/>
+          </a:p>
+        </p:txBody>
+      </p:sp>
+    </p:spTree>
+    <p:extLst>
+      <p:ext uri="{BB962C8B-B14F-4D97-AF65-F5344CB8AC3E}">
+        <p14:creationId xmlns:p14="http://schemas.microsoft.com/office/powerpoint/2010/main" val="3541740611"/>
+      </p:ext>
+    </p:extLst>
+  </p:cSld>
+  <p:clrMapOvr>
+    <a:masterClrMapping/>
+  </p:clrMapOvr>
+</p:sld>
+</file>
+
+<file path=ppt/slides/slide11.xml><?xml version="1.0" encoding="utf-8"?>
+<p:sld xmlns:a="http://schemas.openxmlformats.org/drawingml/2006/main" xmlns:r="http://schemas.openxmlformats.org/officeDocument/2006/relationships" xmlns:p="http://schemas.openxmlformats.org/presentationml/2006/main">
+  <p:cSld>
+    <p:spTree>
+      <p:nvGrpSpPr>
+        <p:cNvPr id="1" name=""/>
+        <p:cNvGrpSpPr/>
+        <p:nvPr/>
+      </p:nvGrpSpPr>
+      <p:grpSpPr>
+        <a:xfrm>
+          <a:off x="0" y="0"/>
+          <a:ext cx="0" cy="0"/>
+          <a:chOff x="0" y="0"/>
+          <a:chExt cx="0" cy="0"/>
+        </a:xfrm>
+      </p:grpSpPr>
+      <p:sp>
+        <p:nvSpPr>
+          <p:cNvPr id="4" name="Oval 3"/>
+          <p:cNvSpPr/>
+          <p:nvPr/>
+        </p:nvSpPr>
+        <p:spPr>
+          <a:xfrm>
+            <a:off x="1229862" y="2293967"/>
+            <a:ext cx="2266798" cy="3318057"/>
+          </a:xfrm>
+          <a:prstGeom prst="ellipse">
+            <a:avLst/>
+          </a:prstGeom>
+          <a:noFill/>
+        </p:spPr>
+        <p:style>
+          <a:lnRef idx="1">
+            <a:schemeClr val="accent1"/>
+          </a:lnRef>
+          <a:fillRef idx="3">
+            <a:schemeClr val="accent1"/>
+          </a:fillRef>
+          <a:effectRef idx="2">
+            <a:schemeClr val="accent1"/>
+          </a:effectRef>
+          <a:fontRef idx="minor">
+            <a:schemeClr val="lt1"/>
+          </a:fontRef>
+        </p:style>
+        <p:txBody>
+          <a:bodyPr rtlCol="0" anchor="ctr"/>
+          <a:lstStyle/>
+          <a:p>
+            <a:pPr algn="ctr"/>
+            <a:endParaRPr lang="en-US" sz="3600" dirty="0"/>
+          </a:p>
+        </p:txBody>
+      </p:sp>
+      <p:sp>
+        <p:nvSpPr>
+          <p:cNvPr id="6" name="Oval 5"/>
+          <p:cNvSpPr/>
+          <p:nvPr/>
+        </p:nvSpPr>
+        <p:spPr>
+          <a:xfrm>
+            <a:off x="5326483" y="2293967"/>
+            <a:ext cx="2286961" cy="3429722"/>
+          </a:xfrm>
+          <a:prstGeom prst="ellipse">
+            <a:avLst/>
+          </a:prstGeom>
+          <a:noFill/>
+          <a:ln>
+            <a:solidFill>
+              <a:schemeClr val="accent2"/>
+            </a:solidFill>
+          </a:ln>
+        </p:spPr>
+        <p:style>
+          <a:lnRef idx="1">
+            <a:schemeClr val="accent1"/>
+          </a:lnRef>
+          <a:fillRef idx="3">
+            <a:schemeClr val="accent1"/>
+          </a:fillRef>
+          <a:effectRef idx="2">
+            <a:schemeClr val="accent1"/>
+          </a:effectRef>
+          <a:fontRef idx="minor">
+            <a:schemeClr val="lt1"/>
+          </a:fontRef>
+        </p:style>
+        <p:txBody>
+          <a:bodyPr rtlCol="0" anchor="ctr"/>
+          <a:lstStyle/>
+          <a:p>
+            <a:pPr algn="ctr"/>
+            <a:endParaRPr lang="en-US" sz="3600" dirty="0"/>
+          </a:p>
+        </p:txBody>
+      </p:sp>
+      <p:sp>
+        <p:nvSpPr>
+          <p:cNvPr id="10" name="TextBox 9"/>
+          <p:cNvSpPr txBox="1"/>
+          <p:nvPr/>
+        </p:nvSpPr>
+        <p:spPr>
+          <a:xfrm>
+            <a:off x="1410933" y="1715746"/>
+            <a:ext cx="2085727" cy="461665"/>
+          </a:xfrm>
+          <a:prstGeom prst="rect">
+            <a:avLst/>
+          </a:prstGeom>
+          <a:noFill/>
+        </p:spPr>
+        <p:txBody>
+          <a:bodyPr wrap="none" rtlCol="0">
+            <a:spAutoFit/>
+          </a:bodyPr>
+          <a:lstStyle/>
+          <a:p>
+            <a:r>
+              <a:rPr lang="en-US" sz="2400" dirty="0" smtClean="0"/>
+              <a:t>Input / Domain</a:t>
+            </a:r>
+          </a:p>
+        </p:txBody>
+      </p:sp>
+      <p:sp>
+        <p:nvSpPr>
+          <p:cNvPr id="11" name="TextBox 10"/>
+          <p:cNvSpPr txBox="1"/>
+          <p:nvPr/>
+        </p:nvSpPr>
+        <p:spPr>
+          <a:xfrm>
+            <a:off x="5123842" y="1715746"/>
+            <a:ext cx="2613816" cy="461665"/>
+          </a:xfrm>
+          <a:prstGeom prst="rect">
+            <a:avLst/>
+          </a:prstGeom>
+          <a:noFill/>
+        </p:spPr>
+        <p:txBody>
+          <a:bodyPr wrap="none" rtlCol="0">
+            <a:spAutoFit/>
+          </a:bodyPr>
+          <a:lstStyle/>
+          <a:p>
+            <a:r>
+              <a:rPr lang="en-US" sz="2400" dirty="0" smtClean="0"/>
+              <a:t>Output / Codomain</a:t>
+            </a:r>
+          </a:p>
+        </p:txBody>
+      </p:sp>
+      <p:sp>
+        <p:nvSpPr>
+          <p:cNvPr id="2" name="Cross 1"/>
+          <p:cNvSpPr/>
+          <p:nvPr/>
+        </p:nvSpPr>
+        <p:spPr>
+          <a:xfrm>
+            <a:off x="1685818" y="2853802"/>
+            <a:ext cx="540014" cy="327709"/>
+          </a:xfrm>
+          <a:prstGeom prst="plus">
+            <a:avLst/>
+          </a:prstGeom>
+        </p:spPr>
+        <p:style>
+          <a:lnRef idx="1">
+            <a:schemeClr val="accent1"/>
+          </a:lnRef>
+          <a:fillRef idx="3">
+            <a:schemeClr val="accent1"/>
+          </a:fillRef>
+          <a:effectRef idx="2">
+            <a:schemeClr val="accent1"/>
+          </a:effectRef>
+          <a:fontRef idx="minor">
+            <a:schemeClr val="lt1"/>
+          </a:fontRef>
+        </p:style>
+        <p:txBody>
+          <a:bodyPr rtlCol="0" anchor="ctr"/>
+          <a:lstStyle/>
+          <a:p>
+            <a:pPr algn="ctr"/>
+            <a:r>
+              <a:rPr lang="en-US" dirty="0" smtClean="0"/>
+              <a:t>a1</a:t>
+            </a:r>
+            <a:endParaRPr lang="en-US" dirty="0"/>
+          </a:p>
+        </p:txBody>
+      </p:sp>
+      <p:sp>
+        <p:nvSpPr>
+          <p:cNvPr id="8" name="Cross 7"/>
+          <p:cNvSpPr/>
+          <p:nvPr/>
+        </p:nvSpPr>
+        <p:spPr>
+          <a:xfrm>
+            <a:off x="2684853" y="3525075"/>
+            <a:ext cx="540014" cy="327709"/>
+          </a:xfrm>
+          <a:prstGeom prst="plus">
+            <a:avLst/>
+          </a:prstGeom>
+        </p:spPr>
+        <p:style>
+          <a:lnRef idx="1">
+            <a:schemeClr val="accent1"/>
+          </a:lnRef>
+          <a:fillRef idx="3">
+            <a:schemeClr val="accent1"/>
+          </a:fillRef>
+          <a:effectRef idx="2">
+            <a:schemeClr val="accent1"/>
+          </a:effectRef>
+          <a:fontRef idx="minor">
+            <a:schemeClr val="lt1"/>
+          </a:fontRef>
+        </p:style>
+        <p:txBody>
+          <a:bodyPr rtlCol="0" anchor="ctr"/>
+          <a:lstStyle/>
+          <a:p>
+            <a:pPr algn="ctr"/>
+            <a:r>
+              <a:rPr lang="en-US" dirty="0" smtClean="0"/>
+              <a:t>a2</a:t>
+            </a:r>
+            <a:endParaRPr lang="en-US" dirty="0"/>
+          </a:p>
+        </p:txBody>
+      </p:sp>
+      <p:sp>
+        <p:nvSpPr>
+          <p:cNvPr id="12" name="Cross 11"/>
+          <p:cNvSpPr/>
+          <p:nvPr/>
+        </p:nvSpPr>
+        <p:spPr>
+          <a:xfrm>
+            <a:off x="1826753" y="4264621"/>
+            <a:ext cx="540014" cy="327709"/>
+          </a:xfrm>
+          <a:prstGeom prst="plus">
+            <a:avLst/>
+          </a:prstGeom>
+        </p:spPr>
+        <p:style>
+          <a:lnRef idx="1">
+            <a:schemeClr val="accent1"/>
+          </a:lnRef>
+          <a:fillRef idx="3">
+            <a:schemeClr val="accent1"/>
+          </a:fillRef>
+          <a:effectRef idx="2">
+            <a:schemeClr val="accent1"/>
+          </a:effectRef>
+          <a:fontRef idx="minor">
+            <a:schemeClr val="lt1"/>
+          </a:fontRef>
+        </p:style>
+        <p:txBody>
+          <a:bodyPr rtlCol="0" anchor="ctr"/>
+          <a:lstStyle/>
+          <a:p>
+            <a:pPr algn="ctr"/>
+            <a:r>
+              <a:rPr lang="en-US" dirty="0" smtClean="0"/>
+              <a:t>a3</a:t>
+            </a:r>
+            <a:endParaRPr lang="en-US" dirty="0"/>
+          </a:p>
+        </p:txBody>
+      </p:sp>
+      <p:sp>
+        <p:nvSpPr>
+          <p:cNvPr id="13" name="Cross 12"/>
+          <p:cNvSpPr/>
+          <p:nvPr/>
+        </p:nvSpPr>
+        <p:spPr>
+          <a:xfrm>
+            <a:off x="2464547" y="4764984"/>
+            <a:ext cx="540014" cy="327709"/>
+          </a:xfrm>
+          <a:prstGeom prst="plus">
+            <a:avLst/>
+          </a:prstGeom>
+        </p:spPr>
+        <p:style>
+          <a:lnRef idx="1">
+            <a:schemeClr val="accent1"/>
+          </a:lnRef>
+          <a:fillRef idx="3">
+            <a:schemeClr val="accent1"/>
+          </a:fillRef>
+          <a:effectRef idx="2">
+            <a:schemeClr val="accent1"/>
+          </a:effectRef>
+          <a:fontRef idx="minor">
+            <a:schemeClr val="lt1"/>
+          </a:fontRef>
+        </p:style>
+        <p:txBody>
+          <a:bodyPr rtlCol="0" anchor="ctr"/>
+          <a:lstStyle/>
+          <a:p>
+            <a:pPr algn="ctr"/>
+            <a:r>
+              <a:rPr lang="en-US" dirty="0" smtClean="0"/>
+              <a:t>an</a:t>
+            </a:r>
+            <a:endParaRPr lang="en-US" dirty="0"/>
+          </a:p>
+        </p:txBody>
+      </p:sp>
+      <p:sp>
+        <p:nvSpPr>
+          <p:cNvPr id="14" name="Cross 13"/>
+          <p:cNvSpPr/>
+          <p:nvPr/>
+        </p:nvSpPr>
+        <p:spPr>
+          <a:xfrm>
+            <a:off x="5730379" y="2907964"/>
+            <a:ext cx="540014" cy="327709"/>
+          </a:xfrm>
+          <a:prstGeom prst="plus">
+            <a:avLst/>
+          </a:prstGeom>
+          <a:solidFill>
+            <a:schemeClr val="accent2"/>
+          </a:solidFill>
+          <a:ln>
+            <a:solidFill>
+              <a:schemeClr val="accent2"/>
+            </a:solidFill>
+          </a:ln>
+        </p:spPr>
+        <p:style>
+          <a:lnRef idx="1">
+            <a:schemeClr val="accent1"/>
+          </a:lnRef>
+          <a:fillRef idx="3">
+            <a:schemeClr val="accent1"/>
+          </a:fillRef>
+          <a:effectRef idx="2">
+            <a:schemeClr val="accent1"/>
+          </a:effectRef>
+          <a:fontRef idx="minor">
+            <a:schemeClr val="lt1"/>
+          </a:fontRef>
+        </p:style>
+        <p:txBody>
+          <a:bodyPr rtlCol="0" anchor="ctr"/>
+          <a:lstStyle/>
+          <a:p>
+            <a:pPr algn="ctr"/>
+            <a:r>
+              <a:rPr lang="en-US" dirty="0" smtClean="0"/>
+              <a:t>b1</a:t>
+            </a:r>
+            <a:endParaRPr lang="en-US" dirty="0"/>
+          </a:p>
+        </p:txBody>
+      </p:sp>
+      <p:sp>
+        <p:nvSpPr>
+          <p:cNvPr id="15" name="Cross 14"/>
+          <p:cNvSpPr/>
+          <p:nvPr/>
+        </p:nvSpPr>
+        <p:spPr>
+          <a:xfrm>
+            <a:off x="5819255" y="3595091"/>
+            <a:ext cx="540014" cy="327709"/>
+          </a:xfrm>
+          <a:prstGeom prst="plus">
+            <a:avLst/>
+          </a:prstGeom>
+          <a:solidFill>
+            <a:schemeClr val="accent2"/>
+          </a:solidFill>
+          <a:ln>
+            <a:solidFill>
+              <a:schemeClr val="accent2"/>
+            </a:solidFill>
+          </a:ln>
+        </p:spPr>
+        <p:style>
+          <a:lnRef idx="1">
+            <a:schemeClr val="accent1"/>
+          </a:lnRef>
+          <a:fillRef idx="3">
+            <a:schemeClr val="accent1"/>
+          </a:fillRef>
+          <a:effectRef idx="2">
+            <a:schemeClr val="accent1"/>
+          </a:effectRef>
+          <a:fontRef idx="minor">
+            <a:schemeClr val="lt1"/>
+          </a:fontRef>
+        </p:style>
+        <p:txBody>
+          <a:bodyPr rtlCol="0" anchor="ctr"/>
+          <a:lstStyle/>
+          <a:p>
+            <a:pPr algn="ctr"/>
+            <a:r>
+              <a:rPr lang="en-US" dirty="0" smtClean="0"/>
+              <a:t>b2</a:t>
+            </a:r>
+            <a:endParaRPr lang="en-US" dirty="0"/>
+          </a:p>
+        </p:txBody>
+      </p:sp>
+      <p:sp>
+        <p:nvSpPr>
+          <p:cNvPr id="16" name="Cross 15"/>
+          <p:cNvSpPr/>
+          <p:nvPr/>
+        </p:nvSpPr>
+        <p:spPr>
+          <a:xfrm>
+            <a:off x="5819255" y="4264621"/>
+            <a:ext cx="540014" cy="327709"/>
+          </a:xfrm>
+          <a:prstGeom prst="plus">
+            <a:avLst/>
+          </a:prstGeom>
+          <a:solidFill>
+            <a:schemeClr val="accent2"/>
+          </a:solidFill>
+          <a:ln>
+            <a:solidFill>
+              <a:schemeClr val="accent2"/>
+            </a:solidFill>
+          </a:ln>
+        </p:spPr>
+        <p:style>
+          <a:lnRef idx="1">
+            <a:schemeClr val="accent1"/>
+          </a:lnRef>
+          <a:fillRef idx="3">
+            <a:schemeClr val="accent1"/>
+          </a:fillRef>
+          <a:effectRef idx="2">
+            <a:schemeClr val="accent1"/>
+          </a:effectRef>
+          <a:fontRef idx="minor">
+            <a:schemeClr val="lt1"/>
+          </a:fontRef>
+        </p:style>
+        <p:txBody>
+          <a:bodyPr rtlCol="0" anchor="ctr"/>
+          <a:lstStyle/>
+          <a:p>
+            <a:pPr algn="ctr"/>
+            <a:r>
+              <a:rPr lang="en-US" dirty="0" smtClean="0"/>
+              <a:t>b3</a:t>
+            </a:r>
+            <a:endParaRPr lang="en-US" dirty="0"/>
+          </a:p>
+        </p:txBody>
+      </p:sp>
+      <p:sp>
+        <p:nvSpPr>
+          <p:cNvPr id="17" name="Cross 16"/>
+          <p:cNvSpPr/>
+          <p:nvPr/>
+        </p:nvSpPr>
+        <p:spPr>
+          <a:xfrm>
+            <a:off x="6707226" y="3540473"/>
+            <a:ext cx="540014" cy="327709"/>
+          </a:xfrm>
+          <a:prstGeom prst="plus">
+            <a:avLst/>
+          </a:prstGeom>
+          <a:solidFill>
+            <a:schemeClr val="accent2"/>
+          </a:solidFill>
+          <a:ln>
+            <a:solidFill>
+              <a:schemeClr val="accent2"/>
+            </a:solidFill>
+          </a:ln>
+        </p:spPr>
+        <p:style>
+          <a:lnRef idx="1">
+            <a:schemeClr val="accent1"/>
+          </a:lnRef>
+          <a:fillRef idx="3">
+            <a:schemeClr val="accent1"/>
+          </a:fillRef>
+          <a:effectRef idx="2">
+            <a:schemeClr val="accent1"/>
+          </a:effectRef>
+          <a:fontRef idx="minor">
+            <a:schemeClr val="lt1"/>
+          </a:fontRef>
+        </p:style>
+        <p:txBody>
+          <a:bodyPr rtlCol="0" anchor="ctr"/>
+          <a:lstStyle/>
+          <a:p>
+            <a:pPr algn="ctr"/>
+            <a:r>
+              <a:rPr lang="en-US" dirty="0" err="1" smtClean="0"/>
+              <a:t>bm</a:t>
+            </a:r>
+            <a:endParaRPr lang="en-US" dirty="0"/>
+          </a:p>
+        </p:txBody>
+      </p:sp>
+      <p:cxnSp>
+        <p:nvCxnSpPr>
+          <p:cNvPr id="18" name="Curved Connector 17"/>
+          <p:cNvCxnSpPr>
+            <a:stCxn id="2" idx="3"/>
+            <a:endCxn id="15" idx="1"/>
+          </p:cNvCxnSpPr>
+          <p:nvPr/>
+        </p:nvCxnSpPr>
+        <p:spPr>
+          <a:xfrm>
+            <a:off x="2225832" y="3017657"/>
+            <a:ext cx="3593423" cy="741289"/>
+          </a:xfrm>
+          <a:prstGeom prst="curvedConnector3">
+            <a:avLst/>
+          </a:prstGeom>
+          <a:ln>
+            <a:tailEnd type="arrow"/>
+          </a:ln>
+        </p:spPr>
+        <p:style>
+          <a:lnRef idx="2">
+            <a:schemeClr val="accent1"/>
+          </a:lnRef>
+          <a:fillRef idx="0">
+            <a:schemeClr val="accent1"/>
+          </a:fillRef>
+          <a:effectRef idx="1">
+            <a:schemeClr val="accent1"/>
+          </a:effectRef>
+          <a:fontRef idx="minor">
+            <a:schemeClr val="tx1"/>
+          </a:fontRef>
+        </p:style>
+      </p:cxnSp>
+      <p:cxnSp>
+        <p:nvCxnSpPr>
+          <p:cNvPr id="23" name="Curved Connector 22"/>
+          <p:cNvCxnSpPr>
+            <a:stCxn id="8" idx="3"/>
+            <a:endCxn id="15" idx="1"/>
+          </p:cNvCxnSpPr>
+          <p:nvPr/>
+        </p:nvCxnSpPr>
+        <p:spPr>
+          <a:xfrm>
+            <a:off x="3224867" y="3688930"/>
+            <a:ext cx="2594388" cy="70016"/>
+          </a:xfrm>
+          <a:prstGeom prst="curvedConnector3">
+            <a:avLst>
+              <a:gd name="adj1" fmla="val 50000"/>
+            </a:avLst>
+          </a:prstGeom>
+          <a:ln>
+            <a:tailEnd type="arrow"/>
+          </a:ln>
+        </p:spPr>
+        <p:style>
+          <a:lnRef idx="2">
+            <a:schemeClr val="accent1"/>
+          </a:lnRef>
+          <a:fillRef idx="0">
+            <a:schemeClr val="accent1"/>
+          </a:fillRef>
+          <a:effectRef idx="1">
+            <a:schemeClr val="accent1"/>
+          </a:effectRef>
+          <a:fontRef idx="minor">
+            <a:schemeClr val="tx1"/>
+          </a:fontRef>
+        </p:style>
+      </p:cxnSp>
+      <p:cxnSp>
+        <p:nvCxnSpPr>
+          <p:cNvPr id="25" name="Curved Connector 24"/>
+          <p:cNvCxnSpPr>
+            <a:stCxn id="12" idx="2"/>
+            <a:endCxn id="3" idx="4"/>
+          </p:cNvCxnSpPr>
+          <p:nvPr/>
+        </p:nvCxnSpPr>
+        <p:spPr>
+          <a:xfrm rot="16200000" flipH="1">
+            <a:off x="2207894" y="4481196"/>
+            <a:ext cx="1519222" cy="1741490"/>
+          </a:xfrm>
+          <a:prstGeom prst="curvedConnector2">
+            <a:avLst/>
+          </a:prstGeom>
+          <a:ln>
+            <a:tailEnd type="arrow"/>
+          </a:ln>
+        </p:spPr>
+        <p:style>
+          <a:lnRef idx="2">
+            <a:schemeClr val="accent1"/>
+          </a:lnRef>
+          <a:fillRef idx="0">
+            <a:schemeClr val="accent1"/>
+          </a:fillRef>
+          <a:effectRef idx="1">
+            <a:schemeClr val="accent1"/>
+          </a:effectRef>
+          <a:fontRef idx="minor">
+            <a:schemeClr val="tx1"/>
+          </a:fontRef>
+        </p:style>
+      </p:cxnSp>
+      <p:cxnSp>
+        <p:nvCxnSpPr>
+          <p:cNvPr id="27" name="Curved Connector 26"/>
+          <p:cNvCxnSpPr>
+            <a:stCxn id="13" idx="3"/>
+            <a:endCxn id="16" idx="1"/>
+          </p:cNvCxnSpPr>
+          <p:nvPr/>
+        </p:nvCxnSpPr>
+        <p:spPr>
+          <a:xfrm flipV="1">
+            <a:off x="3004561" y="4428476"/>
+            <a:ext cx="2814694" cy="500363"/>
+          </a:xfrm>
+          <a:prstGeom prst="curvedConnector3">
+            <a:avLst/>
+          </a:prstGeom>
+          <a:ln>
+            <a:tailEnd type="arrow"/>
+          </a:ln>
+        </p:spPr>
+        <p:style>
+          <a:lnRef idx="2">
+            <a:schemeClr val="accent1"/>
+          </a:lnRef>
+          <a:fillRef idx="0">
+            <a:schemeClr val="accent1"/>
+          </a:fillRef>
+          <a:effectRef idx="1">
+            <a:schemeClr val="accent1"/>
+          </a:effectRef>
+          <a:fontRef idx="minor">
+            <a:schemeClr val="tx1"/>
+          </a:fontRef>
+        </p:style>
+      </p:cxnSp>
+      <p:sp>
+        <p:nvSpPr>
+          <p:cNvPr id="3" name="7-Point Star 2"/>
+          <p:cNvSpPr/>
+          <p:nvPr/>
+        </p:nvSpPr>
+        <p:spPr>
+          <a:xfrm>
+            <a:off x="3838254" y="5523495"/>
+            <a:ext cx="1407172" cy="914400"/>
+          </a:xfrm>
+          <a:prstGeom prst="star7">
+            <a:avLst/>
+          </a:prstGeom>
+          <a:solidFill>
+            <a:srgbClr val="FF6600"/>
+          </a:solidFill>
+        </p:spPr>
+        <p:style>
+          <a:lnRef idx="1">
+            <a:schemeClr val="accent1"/>
+          </a:lnRef>
+          <a:fillRef idx="3">
+            <a:schemeClr val="accent1"/>
+          </a:fillRef>
+          <a:effectRef idx="2">
+            <a:schemeClr val="accent1"/>
+          </a:effectRef>
+          <a:fontRef idx="minor">
+            <a:schemeClr val="lt1"/>
+          </a:fontRef>
+        </p:style>
+        <p:txBody>
+          <a:bodyPr rtlCol="0" anchor="ctr"/>
+          <a:lstStyle/>
+          <a:p>
+            <a:pPr algn="ctr"/>
+            <a:r>
+              <a:rPr lang="en-US" dirty="0" smtClean="0"/>
+              <a:t>Boom</a:t>
+            </a:r>
+          </a:p>
+        </p:txBody>
+      </p:sp>
+      <p:sp>
+        <p:nvSpPr>
+          <p:cNvPr id="19" name="Multiply 18"/>
+          <p:cNvSpPr/>
+          <p:nvPr/>
+        </p:nvSpPr>
+        <p:spPr>
+          <a:xfrm>
+            <a:off x="3224867" y="2853802"/>
+            <a:ext cx="2495159" cy="2362237"/>
+          </a:xfrm>
+          <a:prstGeom prst="mathMultiply">
+            <a:avLst/>
+          </a:prstGeom>
+          <a:solidFill>
+            <a:srgbClr val="FF0000">
+              <a:alpha val="46000"/>
+            </a:srgbClr>
+          </a:solidFill>
+          <a:ln>
+            <a:noFill/>
+          </a:ln>
+        </p:spPr>
+        <p:style>
+          <a:lnRef idx="1">
+            <a:schemeClr val="accent1"/>
+          </a:lnRef>
+          <a:fillRef idx="3">
+            <a:schemeClr val="accent1"/>
+          </a:fillRef>
+          <a:effectRef idx="2">
+            <a:schemeClr val="accent1"/>
+          </a:effectRef>
+          <a:fontRef idx="minor">
+            <a:schemeClr val="lt1"/>
+          </a:fontRef>
+        </p:style>
+        <p:txBody>
+          <a:bodyPr rtlCol="0" anchor="ctr"/>
+          <a:lstStyle/>
+          <a:p>
+            <a:pPr algn="ctr"/>
+            <a:r>
+              <a:rPr lang="en-US" dirty="0" smtClean="0"/>
+              <a:t> </a:t>
+            </a:r>
+            <a:endParaRPr lang="en-US" dirty="0"/>
+          </a:p>
+        </p:txBody>
+      </p:sp>
+    </p:spTree>
+    <p:extLst>
+      <p:ext uri="{BB962C8B-B14F-4D97-AF65-F5344CB8AC3E}">
+        <p14:creationId xmlns:p14="http://schemas.microsoft.com/office/powerpoint/2010/main" val="1304041939"/>
+      </p:ext>
+    </p:extLst>
+  </p:cSld>
+  <p:clrMapOvr>
+    <a:masterClrMapping/>
+  </p:clrMapOvr>
+</p:sld>
+</file>
+
+<file path=ppt/slides/slide12.xml><?xml version="1.0" encoding="utf-8"?>
+<p:sld xmlns:a="http://schemas.openxmlformats.org/drawingml/2006/main" xmlns:r="http://schemas.openxmlformats.org/officeDocument/2006/relationships" xmlns:p="http://schemas.openxmlformats.org/presentationml/2006/main">
+  <p:cSld>
+    <p:spTree>
+      <p:nvGrpSpPr>
+        <p:cNvPr id="1" name=""/>
+        <p:cNvGrpSpPr/>
+        <p:nvPr/>
+      </p:nvGrpSpPr>
+      <p:grpSpPr>
+        <a:xfrm>
+          <a:off x="0" y="0"/>
+          <a:ext cx="0" cy="0"/>
+          <a:chOff x="0" y="0"/>
+          <a:chExt cx="0" cy="0"/>
+        </a:xfrm>
+      </p:grpSpPr>
+      <p:sp>
+        <p:nvSpPr>
+          <p:cNvPr id="4" name="Oval 3"/>
+          <p:cNvSpPr/>
+          <p:nvPr/>
+        </p:nvSpPr>
+        <p:spPr>
+          <a:xfrm>
+            <a:off x="1229862" y="2293967"/>
+            <a:ext cx="2266798" cy="3318057"/>
+          </a:xfrm>
+          <a:prstGeom prst="ellipse">
+            <a:avLst/>
+          </a:prstGeom>
+          <a:noFill/>
+        </p:spPr>
+        <p:style>
+          <a:lnRef idx="1">
+            <a:schemeClr val="accent1"/>
+          </a:lnRef>
+          <a:fillRef idx="3">
+            <a:schemeClr val="accent1"/>
+          </a:fillRef>
+          <a:effectRef idx="2">
+            <a:schemeClr val="accent1"/>
+          </a:effectRef>
+          <a:fontRef idx="minor">
+            <a:schemeClr val="lt1"/>
+          </a:fontRef>
+        </p:style>
+        <p:txBody>
+          <a:bodyPr rtlCol="0" anchor="ctr"/>
+          <a:lstStyle/>
+          <a:p>
+            <a:pPr algn="ctr"/>
+            <a:endParaRPr lang="en-US" sz="3600" dirty="0"/>
+          </a:p>
+        </p:txBody>
+      </p:sp>
+      <p:sp>
+        <p:nvSpPr>
+          <p:cNvPr id="6" name="Oval 5"/>
+          <p:cNvSpPr/>
+          <p:nvPr/>
+        </p:nvSpPr>
+        <p:spPr>
+          <a:xfrm>
+            <a:off x="5326483" y="2293967"/>
+            <a:ext cx="2286961" cy="3429722"/>
+          </a:xfrm>
+          <a:prstGeom prst="ellipse">
+            <a:avLst/>
+          </a:prstGeom>
+          <a:noFill/>
+          <a:ln>
+            <a:solidFill>
+              <a:schemeClr val="accent2"/>
+            </a:solidFill>
+          </a:ln>
+        </p:spPr>
+        <p:style>
+          <a:lnRef idx="1">
+            <a:schemeClr val="accent1"/>
+          </a:lnRef>
+          <a:fillRef idx="3">
+            <a:schemeClr val="accent1"/>
+          </a:fillRef>
+          <a:effectRef idx="2">
+            <a:schemeClr val="accent1"/>
+          </a:effectRef>
+          <a:fontRef idx="minor">
+            <a:schemeClr val="lt1"/>
+          </a:fontRef>
+        </p:style>
+        <p:txBody>
+          <a:bodyPr rtlCol="0" anchor="ctr"/>
+          <a:lstStyle/>
+          <a:p>
+            <a:pPr algn="ctr"/>
+            <a:endParaRPr lang="en-US" sz="3600" dirty="0"/>
+          </a:p>
+        </p:txBody>
+      </p:sp>
+      <p:sp>
+        <p:nvSpPr>
+          <p:cNvPr id="10" name="TextBox 9"/>
+          <p:cNvSpPr txBox="1"/>
+          <p:nvPr/>
+        </p:nvSpPr>
+        <p:spPr>
+          <a:xfrm>
+            <a:off x="1410933" y="1715746"/>
+            <a:ext cx="2085727" cy="461665"/>
+          </a:xfrm>
+          <a:prstGeom prst="rect">
+            <a:avLst/>
+          </a:prstGeom>
+          <a:noFill/>
+        </p:spPr>
+        <p:txBody>
+          <a:bodyPr wrap="none" rtlCol="0">
+            <a:spAutoFit/>
+          </a:bodyPr>
+          <a:lstStyle/>
+          <a:p>
+            <a:r>
+              <a:rPr lang="en-US" sz="2400" dirty="0" smtClean="0"/>
+              <a:t>Input / Domain</a:t>
+            </a:r>
+          </a:p>
+        </p:txBody>
+      </p:sp>
+      <p:sp>
+        <p:nvSpPr>
+          <p:cNvPr id="11" name="TextBox 10"/>
+          <p:cNvSpPr txBox="1"/>
+          <p:nvPr/>
+        </p:nvSpPr>
+        <p:spPr>
+          <a:xfrm>
+            <a:off x="5123842" y="1715746"/>
+            <a:ext cx="2613816" cy="461665"/>
+          </a:xfrm>
+          <a:prstGeom prst="rect">
+            <a:avLst/>
+          </a:prstGeom>
+          <a:noFill/>
+        </p:spPr>
+        <p:txBody>
+          <a:bodyPr wrap="none" rtlCol="0">
+            <a:spAutoFit/>
+          </a:bodyPr>
+          <a:lstStyle/>
+          <a:p>
+            <a:r>
+              <a:rPr lang="en-US" sz="2400" dirty="0" smtClean="0"/>
+              <a:t>Output / Codomain</a:t>
+            </a:r>
+          </a:p>
+        </p:txBody>
+      </p:sp>
+      <p:sp>
+        <p:nvSpPr>
+          <p:cNvPr id="2" name="Cross 1"/>
+          <p:cNvSpPr/>
+          <p:nvPr/>
+        </p:nvSpPr>
+        <p:spPr>
+          <a:xfrm>
+            <a:off x="1685818" y="2853802"/>
+            <a:ext cx="540014" cy="327709"/>
+          </a:xfrm>
+          <a:prstGeom prst="plus">
+            <a:avLst/>
+          </a:prstGeom>
+        </p:spPr>
+        <p:style>
+          <a:lnRef idx="1">
+            <a:schemeClr val="accent1"/>
+          </a:lnRef>
+          <a:fillRef idx="3">
+            <a:schemeClr val="accent1"/>
+          </a:fillRef>
+          <a:effectRef idx="2">
+            <a:schemeClr val="accent1"/>
+          </a:effectRef>
+          <a:fontRef idx="minor">
+            <a:schemeClr val="lt1"/>
+          </a:fontRef>
+        </p:style>
+        <p:txBody>
+          <a:bodyPr rtlCol="0" anchor="ctr"/>
+          <a:lstStyle/>
+          <a:p>
+            <a:pPr algn="ctr"/>
+            <a:r>
+              <a:rPr lang="en-US" dirty="0" smtClean="0"/>
+              <a:t>a1</a:t>
+            </a:r>
+            <a:endParaRPr lang="en-US" dirty="0"/>
+          </a:p>
+        </p:txBody>
+      </p:sp>
+      <p:sp>
+        <p:nvSpPr>
+          <p:cNvPr id="8" name="Cross 7"/>
+          <p:cNvSpPr/>
+          <p:nvPr/>
+        </p:nvSpPr>
+        <p:spPr>
+          <a:xfrm>
+            <a:off x="2684853" y="3525075"/>
+            <a:ext cx="540014" cy="327709"/>
+          </a:xfrm>
+          <a:prstGeom prst="plus">
+            <a:avLst/>
+          </a:prstGeom>
+        </p:spPr>
+        <p:style>
+          <a:lnRef idx="1">
+            <a:schemeClr val="accent1"/>
+          </a:lnRef>
+          <a:fillRef idx="3">
+            <a:schemeClr val="accent1"/>
+          </a:fillRef>
+          <a:effectRef idx="2">
+            <a:schemeClr val="accent1"/>
+          </a:effectRef>
+          <a:fontRef idx="minor">
+            <a:schemeClr val="lt1"/>
+          </a:fontRef>
+        </p:style>
+        <p:txBody>
+          <a:bodyPr rtlCol="0" anchor="ctr"/>
+          <a:lstStyle/>
+          <a:p>
+            <a:pPr algn="ctr"/>
+            <a:r>
+              <a:rPr lang="en-US" dirty="0" smtClean="0"/>
+              <a:t>a2</a:t>
+            </a:r>
+            <a:endParaRPr lang="en-US" dirty="0"/>
+          </a:p>
+        </p:txBody>
+      </p:sp>
+      <p:sp>
+        <p:nvSpPr>
+          <p:cNvPr id="12" name="Cross 11"/>
+          <p:cNvSpPr/>
+          <p:nvPr/>
+        </p:nvSpPr>
+        <p:spPr>
+          <a:xfrm>
+            <a:off x="1826753" y="4264621"/>
+            <a:ext cx="540014" cy="327709"/>
+          </a:xfrm>
+          <a:prstGeom prst="plus">
+            <a:avLst/>
+          </a:prstGeom>
+        </p:spPr>
+        <p:style>
+          <a:lnRef idx="1">
+            <a:schemeClr val="accent1"/>
+          </a:lnRef>
+          <a:fillRef idx="3">
+            <a:schemeClr val="accent1"/>
+          </a:fillRef>
+          <a:effectRef idx="2">
+            <a:schemeClr val="accent1"/>
+          </a:effectRef>
+          <a:fontRef idx="minor">
+            <a:schemeClr val="lt1"/>
+          </a:fontRef>
+        </p:style>
+        <p:txBody>
+          <a:bodyPr rtlCol="0" anchor="ctr"/>
+          <a:lstStyle/>
+          <a:p>
+            <a:pPr algn="ctr"/>
+            <a:r>
+              <a:rPr lang="en-US" dirty="0" smtClean="0"/>
+              <a:t>a3</a:t>
+            </a:r>
+            <a:endParaRPr lang="en-US" dirty="0"/>
+          </a:p>
+        </p:txBody>
+      </p:sp>
+      <p:sp>
+        <p:nvSpPr>
+          <p:cNvPr id="13" name="Cross 12"/>
+          <p:cNvSpPr/>
+          <p:nvPr/>
+        </p:nvSpPr>
+        <p:spPr>
+          <a:xfrm>
+            <a:off x="2464547" y="4764984"/>
+            <a:ext cx="540014" cy="327709"/>
+          </a:xfrm>
+          <a:prstGeom prst="plus">
+            <a:avLst/>
+          </a:prstGeom>
+        </p:spPr>
+        <p:style>
+          <a:lnRef idx="1">
+            <a:schemeClr val="accent1"/>
+          </a:lnRef>
+          <a:fillRef idx="3">
+            <a:schemeClr val="accent1"/>
+          </a:fillRef>
+          <a:effectRef idx="2">
+            <a:schemeClr val="accent1"/>
+          </a:effectRef>
+          <a:fontRef idx="minor">
+            <a:schemeClr val="lt1"/>
+          </a:fontRef>
+        </p:style>
+        <p:txBody>
+          <a:bodyPr rtlCol="0" anchor="ctr"/>
+          <a:lstStyle/>
+          <a:p>
+            <a:pPr algn="ctr"/>
+            <a:r>
+              <a:rPr lang="en-US" dirty="0" smtClean="0"/>
+              <a:t>an</a:t>
+            </a:r>
+            <a:endParaRPr lang="en-US" dirty="0"/>
+          </a:p>
+        </p:txBody>
+      </p:sp>
+      <p:sp>
+        <p:nvSpPr>
+          <p:cNvPr id="14" name="Cross 13"/>
+          <p:cNvSpPr/>
+          <p:nvPr/>
+        </p:nvSpPr>
+        <p:spPr>
+          <a:xfrm>
+            <a:off x="5730379" y="2907964"/>
+            <a:ext cx="540014" cy="327709"/>
+          </a:xfrm>
+          <a:prstGeom prst="plus">
+            <a:avLst/>
+          </a:prstGeom>
+          <a:solidFill>
+            <a:schemeClr val="accent2"/>
+          </a:solidFill>
+          <a:ln>
+            <a:solidFill>
+              <a:schemeClr val="accent2"/>
+            </a:solidFill>
+          </a:ln>
+        </p:spPr>
+        <p:style>
+          <a:lnRef idx="1">
+            <a:schemeClr val="accent1"/>
+          </a:lnRef>
+          <a:fillRef idx="3">
+            <a:schemeClr val="accent1"/>
+          </a:fillRef>
+          <a:effectRef idx="2">
+            <a:schemeClr val="accent1"/>
+          </a:effectRef>
+          <a:fontRef idx="minor">
+            <a:schemeClr val="lt1"/>
+          </a:fontRef>
+        </p:style>
+        <p:txBody>
+          <a:bodyPr rtlCol="0" anchor="ctr"/>
+          <a:lstStyle/>
+          <a:p>
+            <a:pPr algn="ctr"/>
+            <a:r>
+              <a:rPr lang="en-US" dirty="0" smtClean="0"/>
+              <a:t>b1</a:t>
+            </a:r>
+            <a:endParaRPr lang="en-US" dirty="0"/>
+          </a:p>
+        </p:txBody>
+      </p:sp>
+      <p:sp>
+        <p:nvSpPr>
+          <p:cNvPr id="15" name="Cross 14"/>
+          <p:cNvSpPr/>
+          <p:nvPr/>
+        </p:nvSpPr>
+        <p:spPr>
+          <a:xfrm>
+            <a:off x="5819255" y="3595091"/>
+            <a:ext cx="540014" cy="327709"/>
+          </a:xfrm>
+          <a:prstGeom prst="plus">
+            <a:avLst/>
+          </a:prstGeom>
+          <a:solidFill>
+            <a:schemeClr val="accent2"/>
+          </a:solidFill>
+          <a:ln>
+            <a:solidFill>
+              <a:schemeClr val="accent2"/>
+            </a:solidFill>
+          </a:ln>
+        </p:spPr>
+        <p:style>
+          <a:lnRef idx="1">
+            <a:schemeClr val="accent1"/>
+          </a:lnRef>
+          <a:fillRef idx="3">
+            <a:schemeClr val="accent1"/>
+          </a:fillRef>
+          <a:effectRef idx="2">
+            <a:schemeClr val="accent1"/>
+          </a:effectRef>
+          <a:fontRef idx="minor">
+            <a:schemeClr val="lt1"/>
+          </a:fontRef>
+        </p:style>
+        <p:txBody>
+          <a:bodyPr rtlCol="0" anchor="ctr"/>
+          <a:lstStyle/>
+          <a:p>
+            <a:pPr algn="ctr"/>
+            <a:r>
+              <a:rPr lang="en-US" dirty="0" smtClean="0"/>
+              <a:t>b2</a:t>
+            </a:r>
+            <a:endParaRPr lang="en-US" dirty="0"/>
+          </a:p>
+        </p:txBody>
+      </p:sp>
+      <p:sp>
+        <p:nvSpPr>
+          <p:cNvPr id="16" name="Cross 15"/>
+          <p:cNvSpPr/>
+          <p:nvPr/>
+        </p:nvSpPr>
+        <p:spPr>
+          <a:xfrm>
+            <a:off x="5819255" y="4264621"/>
+            <a:ext cx="540014" cy="327709"/>
+          </a:xfrm>
+          <a:prstGeom prst="plus">
+            <a:avLst/>
+          </a:prstGeom>
+          <a:solidFill>
+            <a:schemeClr val="accent2"/>
+          </a:solidFill>
+          <a:ln>
+            <a:solidFill>
+              <a:schemeClr val="accent2"/>
+            </a:solidFill>
+          </a:ln>
+        </p:spPr>
+        <p:style>
+          <a:lnRef idx="1">
+            <a:schemeClr val="accent1"/>
+          </a:lnRef>
+          <a:fillRef idx="3">
+            <a:schemeClr val="accent1"/>
+          </a:fillRef>
+          <a:effectRef idx="2">
+            <a:schemeClr val="accent1"/>
+          </a:effectRef>
+          <a:fontRef idx="minor">
+            <a:schemeClr val="lt1"/>
+          </a:fontRef>
+        </p:style>
+        <p:txBody>
+          <a:bodyPr rtlCol="0" anchor="ctr"/>
+          <a:lstStyle/>
+          <a:p>
+            <a:pPr algn="ctr"/>
+            <a:r>
+              <a:rPr lang="en-US" dirty="0" smtClean="0"/>
+              <a:t>b3</a:t>
+            </a:r>
+            <a:endParaRPr lang="en-US" dirty="0"/>
+          </a:p>
+        </p:txBody>
+      </p:sp>
+      <p:sp>
+        <p:nvSpPr>
+          <p:cNvPr id="17" name="Cross 16"/>
+          <p:cNvSpPr/>
+          <p:nvPr/>
+        </p:nvSpPr>
+        <p:spPr>
+          <a:xfrm>
+            <a:off x="6707226" y="3540473"/>
+            <a:ext cx="540014" cy="327709"/>
+          </a:xfrm>
+          <a:prstGeom prst="plus">
+            <a:avLst/>
+          </a:prstGeom>
+          <a:solidFill>
+            <a:schemeClr val="accent2"/>
+          </a:solidFill>
+          <a:ln>
+            <a:solidFill>
+              <a:schemeClr val="accent2"/>
+            </a:solidFill>
+          </a:ln>
+        </p:spPr>
+        <p:style>
+          <a:lnRef idx="1">
+            <a:schemeClr val="accent1"/>
+          </a:lnRef>
+          <a:fillRef idx="3">
+            <a:schemeClr val="accent1"/>
+          </a:fillRef>
+          <a:effectRef idx="2">
+            <a:schemeClr val="accent1"/>
+          </a:effectRef>
+          <a:fontRef idx="minor">
+            <a:schemeClr val="lt1"/>
+          </a:fontRef>
+        </p:style>
+        <p:txBody>
+          <a:bodyPr rtlCol="0" anchor="ctr"/>
+          <a:lstStyle/>
+          <a:p>
+            <a:pPr algn="ctr"/>
+            <a:r>
+              <a:rPr lang="en-US" dirty="0" err="1" smtClean="0"/>
+              <a:t>bm</a:t>
+            </a:r>
+            <a:endParaRPr lang="en-US" dirty="0"/>
+          </a:p>
+        </p:txBody>
+      </p:sp>
+      <p:cxnSp>
+        <p:nvCxnSpPr>
+          <p:cNvPr id="18" name="Curved Connector 17"/>
+          <p:cNvCxnSpPr>
+            <a:stCxn id="2" idx="3"/>
+            <a:endCxn id="15" idx="1"/>
+          </p:cNvCxnSpPr>
+          <p:nvPr/>
+        </p:nvCxnSpPr>
+        <p:spPr>
+          <a:xfrm>
+            <a:off x="2225832" y="3017657"/>
+            <a:ext cx="3593423" cy="741289"/>
+          </a:xfrm>
+          <a:prstGeom prst="curvedConnector3">
+            <a:avLst/>
+          </a:prstGeom>
+          <a:ln>
+            <a:tailEnd type="arrow"/>
+          </a:ln>
+        </p:spPr>
+        <p:style>
+          <a:lnRef idx="2">
+            <a:schemeClr val="accent1"/>
+          </a:lnRef>
+          <a:fillRef idx="0">
+            <a:schemeClr val="accent1"/>
+          </a:fillRef>
+          <a:effectRef idx="1">
+            <a:schemeClr val="accent1"/>
+          </a:effectRef>
+          <a:fontRef idx="minor">
+            <a:schemeClr val="tx1"/>
+          </a:fontRef>
+        </p:style>
+      </p:cxnSp>
+      <p:cxnSp>
+        <p:nvCxnSpPr>
+          <p:cNvPr id="23" name="Curved Connector 22"/>
+          <p:cNvCxnSpPr>
+            <a:stCxn id="8" idx="3"/>
+            <a:endCxn id="17" idx="0"/>
+          </p:cNvCxnSpPr>
+          <p:nvPr/>
+        </p:nvCxnSpPr>
+        <p:spPr>
+          <a:xfrm flipV="1">
+            <a:off x="3224867" y="3540473"/>
+            <a:ext cx="3752366" cy="148457"/>
+          </a:xfrm>
+          <a:prstGeom prst="curvedConnector4">
+            <a:avLst>
+              <a:gd name="adj1" fmla="val 46402"/>
+              <a:gd name="adj2" fmla="val 264356"/>
+            </a:avLst>
+          </a:prstGeom>
+          <a:ln>
+            <a:tailEnd type="arrow"/>
+          </a:ln>
+        </p:spPr>
+        <p:style>
+          <a:lnRef idx="2">
+            <a:schemeClr val="accent1"/>
+          </a:lnRef>
+          <a:fillRef idx="0">
+            <a:schemeClr val="accent1"/>
+          </a:fillRef>
+          <a:effectRef idx="1">
+            <a:schemeClr val="accent1"/>
+          </a:effectRef>
+          <a:fontRef idx="minor">
+            <a:schemeClr val="tx1"/>
+          </a:fontRef>
+        </p:style>
+      </p:cxnSp>
+      <p:cxnSp>
+        <p:nvCxnSpPr>
+          <p:cNvPr id="25" name="Curved Connector 24"/>
+          <p:cNvCxnSpPr>
+            <a:endCxn id="14" idx="1"/>
+          </p:cNvCxnSpPr>
+          <p:nvPr/>
+        </p:nvCxnSpPr>
+        <p:spPr>
+          <a:xfrm flipV="1">
+            <a:off x="2225832" y="3071819"/>
+            <a:ext cx="3504547" cy="1393220"/>
+          </a:xfrm>
+          <a:prstGeom prst="curvedConnector3">
+            <a:avLst/>
+          </a:prstGeom>
+          <a:ln>
+            <a:tailEnd type="arrow"/>
+          </a:ln>
+        </p:spPr>
+        <p:style>
+          <a:lnRef idx="2">
+            <a:schemeClr val="accent1"/>
+          </a:lnRef>
+          <a:fillRef idx="0">
+            <a:schemeClr val="accent1"/>
+          </a:fillRef>
+          <a:effectRef idx="1">
+            <a:schemeClr val="accent1"/>
+          </a:effectRef>
+          <a:fontRef idx="minor">
+            <a:schemeClr val="tx1"/>
+          </a:fontRef>
+        </p:style>
+      </p:cxnSp>
+      <p:cxnSp>
+        <p:nvCxnSpPr>
+          <p:cNvPr id="27" name="Curved Connector 26"/>
+          <p:cNvCxnSpPr>
+            <a:stCxn id="13" idx="3"/>
+            <a:endCxn id="16" idx="1"/>
+          </p:cNvCxnSpPr>
+          <p:nvPr/>
+        </p:nvCxnSpPr>
+        <p:spPr>
+          <a:xfrm flipV="1">
+            <a:off x="3004561" y="4428476"/>
+            <a:ext cx="2814694" cy="500363"/>
+          </a:xfrm>
+          <a:prstGeom prst="curvedConnector3">
+            <a:avLst/>
+          </a:prstGeom>
+          <a:ln>
+            <a:tailEnd type="arrow"/>
+          </a:ln>
+        </p:spPr>
+        <p:style>
+          <a:lnRef idx="2">
+            <a:schemeClr val="accent1"/>
+          </a:lnRef>
+          <a:fillRef idx="0">
+            <a:schemeClr val="accent1"/>
+          </a:fillRef>
+          <a:effectRef idx="1">
+            <a:schemeClr val="accent1"/>
+          </a:effectRef>
+          <a:fontRef idx="minor">
+            <a:schemeClr val="tx1"/>
+          </a:fontRef>
+        </p:style>
+      </p:cxnSp>
+    </p:spTree>
+    <p:extLst>
+      <p:ext uri="{BB962C8B-B14F-4D97-AF65-F5344CB8AC3E}">
+        <p14:creationId xmlns:p14="http://schemas.microsoft.com/office/powerpoint/2010/main" val="1512008150"/>
+      </p:ext>
+    </p:extLst>
+  </p:cSld>
+  <p:clrMapOvr>
+    <a:masterClrMapping/>
+  </p:clrMapOvr>
+</p:sld>
+</file>
+
+<file path=ppt/slides/slide13.xml><?xml version="1.0" encoding="utf-8"?>
+<p:sld xmlns:a="http://schemas.openxmlformats.org/drawingml/2006/main" xmlns:r="http://schemas.openxmlformats.org/officeDocument/2006/relationships" xmlns:p="http://schemas.openxmlformats.org/presentationml/2006/main">
+  <p:cSld>
+    <p:spTree>
+      <p:nvGrpSpPr>
+        <p:cNvPr id="1" name=""/>
+        <p:cNvGrpSpPr/>
+        <p:nvPr/>
+      </p:nvGrpSpPr>
+      <p:grpSpPr>
+        <a:xfrm>
+          <a:off x="0" y="0"/>
+          <a:ext cx="0" cy="0"/>
+          <a:chOff x="0" y="0"/>
+          <a:chExt cx="0" cy="0"/>
+        </a:xfrm>
+      </p:grpSpPr>
+      <p:sp>
+        <p:nvSpPr>
+          <p:cNvPr id="8" name="Oval 7"/>
+          <p:cNvSpPr/>
+          <p:nvPr/>
+        </p:nvSpPr>
+        <p:spPr>
+          <a:xfrm>
+            <a:off x="5005762" y="1313039"/>
+            <a:ext cx="1098204" cy="1158435"/>
+          </a:xfrm>
+          <a:prstGeom prst="ellipse">
+            <a:avLst/>
+          </a:prstGeom>
+          <a:solidFill>
+            <a:schemeClr val="accent6">
+              <a:lumMod val="75000"/>
+            </a:schemeClr>
+          </a:solidFill>
+          <a:ln>
+            <a:solidFill>
+              <a:schemeClr val="accent1">
+                <a:shade val="95000"/>
+                <a:satMod val="105000"/>
+                <a:alpha val="0"/>
+              </a:schemeClr>
+            </a:solidFill>
+          </a:ln>
+        </p:spPr>
+        <p:style>
+          <a:lnRef idx="1">
+            <a:schemeClr val="accent1"/>
+          </a:lnRef>
+          <a:fillRef idx="3">
+            <a:schemeClr val="accent1"/>
+          </a:fillRef>
+          <a:effectRef idx="2">
+            <a:schemeClr val="accent1"/>
+          </a:effectRef>
+          <a:fontRef idx="minor">
+            <a:schemeClr val="lt1"/>
+          </a:fontRef>
+        </p:style>
+        <p:txBody>
+          <a:bodyPr rtlCol="0" anchor="ctr"/>
+          <a:lstStyle/>
+          <a:p>
+            <a:pPr algn="ctr"/>
+            <a:r>
+              <a:rPr lang="en-US" sz="3600" dirty="0" smtClean="0"/>
+              <a:t>C</a:t>
+            </a:r>
+            <a:endParaRPr lang="en-US" sz="3600" dirty="0"/>
+          </a:p>
+        </p:txBody>
+      </p:sp>
+      <p:sp>
+        <p:nvSpPr>
+          <p:cNvPr id="10" name="Oval 9"/>
+          <p:cNvSpPr/>
+          <p:nvPr/>
+        </p:nvSpPr>
+        <p:spPr>
+          <a:xfrm>
+            <a:off x="2454313" y="1313039"/>
+            <a:ext cx="1098204" cy="1158435"/>
+          </a:xfrm>
+          <a:prstGeom prst="ellipse">
+            <a:avLst/>
+          </a:prstGeom>
+          <a:solidFill>
+            <a:schemeClr val="accent6">
+              <a:lumMod val="75000"/>
+            </a:schemeClr>
+          </a:solidFill>
+          <a:ln>
+            <a:solidFill>
+              <a:schemeClr val="accent1">
+                <a:shade val="95000"/>
+                <a:satMod val="105000"/>
+                <a:alpha val="0"/>
+              </a:schemeClr>
+            </a:solidFill>
+          </a:ln>
+        </p:spPr>
+        <p:style>
+          <a:lnRef idx="1">
+            <a:schemeClr val="accent1"/>
+          </a:lnRef>
+          <a:fillRef idx="3">
+            <a:schemeClr val="accent1"/>
+          </a:fillRef>
+          <a:effectRef idx="2">
+            <a:schemeClr val="accent1"/>
+          </a:effectRef>
+          <a:fontRef idx="minor">
+            <a:schemeClr val="lt1"/>
+          </a:fontRef>
+        </p:style>
+        <p:txBody>
+          <a:bodyPr rtlCol="0" anchor="ctr"/>
+          <a:lstStyle/>
+          <a:p>
+            <a:pPr algn="ctr"/>
+            <a:r>
+              <a:rPr lang="en-US" sz="3600" dirty="0" smtClean="0"/>
+              <a:t>B</a:t>
+            </a:r>
+          </a:p>
+        </p:txBody>
+      </p:sp>
+      <p:sp>
+        <p:nvSpPr>
+          <p:cNvPr id="11" name="Oval 10"/>
+          <p:cNvSpPr/>
+          <p:nvPr/>
+        </p:nvSpPr>
+        <p:spPr>
+          <a:xfrm>
+            <a:off x="599447" y="3103985"/>
+            <a:ext cx="1098204" cy="1158435"/>
+          </a:xfrm>
+          <a:prstGeom prst="ellipse">
+            <a:avLst/>
+          </a:prstGeom>
+          <a:solidFill>
+            <a:schemeClr val="tx2"/>
+          </a:solidFill>
+          <a:ln>
+            <a:solidFill>
+              <a:schemeClr val="accent1">
+                <a:shade val="95000"/>
+                <a:satMod val="105000"/>
+                <a:alpha val="0"/>
+              </a:schemeClr>
+            </a:solidFill>
+          </a:ln>
+        </p:spPr>
+        <p:style>
+          <a:lnRef idx="1">
+            <a:schemeClr val="accent1"/>
+          </a:lnRef>
+          <a:fillRef idx="3">
+            <a:schemeClr val="accent1"/>
+          </a:fillRef>
+          <a:effectRef idx="2">
+            <a:schemeClr val="accent1"/>
+          </a:effectRef>
+          <a:fontRef idx="minor">
+            <a:schemeClr val="lt1"/>
+          </a:fontRef>
+        </p:style>
+        <p:txBody>
+          <a:bodyPr rtlCol="0" anchor="ctr"/>
+          <a:lstStyle/>
+          <a:p>
+            <a:pPr algn="ctr"/>
+            <a:r>
+              <a:rPr lang="en-US" sz="3600" dirty="0" smtClean="0"/>
+              <a:t>A</a:t>
+            </a:r>
+          </a:p>
+        </p:txBody>
+      </p:sp>
+      <p:sp>
+        <p:nvSpPr>
+          <p:cNvPr id="12" name="Oval 11"/>
+          <p:cNvSpPr/>
+          <p:nvPr/>
+        </p:nvSpPr>
+        <p:spPr>
+          <a:xfrm>
+            <a:off x="3684452" y="4543925"/>
+            <a:ext cx="1098204" cy="1158435"/>
+          </a:xfrm>
+          <a:prstGeom prst="ellipse">
+            <a:avLst/>
+          </a:prstGeom>
+          <a:solidFill>
+            <a:schemeClr val="accent3"/>
+          </a:solidFill>
+          <a:ln>
+            <a:solidFill>
+              <a:schemeClr val="accent1">
+                <a:shade val="95000"/>
+                <a:satMod val="105000"/>
+                <a:alpha val="0"/>
+              </a:schemeClr>
+            </a:solidFill>
+          </a:ln>
+        </p:spPr>
+        <p:style>
+          <a:lnRef idx="1">
+            <a:schemeClr val="accent1"/>
+          </a:lnRef>
+          <a:fillRef idx="3">
+            <a:schemeClr val="accent1"/>
+          </a:fillRef>
+          <a:effectRef idx="2">
+            <a:schemeClr val="accent1"/>
+          </a:effectRef>
+          <a:fontRef idx="minor">
+            <a:schemeClr val="lt1"/>
+          </a:fontRef>
+        </p:style>
+        <p:txBody>
+          <a:bodyPr rtlCol="0" anchor="ctr"/>
+          <a:lstStyle/>
+          <a:p>
+            <a:pPr algn="ctr"/>
+            <a:r>
+              <a:rPr lang="en-US" sz="3600" dirty="0"/>
+              <a:t>D</a:t>
+            </a:r>
+            <a:endParaRPr lang="en-US" sz="3600" dirty="0" smtClean="0"/>
+          </a:p>
+        </p:txBody>
+      </p:sp>
+      <p:sp>
+        <p:nvSpPr>
+          <p:cNvPr id="13" name="Oval 12"/>
+          <p:cNvSpPr/>
+          <p:nvPr/>
+        </p:nvSpPr>
+        <p:spPr>
+          <a:xfrm>
+            <a:off x="7140385" y="2830894"/>
+            <a:ext cx="1098204" cy="1158435"/>
+          </a:xfrm>
+          <a:prstGeom prst="ellipse">
+            <a:avLst/>
+          </a:prstGeom>
+          <a:solidFill>
+            <a:schemeClr val="accent4"/>
+          </a:solidFill>
+          <a:ln>
+            <a:solidFill>
+              <a:schemeClr val="accent1">
+                <a:shade val="95000"/>
+                <a:satMod val="105000"/>
+                <a:alpha val="0"/>
+              </a:schemeClr>
+            </a:solidFill>
+          </a:ln>
+        </p:spPr>
+        <p:style>
+          <a:lnRef idx="1">
+            <a:schemeClr val="accent1"/>
+          </a:lnRef>
+          <a:fillRef idx="3">
+            <a:schemeClr val="accent1"/>
+          </a:fillRef>
+          <a:effectRef idx="2">
+            <a:schemeClr val="accent1"/>
+          </a:effectRef>
+          <a:fontRef idx="minor">
+            <a:schemeClr val="lt1"/>
+          </a:fontRef>
+        </p:style>
+        <p:txBody>
+          <a:bodyPr rtlCol="0" anchor="ctr"/>
+          <a:lstStyle/>
+          <a:p>
+            <a:pPr algn="ctr"/>
+            <a:r>
+              <a:rPr lang="en-US" sz="3600" dirty="0"/>
+              <a:t>E</a:t>
+            </a:r>
+            <a:endParaRPr lang="en-US" sz="3600" dirty="0" smtClean="0"/>
+          </a:p>
+        </p:txBody>
+      </p:sp>
+      <p:sp>
+        <p:nvSpPr>
+          <p:cNvPr id="14" name="Right Arrow 13"/>
+          <p:cNvSpPr/>
+          <p:nvPr/>
+        </p:nvSpPr>
+        <p:spPr>
+          <a:xfrm rot="19365763">
+            <a:off x="1429007" y="2372727"/>
+            <a:ext cx="978408" cy="484632"/>
+          </a:xfrm>
+          <a:prstGeom prst="rightArrow">
+            <a:avLst/>
+          </a:prstGeom>
+        </p:spPr>
+        <p:style>
+          <a:lnRef idx="1">
+            <a:schemeClr val="accent1"/>
+          </a:lnRef>
+          <a:fillRef idx="3">
+            <a:schemeClr val="accent1"/>
+          </a:fillRef>
+          <a:effectRef idx="2">
+            <a:schemeClr val="accent1"/>
+          </a:effectRef>
+          <a:fontRef idx="minor">
+            <a:schemeClr val="lt1"/>
+          </a:fontRef>
+        </p:style>
+        <p:txBody>
+          <a:bodyPr rtlCol="0" anchor="ctr"/>
+          <a:lstStyle/>
+          <a:p>
+            <a:pPr algn="ctr"/>
+            <a:endParaRPr lang="en-US"/>
+          </a:p>
+        </p:txBody>
+      </p:sp>
+      <p:sp>
+        <p:nvSpPr>
+          <p:cNvPr id="17" name="Right Arrow 16"/>
+          <p:cNvSpPr/>
+          <p:nvPr/>
+        </p:nvSpPr>
+        <p:spPr>
+          <a:xfrm>
+            <a:off x="3804248" y="1564065"/>
+            <a:ext cx="978408" cy="484632"/>
+          </a:xfrm>
+          <a:prstGeom prst="rightArrow">
+            <a:avLst/>
+          </a:prstGeom>
+        </p:spPr>
+        <p:style>
+          <a:lnRef idx="1">
+            <a:schemeClr val="accent1"/>
+          </a:lnRef>
+          <a:fillRef idx="3">
+            <a:schemeClr val="accent1"/>
+          </a:fillRef>
+          <a:effectRef idx="2">
+            <a:schemeClr val="accent1"/>
+          </a:effectRef>
+          <a:fontRef idx="minor">
+            <a:schemeClr val="lt1"/>
+          </a:fontRef>
+        </p:style>
+        <p:txBody>
+          <a:bodyPr rtlCol="0" anchor="ctr"/>
+          <a:lstStyle/>
+          <a:p>
+            <a:pPr algn="ctr"/>
+            <a:endParaRPr lang="en-US"/>
+          </a:p>
+        </p:txBody>
+      </p:sp>
+      <p:sp>
+        <p:nvSpPr>
+          <p:cNvPr id="18" name="Right Arrow 17"/>
+          <p:cNvSpPr/>
+          <p:nvPr/>
+        </p:nvSpPr>
+        <p:spPr>
+          <a:xfrm rot="2403700">
+            <a:off x="6161977" y="2306695"/>
+            <a:ext cx="978408" cy="484632"/>
+          </a:xfrm>
+          <a:prstGeom prst="rightArrow">
+            <a:avLst/>
+          </a:prstGeom>
+        </p:spPr>
+        <p:style>
+          <a:lnRef idx="1">
+            <a:schemeClr val="accent1"/>
+          </a:lnRef>
+          <a:fillRef idx="3">
+            <a:schemeClr val="accent1"/>
+          </a:fillRef>
+          <a:effectRef idx="2">
+            <a:schemeClr val="accent1"/>
+          </a:effectRef>
+          <a:fontRef idx="minor">
+            <a:schemeClr val="lt1"/>
+          </a:fontRef>
+        </p:style>
+        <p:txBody>
+          <a:bodyPr rtlCol="0" anchor="ctr"/>
+          <a:lstStyle/>
+          <a:p>
+            <a:pPr algn="ctr"/>
+            <a:endParaRPr lang="en-US"/>
+          </a:p>
+        </p:txBody>
+      </p:sp>
+      <p:sp>
+        <p:nvSpPr>
+          <p:cNvPr id="19" name="Right Arrow 18"/>
+          <p:cNvSpPr/>
+          <p:nvPr/>
+        </p:nvSpPr>
+        <p:spPr>
+          <a:xfrm rot="1297716">
+            <a:off x="1953263" y="4309337"/>
+            <a:ext cx="1314875" cy="484632"/>
+          </a:xfrm>
+          <a:prstGeom prst="rightArrow">
+            <a:avLst/>
+          </a:prstGeom>
+        </p:spPr>
+        <p:style>
+          <a:lnRef idx="1">
+            <a:schemeClr val="accent1"/>
+          </a:lnRef>
+          <a:fillRef idx="3">
+            <a:schemeClr val="accent1"/>
+          </a:fillRef>
+          <a:effectRef idx="2">
+            <a:schemeClr val="accent1"/>
+          </a:effectRef>
+          <a:fontRef idx="minor">
+            <a:schemeClr val="lt1"/>
+          </a:fontRef>
+        </p:style>
+        <p:txBody>
+          <a:bodyPr rtlCol="0" anchor="ctr"/>
+          <a:lstStyle/>
+          <a:p>
+            <a:pPr algn="ctr"/>
+            <a:endParaRPr lang="en-US"/>
+          </a:p>
+        </p:txBody>
+      </p:sp>
+      <p:sp>
+        <p:nvSpPr>
+          <p:cNvPr id="20" name="Right Arrow 19"/>
+          <p:cNvSpPr/>
+          <p:nvPr/>
+        </p:nvSpPr>
+        <p:spPr>
+          <a:xfrm rot="19854906">
+            <a:off x="5192059" y="4217596"/>
+            <a:ext cx="1857502" cy="484632"/>
+          </a:xfrm>
+          <a:prstGeom prst="rightArrow">
+            <a:avLst/>
+          </a:prstGeom>
+        </p:spPr>
+        <p:style>
+          <a:lnRef idx="1">
+            <a:schemeClr val="accent1"/>
+          </a:lnRef>
+          <a:fillRef idx="3">
+            <a:schemeClr val="accent1"/>
+          </a:fillRef>
+          <a:effectRef idx="2">
+            <a:schemeClr val="accent1"/>
+          </a:effectRef>
+          <a:fontRef idx="minor">
+            <a:schemeClr val="lt1"/>
+          </a:fontRef>
+        </p:style>
+        <p:txBody>
+          <a:bodyPr rtlCol="0" anchor="ctr"/>
+          <a:lstStyle/>
+          <a:p>
+            <a:pPr algn="ctr"/>
+            <a:endParaRPr lang="en-US"/>
+          </a:p>
+        </p:txBody>
+      </p:sp>
+    </p:spTree>
+    <p:extLst>
+      <p:ext uri="{BB962C8B-B14F-4D97-AF65-F5344CB8AC3E}">
+        <p14:creationId xmlns:p14="http://schemas.microsoft.com/office/powerpoint/2010/main" val="1677747331"/>
+      </p:ext>
+    </p:extLst>
+  </p:cSld>
+  <p:clrMapOvr>
+    <a:masterClrMapping/>
+  </p:clrMapOvr>
+</p:sld>
+</file>
+
 <file path=ppt/slides/slide2.xml><?xml version="1.0" encoding="utf-8"?>
 <p:sld xmlns:a="http://schemas.openxmlformats.org/drawingml/2006/main" xmlns:r="http://schemas.openxmlformats.org/officeDocument/2006/relationships" xmlns:p="http://schemas.openxmlformats.org/presentationml/2006/main">
   <p:cSld>
@@ -3628,66 +6310,21 @@
       </p:grpSpPr>
       <p:sp>
         <p:nvSpPr>
-          <p:cNvPr id="4" name="Oval 3"/>
-          <p:cNvSpPr/>
-          <p:nvPr/>
-        </p:nvSpPr>
-        <p:spPr>
-          <a:xfrm>
-            <a:off x="1229862" y="2293967"/>
-            <a:ext cx="2266798" cy="3318057"/>
+          <p:cNvPr id="8" name="Oval 7"/>
+          <p:cNvSpPr/>
+          <p:nvPr/>
+        </p:nvSpPr>
+        <p:spPr>
+          <a:xfrm>
+            <a:off x="2150244" y="1291708"/>
+            <a:ext cx="4438975" cy="5027697"/>
           </a:xfrm>
           <a:prstGeom prst="ellipse">
             <a:avLst/>
           </a:prstGeom>
           <a:solidFill>
-            <a:schemeClr val="accent1"/>
-          </a:solidFill>
-        </p:spPr>
-        <p:style>
-          <a:lnRef idx="1">
-            <a:schemeClr val="accent1"/>
-          </a:lnRef>
-          <a:fillRef idx="3">
-            <a:schemeClr val="accent1"/>
-          </a:fillRef>
-          <a:effectRef idx="2">
-            <a:schemeClr val="accent1"/>
-          </a:effectRef>
-          <a:fontRef idx="minor">
-            <a:schemeClr val="lt1"/>
-          </a:fontRef>
-        </p:style>
-        <p:txBody>
-          <a:bodyPr rtlCol="0" anchor="ctr"/>
-          <a:lstStyle/>
-          <a:p>
-            <a:pPr algn="ctr"/>
-            <a:r>
-              <a:rPr lang="en-US" sz="3600" dirty="0" smtClean="0"/>
-              <a:t>A</a:t>
-            </a:r>
-            <a:endParaRPr lang="en-US" sz="3600" dirty="0"/>
-          </a:p>
-        </p:txBody>
-      </p:sp>
-      <p:sp>
-        <p:nvSpPr>
-          <p:cNvPr id="6" name="Oval 5"/>
-          <p:cNvSpPr/>
-          <p:nvPr/>
-        </p:nvSpPr>
-        <p:spPr>
-          <a:xfrm>
-            <a:off x="5326483" y="2293967"/>
-            <a:ext cx="2286961" cy="3429722"/>
-          </a:xfrm>
-          <a:prstGeom prst="ellipse">
-            <a:avLst/>
-          </a:prstGeom>
-          <a:solidFill>
-            <a:schemeClr val="accent2">
-              <a:lumMod val="75000"/>
+            <a:schemeClr val="bg1">
+              <a:alpha val="0"/>
             </a:schemeClr>
           </a:solidFill>
         </p:spPr>
@@ -3710,62 +6347,20 @@
           <a:lstStyle/>
           <a:p>
             <a:pPr algn="ctr"/>
-            <a:r>
-              <a:rPr lang="en-US" sz="3600" dirty="0" smtClean="0"/>
-              <a:t>B</a:t>
-            </a:r>
-            <a:endParaRPr lang="en-US" sz="3600" dirty="0"/>
-          </a:p>
-        </p:txBody>
-      </p:sp>
-      <p:sp>
-        <p:nvSpPr>
-          <p:cNvPr id="9" name="Right Arrow 8"/>
-          <p:cNvSpPr/>
-          <p:nvPr/>
-        </p:nvSpPr>
-        <p:spPr>
-          <a:xfrm>
-            <a:off x="3782546" y="3497994"/>
-            <a:ext cx="1242643" cy="778309"/>
-          </a:xfrm>
-          <a:prstGeom prst="rightArrow">
-            <a:avLst/>
-          </a:prstGeom>
-        </p:spPr>
-        <p:style>
-          <a:lnRef idx="1">
-            <a:schemeClr val="accent1"/>
-          </a:lnRef>
-          <a:fillRef idx="3">
-            <a:schemeClr val="accent1"/>
-          </a:fillRef>
-          <a:effectRef idx="2">
-            <a:schemeClr val="accent1"/>
-          </a:effectRef>
-          <a:fontRef idx="minor">
-            <a:schemeClr val="lt1"/>
-          </a:fontRef>
-        </p:style>
-        <p:txBody>
-          <a:bodyPr rtlCol="0" anchor="ctr"/>
-          <a:lstStyle/>
-          <a:p>
-            <a:pPr algn="ctr"/>
             <a:endParaRPr lang="en-US"/>
           </a:p>
         </p:txBody>
       </p:sp>
       <p:sp>
         <p:nvSpPr>
-          <p:cNvPr id="10" name="TextBox 9"/>
+          <p:cNvPr id="11" name="TextBox 10"/>
           <p:cNvSpPr txBox="1"/>
           <p:nvPr/>
         </p:nvSpPr>
         <p:spPr>
           <a:xfrm>
-            <a:off x="1410933" y="1715746"/>
-            <a:ext cx="2085727" cy="461665"/>
+            <a:off x="3721167" y="645377"/>
+            <a:ext cx="1353200" cy="646331"/>
           </a:xfrm>
           <a:prstGeom prst="rect">
             <a:avLst/>
@@ -3773,57 +6368,571 @@
           <a:noFill/>
         </p:spPr>
         <p:txBody>
-          <a:bodyPr wrap="none" rtlCol="0">
+          <a:bodyPr wrap="square" rtlCol="0">
             <a:spAutoFit/>
           </a:bodyPr>
           <a:lstStyle/>
           <a:p>
             <a:r>
-              <a:rPr lang="en-US" sz="2400" dirty="0" smtClean="0"/>
-              <a:t>Input / Domain</a:t>
-            </a:r>
-          </a:p>
-        </p:txBody>
-      </p:sp>
-      <p:sp>
-        <p:nvSpPr>
-          <p:cNvPr id="11" name="TextBox 10"/>
-          <p:cNvSpPr txBox="1"/>
-          <p:nvPr/>
-        </p:nvSpPr>
-        <p:spPr>
-          <a:xfrm>
-            <a:off x="5123842" y="1715746"/>
-            <a:ext cx="2613816" cy="461665"/>
-          </a:xfrm>
-          <a:prstGeom prst="rect">
-            <a:avLst/>
-          </a:prstGeom>
-          <a:noFill/>
-        </p:spPr>
-        <p:txBody>
-          <a:bodyPr wrap="none" rtlCol="0">
-            <a:spAutoFit/>
-          </a:bodyPr>
-          <a:lstStyle/>
-          <a:p>
-            <a:r>
-              <a:rPr lang="en-US" sz="2400" dirty="0" smtClean="0"/>
-              <a:t>Output / Codomain</a:t>
-            </a:r>
+              <a:rPr lang="en-US" sz="3600" b="1" dirty="0" smtClean="0">
+                <a:solidFill>
+                  <a:schemeClr val="accent4"/>
+                </a:solidFill>
+              </a:rPr>
+              <a:t>String</a:t>
+            </a:r>
+            <a:endParaRPr lang="en-US" sz="3600" b="1" dirty="0">
+              <a:solidFill>
+                <a:schemeClr val="accent4"/>
+              </a:solidFill>
+            </a:endParaRPr>
+          </a:p>
+        </p:txBody>
+      </p:sp>
+      <p:sp>
+        <p:nvSpPr>
+          <p:cNvPr id="12" name="Cross 11"/>
+          <p:cNvSpPr/>
+          <p:nvPr/>
+        </p:nvSpPr>
+        <p:spPr>
+          <a:xfrm>
+            <a:off x="3309661" y="2250179"/>
+            <a:ext cx="959037" cy="316877"/>
+          </a:xfrm>
+          <a:prstGeom prst="plus">
+            <a:avLst/>
+          </a:prstGeom>
+          <a:solidFill>
+            <a:schemeClr val="accent3"/>
+          </a:solidFill>
+          <a:ln>
+            <a:solidFill>
+              <a:schemeClr val="accent1">
+                <a:shade val="95000"/>
+                <a:satMod val="105000"/>
+                <a:alpha val="0"/>
+              </a:schemeClr>
+            </a:solidFill>
+          </a:ln>
+        </p:spPr>
+        <p:style>
+          <a:lnRef idx="1">
+            <a:schemeClr val="accent1"/>
+          </a:lnRef>
+          <a:fillRef idx="3">
+            <a:schemeClr val="accent1"/>
+          </a:fillRef>
+          <a:effectRef idx="2">
+            <a:schemeClr val="accent1"/>
+          </a:effectRef>
+          <a:fontRef idx="minor">
+            <a:schemeClr val="lt1"/>
+          </a:fontRef>
+        </p:style>
+        <p:txBody>
+          <a:bodyPr rtlCol="0" anchor="ctr"/>
+          <a:lstStyle/>
+          <a:p>
+            <a:pPr algn="ctr"/>
+            <a:r>
+              <a:rPr lang="en-US" dirty="0" smtClean="0"/>
+              <a:t>“Hello”</a:t>
+            </a:r>
+          </a:p>
+        </p:txBody>
+      </p:sp>
+      <p:sp>
+        <p:nvSpPr>
+          <p:cNvPr id="15" name="Cross 14"/>
+          <p:cNvSpPr/>
+          <p:nvPr/>
+        </p:nvSpPr>
+        <p:spPr>
+          <a:xfrm>
+            <a:off x="4786542" y="1933302"/>
+            <a:ext cx="410630" cy="316877"/>
+          </a:xfrm>
+          <a:prstGeom prst="plus">
+            <a:avLst/>
+          </a:prstGeom>
+          <a:solidFill>
+            <a:schemeClr val="accent3"/>
+          </a:solidFill>
+          <a:ln>
+            <a:solidFill>
+              <a:schemeClr val="accent1">
+                <a:shade val="95000"/>
+                <a:satMod val="105000"/>
+                <a:alpha val="0"/>
+              </a:schemeClr>
+            </a:solidFill>
+          </a:ln>
+        </p:spPr>
+        <p:style>
+          <a:lnRef idx="1">
+            <a:schemeClr val="accent1"/>
+          </a:lnRef>
+          <a:fillRef idx="3">
+            <a:schemeClr val="accent1"/>
+          </a:fillRef>
+          <a:effectRef idx="2">
+            <a:schemeClr val="accent1"/>
+          </a:effectRef>
+          <a:fontRef idx="minor">
+            <a:schemeClr val="lt1"/>
+          </a:fontRef>
+        </p:style>
+        <p:txBody>
+          <a:bodyPr rtlCol="0" anchor="ctr"/>
+          <a:lstStyle/>
+          <a:p>
+            <a:pPr algn="ctr"/>
+            <a:r>
+              <a:rPr lang="en-US" dirty="0" smtClean="0"/>
+              <a:t>“”</a:t>
+            </a:r>
+          </a:p>
+        </p:txBody>
+      </p:sp>
+      <p:sp>
+        <p:nvSpPr>
+          <p:cNvPr id="16" name="Cross 15"/>
+          <p:cNvSpPr/>
+          <p:nvPr/>
+        </p:nvSpPr>
+        <p:spPr>
+          <a:xfrm>
+            <a:off x="4978782" y="2849735"/>
+            <a:ext cx="959037" cy="316877"/>
+          </a:xfrm>
+          <a:prstGeom prst="plus">
+            <a:avLst/>
+          </a:prstGeom>
+          <a:solidFill>
+            <a:schemeClr val="accent3"/>
+          </a:solidFill>
+          <a:ln>
+            <a:solidFill>
+              <a:schemeClr val="accent1">
+                <a:shade val="95000"/>
+                <a:satMod val="105000"/>
+                <a:alpha val="0"/>
+              </a:schemeClr>
+            </a:solidFill>
+          </a:ln>
+        </p:spPr>
+        <p:style>
+          <a:lnRef idx="1">
+            <a:schemeClr val="accent1"/>
+          </a:lnRef>
+          <a:fillRef idx="3">
+            <a:schemeClr val="accent1"/>
+          </a:fillRef>
+          <a:effectRef idx="2">
+            <a:schemeClr val="accent1"/>
+          </a:effectRef>
+          <a:fontRef idx="minor">
+            <a:schemeClr val="lt1"/>
+          </a:fontRef>
+        </p:style>
+        <p:txBody>
+          <a:bodyPr rtlCol="0" anchor="ctr"/>
+          <a:lstStyle/>
+          <a:p>
+            <a:pPr algn="ctr"/>
+            <a:r>
+              <a:rPr lang="en-US" dirty="0" smtClean="0"/>
+              <a:t>“World”</a:t>
+            </a:r>
+          </a:p>
+        </p:txBody>
+      </p:sp>
+      <p:sp>
+        <p:nvSpPr>
+          <p:cNvPr id="17" name="Cross 16"/>
+          <p:cNvSpPr/>
+          <p:nvPr/>
+        </p:nvSpPr>
+        <p:spPr>
+          <a:xfrm>
+            <a:off x="2830142" y="4245632"/>
+            <a:ext cx="3227414" cy="628732"/>
+          </a:xfrm>
+          <a:prstGeom prst="plus">
+            <a:avLst/>
+          </a:prstGeom>
+          <a:solidFill>
+            <a:schemeClr val="accent3"/>
+          </a:solidFill>
+          <a:ln>
+            <a:solidFill>
+              <a:schemeClr val="accent1">
+                <a:shade val="95000"/>
+                <a:satMod val="105000"/>
+                <a:alpha val="0"/>
+              </a:schemeClr>
+            </a:solidFill>
+          </a:ln>
+        </p:spPr>
+        <p:style>
+          <a:lnRef idx="1">
+            <a:schemeClr val="accent1"/>
+          </a:lnRef>
+          <a:fillRef idx="3">
+            <a:schemeClr val="accent1"/>
+          </a:fillRef>
+          <a:effectRef idx="2">
+            <a:schemeClr val="accent1"/>
+          </a:effectRef>
+          <a:fontRef idx="minor">
+            <a:schemeClr val="lt1"/>
+          </a:fontRef>
+        </p:style>
+        <p:txBody>
+          <a:bodyPr rtlCol="0" anchor="ctr"/>
+          <a:lstStyle/>
+          <a:p>
+            <a:pPr algn="ctr"/>
+            <a:r>
+              <a:rPr lang="en-US" dirty="0" smtClean="0"/>
+              <a:t>“Really really </a:t>
+            </a:r>
+            <a:r>
+              <a:rPr lang="mr-IN" dirty="0" smtClean="0"/>
+              <a:t>…</a:t>
+            </a:r>
+            <a:r>
+              <a:rPr lang="en-GB" dirty="0" smtClean="0"/>
+              <a:t> really long String</a:t>
+            </a:r>
+            <a:r>
+              <a:rPr lang="en-US" dirty="0" smtClean="0"/>
+              <a:t>”</a:t>
+            </a:r>
+          </a:p>
+        </p:txBody>
+      </p:sp>
+      <p:sp>
+        <p:nvSpPr>
+          <p:cNvPr id="25" name="Cross 24"/>
+          <p:cNvSpPr/>
+          <p:nvPr/>
+        </p:nvSpPr>
+        <p:spPr>
+          <a:xfrm>
+            <a:off x="2492745" y="3339327"/>
+            <a:ext cx="1775953" cy="316877"/>
+          </a:xfrm>
+          <a:prstGeom prst="plus">
+            <a:avLst/>
+          </a:prstGeom>
+          <a:solidFill>
+            <a:schemeClr val="accent3"/>
+          </a:solidFill>
+          <a:ln>
+            <a:solidFill>
+              <a:schemeClr val="accent1">
+                <a:shade val="95000"/>
+                <a:satMod val="105000"/>
+                <a:alpha val="0"/>
+              </a:schemeClr>
+            </a:solidFill>
+          </a:ln>
+        </p:spPr>
+        <p:style>
+          <a:lnRef idx="1">
+            <a:schemeClr val="accent1"/>
+          </a:lnRef>
+          <a:fillRef idx="3">
+            <a:schemeClr val="accent1"/>
+          </a:fillRef>
+          <a:effectRef idx="2">
+            <a:schemeClr val="accent1"/>
+          </a:effectRef>
+          <a:fontRef idx="minor">
+            <a:schemeClr val="lt1"/>
+          </a:fontRef>
+        </p:style>
+        <p:txBody>
+          <a:bodyPr rtlCol="0" anchor="ctr"/>
+          <a:lstStyle/>
+          <a:p>
+            <a:pPr algn="ctr"/>
+            <a:r>
+              <a:rPr lang="en-US" dirty="0" smtClean="0"/>
+              <a:t>“Hello World”</a:t>
+            </a:r>
+          </a:p>
+        </p:txBody>
+      </p:sp>
+      <p:sp>
+        <p:nvSpPr>
+          <p:cNvPr id="26" name="Cross 25"/>
+          <p:cNvSpPr/>
+          <p:nvPr/>
+        </p:nvSpPr>
+        <p:spPr>
+          <a:xfrm>
+            <a:off x="4063383" y="2691296"/>
+            <a:ext cx="410630" cy="316877"/>
+          </a:xfrm>
+          <a:prstGeom prst="plus">
+            <a:avLst/>
+          </a:prstGeom>
+          <a:solidFill>
+            <a:schemeClr val="accent3"/>
+          </a:solidFill>
+          <a:ln>
+            <a:solidFill>
+              <a:schemeClr val="accent1">
+                <a:shade val="95000"/>
+                <a:satMod val="105000"/>
+                <a:alpha val="0"/>
+              </a:schemeClr>
+            </a:solidFill>
+          </a:ln>
+        </p:spPr>
+        <p:style>
+          <a:lnRef idx="1">
+            <a:schemeClr val="accent1"/>
+          </a:lnRef>
+          <a:fillRef idx="3">
+            <a:schemeClr val="accent1"/>
+          </a:fillRef>
+          <a:effectRef idx="2">
+            <a:schemeClr val="accent1"/>
+          </a:effectRef>
+          <a:fontRef idx="minor">
+            <a:schemeClr val="lt1"/>
+          </a:fontRef>
+        </p:style>
+        <p:txBody>
+          <a:bodyPr rtlCol="0" anchor="ctr"/>
+          <a:lstStyle/>
+          <a:p>
+            <a:pPr algn="ctr"/>
+            <a:endParaRPr lang="en-US" dirty="0" smtClean="0"/>
+          </a:p>
+        </p:txBody>
+      </p:sp>
+      <p:sp>
+        <p:nvSpPr>
+          <p:cNvPr id="27" name="Cross 26"/>
+          <p:cNvSpPr/>
+          <p:nvPr/>
+        </p:nvSpPr>
+        <p:spPr>
+          <a:xfrm>
+            <a:off x="4978782" y="3497765"/>
+            <a:ext cx="410630" cy="316877"/>
+          </a:xfrm>
+          <a:prstGeom prst="plus">
+            <a:avLst/>
+          </a:prstGeom>
+          <a:solidFill>
+            <a:schemeClr val="accent3"/>
+          </a:solidFill>
+          <a:ln>
+            <a:solidFill>
+              <a:schemeClr val="accent1">
+                <a:shade val="95000"/>
+                <a:satMod val="105000"/>
+                <a:alpha val="0"/>
+              </a:schemeClr>
+            </a:solidFill>
+          </a:ln>
+        </p:spPr>
+        <p:style>
+          <a:lnRef idx="1">
+            <a:schemeClr val="accent1"/>
+          </a:lnRef>
+          <a:fillRef idx="3">
+            <a:schemeClr val="accent1"/>
+          </a:fillRef>
+          <a:effectRef idx="2">
+            <a:schemeClr val="accent1"/>
+          </a:effectRef>
+          <a:fontRef idx="minor">
+            <a:schemeClr val="lt1"/>
+          </a:fontRef>
+        </p:style>
+        <p:txBody>
+          <a:bodyPr rtlCol="0" anchor="ctr"/>
+          <a:lstStyle/>
+          <a:p>
+            <a:pPr algn="ctr"/>
+            <a:endParaRPr lang="en-US" dirty="0" smtClean="0"/>
+          </a:p>
+        </p:txBody>
+      </p:sp>
+      <p:sp>
+        <p:nvSpPr>
+          <p:cNvPr id="28" name="Cross 27"/>
+          <p:cNvSpPr/>
+          <p:nvPr/>
+        </p:nvSpPr>
+        <p:spPr>
+          <a:xfrm>
+            <a:off x="3309661" y="5205934"/>
+            <a:ext cx="410630" cy="316877"/>
+          </a:xfrm>
+          <a:prstGeom prst="plus">
+            <a:avLst/>
+          </a:prstGeom>
+          <a:solidFill>
+            <a:schemeClr val="accent3"/>
+          </a:solidFill>
+          <a:ln>
+            <a:solidFill>
+              <a:schemeClr val="accent1">
+                <a:shade val="95000"/>
+                <a:satMod val="105000"/>
+                <a:alpha val="0"/>
+              </a:schemeClr>
+            </a:solidFill>
+          </a:ln>
+        </p:spPr>
+        <p:style>
+          <a:lnRef idx="1">
+            <a:schemeClr val="accent1"/>
+          </a:lnRef>
+          <a:fillRef idx="3">
+            <a:schemeClr val="accent1"/>
+          </a:fillRef>
+          <a:effectRef idx="2">
+            <a:schemeClr val="accent1"/>
+          </a:effectRef>
+          <a:fontRef idx="minor">
+            <a:schemeClr val="lt1"/>
+          </a:fontRef>
+        </p:style>
+        <p:txBody>
+          <a:bodyPr rtlCol="0" anchor="ctr"/>
+          <a:lstStyle/>
+          <a:p>
+            <a:pPr algn="ctr"/>
+            <a:endParaRPr lang="en-US" dirty="0" smtClean="0"/>
+          </a:p>
+        </p:txBody>
+      </p:sp>
+      <p:sp>
+        <p:nvSpPr>
+          <p:cNvPr id="29" name="Cross 28"/>
+          <p:cNvSpPr/>
+          <p:nvPr/>
+        </p:nvSpPr>
+        <p:spPr>
+          <a:xfrm>
+            <a:off x="5184097" y="5047495"/>
+            <a:ext cx="410630" cy="316877"/>
+          </a:xfrm>
+          <a:prstGeom prst="plus">
+            <a:avLst/>
+          </a:prstGeom>
+          <a:solidFill>
+            <a:schemeClr val="accent3"/>
+          </a:solidFill>
+          <a:ln>
+            <a:solidFill>
+              <a:schemeClr val="accent1">
+                <a:shade val="95000"/>
+                <a:satMod val="105000"/>
+                <a:alpha val="0"/>
+              </a:schemeClr>
+            </a:solidFill>
+          </a:ln>
+        </p:spPr>
+        <p:style>
+          <a:lnRef idx="1">
+            <a:schemeClr val="accent1"/>
+          </a:lnRef>
+          <a:fillRef idx="3">
+            <a:schemeClr val="accent1"/>
+          </a:fillRef>
+          <a:effectRef idx="2">
+            <a:schemeClr val="accent1"/>
+          </a:effectRef>
+          <a:fontRef idx="minor">
+            <a:schemeClr val="lt1"/>
+          </a:fontRef>
+        </p:style>
+        <p:txBody>
+          <a:bodyPr rtlCol="0" anchor="ctr"/>
+          <a:lstStyle/>
+          <a:p>
+            <a:pPr algn="ctr"/>
+            <a:endParaRPr lang="en-US" dirty="0" smtClean="0"/>
+          </a:p>
+        </p:txBody>
+      </p:sp>
+      <p:sp>
+        <p:nvSpPr>
+          <p:cNvPr id="30" name="Cross 29"/>
+          <p:cNvSpPr/>
+          <p:nvPr/>
+        </p:nvSpPr>
+        <p:spPr>
+          <a:xfrm>
+            <a:off x="4154011" y="5522811"/>
+            <a:ext cx="410630" cy="316877"/>
+          </a:xfrm>
+          <a:prstGeom prst="plus">
+            <a:avLst/>
+          </a:prstGeom>
+          <a:solidFill>
+            <a:schemeClr val="accent3"/>
+          </a:solidFill>
+          <a:ln>
+            <a:solidFill>
+              <a:schemeClr val="accent1">
+                <a:shade val="95000"/>
+                <a:satMod val="105000"/>
+                <a:alpha val="0"/>
+              </a:schemeClr>
+            </a:solidFill>
+          </a:ln>
+        </p:spPr>
+        <p:style>
+          <a:lnRef idx="1">
+            <a:schemeClr val="accent1"/>
+          </a:lnRef>
+          <a:fillRef idx="3">
+            <a:schemeClr val="accent1"/>
+          </a:fillRef>
+          <a:effectRef idx="2">
+            <a:schemeClr val="accent1"/>
+          </a:effectRef>
+          <a:fontRef idx="minor">
+            <a:schemeClr val="lt1"/>
+          </a:fontRef>
+        </p:style>
+        <p:txBody>
+          <a:bodyPr rtlCol="0" anchor="ctr"/>
+          <a:lstStyle/>
+          <a:p>
+            <a:pPr algn="ctr"/>
+            <a:endParaRPr lang="en-US" dirty="0" smtClean="0"/>
           </a:p>
         </p:txBody>
       </p:sp>
     </p:spTree>
     <p:extLst>
       <p:ext uri="{BB962C8B-B14F-4D97-AF65-F5344CB8AC3E}">
-        <p14:creationId xmlns:p14="http://schemas.microsoft.com/office/powerpoint/2010/main" val="1737009357"/>
+        <p14:creationId xmlns:p14="http://schemas.microsoft.com/office/powerpoint/2010/main" val="4136188776"/>
       </p:ext>
     </p:extLst>
   </p:cSld>
   <p:clrMapOvr>
     <a:masterClrMapping/>
   </p:clrMapOvr>
+  <p:timing>
+    <p:tnLst>
+      <p:par>
+        <p:cTn xmlns:p14="http://schemas.microsoft.com/office/powerpoint/2010/main" id="1" dur="indefinite" restart="never" nodeType="tmRoot"/>
+      </p:par>
+    </p:tnLst>
+  </p:timing>
 </p:sld>
 </file>
 
@@ -3858,27 +6967,36 @@
           <a:prstGeom prst="ellipse">
             <a:avLst/>
           </a:prstGeom>
-          <a:noFill/>
-        </p:spPr>
-        <p:style>
-          <a:lnRef idx="1">
-            <a:schemeClr val="accent1"/>
-          </a:lnRef>
-          <a:fillRef idx="3">
-            <a:schemeClr val="accent1"/>
-          </a:fillRef>
-          <a:effectRef idx="2">
-            <a:schemeClr val="accent1"/>
-          </a:effectRef>
-          <a:fontRef idx="minor">
-            <a:schemeClr val="lt1"/>
-          </a:fontRef>
-        </p:style>
-        <p:txBody>
-          <a:bodyPr rtlCol="0" anchor="ctr"/>
-          <a:lstStyle/>
-          <a:p>
-            <a:pPr algn="ctr"/>
+          <a:solidFill>
+            <a:schemeClr val="accent1"/>
+          </a:solidFill>
+          <a:ln>
+            <a:noFill/>
+          </a:ln>
+        </p:spPr>
+        <p:style>
+          <a:lnRef idx="1">
+            <a:schemeClr val="accent1"/>
+          </a:lnRef>
+          <a:fillRef idx="3">
+            <a:schemeClr val="accent1"/>
+          </a:fillRef>
+          <a:effectRef idx="2">
+            <a:schemeClr val="accent1"/>
+          </a:effectRef>
+          <a:fontRef idx="minor">
+            <a:schemeClr val="lt1"/>
+          </a:fontRef>
+        </p:style>
+        <p:txBody>
+          <a:bodyPr rtlCol="0" anchor="ctr"/>
+          <a:lstStyle/>
+          <a:p>
+            <a:pPr algn="ctr"/>
+            <a:r>
+              <a:rPr lang="en-US" sz="3600" dirty="0" smtClean="0"/>
+              <a:t>A</a:t>
+            </a:r>
             <a:endParaRPr lang="en-US" sz="3600" dirty="0"/>
           </a:p>
         </p:txBody>
@@ -3897,11 +7015,13 @@
           <a:prstGeom prst="ellipse">
             <a:avLst/>
           </a:prstGeom>
-          <a:noFill/>
+          <a:solidFill>
+            <a:schemeClr val="accent2">
+              <a:lumMod val="75000"/>
+            </a:schemeClr>
+          </a:solidFill>
           <a:ln>
-            <a:solidFill>
-              <a:schemeClr val="accent2"/>
-            </a:solidFill>
+            <a:noFill/>
           </a:ln>
         </p:spPr>
         <p:style>
@@ -3923,7 +7043,49 @@
           <a:lstStyle/>
           <a:p>
             <a:pPr algn="ctr"/>
+            <a:r>
+              <a:rPr lang="en-US" sz="3600" dirty="0" smtClean="0"/>
+              <a:t>B</a:t>
+            </a:r>
             <a:endParaRPr lang="en-US" sz="3600" dirty="0"/>
+          </a:p>
+        </p:txBody>
+      </p:sp>
+      <p:sp>
+        <p:nvSpPr>
+          <p:cNvPr id="9" name="Right Arrow 8"/>
+          <p:cNvSpPr/>
+          <p:nvPr/>
+        </p:nvSpPr>
+        <p:spPr>
+          <a:xfrm>
+            <a:off x="3782546" y="3497994"/>
+            <a:ext cx="1242643" cy="778309"/>
+          </a:xfrm>
+          <a:prstGeom prst="rightArrow">
+            <a:avLst/>
+          </a:prstGeom>
+        </p:spPr>
+        <p:style>
+          <a:lnRef idx="1">
+            <a:schemeClr val="accent1"/>
+          </a:lnRef>
+          <a:fillRef idx="3">
+            <a:schemeClr val="accent1"/>
+          </a:fillRef>
+          <a:effectRef idx="2">
+            <a:schemeClr val="accent1"/>
+          </a:effectRef>
+          <a:fontRef idx="minor">
+            <a:schemeClr val="lt1"/>
+          </a:fontRef>
+        </p:style>
+        <p:txBody>
+          <a:bodyPr rtlCol="0" anchor="ctr"/>
+          <a:lstStyle/>
+          <a:p>
+            <a:pPr algn="ctr"/>
+            <a:endParaRPr lang="en-US"/>
           </a:p>
         </p:txBody>
       </p:sp>
@@ -3985,524 +7147,10 @@
           </a:p>
         </p:txBody>
       </p:sp>
-      <p:sp>
-        <p:nvSpPr>
-          <p:cNvPr id="2" name="Cross 1"/>
-          <p:cNvSpPr/>
-          <p:nvPr/>
-        </p:nvSpPr>
-        <p:spPr>
-          <a:xfrm>
-            <a:off x="1685818" y="2853802"/>
-            <a:ext cx="540014" cy="327709"/>
-          </a:xfrm>
-          <a:prstGeom prst="plus">
-            <a:avLst/>
-          </a:prstGeom>
-        </p:spPr>
-        <p:style>
-          <a:lnRef idx="1">
-            <a:schemeClr val="accent1"/>
-          </a:lnRef>
-          <a:fillRef idx="3">
-            <a:schemeClr val="accent1"/>
-          </a:fillRef>
-          <a:effectRef idx="2">
-            <a:schemeClr val="accent1"/>
-          </a:effectRef>
-          <a:fontRef idx="minor">
-            <a:schemeClr val="lt1"/>
-          </a:fontRef>
-        </p:style>
-        <p:txBody>
-          <a:bodyPr rtlCol="0" anchor="ctr"/>
-          <a:lstStyle/>
-          <a:p>
-            <a:pPr algn="ctr"/>
-            <a:r>
-              <a:rPr lang="en-US" dirty="0" smtClean="0"/>
-              <a:t>a1</a:t>
-            </a:r>
-            <a:endParaRPr lang="en-US" dirty="0"/>
-          </a:p>
-        </p:txBody>
-      </p:sp>
-      <p:sp>
-        <p:nvSpPr>
-          <p:cNvPr id="8" name="Cross 7"/>
-          <p:cNvSpPr/>
-          <p:nvPr/>
-        </p:nvSpPr>
-        <p:spPr>
-          <a:xfrm>
-            <a:off x="2684853" y="3525075"/>
-            <a:ext cx="540014" cy="327709"/>
-          </a:xfrm>
-          <a:prstGeom prst="plus">
-            <a:avLst/>
-          </a:prstGeom>
-        </p:spPr>
-        <p:style>
-          <a:lnRef idx="1">
-            <a:schemeClr val="accent1"/>
-          </a:lnRef>
-          <a:fillRef idx="3">
-            <a:schemeClr val="accent1"/>
-          </a:fillRef>
-          <a:effectRef idx="2">
-            <a:schemeClr val="accent1"/>
-          </a:effectRef>
-          <a:fontRef idx="minor">
-            <a:schemeClr val="lt1"/>
-          </a:fontRef>
-        </p:style>
-        <p:txBody>
-          <a:bodyPr rtlCol="0" anchor="ctr"/>
-          <a:lstStyle/>
-          <a:p>
-            <a:pPr algn="ctr"/>
-            <a:r>
-              <a:rPr lang="en-US" dirty="0" smtClean="0"/>
-              <a:t>a2</a:t>
-            </a:r>
-            <a:endParaRPr lang="en-US" dirty="0"/>
-          </a:p>
-        </p:txBody>
-      </p:sp>
-      <p:sp>
-        <p:nvSpPr>
-          <p:cNvPr id="12" name="Cross 11"/>
-          <p:cNvSpPr/>
-          <p:nvPr/>
-        </p:nvSpPr>
-        <p:spPr>
-          <a:xfrm>
-            <a:off x="1826753" y="4264621"/>
-            <a:ext cx="540014" cy="327709"/>
-          </a:xfrm>
-          <a:prstGeom prst="plus">
-            <a:avLst/>
-          </a:prstGeom>
-        </p:spPr>
-        <p:style>
-          <a:lnRef idx="1">
-            <a:schemeClr val="accent1"/>
-          </a:lnRef>
-          <a:fillRef idx="3">
-            <a:schemeClr val="accent1"/>
-          </a:fillRef>
-          <a:effectRef idx="2">
-            <a:schemeClr val="accent1"/>
-          </a:effectRef>
-          <a:fontRef idx="minor">
-            <a:schemeClr val="lt1"/>
-          </a:fontRef>
-        </p:style>
-        <p:txBody>
-          <a:bodyPr rtlCol="0" anchor="ctr"/>
-          <a:lstStyle/>
-          <a:p>
-            <a:pPr algn="ctr"/>
-            <a:r>
-              <a:rPr lang="en-US" dirty="0" smtClean="0"/>
-              <a:t>a3</a:t>
-            </a:r>
-            <a:endParaRPr lang="en-US" dirty="0"/>
-          </a:p>
-        </p:txBody>
-      </p:sp>
-      <p:sp>
-        <p:nvSpPr>
-          <p:cNvPr id="13" name="Cross 12"/>
-          <p:cNvSpPr/>
-          <p:nvPr/>
-        </p:nvSpPr>
-        <p:spPr>
-          <a:xfrm>
-            <a:off x="2464547" y="4764984"/>
-            <a:ext cx="540014" cy="327709"/>
-          </a:xfrm>
-          <a:prstGeom prst="plus">
-            <a:avLst/>
-          </a:prstGeom>
-        </p:spPr>
-        <p:style>
-          <a:lnRef idx="1">
-            <a:schemeClr val="accent1"/>
-          </a:lnRef>
-          <a:fillRef idx="3">
-            <a:schemeClr val="accent1"/>
-          </a:fillRef>
-          <a:effectRef idx="2">
-            <a:schemeClr val="accent1"/>
-          </a:effectRef>
-          <a:fontRef idx="minor">
-            <a:schemeClr val="lt1"/>
-          </a:fontRef>
-        </p:style>
-        <p:txBody>
-          <a:bodyPr rtlCol="0" anchor="ctr"/>
-          <a:lstStyle/>
-          <a:p>
-            <a:pPr algn="ctr"/>
-            <a:r>
-              <a:rPr lang="en-US" dirty="0" smtClean="0"/>
-              <a:t>an</a:t>
-            </a:r>
-            <a:endParaRPr lang="en-US" dirty="0"/>
-          </a:p>
-        </p:txBody>
-      </p:sp>
-      <p:sp>
-        <p:nvSpPr>
-          <p:cNvPr id="14" name="Cross 13"/>
-          <p:cNvSpPr/>
-          <p:nvPr/>
-        </p:nvSpPr>
-        <p:spPr>
-          <a:xfrm>
-            <a:off x="5730379" y="2907964"/>
-            <a:ext cx="540014" cy="327709"/>
-          </a:xfrm>
-          <a:prstGeom prst="plus">
-            <a:avLst/>
-          </a:prstGeom>
-          <a:solidFill>
-            <a:schemeClr val="accent2"/>
-          </a:solidFill>
-          <a:ln>
-            <a:solidFill>
-              <a:schemeClr val="accent2"/>
-            </a:solidFill>
-          </a:ln>
-        </p:spPr>
-        <p:style>
-          <a:lnRef idx="1">
-            <a:schemeClr val="accent1"/>
-          </a:lnRef>
-          <a:fillRef idx="3">
-            <a:schemeClr val="accent1"/>
-          </a:fillRef>
-          <a:effectRef idx="2">
-            <a:schemeClr val="accent1"/>
-          </a:effectRef>
-          <a:fontRef idx="minor">
-            <a:schemeClr val="lt1"/>
-          </a:fontRef>
-        </p:style>
-        <p:txBody>
-          <a:bodyPr rtlCol="0" anchor="ctr"/>
-          <a:lstStyle/>
-          <a:p>
-            <a:pPr algn="ctr"/>
-            <a:r>
-              <a:rPr lang="en-US" dirty="0" smtClean="0"/>
-              <a:t>b1</a:t>
-            </a:r>
-            <a:endParaRPr lang="en-US" dirty="0"/>
-          </a:p>
-        </p:txBody>
-      </p:sp>
-      <p:sp>
-        <p:nvSpPr>
-          <p:cNvPr id="15" name="Cross 14"/>
-          <p:cNvSpPr/>
-          <p:nvPr/>
-        </p:nvSpPr>
-        <p:spPr>
-          <a:xfrm>
-            <a:off x="5819255" y="3595091"/>
-            <a:ext cx="540014" cy="327709"/>
-          </a:xfrm>
-          <a:prstGeom prst="plus">
-            <a:avLst/>
-          </a:prstGeom>
-          <a:solidFill>
-            <a:schemeClr val="accent2"/>
-          </a:solidFill>
-          <a:ln>
-            <a:solidFill>
-              <a:schemeClr val="accent2"/>
-            </a:solidFill>
-          </a:ln>
-        </p:spPr>
-        <p:style>
-          <a:lnRef idx="1">
-            <a:schemeClr val="accent1"/>
-          </a:lnRef>
-          <a:fillRef idx="3">
-            <a:schemeClr val="accent1"/>
-          </a:fillRef>
-          <a:effectRef idx="2">
-            <a:schemeClr val="accent1"/>
-          </a:effectRef>
-          <a:fontRef idx="minor">
-            <a:schemeClr val="lt1"/>
-          </a:fontRef>
-        </p:style>
-        <p:txBody>
-          <a:bodyPr rtlCol="0" anchor="ctr"/>
-          <a:lstStyle/>
-          <a:p>
-            <a:pPr algn="ctr"/>
-            <a:r>
-              <a:rPr lang="en-US" dirty="0" smtClean="0"/>
-              <a:t>b2</a:t>
-            </a:r>
-            <a:endParaRPr lang="en-US" dirty="0"/>
-          </a:p>
-        </p:txBody>
-      </p:sp>
-      <p:sp>
-        <p:nvSpPr>
-          <p:cNvPr id="16" name="Cross 15"/>
-          <p:cNvSpPr/>
-          <p:nvPr/>
-        </p:nvSpPr>
-        <p:spPr>
-          <a:xfrm>
-            <a:off x="5819255" y="4264621"/>
-            <a:ext cx="540014" cy="327709"/>
-          </a:xfrm>
-          <a:prstGeom prst="plus">
-            <a:avLst/>
-          </a:prstGeom>
-          <a:solidFill>
-            <a:schemeClr val="accent2"/>
-          </a:solidFill>
-          <a:ln>
-            <a:solidFill>
-              <a:schemeClr val="accent2"/>
-            </a:solidFill>
-          </a:ln>
-        </p:spPr>
-        <p:style>
-          <a:lnRef idx="1">
-            <a:schemeClr val="accent1"/>
-          </a:lnRef>
-          <a:fillRef idx="3">
-            <a:schemeClr val="accent1"/>
-          </a:fillRef>
-          <a:effectRef idx="2">
-            <a:schemeClr val="accent1"/>
-          </a:effectRef>
-          <a:fontRef idx="minor">
-            <a:schemeClr val="lt1"/>
-          </a:fontRef>
-        </p:style>
-        <p:txBody>
-          <a:bodyPr rtlCol="0" anchor="ctr"/>
-          <a:lstStyle/>
-          <a:p>
-            <a:pPr algn="ctr"/>
-            <a:r>
-              <a:rPr lang="en-US" dirty="0" smtClean="0"/>
-              <a:t>b3</a:t>
-            </a:r>
-            <a:endParaRPr lang="en-US" dirty="0"/>
-          </a:p>
-        </p:txBody>
-      </p:sp>
-      <p:sp>
-        <p:nvSpPr>
-          <p:cNvPr id="17" name="Cross 16"/>
-          <p:cNvSpPr/>
-          <p:nvPr/>
-        </p:nvSpPr>
-        <p:spPr>
-          <a:xfrm>
-            <a:off x="6707226" y="3540473"/>
-            <a:ext cx="540014" cy="327709"/>
-          </a:xfrm>
-          <a:prstGeom prst="plus">
-            <a:avLst/>
-          </a:prstGeom>
-          <a:solidFill>
-            <a:schemeClr val="accent2"/>
-          </a:solidFill>
-          <a:ln>
-            <a:solidFill>
-              <a:schemeClr val="accent2"/>
-            </a:solidFill>
-          </a:ln>
-        </p:spPr>
-        <p:style>
-          <a:lnRef idx="1">
-            <a:schemeClr val="accent1"/>
-          </a:lnRef>
-          <a:fillRef idx="3">
-            <a:schemeClr val="accent1"/>
-          </a:fillRef>
-          <a:effectRef idx="2">
-            <a:schemeClr val="accent1"/>
-          </a:effectRef>
-          <a:fontRef idx="minor">
-            <a:schemeClr val="lt1"/>
-          </a:fontRef>
-        </p:style>
-        <p:txBody>
-          <a:bodyPr rtlCol="0" anchor="ctr"/>
-          <a:lstStyle/>
-          <a:p>
-            <a:pPr algn="ctr"/>
-            <a:r>
-              <a:rPr lang="en-US" dirty="0" err="1" smtClean="0"/>
-              <a:t>bm</a:t>
-            </a:r>
-            <a:endParaRPr lang="en-US" dirty="0"/>
-          </a:p>
-        </p:txBody>
-      </p:sp>
-      <p:cxnSp>
-        <p:nvCxnSpPr>
-          <p:cNvPr id="18" name="Curved Connector 17"/>
-          <p:cNvCxnSpPr>
-            <a:stCxn id="2" idx="3"/>
-            <a:endCxn id="15" idx="1"/>
-          </p:cNvCxnSpPr>
-          <p:nvPr/>
-        </p:nvCxnSpPr>
-        <p:spPr>
-          <a:xfrm>
-            <a:off x="2225832" y="3017657"/>
-            <a:ext cx="3593423" cy="741289"/>
-          </a:xfrm>
-          <a:prstGeom prst="curvedConnector3">
-            <a:avLst/>
-          </a:prstGeom>
-          <a:ln>
-            <a:tailEnd type="arrow"/>
-          </a:ln>
-        </p:spPr>
-        <p:style>
-          <a:lnRef idx="2">
-            <a:schemeClr val="accent1"/>
-          </a:lnRef>
-          <a:fillRef idx="0">
-            <a:schemeClr val="accent1"/>
-          </a:fillRef>
-          <a:effectRef idx="1">
-            <a:schemeClr val="accent1"/>
-          </a:effectRef>
-          <a:fontRef idx="minor">
-            <a:schemeClr val="tx1"/>
-          </a:fontRef>
-        </p:style>
-      </p:cxnSp>
-      <p:cxnSp>
-        <p:nvCxnSpPr>
-          <p:cNvPr id="23" name="Curved Connector 22"/>
-          <p:cNvCxnSpPr>
-            <a:stCxn id="8" idx="3"/>
-            <a:endCxn id="17" idx="0"/>
-          </p:cNvCxnSpPr>
-          <p:nvPr/>
-        </p:nvCxnSpPr>
-        <p:spPr>
-          <a:xfrm flipV="1">
-            <a:off x="3224867" y="3540473"/>
-            <a:ext cx="3752366" cy="148457"/>
-          </a:xfrm>
-          <a:prstGeom prst="curvedConnector4">
-            <a:avLst>
-              <a:gd name="adj1" fmla="val 46402"/>
-              <a:gd name="adj2" fmla="val 264356"/>
-            </a:avLst>
-          </a:prstGeom>
-          <a:ln>
-            <a:tailEnd type="arrow"/>
-          </a:ln>
-        </p:spPr>
-        <p:style>
-          <a:lnRef idx="2">
-            <a:schemeClr val="accent1"/>
-          </a:lnRef>
-          <a:fillRef idx="0">
-            <a:schemeClr val="accent1"/>
-          </a:fillRef>
-          <a:effectRef idx="1">
-            <a:schemeClr val="accent1"/>
-          </a:effectRef>
-          <a:fontRef idx="minor">
-            <a:schemeClr val="tx1"/>
-          </a:fontRef>
-        </p:style>
-      </p:cxnSp>
-      <p:cxnSp>
-        <p:nvCxnSpPr>
-          <p:cNvPr id="25" name="Curved Connector 24"/>
-          <p:cNvCxnSpPr>
-            <a:endCxn id="14" idx="1"/>
-          </p:cNvCxnSpPr>
-          <p:nvPr/>
-        </p:nvCxnSpPr>
-        <p:spPr>
-          <a:xfrm flipV="1">
-            <a:off x="2225832" y="3071819"/>
-            <a:ext cx="3504547" cy="1393220"/>
-          </a:xfrm>
-          <a:prstGeom prst="curvedConnector3">
-            <a:avLst/>
-          </a:prstGeom>
-          <a:ln>
-            <a:tailEnd type="arrow"/>
-          </a:ln>
-        </p:spPr>
-        <p:style>
-          <a:lnRef idx="2">
-            <a:schemeClr val="accent1"/>
-          </a:lnRef>
-          <a:fillRef idx="0">
-            <a:schemeClr val="accent1"/>
-          </a:fillRef>
-          <a:effectRef idx="1">
-            <a:schemeClr val="accent1"/>
-          </a:effectRef>
-          <a:fontRef idx="minor">
-            <a:schemeClr val="tx1"/>
-          </a:fontRef>
-        </p:style>
-      </p:cxnSp>
-      <p:cxnSp>
-        <p:nvCxnSpPr>
-          <p:cNvPr id="27" name="Curved Connector 26"/>
-          <p:cNvCxnSpPr>
-            <a:stCxn id="13" idx="3"/>
-            <a:endCxn id="16" idx="1"/>
-          </p:cNvCxnSpPr>
-          <p:nvPr/>
-        </p:nvCxnSpPr>
-        <p:spPr>
-          <a:xfrm flipV="1">
-            <a:off x="3004561" y="4428476"/>
-            <a:ext cx="2814694" cy="500363"/>
-          </a:xfrm>
-          <a:prstGeom prst="curvedConnector3">
-            <a:avLst/>
-          </a:prstGeom>
-          <a:ln>
-            <a:tailEnd type="arrow"/>
-          </a:ln>
-        </p:spPr>
-        <p:style>
-          <a:lnRef idx="2">
-            <a:schemeClr val="accent1"/>
-          </a:lnRef>
-          <a:fillRef idx="0">
-            <a:schemeClr val="accent1"/>
-          </a:fillRef>
-          <a:effectRef idx="1">
-            <a:schemeClr val="accent1"/>
-          </a:effectRef>
-          <a:fontRef idx="minor">
-            <a:schemeClr val="tx1"/>
-          </a:fontRef>
-        </p:style>
-      </p:cxnSp>
     </p:spTree>
     <p:extLst>
       <p:ext uri="{BB962C8B-B14F-4D97-AF65-F5344CB8AC3E}">
-        <p14:creationId xmlns:p14="http://schemas.microsoft.com/office/powerpoint/2010/main" val="2181149206"/>
+        <p14:creationId xmlns:p14="http://schemas.microsoft.com/office/powerpoint/2010/main" val="1737009357"/>
       </p:ext>
     </p:extLst>
   </p:cSld>
@@ -4537,6 +7185,752 @@
         </p:nvSpPr>
         <p:spPr>
           <a:xfrm>
+            <a:off x="738266" y="2293968"/>
+            <a:ext cx="1719705" cy="2990346"/>
+          </a:xfrm>
+          <a:prstGeom prst="ellipse">
+            <a:avLst/>
+          </a:prstGeom>
+          <a:solidFill>
+            <a:schemeClr val="accent1"/>
+          </a:solidFill>
+          <a:ln>
+            <a:noFill/>
+          </a:ln>
+        </p:spPr>
+        <p:style>
+          <a:lnRef idx="1">
+            <a:schemeClr val="accent1"/>
+          </a:lnRef>
+          <a:fillRef idx="3">
+            <a:schemeClr val="accent1"/>
+          </a:fillRef>
+          <a:effectRef idx="2">
+            <a:schemeClr val="accent1"/>
+          </a:effectRef>
+          <a:fontRef idx="minor">
+            <a:schemeClr val="lt1"/>
+          </a:fontRef>
+        </p:style>
+        <p:txBody>
+          <a:bodyPr rtlCol="0" anchor="ctr"/>
+          <a:lstStyle/>
+          <a:p>
+            <a:pPr algn="ctr"/>
+            <a:r>
+              <a:rPr lang="en-US" sz="3600" dirty="0" smtClean="0"/>
+              <a:t>A</a:t>
+            </a:r>
+            <a:endParaRPr lang="en-US" sz="3600" dirty="0"/>
+          </a:p>
+        </p:txBody>
+      </p:sp>
+      <p:sp>
+        <p:nvSpPr>
+          <p:cNvPr id="9" name="Right Arrow 8"/>
+          <p:cNvSpPr/>
+          <p:nvPr/>
+        </p:nvSpPr>
+        <p:spPr>
+          <a:xfrm>
+            <a:off x="2669629" y="3497994"/>
+            <a:ext cx="798843" cy="778309"/>
+          </a:xfrm>
+          <a:prstGeom prst="rightArrow">
+            <a:avLst/>
+          </a:prstGeom>
+        </p:spPr>
+        <p:style>
+          <a:lnRef idx="1">
+            <a:schemeClr val="accent1"/>
+          </a:lnRef>
+          <a:fillRef idx="3">
+            <a:schemeClr val="accent1"/>
+          </a:fillRef>
+          <a:effectRef idx="2">
+            <a:schemeClr val="accent1"/>
+          </a:effectRef>
+          <a:fontRef idx="minor">
+            <a:schemeClr val="lt1"/>
+          </a:fontRef>
+        </p:style>
+        <p:txBody>
+          <a:bodyPr rtlCol="0" anchor="ctr"/>
+          <a:lstStyle/>
+          <a:p>
+            <a:pPr algn="ctr"/>
+            <a:r>
+              <a:rPr lang="en-US" sz="2800" dirty="0" smtClean="0"/>
+              <a:t>f</a:t>
+            </a:r>
+            <a:endParaRPr lang="en-US" sz="2800" dirty="0"/>
+          </a:p>
+        </p:txBody>
+      </p:sp>
+      <p:sp>
+        <p:nvSpPr>
+          <p:cNvPr id="8" name="Oval 7"/>
+          <p:cNvSpPr/>
+          <p:nvPr/>
+        </p:nvSpPr>
+        <p:spPr>
+          <a:xfrm>
+            <a:off x="3673741" y="2293968"/>
+            <a:ext cx="1719705" cy="2990346"/>
+          </a:xfrm>
+          <a:prstGeom prst="ellipse">
+            <a:avLst/>
+          </a:prstGeom>
+          <a:solidFill>
+            <a:schemeClr val="accent2"/>
+          </a:solidFill>
+          <a:ln>
+            <a:noFill/>
+          </a:ln>
+        </p:spPr>
+        <p:style>
+          <a:lnRef idx="1">
+            <a:schemeClr val="accent1"/>
+          </a:lnRef>
+          <a:fillRef idx="3">
+            <a:schemeClr val="accent1"/>
+          </a:fillRef>
+          <a:effectRef idx="2">
+            <a:schemeClr val="accent1"/>
+          </a:effectRef>
+          <a:fontRef idx="minor">
+            <a:schemeClr val="lt1"/>
+          </a:fontRef>
+        </p:style>
+        <p:txBody>
+          <a:bodyPr rtlCol="0" anchor="ctr"/>
+          <a:lstStyle/>
+          <a:p>
+            <a:pPr algn="ctr"/>
+            <a:r>
+              <a:rPr lang="en-US" sz="3600" dirty="0" smtClean="0"/>
+              <a:t>B</a:t>
+            </a:r>
+            <a:endParaRPr lang="en-US" sz="3600" dirty="0"/>
+          </a:p>
+        </p:txBody>
+      </p:sp>
+      <p:sp>
+        <p:nvSpPr>
+          <p:cNvPr id="12" name="Oval 11"/>
+          <p:cNvSpPr/>
+          <p:nvPr/>
+        </p:nvSpPr>
+        <p:spPr>
+          <a:xfrm>
+            <a:off x="6559849" y="2293968"/>
+            <a:ext cx="1719705" cy="2990346"/>
+          </a:xfrm>
+          <a:prstGeom prst="ellipse">
+            <a:avLst/>
+          </a:prstGeom>
+          <a:solidFill>
+            <a:schemeClr val="accent3"/>
+          </a:solidFill>
+          <a:ln>
+            <a:noFill/>
+          </a:ln>
+        </p:spPr>
+        <p:style>
+          <a:lnRef idx="1">
+            <a:schemeClr val="accent1"/>
+          </a:lnRef>
+          <a:fillRef idx="3">
+            <a:schemeClr val="accent1"/>
+          </a:fillRef>
+          <a:effectRef idx="2">
+            <a:schemeClr val="accent1"/>
+          </a:effectRef>
+          <a:fontRef idx="minor">
+            <a:schemeClr val="lt1"/>
+          </a:fontRef>
+        </p:style>
+        <p:txBody>
+          <a:bodyPr rtlCol="0" anchor="ctr"/>
+          <a:lstStyle/>
+          <a:p>
+            <a:pPr algn="ctr"/>
+            <a:r>
+              <a:rPr lang="en-US" sz="3600" dirty="0" smtClean="0"/>
+              <a:t>C</a:t>
+            </a:r>
+            <a:endParaRPr lang="en-US" sz="3600" dirty="0"/>
+          </a:p>
+        </p:txBody>
+      </p:sp>
+      <p:sp>
+        <p:nvSpPr>
+          <p:cNvPr id="14" name="Right Arrow 13"/>
+          <p:cNvSpPr/>
+          <p:nvPr/>
+        </p:nvSpPr>
+        <p:spPr>
+          <a:xfrm>
+            <a:off x="5566765" y="3497994"/>
+            <a:ext cx="798843" cy="778309"/>
+          </a:xfrm>
+          <a:prstGeom prst="rightArrow">
+            <a:avLst/>
+          </a:prstGeom>
+        </p:spPr>
+        <p:style>
+          <a:lnRef idx="1">
+            <a:schemeClr val="accent1"/>
+          </a:lnRef>
+          <a:fillRef idx="3">
+            <a:schemeClr val="accent1"/>
+          </a:fillRef>
+          <a:effectRef idx="2">
+            <a:schemeClr val="accent1"/>
+          </a:effectRef>
+          <a:fontRef idx="minor">
+            <a:schemeClr val="lt1"/>
+          </a:fontRef>
+        </p:style>
+        <p:txBody>
+          <a:bodyPr rtlCol="0" anchor="ctr"/>
+          <a:lstStyle/>
+          <a:p>
+            <a:pPr algn="ctr"/>
+            <a:r>
+              <a:rPr lang="en-US" sz="2800" dirty="0" smtClean="0"/>
+              <a:t>g</a:t>
+            </a:r>
+            <a:endParaRPr lang="en-US" sz="2800" dirty="0"/>
+          </a:p>
+        </p:txBody>
+      </p:sp>
+    </p:spTree>
+    <p:extLst>
+      <p:ext uri="{BB962C8B-B14F-4D97-AF65-F5344CB8AC3E}">
+        <p14:creationId xmlns:p14="http://schemas.microsoft.com/office/powerpoint/2010/main" val="2099004660"/>
+      </p:ext>
+    </p:extLst>
+  </p:cSld>
+  <p:clrMapOvr>
+    <a:masterClrMapping/>
+  </p:clrMapOvr>
+</p:sld>
+</file>
+
+<file path=ppt/slides/slide5.xml><?xml version="1.0" encoding="utf-8"?>
+<p:sld xmlns:a="http://schemas.openxmlformats.org/drawingml/2006/main" xmlns:r="http://schemas.openxmlformats.org/officeDocument/2006/relationships" xmlns:p="http://schemas.openxmlformats.org/presentationml/2006/main">
+  <p:cSld>
+    <p:spTree>
+      <p:nvGrpSpPr>
+        <p:cNvPr id="1" name=""/>
+        <p:cNvGrpSpPr/>
+        <p:nvPr/>
+      </p:nvGrpSpPr>
+      <p:grpSpPr>
+        <a:xfrm>
+          <a:off x="0" y="0"/>
+          <a:ext cx="0" cy="0"/>
+          <a:chOff x="0" y="0"/>
+          <a:chExt cx="0" cy="0"/>
+        </a:xfrm>
+      </p:grpSpPr>
+      <p:sp>
+        <p:nvSpPr>
+          <p:cNvPr id="4" name="Oval 3"/>
+          <p:cNvSpPr/>
+          <p:nvPr/>
+        </p:nvSpPr>
+        <p:spPr>
+          <a:xfrm>
+            <a:off x="738266" y="2293968"/>
+            <a:ext cx="1719705" cy="2990346"/>
+          </a:xfrm>
+          <a:prstGeom prst="ellipse">
+            <a:avLst/>
+          </a:prstGeom>
+          <a:solidFill>
+            <a:schemeClr val="accent1"/>
+          </a:solidFill>
+          <a:ln>
+            <a:noFill/>
+          </a:ln>
+        </p:spPr>
+        <p:style>
+          <a:lnRef idx="1">
+            <a:schemeClr val="accent1"/>
+          </a:lnRef>
+          <a:fillRef idx="3">
+            <a:schemeClr val="accent1"/>
+          </a:fillRef>
+          <a:effectRef idx="2">
+            <a:schemeClr val="accent1"/>
+          </a:effectRef>
+          <a:fontRef idx="minor">
+            <a:schemeClr val="lt1"/>
+          </a:fontRef>
+        </p:style>
+        <p:txBody>
+          <a:bodyPr rtlCol="0" anchor="ctr"/>
+          <a:lstStyle/>
+          <a:p>
+            <a:pPr algn="ctr"/>
+            <a:r>
+              <a:rPr lang="en-US" sz="3600" dirty="0" smtClean="0"/>
+              <a:t>A</a:t>
+            </a:r>
+            <a:endParaRPr lang="en-US" sz="3600" dirty="0"/>
+          </a:p>
+        </p:txBody>
+      </p:sp>
+      <p:sp>
+        <p:nvSpPr>
+          <p:cNvPr id="9" name="Right Arrow 8"/>
+          <p:cNvSpPr/>
+          <p:nvPr/>
+        </p:nvSpPr>
+        <p:spPr>
+          <a:xfrm>
+            <a:off x="2669629" y="3497994"/>
+            <a:ext cx="798843" cy="778309"/>
+          </a:xfrm>
+          <a:prstGeom prst="rightArrow">
+            <a:avLst/>
+          </a:prstGeom>
+        </p:spPr>
+        <p:style>
+          <a:lnRef idx="1">
+            <a:schemeClr val="accent1"/>
+          </a:lnRef>
+          <a:fillRef idx="3">
+            <a:schemeClr val="accent1"/>
+          </a:fillRef>
+          <a:effectRef idx="2">
+            <a:schemeClr val="accent1"/>
+          </a:effectRef>
+          <a:fontRef idx="minor">
+            <a:schemeClr val="lt1"/>
+          </a:fontRef>
+        </p:style>
+        <p:txBody>
+          <a:bodyPr rtlCol="0" anchor="ctr"/>
+          <a:lstStyle/>
+          <a:p>
+            <a:pPr algn="ctr"/>
+            <a:r>
+              <a:rPr lang="en-US" sz="2800" dirty="0" smtClean="0"/>
+              <a:t>f</a:t>
+            </a:r>
+            <a:endParaRPr lang="en-US" sz="2800" dirty="0"/>
+          </a:p>
+        </p:txBody>
+      </p:sp>
+      <p:sp>
+        <p:nvSpPr>
+          <p:cNvPr id="8" name="Oval 7"/>
+          <p:cNvSpPr/>
+          <p:nvPr/>
+        </p:nvSpPr>
+        <p:spPr>
+          <a:xfrm>
+            <a:off x="3673741" y="2293968"/>
+            <a:ext cx="1719705" cy="2990346"/>
+          </a:xfrm>
+          <a:prstGeom prst="ellipse">
+            <a:avLst/>
+          </a:prstGeom>
+          <a:solidFill>
+            <a:schemeClr val="accent2"/>
+          </a:solidFill>
+          <a:ln>
+            <a:noFill/>
+          </a:ln>
+        </p:spPr>
+        <p:style>
+          <a:lnRef idx="1">
+            <a:schemeClr val="accent1"/>
+          </a:lnRef>
+          <a:fillRef idx="3">
+            <a:schemeClr val="accent1"/>
+          </a:fillRef>
+          <a:effectRef idx="2">
+            <a:schemeClr val="accent1"/>
+          </a:effectRef>
+          <a:fontRef idx="minor">
+            <a:schemeClr val="lt1"/>
+          </a:fontRef>
+        </p:style>
+        <p:txBody>
+          <a:bodyPr rtlCol="0" anchor="ctr"/>
+          <a:lstStyle/>
+          <a:p>
+            <a:pPr algn="ctr"/>
+            <a:r>
+              <a:rPr lang="en-US" sz="3600" dirty="0" smtClean="0"/>
+              <a:t>B</a:t>
+            </a:r>
+            <a:endParaRPr lang="en-US" sz="3600" dirty="0"/>
+          </a:p>
+        </p:txBody>
+      </p:sp>
+      <p:sp>
+        <p:nvSpPr>
+          <p:cNvPr id="12" name="Oval 11"/>
+          <p:cNvSpPr/>
+          <p:nvPr/>
+        </p:nvSpPr>
+        <p:spPr>
+          <a:xfrm>
+            <a:off x="6559849" y="2293968"/>
+            <a:ext cx="1719705" cy="2990346"/>
+          </a:xfrm>
+          <a:prstGeom prst="ellipse">
+            <a:avLst/>
+          </a:prstGeom>
+          <a:solidFill>
+            <a:schemeClr val="accent3"/>
+          </a:solidFill>
+          <a:ln>
+            <a:noFill/>
+          </a:ln>
+        </p:spPr>
+        <p:style>
+          <a:lnRef idx="1">
+            <a:schemeClr val="accent1"/>
+          </a:lnRef>
+          <a:fillRef idx="3">
+            <a:schemeClr val="accent1"/>
+          </a:fillRef>
+          <a:effectRef idx="2">
+            <a:schemeClr val="accent1"/>
+          </a:effectRef>
+          <a:fontRef idx="minor">
+            <a:schemeClr val="lt1"/>
+          </a:fontRef>
+        </p:style>
+        <p:txBody>
+          <a:bodyPr rtlCol="0" anchor="ctr"/>
+          <a:lstStyle/>
+          <a:p>
+            <a:pPr algn="ctr"/>
+            <a:r>
+              <a:rPr lang="en-US" sz="3600" dirty="0" smtClean="0"/>
+              <a:t>C</a:t>
+            </a:r>
+            <a:endParaRPr lang="en-US" sz="3600" dirty="0"/>
+          </a:p>
+        </p:txBody>
+      </p:sp>
+      <p:sp>
+        <p:nvSpPr>
+          <p:cNvPr id="14" name="Right Arrow 13"/>
+          <p:cNvSpPr/>
+          <p:nvPr/>
+        </p:nvSpPr>
+        <p:spPr>
+          <a:xfrm>
+            <a:off x="5566765" y="3497994"/>
+            <a:ext cx="798843" cy="778309"/>
+          </a:xfrm>
+          <a:prstGeom prst="rightArrow">
+            <a:avLst/>
+          </a:prstGeom>
+        </p:spPr>
+        <p:style>
+          <a:lnRef idx="1">
+            <a:schemeClr val="accent1"/>
+          </a:lnRef>
+          <a:fillRef idx="3">
+            <a:schemeClr val="accent1"/>
+          </a:fillRef>
+          <a:effectRef idx="2">
+            <a:schemeClr val="accent1"/>
+          </a:effectRef>
+          <a:fontRef idx="minor">
+            <a:schemeClr val="lt1"/>
+          </a:fontRef>
+        </p:style>
+        <p:txBody>
+          <a:bodyPr rtlCol="0" anchor="ctr"/>
+          <a:lstStyle/>
+          <a:p>
+            <a:pPr algn="ctr"/>
+            <a:r>
+              <a:rPr lang="en-US" sz="2800" dirty="0" smtClean="0"/>
+              <a:t>g</a:t>
+            </a:r>
+            <a:endParaRPr lang="en-US" sz="2800" dirty="0"/>
+          </a:p>
+        </p:txBody>
+      </p:sp>
+      <p:sp>
+        <p:nvSpPr>
+          <p:cNvPr id="5" name="Curved Down Arrow 4"/>
+          <p:cNvSpPr/>
+          <p:nvPr/>
+        </p:nvSpPr>
+        <p:spPr>
+          <a:xfrm>
+            <a:off x="2266795" y="1242564"/>
+            <a:ext cx="4615528" cy="1051404"/>
+          </a:xfrm>
+          <a:prstGeom prst="curvedDownArrow">
+            <a:avLst/>
+          </a:prstGeom>
+        </p:spPr>
+        <p:style>
+          <a:lnRef idx="1">
+            <a:schemeClr val="accent1"/>
+          </a:lnRef>
+          <a:fillRef idx="3">
+            <a:schemeClr val="accent1"/>
+          </a:fillRef>
+          <a:effectRef idx="2">
+            <a:schemeClr val="accent1"/>
+          </a:effectRef>
+          <a:fontRef idx="minor">
+            <a:schemeClr val="lt1"/>
+          </a:fontRef>
+        </p:style>
+        <p:txBody>
+          <a:bodyPr rtlCol="0" anchor="ctr"/>
+          <a:lstStyle/>
+          <a:p>
+            <a:pPr algn="ctr"/>
+            <a:r>
+              <a:rPr lang="en-US" sz="2800" dirty="0" smtClean="0">
+                <a:solidFill>
+                  <a:schemeClr val="tx1"/>
+                </a:solidFill>
+              </a:rPr>
+              <a:t>g</a:t>
+            </a:r>
+            <a:r>
+              <a:rPr lang="en-US" sz="2800" dirty="0" smtClean="0">
+                <a:solidFill>
+                  <a:schemeClr val="tx1"/>
+                </a:solidFill>
+              </a:rPr>
+              <a:t> o f</a:t>
+            </a:r>
+            <a:endParaRPr lang="en-US" sz="2800" dirty="0">
+              <a:solidFill>
+                <a:schemeClr val="tx1"/>
+              </a:solidFill>
+            </a:endParaRPr>
+          </a:p>
+        </p:txBody>
+      </p:sp>
+    </p:spTree>
+    <p:extLst>
+      <p:ext uri="{BB962C8B-B14F-4D97-AF65-F5344CB8AC3E}">
+        <p14:creationId xmlns:p14="http://schemas.microsoft.com/office/powerpoint/2010/main" val="1858872991"/>
+      </p:ext>
+    </p:extLst>
+  </p:cSld>
+  <p:clrMapOvr>
+    <a:masterClrMapping/>
+  </p:clrMapOvr>
+</p:sld>
+</file>
+
+<file path=ppt/slides/slide6.xml><?xml version="1.0" encoding="utf-8"?>
+<p:sld xmlns:a="http://schemas.openxmlformats.org/drawingml/2006/main" xmlns:r="http://schemas.openxmlformats.org/officeDocument/2006/relationships" xmlns:p="http://schemas.openxmlformats.org/presentationml/2006/main">
+  <p:cSld>
+    <p:spTree>
+      <p:nvGrpSpPr>
+        <p:cNvPr id="1" name=""/>
+        <p:cNvGrpSpPr/>
+        <p:nvPr/>
+      </p:nvGrpSpPr>
+      <p:grpSpPr>
+        <a:xfrm>
+          <a:off x="0" y="0"/>
+          <a:ext cx="0" cy="0"/>
+          <a:chOff x="0" y="0"/>
+          <a:chExt cx="0" cy="0"/>
+        </a:xfrm>
+      </p:grpSpPr>
+      <p:sp>
+        <p:nvSpPr>
+          <p:cNvPr id="4" name="Oval 3"/>
+          <p:cNvSpPr/>
+          <p:nvPr/>
+        </p:nvSpPr>
+        <p:spPr>
+          <a:xfrm>
+            <a:off x="738266" y="2293968"/>
+            <a:ext cx="1719705" cy="2990346"/>
+          </a:xfrm>
+          <a:prstGeom prst="ellipse">
+            <a:avLst/>
+          </a:prstGeom>
+          <a:solidFill>
+            <a:schemeClr val="accent1"/>
+          </a:solidFill>
+          <a:ln>
+            <a:noFill/>
+          </a:ln>
+        </p:spPr>
+        <p:style>
+          <a:lnRef idx="1">
+            <a:schemeClr val="accent1"/>
+          </a:lnRef>
+          <a:fillRef idx="3">
+            <a:schemeClr val="accent1"/>
+          </a:fillRef>
+          <a:effectRef idx="2">
+            <a:schemeClr val="accent1"/>
+          </a:effectRef>
+          <a:fontRef idx="minor">
+            <a:schemeClr val="lt1"/>
+          </a:fontRef>
+        </p:style>
+        <p:txBody>
+          <a:bodyPr rtlCol="0" anchor="ctr"/>
+          <a:lstStyle/>
+          <a:p>
+            <a:pPr algn="ctr"/>
+            <a:r>
+              <a:rPr lang="en-US" sz="3600" dirty="0" smtClean="0"/>
+              <a:t>A</a:t>
+            </a:r>
+            <a:endParaRPr lang="en-US" sz="3600" dirty="0"/>
+          </a:p>
+        </p:txBody>
+      </p:sp>
+      <p:sp>
+        <p:nvSpPr>
+          <p:cNvPr id="9" name="Right Arrow 8"/>
+          <p:cNvSpPr/>
+          <p:nvPr/>
+        </p:nvSpPr>
+        <p:spPr>
+          <a:xfrm>
+            <a:off x="2669629" y="3497994"/>
+            <a:ext cx="3639168" cy="778309"/>
+          </a:xfrm>
+          <a:prstGeom prst="rightArrow">
+            <a:avLst/>
+          </a:prstGeom>
+        </p:spPr>
+        <p:style>
+          <a:lnRef idx="1">
+            <a:schemeClr val="accent1"/>
+          </a:lnRef>
+          <a:fillRef idx="3">
+            <a:schemeClr val="accent1"/>
+          </a:fillRef>
+          <a:effectRef idx="2">
+            <a:schemeClr val="accent1"/>
+          </a:effectRef>
+          <a:fontRef idx="minor">
+            <a:schemeClr val="lt1"/>
+          </a:fontRef>
+        </p:style>
+        <p:txBody>
+          <a:bodyPr rtlCol="0" anchor="ctr"/>
+          <a:lstStyle/>
+          <a:p>
+            <a:pPr algn="ctr"/>
+            <a:r>
+              <a:rPr lang="en-US" sz="2800" dirty="0" smtClean="0"/>
+              <a:t>g </a:t>
+            </a:r>
+            <a:r>
+              <a:rPr lang="en-US" sz="2800" dirty="0" smtClean="0"/>
+              <a:t>o f</a:t>
+            </a:r>
+            <a:endParaRPr lang="en-US" sz="2800" dirty="0"/>
+          </a:p>
+        </p:txBody>
+      </p:sp>
+      <p:sp>
+        <p:nvSpPr>
+          <p:cNvPr id="12" name="Oval 11"/>
+          <p:cNvSpPr/>
+          <p:nvPr/>
+        </p:nvSpPr>
+        <p:spPr>
+          <a:xfrm>
+            <a:off x="6559849" y="2293968"/>
+            <a:ext cx="1719705" cy="2990346"/>
+          </a:xfrm>
+          <a:prstGeom prst="ellipse">
+            <a:avLst/>
+          </a:prstGeom>
+          <a:solidFill>
+            <a:schemeClr val="accent3"/>
+          </a:solidFill>
+          <a:ln>
+            <a:noFill/>
+          </a:ln>
+        </p:spPr>
+        <p:style>
+          <a:lnRef idx="1">
+            <a:schemeClr val="accent1"/>
+          </a:lnRef>
+          <a:fillRef idx="3">
+            <a:schemeClr val="accent1"/>
+          </a:fillRef>
+          <a:effectRef idx="2">
+            <a:schemeClr val="accent1"/>
+          </a:effectRef>
+          <a:fontRef idx="minor">
+            <a:schemeClr val="lt1"/>
+          </a:fontRef>
+        </p:style>
+        <p:txBody>
+          <a:bodyPr rtlCol="0" anchor="ctr"/>
+          <a:lstStyle/>
+          <a:p>
+            <a:pPr algn="ctr"/>
+            <a:r>
+              <a:rPr lang="en-US" sz="3600" dirty="0" smtClean="0"/>
+              <a:t>C</a:t>
+            </a:r>
+            <a:endParaRPr lang="en-US" sz="3600" dirty="0"/>
+          </a:p>
+        </p:txBody>
+      </p:sp>
+    </p:spTree>
+    <p:extLst>
+      <p:ext uri="{BB962C8B-B14F-4D97-AF65-F5344CB8AC3E}">
+        <p14:creationId xmlns:p14="http://schemas.microsoft.com/office/powerpoint/2010/main" val="422251327"/>
+      </p:ext>
+    </p:extLst>
+  </p:cSld>
+  <p:clrMapOvr>
+    <a:masterClrMapping/>
+  </p:clrMapOvr>
+</p:sld>
+</file>
+
+<file path=ppt/slides/slide7.xml><?xml version="1.0" encoding="utf-8"?>
+<p:sld xmlns:a="http://schemas.openxmlformats.org/drawingml/2006/main" xmlns:r="http://schemas.openxmlformats.org/officeDocument/2006/relationships" xmlns:p="http://schemas.openxmlformats.org/presentationml/2006/main">
+  <p:cSld>
+    <p:spTree>
+      <p:nvGrpSpPr>
+        <p:cNvPr id="1" name=""/>
+        <p:cNvGrpSpPr/>
+        <p:nvPr/>
+      </p:nvGrpSpPr>
+      <p:grpSpPr>
+        <a:xfrm>
+          <a:off x="0" y="0"/>
+          <a:ext cx="0" cy="0"/>
+          <a:chOff x="0" y="0"/>
+          <a:chExt cx="0" cy="0"/>
+        </a:xfrm>
+      </p:grpSpPr>
+      <p:sp>
+        <p:nvSpPr>
+          <p:cNvPr id="4" name="Oval 3"/>
+          <p:cNvSpPr/>
+          <p:nvPr/>
+        </p:nvSpPr>
+        <p:spPr>
+          <a:xfrm>
             <a:off x="1229862" y="2293967"/>
             <a:ext cx="2266798" cy="3318057"/>
           </a:xfrm>
@@ -5079,18 +8473,19 @@
           <p:cNvPr id="23" name="Curved Connector 22"/>
           <p:cNvCxnSpPr>
             <a:stCxn id="8" idx="3"/>
-            <a:endCxn id="15" idx="1"/>
+            <a:endCxn id="17" idx="0"/>
           </p:cNvCxnSpPr>
           <p:nvPr/>
         </p:nvCxnSpPr>
         <p:spPr>
-          <a:xfrm>
-            <a:off x="3224867" y="3688930"/>
-            <a:ext cx="2594388" cy="70016"/>
-          </a:xfrm>
-          <a:prstGeom prst="curvedConnector3">
+          <a:xfrm flipV="1">
+            <a:off x="3224867" y="3540473"/>
+            <a:ext cx="3752366" cy="148457"/>
+          </a:xfrm>
+          <a:prstGeom prst="curvedConnector4">
             <a:avLst>
-              <a:gd name="adj1" fmla="val 50000"/>
+              <a:gd name="adj1" fmla="val 46402"/>
+              <a:gd name="adj2" fmla="val 264356"/>
             </a:avLst>
           </a:prstGeom>
           <a:ln>
@@ -5116,14 +8511,15 @@
         <p:nvCxnSpPr>
           <p:cNvPr id="25" name="Curved Connector 24"/>
           <p:cNvCxnSpPr>
-            <a:endCxn id="15" idx="1"/>
+            <a:stCxn id="12" idx="3"/>
+            <a:endCxn id="14" idx="1"/>
           </p:cNvCxnSpPr>
           <p:nvPr/>
         </p:nvCxnSpPr>
         <p:spPr>
           <a:xfrm flipV="1">
-            <a:off x="2225832" y="3758946"/>
-            <a:ext cx="3593423" cy="706093"/>
+            <a:off x="2366767" y="3071819"/>
+            <a:ext cx="3363612" cy="1356657"/>
           </a:xfrm>
           <a:prstGeom prst="curvedConnector3">
             <a:avLst/>
@@ -5186,7 +8582,1259 @@
     </p:spTree>
     <p:extLst>
       <p:ext uri="{BB962C8B-B14F-4D97-AF65-F5344CB8AC3E}">
-        <p14:creationId xmlns:p14="http://schemas.microsoft.com/office/powerpoint/2010/main" val="2458721463"/>
+        <p14:creationId xmlns:p14="http://schemas.microsoft.com/office/powerpoint/2010/main" val="2181149206"/>
+      </p:ext>
+    </p:extLst>
+  </p:cSld>
+  <p:clrMapOvr>
+    <a:masterClrMapping/>
+  </p:clrMapOvr>
+</p:sld>
+</file>
+
+<file path=ppt/slides/slide8.xml><?xml version="1.0" encoding="utf-8"?>
+<p:sld xmlns:a="http://schemas.openxmlformats.org/drawingml/2006/main" xmlns:r="http://schemas.openxmlformats.org/officeDocument/2006/relationships" xmlns:p="http://schemas.openxmlformats.org/presentationml/2006/main">
+  <p:cSld>
+    <p:spTree>
+      <p:nvGrpSpPr>
+        <p:cNvPr id="1" name=""/>
+        <p:cNvGrpSpPr/>
+        <p:nvPr/>
+      </p:nvGrpSpPr>
+      <p:grpSpPr>
+        <a:xfrm>
+          <a:off x="0" y="0"/>
+          <a:ext cx="0" cy="0"/>
+          <a:chOff x="0" y="0"/>
+          <a:chExt cx="0" cy="0"/>
+        </a:xfrm>
+      </p:grpSpPr>
+      <p:sp>
+        <p:nvSpPr>
+          <p:cNvPr id="4" name="Oval 3"/>
+          <p:cNvSpPr/>
+          <p:nvPr/>
+        </p:nvSpPr>
+        <p:spPr>
+          <a:xfrm>
+            <a:off x="1229862" y="2293967"/>
+            <a:ext cx="2266798" cy="3318057"/>
+          </a:xfrm>
+          <a:prstGeom prst="ellipse">
+            <a:avLst/>
+          </a:prstGeom>
+          <a:noFill/>
+        </p:spPr>
+        <p:style>
+          <a:lnRef idx="1">
+            <a:schemeClr val="accent1"/>
+          </a:lnRef>
+          <a:fillRef idx="3">
+            <a:schemeClr val="accent1"/>
+          </a:fillRef>
+          <a:effectRef idx="2">
+            <a:schemeClr val="accent1"/>
+          </a:effectRef>
+          <a:fontRef idx="minor">
+            <a:schemeClr val="lt1"/>
+          </a:fontRef>
+        </p:style>
+        <p:txBody>
+          <a:bodyPr rtlCol="0" anchor="ctr"/>
+          <a:lstStyle/>
+          <a:p>
+            <a:pPr algn="ctr"/>
+            <a:endParaRPr lang="en-US" sz="3600" dirty="0"/>
+          </a:p>
+        </p:txBody>
+      </p:sp>
+      <p:sp>
+        <p:nvSpPr>
+          <p:cNvPr id="6" name="Oval 5"/>
+          <p:cNvSpPr/>
+          <p:nvPr/>
+        </p:nvSpPr>
+        <p:spPr>
+          <a:xfrm>
+            <a:off x="5326483" y="2293967"/>
+            <a:ext cx="2286961" cy="3429722"/>
+          </a:xfrm>
+          <a:prstGeom prst="ellipse">
+            <a:avLst/>
+          </a:prstGeom>
+          <a:noFill/>
+          <a:ln>
+            <a:solidFill>
+              <a:schemeClr val="accent2"/>
+            </a:solidFill>
+          </a:ln>
+        </p:spPr>
+        <p:style>
+          <a:lnRef idx="1">
+            <a:schemeClr val="accent1"/>
+          </a:lnRef>
+          <a:fillRef idx="3">
+            <a:schemeClr val="accent1"/>
+          </a:fillRef>
+          <a:effectRef idx="2">
+            <a:schemeClr val="accent1"/>
+          </a:effectRef>
+          <a:fontRef idx="minor">
+            <a:schemeClr val="lt1"/>
+          </a:fontRef>
+        </p:style>
+        <p:txBody>
+          <a:bodyPr rtlCol="0" anchor="ctr"/>
+          <a:lstStyle/>
+          <a:p>
+            <a:pPr algn="ctr"/>
+            <a:endParaRPr lang="en-US" sz="3600" dirty="0"/>
+          </a:p>
+        </p:txBody>
+      </p:sp>
+      <p:sp>
+        <p:nvSpPr>
+          <p:cNvPr id="10" name="TextBox 9"/>
+          <p:cNvSpPr txBox="1"/>
+          <p:nvPr/>
+        </p:nvSpPr>
+        <p:spPr>
+          <a:xfrm>
+            <a:off x="1410933" y="1715746"/>
+            <a:ext cx="2085727" cy="461665"/>
+          </a:xfrm>
+          <a:prstGeom prst="rect">
+            <a:avLst/>
+          </a:prstGeom>
+          <a:noFill/>
+        </p:spPr>
+        <p:txBody>
+          <a:bodyPr wrap="none" rtlCol="0">
+            <a:spAutoFit/>
+          </a:bodyPr>
+          <a:lstStyle/>
+          <a:p>
+            <a:r>
+              <a:rPr lang="en-US" sz="2400" dirty="0" smtClean="0"/>
+              <a:t>Input / Domain</a:t>
+            </a:r>
+          </a:p>
+        </p:txBody>
+      </p:sp>
+      <p:sp>
+        <p:nvSpPr>
+          <p:cNvPr id="11" name="TextBox 10"/>
+          <p:cNvSpPr txBox="1"/>
+          <p:nvPr/>
+        </p:nvSpPr>
+        <p:spPr>
+          <a:xfrm>
+            <a:off x="5123842" y="1715746"/>
+            <a:ext cx="2613816" cy="461665"/>
+          </a:xfrm>
+          <a:prstGeom prst="rect">
+            <a:avLst/>
+          </a:prstGeom>
+          <a:noFill/>
+        </p:spPr>
+        <p:txBody>
+          <a:bodyPr wrap="none" rtlCol="0">
+            <a:spAutoFit/>
+          </a:bodyPr>
+          <a:lstStyle/>
+          <a:p>
+            <a:r>
+              <a:rPr lang="en-US" sz="2400" dirty="0" smtClean="0"/>
+              <a:t>Output / Codomain</a:t>
+            </a:r>
+          </a:p>
+        </p:txBody>
+      </p:sp>
+      <p:sp>
+        <p:nvSpPr>
+          <p:cNvPr id="2" name="Cross 1"/>
+          <p:cNvSpPr/>
+          <p:nvPr/>
+        </p:nvSpPr>
+        <p:spPr>
+          <a:xfrm>
+            <a:off x="1685818" y="2853802"/>
+            <a:ext cx="540014" cy="327709"/>
+          </a:xfrm>
+          <a:prstGeom prst="plus">
+            <a:avLst/>
+          </a:prstGeom>
+        </p:spPr>
+        <p:style>
+          <a:lnRef idx="1">
+            <a:schemeClr val="accent1"/>
+          </a:lnRef>
+          <a:fillRef idx="3">
+            <a:schemeClr val="accent1"/>
+          </a:fillRef>
+          <a:effectRef idx="2">
+            <a:schemeClr val="accent1"/>
+          </a:effectRef>
+          <a:fontRef idx="minor">
+            <a:schemeClr val="lt1"/>
+          </a:fontRef>
+        </p:style>
+        <p:txBody>
+          <a:bodyPr rtlCol="0" anchor="ctr"/>
+          <a:lstStyle/>
+          <a:p>
+            <a:pPr algn="ctr"/>
+            <a:r>
+              <a:rPr lang="en-US" dirty="0" smtClean="0"/>
+              <a:t>a1</a:t>
+            </a:r>
+            <a:endParaRPr lang="en-US" dirty="0"/>
+          </a:p>
+        </p:txBody>
+      </p:sp>
+      <p:sp>
+        <p:nvSpPr>
+          <p:cNvPr id="8" name="Cross 7"/>
+          <p:cNvSpPr/>
+          <p:nvPr/>
+        </p:nvSpPr>
+        <p:spPr>
+          <a:xfrm>
+            <a:off x="2684853" y="3525075"/>
+            <a:ext cx="540014" cy="327709"/>
+          </a:xfrm>
+          <a:prstGeom prst="plus">
+            <a:avLst/>
+          </a:prstGeom>
+        </p:spPr>
+        <p:style>
+          <a:lnRef idx="1">
+            <a:schemeClr val="accent1"/>
+          </a:lnRef>
+          <a:fillRef idx="3">
+            <a:schemeClr val="accent1"/>
+          </a:fillRef>
+          <a:effectRef idx="2">
+            <a:schemeClr val="accent1"/>
+          </a:effectRef>
+          <a:fontRef idx="minor">
+            <a:schemeClr val="lt1"/>
+          </a:fontRef>
+        </p:style>
+        <p:txBody>
+          <a:bodyPr rtlCol="0" anchor="ctr"/>
+          <a:lstStyle/>
+          <a:p>
+            <a:pPr algn="ctr"/>
+            <a:r>
+              <a:rPr lang="en-US" dirty="0" smtClean="0"/>
+              <a:t>a2</a:t>
+            </a:r>
+            <a:endParaRPr lang="en-US" dirty="0"/>
+          </a:p>
+        </p:txBody>
+      </p:sp>
+      <p:sp>
+        <p:nvSpPr>
+          <p:cNvPr id="12" name="Cross 11"/>
+          <p:cNvSpPr/>
+          <p:nvPr/>
+        </p:nvSpPr>
+        <p:spPr>
+          <a:xfrm>
+            <a:off x="1826753" y="4264621"/>
+            <a:ext cx="540014" cy="327709"/>
+          </a:xfrm>
+          <a:prstGeom prst="plus">
+            <a:avLst/>
+          </a:prstGeom>
+        </p:spPr>
+        <p:style>
+          <a:lnRef idx="1">
+            <a:schemeClr val="accent1"/>
+          </a:lnRef>
+          <a:fillRef idx="3">
+            <a:schemeClr val="accent1"/>
+          </a:fillRef>
+          <a:effectRef idx="2">
+            <a:schemeClr val="accent1"/>
+          </a:effectRef>
+          <a:fontRef idx="minor">
+            <a:schemeClr val="lt1"/>
+          </a:fontRef>
+        </p:style>
+        <p:txBody>
+          <a:bodyPr rtlCol="0" anchor="ctr"/>
+          <a:lstStyle/>
+          <a:p>
+            <a:pPr algn="ctr"/>
+            <a:r>
+              <a:rPr lang="en-US" dirty="0" smtClean="0"/>
+              <a:t>a3</a:t>
+            </a:r>
+            <a:endParaRPr lang="en-US" dirty="0"/>
+          </a:p>
+        </p:txBody>
+      </p:sp>
+      <p:sp>
+        <p:nvSpPr>
+          <p:cNvPr id="13" name="Cross 12"/>
+          <p:cNvSpPr/>
+          <p:nvPr/>
+        </p:nvSpPr>
+        <p:spPr>
+          <a:xfrm>
+            <a:off x="2464547" y="4764984"/>
+            <a:ext cx="540014" cy="327709"/>
+          </a:xfrm>
+          <a:prstGeom prst="plus">
+            <a:avLst/>
+          </a:prstGeom>
+        </p:spPr>
+        <p:style>
+          <a:lnRef idx="1">
+            <a:schemeClr val="accent1"/>
+          </a:lnRef>
+          <a:fillRef idx="3">
+            <a:schemeClr val="accent1"/>
+          </a:fillRef>
+          <a:effectRef idx="2">
+            <a:schemeClr val="accent1"/>
+          </a:effectRef>
+          <a:fontRef idx="minor">
+            <a:schemeClr val="lt1"/>
+          </a:fontRef>
+        </p:style>
+        <p:txBody>
+          <a:bodyPr rtlCol="0" anchor="ctr"/>
+          <a:lstStyle/>
+          <a:p>
+            <a:pPr algn="ctr"/>
+            <a:r>
+              <a:rPr lang="en-US" dirty="0" smtClean="0"/>
+              <a:t>an</a:t>
+            </a:r>
+            <a:endParaRPr lang="en-US" dirty="0"/>
+          </a:p>
+        </p:txBody>
+      </p:sp>
+      <p:sp>
+        <p:nvSpPr>
+          <p:cNvPr id="14" name="Cross 13"/>
+          <p:cNvSpPr/>
+          <p:nvPr/>
+        </p:nvSpPr>
+        <p:spPr>
+          <a:xfrm>
+            <a:off x="5730379" y="2907964"/>
+            <a:ext cx="540014" cy="327709"/>
+          </a:xfrm>
+          <a:prstGeom prst="plus">
+            <a:avLst/>
+          </a:prstGeom>
+          <a:solidFill>
+            <a:schemeClr val="accent2"/>
+          </a:solidFill>
+          <a:ln>
+            <a:solidFill>
+              <a:schemeClr val="accent2"/>
+            </a:solidFill>
+          </a:ln>
+        </p:spPr>
+        <p:style>
+          <a:lnRef idx="1">
+            <a:schemeClr val="accent1"/>
+          </a:lnRef>
+          <a:fillRef idx="3">
+            <a:schemeClr val="accent1"/>
+          </a:fillRef>
+          <a:effectRef idx="2">
+            <a:schemeClr val="accent1"/>
+          </a:effectRef>
+          <a:fontRef idx="minor">
+            <a:schemeClr val="lt1"/>
+          </a:fontRef>
+        </p:style>
+        <p:txBody>
+          <a:bodyPr rtlCol="0" anchor="ctr"/>
+          <a:lstStyle/>
+          <a:p>
+            <a:pPr algn="ctr"/>
+            <a:r>
+              <a:rPr lang="en-US" dirty="0" smtClean="0"/>
+              <a:t>b1</a:t>
+            </a:r>
+            <a:endParaRPr lang="en-US" dirty="0"/>
+          </a:p>
+        </p:txBody>
+      </p:sp>
+      <p:sp>
+        <p:nvSpPr>
+          <p:cNvPr id="15" name="Cross 14"/>
+          <p:cNvSpPr/>
+          <p:nvPr/>
+        </p:nvSpPr>
+        <p:spPr>
+          <a:xfrm>
+            <a:off x="5819255" y="3595091"/>
+            <a:ext cx="540014" cy="327709"/>
+          </a:xfrm>
+          <a:prstGeom prst="plus">
+            <a:avLst/>
+          </a:prstGeom>
+          <a:solidFill>
+            <a:schemeClr val="accent2"/>
+          </a:solidFill>
+          <a:ln>
+            <a:solidFill>
+              <a:schemeClr val="accent2"/>
+            </a:solidFill>
+          </a:ln>
+        </p:spPr>
+        <p:style>
+          <a:lnRef idx="1">
+            <a:schemeClr val="accent1"/>
+          </a:lnRef>
+          <a:fillRef idx="3">
+            <a:schemeClr val="accent1"/>
+          </a:fillRef>
+          <a:effectRef idx="2">
+            <a:schemeClr val="accent1"/>
+          </a:effectRef>
+          <a:fontRef idx="minor">
+            <a:schemeClr val="lt1"/>
+          </a:fontRef>
+        </p:style>
+        <p:txBody>
+          <a:bodyPr rtlCol="0" anchor="ctr"/>
+          <a:lstStyle/>
+          <a:p>
+            <a:pPr algn="ctr"/>
+            <a:r>
+              <a:rPr lang="en-US" dirty="0" smtClean="0"/>
+              <a:t>b2</a:t>
+            </a:r>
+            <a:endParaRPr lang="en-US" dirty="0"/>
+          </a:p>
+        </p:txBody>
+      </p:sp>
+      <p:sp>
+        <p:nvSpPr>
+          <p:cNvPr id="16" name="Cross 15"/>
+          <p:cNvSpPr/>
+          <p:nvPr/>
+        </p:nvSpPr>
+        <p:spPr>
+          <a:xfrm>
+            <a:off x="5819255" y="4264621"/>
+            <a:ext cx="540014" cy="327709"/>
+          </a:xfrm>
+          <a:prstGeom prst="plus">
+            <a:avLst/>
+          </a:prstGeom>
+          <a:solidFill>
+            <a:schemeClr val="accent2"/>
+          </a:solidFill>
+          <a:ln>
+            <a:solidFill>
+              <a:schemeClr val="accent2"/>
+            </a:solidFill>
+          </a:ln>
+        </p:spPr>
+        <p:style>
+          <a:lnRef idx="1">
+            <a:schemeClr val="accent1"/>
+          </a:lnRef>
+          <a:fillRef idx="3">
+            <a:schemeClr val="accent1"/>
+          </a:fillRef>
+          <a:effectRef idx="2">
+            <a:schemeClr val="accent1"/>
+          </a:effectRef>
+          <a:fontRef idx="minor">
+            <a:schemeClr val="lt1"/>
+          </a:fontRef>
+        </p:style>
+        <p:txBody>
+          <a:bodyPr rtlCol="0" anchor="ctr"/>
+          <a:lstStyle/>
+          <a:p>
+            <a:pPr algn="ctr"/>
+            <a:r>
+              <a:rPr lang="en-US" dirty="0" smtClean="0"/>
+              <a:t>b3</a:t>
+            </a:r>
+            <a:endParaRPr lang="en-US" dirty="0"/>
+          </a:p>
+        </p:txBody>
+      </p:sp>
+      <p:sp>
+        <p:nvSpPr>
+          <p:cNvPr id="17" name="Cross 16"/>
+          <p:cNvSpPr/>
+          <p:nvPr/>
+        </p:nvSpPr>
+        <p:spPr>
+          <a:xfrm>
+            <a:off x="6707226" y="3540473"/>
+            <a:ext cx="540014" cy="327709"/>
+          </a:xfrm>
+          <a:prstGeom prst="plus">
+            <a:avLst/>
+          </a:prstGeom>
+          <a:solidFill>
+            <a:schemeClr val="accent2"/>
+          </a:solidFill>
+          <a:ln>
+            <a:solidFill>
+              <a:schemeClr val="accent2"/>
+            </a:solidFill>
+          </a:ln>
+        </p:spPr>
+        <p:style>
+          <a:lnRef idx="1">
+            <a:schemeClr val="accent1"/>
+          </a:lnRef>
+          <a:fillRef idx="3">
+            <a:schemeClr val="accent1"/>
+          </a:fillRef>
+          <a:effectRef idx="2">
+            <a:schemeClr val="accent1"/>
+          </a:effectRef>
+          <a:fontRef idx="minor">
+            <a:schemeClr val="lt1"/>
+          </a:fontRef>
+        </p:style>
+        <p:txBody>
+          <a:bodyPr rtlCol="0" anchor="ctr"/>
+          <a:lstStyle/>
+          <a:p>
+            <a:pPr algn="ctr"/>
+            <a:r>
+              <a:rPr lang="en-US" dirty="0" err="1" smtClean="0"/>
+              <a:t>bm</a:t>
+            </a:r>
+            <a:endParaRPr lang="en-US" dirty="0"/>
+          </a:p>
+        </p:txBody>
+      </p:sp>
+      <p:cxnSp>
+        <p:nvCxnSpPr>
+          <p:cNvPr id="18" name="Curved Connector 17"/>
+          <p:cNvCxnSpPr>
+            <a:stCxn id="2" idx="3"/>
+            <a:endCxn id="15" idx="1"/>
+          </p:cNvCxnSpPr>
+          <p:nvPr/>
+        </p:nvCxnSpPr>
+        <p:spPr>
+          <a:xfrm>
+            <a:off x="2225832" y="3017657"/>
+            <a:ext cx="3593423" cy="741289"/>
+          </a:xfrm>
+          <a:prstGeom prst="curvedConnector3">
+            <a:avLst/>
+          </a:prstGeom>
+          <a:ln>
+            <a:tailEnd type="arrow"/>
+          </a:ln>
+        </p:spPr>
+        <p:style>
+          <a:lnRef idx="2">
+            <a:schemeClr val="accent1"/>
+          </a:lnRef>
+          <a:fillRef idx="0">
+            <a:schemeClr val="accent1"/>
+          </a:fillRef>
+          <a:effectRef idx="1">
+            <a:schemeClr val="accent1"/>
+          </a:effectRef>
+          <a:fontRef idx="minor">
+            <a:schemeClr val="tx1"/>
+          </a:fontRef>
+        </p:style>
+      </p:cxnSp>
+      <p:cxnSp>
+        <p:nvCxnSpPr>
+          <p:cNvPr id="23" name="Curved Connector 22"/>
+          <p:cNvCxnSpPr>
+            <a:stCxn id="8" idx="3"/>
+            <a:endCxn id="15" idx="1"/>
+          </p:cNvCxnSpPr>
+          <p:nvPr/>
+        </p:nvCxnSpPr>
+        <p:spPr>
+          <a:xfrm>
+            <a:off x="3224867" y="3688930"/>
+            <a:ext cx="2594388" cy="70016"/>
+          </a:xfrm>
+          <a:prstGeom prst="curvedConnector3">
+            <a:avLst>
+              <a:gd name="adj1" fmla="val 50000"/>
+            </a:avLst>
+          </a:prstGeom>
+          <a:ln>
+            <a:tailEnd type="arrow"/>
+          </a:ln>
+        </p:spPr>
+        <p:style>
+          <a:lnRef idx="2">
+            <a:schemeClr val="accent1"/>
+          </a:lnRef>
+          <a:fillRef idx="0">
+            <a:schemeClr val="accent1"/>
+          </a:fillRef>
+          <a:effectRef idx="1">
+            <a:schemeClr val="accent1"/>
+          </a:effectRef>
+          <a:fontRef idx="minor">
+            <a:schemeClr val="tx1"/>
+          </a:fontRef>
+        </p:style>
+      </p:cxnSp>
+      <p:cxnSp>
+        <p:nvCxnSpPr>
+          <p:cNvPr id="25" name="Curved Connector 24"/>
+          <p:cNvCxnSpPr>
+            <a:stCxn id="12" idx="3"/>
+            <a:endCxn id="15" idx="1"/>
+          </p:cNvCxnSpPr>
+          <p:nvPr/>
+        </p:nvCxnSpPr>
+        <p:spPr>
+          <a:xfrm flipV="1">
+            <a:off x="2366767" y="3758946"/>
+            <a:ext cx="3452488" cy="669530"/>
+          </a:xfrm>
+          <a:prstGeom prst="curvedConnector3">
+            <a:avLst/>
+          </a:prstGeom>
+          <a:ln>
+            <a:tailEnd type="arrow"/>
+          </a:ln>
+        </p:spPr>
+        <p:style>
+          <a:lnRef idx="2">
+            <a:schemeClr val="accent1"/>
+          </a:lnRef>
+          <a:fillRef idx="0">
+            <a:schemeClr val="accent1"/>
+          </a:fillRef>
+          <a:effectRef idx="1">
+            <a:schemeClr val="accent1"/>
+          </a:effectRef>
+          <a:fontRef idx="minor">
+            <a:schemeClr val="tx1"/>
+          </a:fontRef>
+        </p:style>
+      </p:cxnSp>
+      <p:cxnSp>
+        <p:nvCxnSpPr>
+          <p:cNvPr id="27" name="Curved Connector 26"/>
+          <p:cNvCxnSpPr>
+            <a:stCxn id="13" idx="3"/>
+            <a:endCxn id="16" idx="1"/>
+          </p:cNvCxnSpPr>
+          <p:nvPr/>
+        </p:nvCxnSpPr>
+        <p:spPr>
+          <a:xfrm flipV="1">
+            <a:off x="3004561" y="4428476"/>
+            <a:ext cx="2814694" cy="500363"/>
+          </a:xfrm>
+          <a:prstGeom prst="curvedConnector3">
+            <a:avLst/>
+          </a:prstGeom>
+          <a:ln>
+            <a:tailEnd type="arrow"/>
+          </a:ln>
+        </p:spPr>
+        <p:style>
+          <a:lnRef idx="2">
+            <a:schemeClr val="accent1"/>
+          </a:lnRef>
+          <a:fillRef idx="0">
+            <a:schemeClr val="accent1"/>
+          </a:fillRef>
+          <a:effectRef idx="1">
+            <a:schemeClr val="accent1"/>
+          </a:effectRef>
+          <a:fontRef idx="minor">
+            <a:schemeClr val="tx1"/>
+          </a:fontRef>
+        </p:style>
+      </p:cxnSp>
+    </p:spTree>
+    <p:extLst>
+      <p:ext uri="{BB962C8B-B14F-4D97-AF65-F5344CB8AC3E}">
+        <p14:creationId xmlns:p14="http://schemas.microsoft.com/office/powerpoint/2010/main" val="4104288549"/>
+      </p:ext>
+    </p:extLst>
+  </p:cSld>
+  <p:clrMapOvr>
+    <a:masterClrMapping/>
+  </p:clrMapOvr>
+</p:sld>
+</file>
+
+<file path=ppt/slides/slide9.xml><?xml version="1.0" encoding="utf-8"?>
+<p:sld xmlns:a="http://schemas.openxmlformats.org/drawingml/2006/main" xmlns:r="http://schemas.openxmlformats.org/officeDocument/2006/relationships" xmlns:p="http://schemas.openxmlformats.org/presentationml/2006/main">
+  <p:cSld>
+    <p:spTree>
+      <p:nvGrpSpPr>
+        <p:cNvPr id="1" name=""/>
+        <p:cNvGrpSpPr/>
+        <p:nvPr/>
+      </p:nvGrpSpPr>
+      <p:grpSpPr>
+        <a:xfrm>
+          <a:off x="0" y="0"/>
+          <a:ext cx="0" cy="0"/>
+          <a:chOff x="0" y="0"/>
+          <a:chExt cx="0" cy="0"/>
+        </a:xfrm>
+      </p:grpSpPr>
+      <p:sp>
+        <p:nvSpPr>
+          <p:cNvPr id="4" name="Oval 3"/>
+          <p:cNvSpPr/>
+          <p:nvPr/>
+        </p:nvSpPr>
+        <p:spPr>
+          <a:xfrm>
+            <a:off x="1229862" y="2293967"/>
+            <a:ext cx="2266798" cy="3318057"/>
+          </a:xfrm>
+          <a:prstGeom prst="ellipse">
+            <a:avLst/>
+          </a:prstGeom>
+          <a:noFill/>
+        </p:spPr>
+        <p:style>
+          <a:lnRef idx="1">
+            <a:schemeClr val="accent1"/>
+          </a:lnRef>
+          <a:fillRef idx="3">
+            <a:schemeClr val="accent1"/>
+          </a:fillRef>
+          <a:effectRef idx="2">
+            <a:schemeClr val="accent1"/>
+          </a:effectRef>
+          <a:fontRef idx="minor">
+            <a:schemeClr val="lt1"/>
+          </a:fontRef>
+        </p:style>
+        <p:txBody>
+          <a:bodyPr rtlCol="0" anchor="ctr"/>
+          <a:lstStyle/>
+          <a:p>
+            <a:pPr algn="ctr"/>
+            <a:endParaRPr lang="en-US" sz="3600" dirty="0"/>
+          </a:p>
+        </p:txBody>
+      </p:sp>
+      <p:sp>
+        <p:nvSpPr>
+          <p:cNvPr id="6" name="Oval 5"/>
+          <p:cNvSpPr/>
+          <p:nvPr/>
+        </p:nvSpPr>
+        <p:spPr>
+          <a:xfrm>
+            <a:off x="5326483" y="2293967"/>
+            <a:ext cx="2286961" cy="3429722"/>
+          </a:xfrm>
+          <a:prstGeom prst="ellipse">
+            <a:avLst/>
+          </a:prstGeom>
+          <a:noFill/>
+          <a:ln>
+            <a:solidFill>
+              <a:schemeClr val="accent2"/>
+            </a:solidFill>
+          </a:ln>
+        </p:spPr>
+        <p:style>
+          <a:lnRef idx="1">
+            <a:schemeClr val="accent1"/>
+          </a:lnRef>
+          <a:fillRef idx="3">
+            <a:schemeClr val="accent1"/>
+          </a:fillRef>
+          <a:effectRef idx="2">
+            <a:schemeClr val="accent1"/>
+          </a:effectRef>
+          <a:fontRef idx="minor">
+            <a:schemeClr val="lt1"/>
+          </a:fontRef>
+        </p:style>
+        <p:txBody>
+          <a:bodyPr rtlCol="0" anchor="ctr"/>
+          <a:lstStyle/>
+          <a:p>
+            <a:pPr algn="ctr"/>
+            <a:endParaRPr lang="en-US" sz="3600" dirty="0"/>
+          </a:p>
+        </p:txBody>
+      </p:sp>
+      <p:sp>
+        <p:nvSpPr>
+          <p:cNvPr id="10" name="TextBox 9"/>
+          <p:cNvSpPr txBox="1"/>
+          <p:nvPr/>
+        </p:nvSpPr>
+        <p:spPr>
+          <a:xfrm>
+            <a:off x="1410933" y="1715746"/>
+            <a:ext cx="2085727" cy="461665"/>
+          </a:xfrm>
+          <a:prstGeom prst="rect">
+            <a:avLst/>
+          </a:prstGeom>
+          <a:noFill/>
+        </p:spPr>
+        <p:txBody>
+          <a:bodyPr wrap="none" rtlCol="0">
+            <a:spAutoFit/>
+          </a:bodyPr>
+          <a:lstStyle/>
+          <a:p>
+            <a:r>
+              <a:rPr lang="en-US" sz="2400" dirty="0" smtClean="0"/>
+              <a:t>Input / Domain</a:t>
+            </a:r>
+          </a:p>
+        </p:txBody>
+      </p:sp>
+      <p:sp>
+        <p:nvSpPr>
+          <p:cNvPr id="11" name="TextBox 10"/>
+          <p:cNvSpPr txBox="1"/>
+          <p:nvPr/>
+        </p:nvSpPr>
+        <p:spPr>
+          <a:xfrm>
+            <a:off x="5123842" y="1715746"/>
+            <a:ext cx="2613816" cy="461665"/>
+          </a:xfrm>
+          <a:prstGeom prst="rect">
+            <a:avLst/>
+          </a:prstGeom>
+          <a:noFill/>
+        </p:spPr>
+        <p:txBody>
+          <a:bodyPr wrap="none" rtlCol="0">
+            <a:spAutoFit/>
+          </a:bodyPr>
+          <a:lstStyle/>
+          <a:p>
+            <a:r>
+              <a:rPr lang="en-US" sz="2400" dirty="0" smtClean="0"/>
+              <a:t>Output / Codomain</a:t>
+            </a:r>
+          </a:p>
+        </p:txBody>
+      </p:sp>
+      <p:sp>
+        <p:nvSpPr>
+          <p:cNvPr id="2" name="Cross 1"/>
+          <p:cNvSpPr/>
+          <p:nvPr/>
+        </p:nvSpPr>
+        <p:spPr>
+          <a:xfrm>
+            <a:off x="1685818" y="2853802"/>
+            <a:ext cx="540014" cy="327709"/>
+          </a:xfrm>
+          <a:prstGeom prst="plus">
+            <a:avLst/>
+          </a:prstGeom>
+        </p:spPr>
+        <p:style>
+          <a:lnRef idx="1">
+            <a:schemeClr val="accent1"/>
+          </a:lnRef>
+          <a:fillRef idx="3">
+            <a:schemeClr val="accent1"/>
+          </a:fillRef>
+          <a:effectRef idx="2">
+            <a:schemeClr val="accent1"/>
+          </a:effectRef>
+          <a:fontRef idx="minor">
+            <a:schemeClr val="lt1"/>
+          </a:fontRef>
+        </p:style>
+        <p:txBody>
+          <a:bodyPr rtlCol="0" anchor="ctr"/>
+          <a:lstStyle/>
+          <a:p>
+            <a:pPr algn="ctr"/>
+            <a:r>
+              <a:rPr lang="en-US" dirty="0" smtClean="0"/>
+              <a:t>a1</a:t>
+            </a:r>
+            <a:endParaRPr lang="en-US" dirty="0"/>
+          </a:p>
+        </p:txBody>
+      </p:sp>
+      <p:sp>
+        <p:nvSpPr>
+          <p:cNvPr id="8" name="Cross 7"/>
+          <p:cNvSpPr/>
+          <p:nvPr/>
+        </p:nvSpPr>
+        <p:spPr>
+          <a:xfrm>
+            <a:off x="1955825" y="3885780"/>
+            <a:ext cx="540014" cy="327709"/>
+          </a:xfrm>
+          <a:prstGeom prst="plus">
+            <a:avLst/>
+          </a:prstGeom>
+        </p:spPr>
+        <p:style>
+          <a:lnRef idx="1">
+            <a:schemeClr val="accent1"/>
+          </a:lnRef>
+          <a:fillRef idx="3">
+            <a:schemeClr val="accent1"/>
+          </a:fillRef>
+          <a:effectRef idx="2">
+            <a:schemeClr val="accent1"/>
+          </a:effectRef>
+          <a:fontRef idx="minor">
+            <a:schemeClr val="lt1"/>
+          </a:fontRef>
+        </p:style>
+        <p:txBody>
+          <a:bodyPr rtlCol="0" anchor="ctr"/>
+          <a:lstStyle/>
+          <a:p>
+            <a:pPr algn="ctr"/>
+            <a:r>
+              <a:rPr lang="en-US" dirty="0" smtClean="0"/>
+              <a:t>a2</a:t>
+            </a:r>
+            <a:endParaRPr lang="en-US" dirty="0"/>
+          </a:p>
+        </p:txBody>
+      </p:sp>
+      <p:sp>
+        <p:nvSpPr>
+          <p:cNvPr id="14" name="Cross 13"/>
+          <p:cNvSpPr/>
+          <p:nvPr/>
+        </p:nvSpPr>
+        <p:spPr>
+          <a:xfrm>
+            <a:off x="5730379" y="2907964"/>
+            <a:ext cx="540014" cy="327709"/>
+          </a:xfrm>
+          <a:prstGeom prst="plus">
+            <a:avLst/>
+          </a:prstGeom>
+          <a:solidFill>
+            <a:schemeClr val="accent2"/>
+          </a:solidFill>
+          <a:ln>
+            <a:solidFill>
+              <a:schemeClr val="accent2"/>
+            </a:solidFill>
+          </a:ln>
+        </p:spPr>
+        <p:style>
+          <a:lnRef idx="1">
+            <a:schemeClr val="accent1"/>
+          </a:lnRef>
+          <a:fillRef idx="3">
+            <a:schemeClr val="accent1"/>
+          </a:fillRef>
+          <a:effectRef idx="2">
+            <a:schemeClr val="accent1"/>
+          </a:effectRef>
+          <a:fontRef idx="minor">
+            <a:schemeClr val="lt1"/>
+          </a:fontRef>
+        </p:style>
+        <p:txBody>
+          <a:bodyPr rtlCol="0" anchor="ctr"/>
+          <a:lstStyle/>
+          <a:p>
+            <a:pPr algn="ctr"/>
+            <a:r>
+              <a:rPr lang="en-US" dirty="0" smtClean="0"/>
+              <a:t>b1</a:t>
+            </a:r>
+            <a:endParaRPr lang="en-US" dirty="0"/>
+          </a:p>
+        </p:txBody>
+      </p:sp>
+      <p:sp>
+        <p:nvSpPr>
+          <p:cNvPr id="15" name="Cross 14"/>
+          <p:cNvSpPr/>
+          <p:nvPr/>
+        </p:nvSpPr>
+        <p:spPr>
+          <a:xfrm>
+            <a:off x="5819255" y="3595091"/>
+            <a:ext cx="540014" cy="327709"/>
+          </a:xfrm>
+          <a:prstGeom prst="plus">
+            <a:avLst/>
+          </a:prstGeom>
+          <a:solidFill>
+            <a:schemeClr val="accent2"/>
+          </a:solidFill>
+          <a:ln>
+            <a:solidFill>
+              <a:schemeClr val="accent2"/>
+            </a:solidFill>
+          </a:ln>
+        </p:spPr>
+        <p:style>
+          <a:lnRef idx="1">
+            <a:schemeClr val="accent1"/>
+          </a:lnRef>
+          <a:fillRef idx="3">
+            <a:schemeClr val="accent1"/>
+          </a:fillRef>
+          <a:effectRef idx="2">
+            <a:schemeClr val="accent1"/>
+          </a:effectRef>
+          <a:fontRef idx="minor">
+            <a:schemeClr val="lt1"/>
+          </a:fontRef>
+        </p:style>
+        <p:txBody>
+          <a:bodyPr rtlCol="0" anchor="ctr"/>
+          <a:lstStyle/>
+          <a:p>
+            <a:pPr algn="ctr"/>
+            <a:r>
+              <a:rPr lang="en-US" dirty="0" smtClean="0"/>
+              <a:t>b2</a:t>
+            </a:r>
+            <a:endParaRPr lang="en-US" dirty="0"/>
+          </a:p>
+        </p:txBody>
+      </p:sp>
+      <p:sp>
+        <p:nvSpPr>
+          <p:cNvPr id="16" name="Cross 15"/>
+          <p:cNvSpPr/>
+          <p:nvPr/>
+        </p:nvSpPr>
+        <p:spPr>
+          <a:xfrm>
+            <a:off x="6624924" y="4715221"/>
+            <a:ext cx="540014" cy="327709"/>
+          </a:xfrm>
+          <a:prstGeom prst="plus">
+            <a:avLst/>
+          </a:prstGeom>
+          <a:solidFill>
+            <a:schemeClr val="accent2"/>
+          </a:solidFill>
+          <a:ln>
+            <a:solidFill>
+              <a:schemeClr val="accent2"/>
+            </a:solidFill>
+          </a:ln>
+        </p:spPr>
+        <p:style>
+          <a:lnRef idx="1">
+            <a:schemeClr val="accent1"/>
+          </a:lnRef>
+          <a:fillRef idx="3">
+            <a:schemeClr val="accent1"/>
+          </a:fillRef>
+          <a:effectRef idx="2">
+            <a:schemeClr val="accent1"/>
+          </a:effectRef>
+          <a:fontRef idx="minor">
+            <a:schemeClr val="lt1"/>
+          </a:fontRef>
+        </p:style>
+        <p:txBody>
+          <a:bodyPr rtlCol="0" anchor="ctr"/>
+          <a:lstStyle/>
+          <a:p>
+            <a:pPr algn="ctr"/>
+            <a:r>
+              <a:rPr lang="en-US" dirty="0" smtClean="0"/>
+              <a:t>b3</a:t>
+            </a:r>
+            <a:endParaRPr lang="en-US" dirty="0"/>
+          </a:p>
+        </p:txBody>
+      </p:sp>
+      <p:cxnSp>
+        <p:nvCxnSpPr>
+          <p:cNvPr id="18" name="Curved Connector 17"/>
+          <p:cNvCxnSpPr>
+            <a:stCxn id="2" idx="3"/>
+            <a:endCxn id="14" idx="1"/>
+          </p:cNvCxnSpPr>
+          <p:nvPr/>
+        </p:nvCxnSpPr>
+        <p:spPr>
+          <a:xfrm>
+            <a:off x="2225832" y="3017657"/>
+            <a:ext cx="3504547" cy="54162"/>
+          </a:xfrm>
+          <a:prstGeom prst="curvedConnector3">
+            <a:avLst/>
+          </a:prstGeom>
+          <a:ln>
+            <a:tailEnd type="arrow"/>
+          </a:ln>
+        </p:spPr>
+        <p:style>
+          <a:lnRef idx="2">
+            <a:schemeClr val="accent1"/>
+          </a:lnRef>
+          <a:fillRef idx="0">
+            <a:schemeClr val="accent1"/>
+          </a:fillRef>
+          <a:effectRef idx="1">
+            <a:schemeClr val="accent1"/>
+          </a:effectRef>
+          <a:fontRef idx="minor">
+            <a:schemeClr val="tx1"/>
+          </a:fontRef>
+        </p:style>
+      </p:cxnSp>
+      <p:cxnSp>
+        <p:nvCxnSpPr>
+          <p:cNvPr id="23" name="Curved Connector 22"/>
+          <p:cNvCxnSpPr>
+            <a:stCxn id="8" idx="3"/>
+            <a:endCxn id="15" idx="1"/>
+          </p:cNvCxnSpPr>
+          <p:nvPr/>
+        </p:nvCxnSpPr>
+        <p:spPr>
+          <a:xfrm flipV="1">
+            <a:off x="2495839" y="3758946"/>
+            <a:ext cx="3323416" cy="290689"/>
+          </a:xfrm>
+          <a:prstGeom prst="curvedConnector3">
+            <a:avLst>
+              <a:gd name="adj1" fmla="val 50000"/>
+            </a:avLst>
+          </a:prstGeom>
+          <a:ln>
+            <a:tailEnd type="arrow"/>
+          </a:ln>
+        </p:spPr>
+        <p:style>
+          <a:lnRef idx="2">
+            <a:schemeClr val="accent1"/>
+          </a:lnRef>
+          <a:fillRef idx="0">
+            <a:schemeClr val="accent1"/>
+          </a:fillRef>
+          <a:effectRef idx="1">
+            <a:schemeClr val="accent1"/>
+          </a:effectRef>
+          <a:fontRef idx="minor">
+            <a:schemeClr val="tx1"/>
+          </a:fontRef>
+        </p:style>
+      </p:cxnSp>
+      <p:cxnSp>
+        <p:nvCxnSpPr>
+          <p:cNvPr id="22" name="Curved Connector 21"/>
+          <p:cNvCxnSpPr>
+            <a:stCxn id="8" idx="3"/>
+            <a:endCxn id="16" idx="1"/>
+          </p:cNvCxnSpPr>
+          <p:nvPr/>
+        </p:nvCxnSpPr>
+        <p:spPr>
+          <a:xfrm>
+            <a:off x="2495839" y="4049635"/>
+            <a:ext cx="4129085" cy="829441"/>
+          </a:xfrm>
+          <a:prstGeom prst="curvedConnector3">
+            <a:avLst>
+              <a:gd name="adj1" fmla="val 50000"/>
+            </a:avLst>
+          </a:prstGeom>
+          <a:ln>
+            <a:tailEnd type="arrow"/>
+          </a:ln>
+        </p:spPr>
+        <p:style>
+          <a:lnRef idx="2">
+            <a:schemeClr val="accent1"/>
+          </a:lnRef>
+          <a:fillRef idx="0">
+            <a:schemeClr val="accent1"/>
+          </a:fillRef>
+          <a:effectRef idx="1">
+            <a:schemeClr val="accent1"/>
+          </a:effectRef>
+          <a:fontRef idx="minor">
+            <a:schemeClr val="tx1"/>
+          </a:fontRef>
+        </p:style>
+      </p:cxnSp>
+      <p:sp>
+        <p:nvSpPr>
+          <p:cNvPr id="32" name="Multiply 31"/>
+          <p:cNvSpPr/>
+          <p:nvPr/>
+        </p:nvSpPr>
+        <p:spPr>
+          <a:xfrm>
+            <a:off x="3224867" y="2853802"/>
+            <a:ext cx="2495159" cy="2362237"/>
+          </a:xfrm>
+          <a:prstGeom prst="mathMultiply">
+            <a:avLst/>
+          </a:prstGeom>
+          <a:solidFill>
+            <a:srgbClr val="FF0000">
+              <a:alpha val="46000"/>
+            </a:srgbClr>
+          </a:solidFill>
+          <a:ln>
+            <a:noFill/>
+          </a:ln>
+        </p:spPr>
+        <p:style>
+          <a:lnRef idx="1">
+            <a:schemeClr val="accent1"/>
+          </a:lnRef>
+          <a:fillRef idx="3">
+            <a:schemeClr val="accent1"/>
+          </a:fillRef>
+          <a:effectRef idx="2">
+            <a:schemeClr val="accent1"/>
+          </a:effectRef>
+          <a:fontRef idx="minor">
+            <a:schemeClr val="lt1"/>
+          </a:fontRef>
+        </p:style>
+        <p:txBody>
+          <a:bodyPr rtlCol="0" anchor="ctr"/>
+          <a:lstStyle/>
+          <a:p>
+            <a:pPr algn="ctr"/>
+            <a:r>
+              <a:rPr lang="en-US" dirty="0" smtClean="0"/>
+              <a:t> </a:t>
+            </a:r>
+            <a:endParaRPr lang="en-US" dirty="0"/>
+          </a:p>
+        </p:txBody>
+      </p:sp>
+    </p:spTree>
+    <p:extLst>
+      <p:ext uri="{BB962C8B-B14F-4D97-AF65-F5344CB8AC3E}">
+        <p14:creationId xmlns:p14="http://schemas.microsoft.com/office/powerpoint/2010/main" val="148186602"/>
       </p:ext>
     </p:extLst>
   </p:cSld>

--- a/Diagrams.pptx
+++ b/Diagrams.pptx
@@ -8,16 +8,19 @@
     <p:sldId id="256" r:id="rId2"/>
     <p:sldId id="260" r:id="rId3"/>
     <p:sldId id="257" r:id="rId4"/>
-    <p:sldId id="262" r:id="rId5"/>
-    <p:sldId id="263" r:id="rId6"/>
-    <p:sldId id="264" r:id="rId7"/>
-    <p:sldId id="258" r:id="rId8"/>
-    <p:sldId id="269" r:id="rId9"/>
-    <p:sldId id="268" r:id="rId10"/>
-    <p:sldId id="265" r:id="rId11"/>
-    <p:sldId id="266" r:id="rId12"/>
-    <p:sldId id="267" r:id="rId13"/>
-    <p:sldId id="261" r:id="rId14"/>
+    <p:sldId id="270" r:id="rId5"/>
+    <p:sldId id="273" r:id="rId6"/>
+    <p:sldId id="272" r:id="rId7"/>
+    <p:sldId id="262" r:id="rId8"/>
+    <p:sldId id="263" r:id="rId9"/>
+    <p:sldId id="264" r:id="rId10"/>
+    <p:sldId id="261" r:id="rId11"/>
+    <p:sldId id="258" r:id="rId12"/>
+    <p:sldId id="269" r:id="rId13"/>
+    <p:sldId id="268" r:id="rId14"/>
+    <p:sldId id="265" r:id="rId15"/>
+    <p:sldId id="266" r:id="rId16"/>
+    <p:sldId id="267" r:id="rId17"/>
   </p:sldIdLst>
   <p:sldSz cx="9144000" cy="6858000" type="screen4x3"/>
   <p:notesSz cx="6858000" cy="9144000"/>
@@ -148,7 +151,7 @@
         </p:nvSpPr>
         <p:spPr>
           <a:xfrm>
-            <a:off x="685800" y="2130425"/>
+            <a:off x="685800" y="2130428"/>
             <a:ext cx="7772400" cy="1470025"/>
           </a:xfrm>
         </p:spPr>
@@ -560,7 +563,7 @@
         </p:nvSpPr>
         <p:spPr>
           <a:xfrm>
-            <a:off x="6629400" y="274638"/>
+            <a:off x="6629400" y="274640"/>
             <a:ext cx="2057400" cy="5851525"/>
           </a:xfrm>
         </p:spPr>
@@ -588,7 +591,7 @@
         </p:nvSpPr>
         <p:spPr>
           <a:xfrm>
-            <a:off x="457200" y="274638"/>
+            <a:off x="457200" y="274640"/>
             <a:ext cx="6019800" cy="5851525"/>
           </a:xfrm>
         </p:spPr>
@@ -910,7 +913,7 @@
         </p:nvSpPr>
         <p:spPr>
           <a:xfrm>
-            <a:off x="722313" y="4406900"/>
+            <a:off x="722313" y="4406901"/>
             <a:ext cx="7772400" cy="1362075"/>
           </a:xfrm>
         </p:spPr>
@@ -1179,7 +1182,7 @@
         </p:nvSpPr>
         <p:spPr>
           <a:xfrm>
-            <a:off x="457200" y="1600200"/>
+            <a:off x="457200" y="1600201"/>
             <a:ext cx="4038600" cy="4525963"/>
           </a:xfrm>
         </p:spPr>
@@ -1264,7 +1267,7 @@
         </p:nvSpPr>
         <p:spPr>
           <a:xfrm>
-            <a:off x="4648200" y="1600200"/>
+            <a:off x="4648200" y="1600201"/>
             <a:ext cx="4038600" cy="4525963"/>
           </a:xfrm>
         </p:spPr>
@@ -1472,7 +1475,7 @@
         <p:spPr>
           <a:xfrm>
             <a:off x="457200" y="1535113"/>
-            <a:ext cx="4040188" cy="639762"/>
+            <a:ext cx="4040188" cy="639763"/>
           </a:xfrm>
         </p:spPr>
         <p:txBody>
@@ -1621,8 +1624,8 @@
         </p:nvSpPr>
         <p:spPr>
           <a:xfrm>
-            <a:off x="4645025" y="1535113"/>
-            <a:ext cx="4041775" cy="639762"/>
+            <a:off x="4645029" y="1535113"/>
+            <a:ext cx="4041775" cy="639763"/>
           </a:xfrm>
         </p:spPr>
         <p:txBody>
@@ -1686,7 +1689,7 @@
         </p:nvSpPr>
         <p:spPr>
           <a:xfrm>
-            <a:off x="4645025" y="2174875"/>
+            <a:off x="4645029" y="2174875"/>
             <a:ext cx="4041775" cy="3951288"/>
           </a:xfrm>
         </p:spPr>
@@ -2079,8 +2082,8 @@
         </p:nvSpPr>
         <p:spPr>
           <a:xfrm>
-            <a:off x="457200" y="273050"/>
-            <a:ext cx="3008313" cy="1162050"/>
+            <a:off x="457204" y="273049"/>
+            <a:ext cx="3008313" cy="1162051"/>
           </a:xfrm>
         </p:spPr>
         <p:txBody>
@@ -2111,7 +2114,7 @@
         </p:nvSpPr>
         <p:spPr>
           <a:xfrm>
-            <a:off x="3575050" y="273050"/>
+            <a:off x="3575050" y="273053"/>
             <a:ext cx="5111750" cy="5853113"/>
           </a:xfrm>
         </p:spPr>
@@ -2196,7 +2199,7 @@
         </p:nvSpPr>
         <p:spPr>
           <a:xfrm>
-            <a:off x="457200" y="1435100"/>
+            <a:off x="457204" y="1435103"/>
             <a:ext cx="3008313" cy="4691063"/>
           </a:xfrm>
         </p:spPr>
@@ -2356,8 +2359,8 @@
         </p:nvSpPr>
         <p:spPr>
           <a:xfrm>
-            <a:off x="1792288" y="4800600"/>
-            <a:ext cx="5486400" cy="566738"/>
+            <a:off x="1792288" y="4800601"/>
+            <a:ext cx="5486400" cy="566739"/>
           </a:xfrm>
         </p:spPr>
         <p:txBody>
@@ -2449,8 +2452,8 @@
         </p:nvSpPr>
         <p:spPr>
           <a:xfrm>
-            <a:off x="1792288" y="5367338"/>
-            <a:ext cx="5486400" cy="804862"/>
+            <a:off x="1792288" y="5367339"/>
+            <a:ext cx="5486400" cy="804863"/>
           </a:xfrm>
         </p:spPr>
         <p:txBody>
@@ -2614,7 +2617,7 @@
         </p:nvSpPr>
         <p:spPr>
           <a:xfrm>
-            <a:off x="457200" y="274638"/>
+            <a:off x="457200" y="274639"/>
             <a:ext cx="8229600" cy="1143000"/>
           </a:xfrm>
           <a:prstGeom prst="rect">
@@ -2647,7 +2650,7 @@
         </p:nvSpPr>
         <p:spPr>
           <a:xfrm>
-            <a:off x="457200" y="1600200"/>
+            <a:off x="457200" y="1600201"/>
             <a:ext cx="8229600" cy="4525963"/>
           </a:xfrm>
           <a:prstGeom prst="rect">
@@ -2709,7 +2712,7 @@
         </p:nvSpPr>
         <p:spPr>
           <a:xfrm>
-            <a:off x="457200" y="6356350"/>
+            <a:off x="457200" y="6356352"/>
             <a:ext cx="2133600" cy="365125"/>
           </a:xfrm>
           <a:prstGeom prst="rect">
@@ -2750,7 +2753,7 @@
         </p:nvSpPr>
         <p:spPr>
           <a:xfrm>
-            <a:off x="3124200" y="6356350"/>
+            <a:off x="3124200" y="6356352"/>
             <a:ext cx="2895600" cy="365125"/>
           </a:xfrm>
           <a:prstGeom prst="rect">
@@ -2787,7 +2790,7 @@
         </p:nvSpPr>
         <p:spPr>
           <a:xfrm>
-            <a:off x="6553200" y="6356350"/>
+            <a:off x="6553200" y="6356352"/>
             <a:ext cx="2133600" cy="365125"/>
           </a:xfrm>
           <a:prstGeom prst="rect">
@@ -3115,8 +3118,8 @@
         </p:nvSpPr>
         <p:spPr>
           <a:xfrm>
-            <a:off x="1188019" y="2373465"/>
-            <a:ext cx="1584027" cy="1761438"/>
+            <a:off x="1188023" y="2373467"/>
+            <a:ext cx="1761269" cy="2236464"/>
           </a:xfrm>
           <a:prstGeom prst="ellipse">
             <a:avLst/>
@@ -3158,8 +3161,8 @@
         </p:nvSpPr>
         <p:spPr>
           <a:xfrm>
-            <a:off x="1395041" y="2669238"/>
-            <a:ext cx="1172175" cy="584946"/>
+            <a:off x="1395044" y="2513959"/>
+            <a:ext cx="1308978" cy="937197"/>
           </a:xfrm>
           <a:prstGeom prst="ellipse">
             <a:avLst/>
@@ -3215,8 +3218,8 @@
         </p:nvSpPr>
         <p:spPr>
           <a:xfrm>
-            <a:off x="1395041" y="3354166"/>
-            <a:ext cx="1172175" cy="584946"/>
+            <a:off x="1415530" y="3516778"/>
+            <a:ext cx="1308978" cy="937197"/>
           </a:xfrm>
           <a:prstGeom prst="ellipse">
             <a:avLst/>
@@ -3268,7 +3271,7 @@
         </p:nvSpPr>
         <p:spPr>
           <a:xfrm>
-            <a:off x="1188019" y="1674799"/>
+            <a:off x="1188023" y="1511692"/>
             <a:ext cx="1761269" cy="646331"/>
           </a:xfrm>
           <a:prstGeom prst="rect">
@@ -3307,7 +3310,7 @@
         <p:spPr>
           <a:xfrm>
             <a:off x="4658682" y="1997965"/>
-            <a:ext cx="2892756" cy="3791794"/>
+            <a:ext cx="2892756" cy="3791795"/>
           </a:xfrm>
           <a:prstGeom prst="ellipse">
             <a:avLst/>
@@ -3349,7 +3352,7 @@
         </p:nvSpPr>
         <p:spPr>
           <a:xfrm>
-            <a:off x="5687587" y="1321671"/>
+            <a:off x="5687587" y="1188526"/>
             <a:ext cx="715535" cy="646331"/>
           </a:xfrm>
           <a:prstGeom prst="rect">
@@ -3381,14 +3384,169 @@
       </p:sp>
       <p:sp>
         <p:nvSpPr>
-          <p:cNvPr id="12" name="Cross 11"/>
-          <p:cNvSpPr/>
-          <p:nvPr/>
-        </p:nvSpPr>
-        <p:spPr>
-          <a:xfrm>
-            <a:off x="5107120" y="2926474"/>
-            <a:ext cx="381089" cy="327710"/>
+          <p:cNvPr id="14" name="Cross 13"/>
+          <p:cNvSpPr/>
+          <p:nvPr/>
+        </p:nvSpPr>
+        <p:spPr>
+          <a:xfrm>
+            <a:off x="5839991" y="3729667"/>
+            <a:ext cx="653761" cy="552555"/>
+          </a:xfrm>
+          <a:prstGeom prst="plus">
+            <a:avLst/>
+          </a:prstGeom>
+        </p:spPr>
+        <p:style>
+          <a:lnRef idx="1">
+            <a:schemeClr val="accent1"/>
+          </a:lnRef>
+          <a:fillRef idx="3">
+            <a:schemeClr val="accent1"/>
+          </a:fillRef>
+          <a:effectRef idx="2">
+            <a:schemeClr val="accent1"/>
+          </a:effectRef>
+          <a:fontRef idx="minor">
+            <a:schemeClr val="lt1"/>
+          </a:fontRef>
+        </p:style>
+        <p:txBody>
+          <a:bodyPr rtlCol="0" anchor="ctr"/>
+          <a:lstStyle/>
+          <a:p>
+            <a:pPr algn="ctr"/>
+            <a:r>
+              <a:rPr lang="en-US" dirty="0" smtClean="0"/>
+              <a:t>456</a:t>
+            </a:r>
+          </a:p>
+        </p:txBody>
+      </p:sp>
+      <p:sp>
+        <p:nvSpPr>
+          <p:cNvPr id="18" name="Cross 17"/>
+          <p:cNvSpPr/>
+          <p:nvPr/>
+        </p:nvSpPr>
+        <p:spPr>
+          <a:xfrm>
+            <a:off x="6713936" y="3351513"/>
+            <a:ext cx="381089" cy="327711"/>
+          </a:xfrm>
+          <a:prstGeom prst="plus">
+            <a:avLst/>
+          </a:prstGeom>
+        </p:spPr>
+        <p:style>
+          <a:lnRef idx="1">
+            <a:schemeClr val="accent1"/>
+          </a:lnRef>
+          <a:fillRef idx="3">
+            <a:schemeClr val="accent1"/>
+          </a:fillRef>
+          <a:effectRef idx="2">
+            <a:schemeClr val="accent1"/>
+          </a:effectRef>
+          <a:fontRef idx="minor">
+            <a:schemeClr val="lt1"/>
+          </a:fontRef>
+        </p:style>
+        <p:txBody>
+          <a:bodyPr rtlCol="0" anchor="ctr"/>
+          <a:lstStyle/>
+          <a:p>
+            <a:pPr algn="ctr"/>
+            <a:endParaRPr lang="en-US" dirty="0" smtClean="0"/>
+          </a:p>
+        </p:txBody>
+      </p:sp>
+      <p:sp>
+        <p:nvSpPr>
+          <p:cNvPr id="19" name="Cross 18"/>
+          <p:cNvSpPr/>
+          <p:nvPr/>
+        </p:nvSpPr>
+        <p:spPr>
+          <a:xfrm>
+            <a:off x="6212581" y="4609931"/>
+            <a:ext cx="381089" cy="327711"/>
+          </a:xfrm>
+          <a:prstGeom prst="plus">
+            <a:avLst/>
+          </a:prstGeom>
+        </p:spPr>
+        <p:style>
+          <a:lnRef idx="1">
+            <a:schemeClr val="accent1"/>
+          </a:lnRef>
+          <a:fillRef idx="3">
+            <a:schemeClr val="accent1"/>
+          </a:fillRef>
+          <a:effectRef idx="2">
+            <a:schemeClr val="accent1"/>
+          </a:effectRef>
+          <a:fontRef idx="minor">
+            <a:schemeClr val="lt1"/>
+          </a:fontRef>
+        </p:style>
+        <p:txBody>
+          <a:bodyPr rtlCol="0" anchor="ctr"/>
+          <a:lstStyle/>
+          <a:p>
+            <a:pPr algn="ctr"/>
+            <a:endParaRPr lang="en-US" dirty="0" smtClean="0"/>
+          </a:p>
+        </p:txBody>
+      </p:sp>
+      <p:sp>
+        <p:nvSpPr>
+          <p:cNvPr id="20" name="Cross 19"/>
+          <p:cNvSpPr/>
+          <p:nvPr/>
+        </p:nvSpPr>
+        <p:spPr>
+          <a:xfrm>
+            <a:off x="5107124" y="4282222"/>
+            <a:ext cx="381089" cy="327711"/>
+          </a:xfrm>
+          <a:prstGeom prst="plus">
+            <a:avLst/>
+          </a:prstGeom>
+        </p:spPr>
+        <p:style>
+          <a:lnRef idx="1">
+            <a:schemeClr val="accent1"/>
+          </a:lnRef>
+          <a:fillRef idx="3">
+            <a:schemeClr val="accent1"/>
+          </a:fillRef>
+          <a:effectRef idx="2">
+            <a:schemeClr val="accent1"/>
+          </a:effectRef>
+          <a:fontRef idx="minor">
+            <a:schemeClr val="lt1"/>
+          </a:fontRef>
+        </p:style>
+        <p:txBody>
+          <a:bodyPr rtlCol="0" anchor="ctr"/>
+          <a:lstStyle/>
+          <a:p>
+            <a:pPr algn="ctr"/>
+            <a:endParaRPr lang="en-US" dirty="0" smtClean="0"/>
+          </a:p>
+        </p:txBody>
+      </p:sp>
+      <p:sp>
+        <p:nvSpPr>
+          <p:cNvPr id="22" name="Cross 21"/>
+          <p:cNvSpPr/>
+          <p:nvPr/>
+        </p:nvSpPr>
+        <p:spPr>
+          <a:xfrm>
+            <a:off x="5033062" y="3022558"/>
+            <a:ext cx="455151" cy="328956"/>
           </a:xfrm>
           <a:prstGeom prst="plus">
             <a:avLst/>
@@ -3422,14 +3580,14 @@
       </p:sp>
       <p:sp>
         <p:nvSpPr>
-          <p:cNvPr id="13" name="Cross 12"/>
-          <p:cNvSpPr/>
-          <p:nvPr/>
-        </p:nvSpPr>
-        <p:spPr>
-          <a:xfrm>
-            <a:off x="5687587" y="2782873"/>
-            <a:ext cx="381089" cy="327710"/>
+          <p:cNvPr id="23" name="Cross 22"/>
+          <p:cNvSpPr/>
+          <p:nvPr/>
+        </p:nvSpPr>
+        <p:spPr>
+          <a:xfrm>
+            <a:off x="5757430" y="2513959"/>
+            <a:ext cx="455151" cy="328956"/>
           </a:xfrm>
           <a:prstGeom prst="plus">
             <a:avLst/>
@@ -3455,163 +3613,9 @@
           <a:p>
             <a:pPr algn="ctr"/>
             <a:r>
-              <a:rPr lang="en-US" dirty="0" smtClean="0"/>
+              <a:rPr lang="en-US" dirty="0"/>
               <a:t>2</a:t>
             </a:r>
-          </a:p>
-        </p:txBody>
-      </p:sp>
-      <p:sp>
-        <p:nvSpPr>
-          <p:cNvPr id="14" name="Cross 13"/>
-          <p:cNvSpPr/>
-          <p:nvPr/>
-        </p:nvSpPr>
-        <p:spPr>
-          <a:xfrm>
-            <a:off x="5839987" y="3729665"/>
-            <a:ext cx="563135" cy="418893"/>
-          </a:xfrm>
-          <a:prstGeom prst="plus">
-            <a:avLst/>
-          </a:prstGeom>
-        </p:spPr>
-        <p:style>
-          <a:lnRef idx="1">
-            <a:schemeClr val="accent1"/>
-          </a:lnRef>
-          <a:fillRef idx="3">
-            <a:schemeClr val="accent1"/>
-          </a:fillRef>
-          <a:effectRef idx="2">
-            <a:schemeClr val="accent1"/>
-          </a:effectRef>
-          <a:fontRef idx="minor">
-            <a:schemeClr val="lt1"/>
-          </a:fontRef>
-        </p:style>
-        <p:txBody>
-          <a:bodyPr rtlCol="0" anchor="ctr"/>
-          <a:lstStyle/>
-          <a:p>
-            <a:pPr algn="ctr"/>
-            <a:r>
-              <a:rPr lang="en-US" dirty="0" smtClean="0"/>
-              <a:t>456</a:t>
-            </a:r>
-          </a:p>
-        </p:txBody>
-      </p:sp>
-      <p:sp>
-        <p:nvSpPr>
-          <p:cNvPr id="18" name="Cross 17"/>
-          <p:cNvSpPr/>
-          <p:nvPr/>
-        </p:nvSpPr>
-        <p:spPr>
-          <a:xfrm>
-            <a:off x="6713932" y="3351511"/>
-            <a:ext cx="381089" cy="327710"/>
-          </a:xfrm>
-          <a:prstGeom prst="plus">
-            <a:avLst/>
-          </a:prstGeom>
-        </p:spPr>
-        <p:style>
-          <a:lnRef idx="1">
-            <a:schemeClr val="accent1"/>
-          </a:lnRef>
-          <a:fillRef idx="3">
-            <a:schemeClr val="accent1"/>
-          </a:fillRef>
-          <a:effectRef idx="2">
-            <a:schemeClr val="accent1"/>
-          </a:effectRef>
-          <a:fontRef idx="minor">
-            <a:schemeClr val="lt1"/>
-          </a:fontRef>
-        </p:style>
-        <p:txBody>
-          <a:bodyPr rtlCol="0" anchor="ctr"/>
-          <a:lstStyle/>
-          <a:p>
-            <a:pPr algn="ctr"/>
-            <a:endParaRPr lang="en-US" dirty="0" smtClean="0"/>
-          </a:p>
-        </p:txBody>
-      </p:sp>
-      <p:sp>
-        <p:nvSpPr>
-          <p:cNvPr id="19" name="Cross 18"/>
-          <p:cNvSpPr/>
-          <p:nvPr/>
-        </p:nvSpPr>
-        <p:spPr>
-          <a:xfrm>
-            <a:off x="6212577" y="4609930"/>
-            <a:ext cx="381089" cy="327710"/>
-          </a:xfrm>
-          <a:prstGeom prst="plus">
-            <a:avLst/>
-          </a:prstGeom>
-        </p:spPr>
-        <p:style>
-          <a:lnRef idx="1">
-            <a:schemeClr val="accent1"/>
-          </a:lnRef>
-          <a:fillRef idx="3">
-            <a:schemeClr val="accent1"/>
-          </a:fillRef>
-          <a:effectRef idx="2">
-            <a:schemeClr val="accent1"/>
-          </a:effectRef>
-          <a:fontRef idx="minor">
-            <a:schemeClr val="lt1"/>
-          </a:fontRef>
-        </p:style>
-        <p:txBody>
-          <a:bodyPr rtlCol="0" anchor="ctr"/>
-          <a:lstStyle/>
-          <a:p>
-            <a:pPr algn="ctr"/>
-            <a:endParaRPr lang="en-US" dirty="0" smtClean="0"/>
-          </a:p>
-        </p:txBody>
-      </p:sp>
-      <p:sp>
-        <p:nvSpPr>
-          <p:cNvPr id="20" name="Cross 19"/>
-          <p:cNvSpPr/>
-          <p:nvPr/>
-        </p:nvSpPr>
-        <p:spPr>
-          <a:xfrm>
-            <a:off x="5107120" y="4282220"/>
-            <a:ext cx="381089" cy="327710"/>
-          </a:xfrm>
-          <a:prstGeom prst="plus">
-            <a:avLst/>
-          </a:prstGeom>
-        </p:spPr>
-        <p:style>
-          <a:lnRef idx="1">
-            <a:schemeClr val="accent1"/>
-          </a:lnRef>
-          <a:fillRef idx="3">
-            <a:schemeClr val="accent1"/>
-          </a:fillRef>
-          <a:effectRef idx="2">
-            <a:schemeClr val="accent1"/>
-          </a:effectRef>
-          <a:fontRef idx="minor">
-            <a:schemeClr val="lt1"/>
-          </a:fontRef>
-        </p:style>
-        <p:txBody>
-          <a:bodyPr rtlCol="0" anchor="ctr"/>
-          <a:lstStyle/>
-          <a:p>
-            <a:pPr algn="ctr"/>
             <a:endParaRPr lang="en-US" dirty="0" smtClean="0"/>
           </a:p>
         </p:txBody>
@@ -3655,333 +3659,28 @@
       </p:grpSpPr>
       <p:sp>
         <p:nvSpPr>
-          <p:cNvPr id="4" name="Oval 3"/>
-          <p:cNvSpPr/>
-          <p:nvPr/>
-        </p:nvSpPr>
-        <p:spPr>
-          <a:xfrm>
-            <a:off x="1229862" y="2293967"/>
-            <a:ext cx="2266798" cy="3318057"/>
+          <p:cNvPr id="11" name="Oval 10"/>
+          <p:cNvSpPr/>
+          <p:nvPr/>
+        </p:nvSpPr>
+        <p:spPr>
+          <a:xfrm>
+            <a:off x="599448" y="3103985"/>
+            <a:ext cx="1310789" cy="1324067"/>
           </a:xfrm>
           <a:prstGeom prst="ellipse">
             <a:avLst/>
           </a:prstGeom>
-          <a:noFill/>
-        </p:spPr>
-        <p:style>
-          <a:lnRef idx="1">
-            <a:schemeClr val="accent1"/>
-          </a:lnRef>
-          <a:fillRef idx="3">
-            <a:schemeClr val="accent1"/>
-          </a:fillRef>
-          <a:effectRef idx="2">
-            <a:schemeClr val="accent1"/>
-          </a:effectRef>
-          <a:fontRef idx="minor">
-            <a:schemeClr val="lt1"/>
-          </a:fontRef>
-        </p:style>
-        <p:txBody>
-          <a:bodyPr rtlCol="0" anchor="ctr"/>
-          <a:lstStyle/>
-          <a:p>
-            <a:pPr algn="ctr"/>
-            <a:endParaRPr lang="en-US" sz="3600" dirty="0"/>
-          </a:p>
-        </p:txBody>
-      </p:sp>
-      <p:sp>
-        <p:nvSpPr>
-          <p:cNvPr id="6" name="Oval 5"/>
-          <p:cNvSpPr/>
-          <p:nvPr/>
-        </p:nvSpPr>
-        <p:spPr>
-          <a:xfrm>
-            <a:off x="5326483" y="2293967"/>
-            <a:ext cx="2286961" cy="3429722"/>
-          </a:xfrm>
-          <a:prstGeom prst="ellipse">
-            <a:avLst/>
-          </a:prstGeom>
-          <a:noFill/>
-          <a:ln>
-            <a:solidFill>
-              <a:schemeClr val="accent2"/>
-            </a:solidFill>
-          </a:ln>
-        </p:spPr>
-        <p:style>
-          <a:lnRef idx="1">
-            <a:schemeClr val="accent1"/>
-          </a:lnRef>
-          <a:fillRef idx="3">
-            <a:schemeClr val="accent1"/>
-          </a:fillRef>
-          <a:effectRef idx="2">
-            <a:schemeClr val="accent1"/>
-          </a:effectRef>
-          <a:fontRef idx="minor">
-            <a:schemeClr val="lt1"/>
-          </a:fontRef>
-        </p:style>
-        <p:txBody>
-          <a:bodyPr rtlCol="0" anchor="ctr"/>
-          <a:lstStyle/>
-          <a:p>
-            <a:pPr algn="ctr"/>
-            <a:endParaRPr lang="en-US" sz="3600" dirty="0"/>
-          </a:p>
-        </p:txBody>
-      </p:sp>
-      <p:sp>
-        <p:nvSpPr>
-          <p:cNvPr id="10" name="TextBox 9"/>
-          <p:cNvSpPr txBox="1"/>
-          <p:nvPr/>
-        </p:nvSpPr>
-        <p:spPr>
-          <a:xfrm>
-            <a:off x="1410933" y="1715746"/>
-            <a:ext cx="2085727" cy="461665"/>
-          </a:xfrm>
-          <a:prstGeom prst="rect">
-            <a:avLst/>
-          </a:prstGeom>
-          <a:noFill/>
-        </p:spPr>
-        <p:txBody>
-          <a:bodyPr wrap="none" rtlCol="0">
-            <a:spAutoFit/>
-          </a:bodyPr>
-          <a:lstStyle/>
-          <a:p>
-            <a:r>
-              <a:rPr lang="en-US" sz="2400" dirty="0" smtClean="0"/>
-              <a:t>Input / Domain</a:t>
-            </a:r>
-          </a:p>
-        </p:txBody>
-      </p:sp>
-      <p:sp>
-        <p:nvSpPr>
-          <p:cNvPr id="11" name="TextBox 10"/>
-          <p:cNvSpPr txBox="1"/>
-          <p:nvPr/>
-        </p:nvSpPr>
-        <p:spPr>
-          <a:xfrm>
-            <a:off x="5123842" y="1715746"/>
-            <a:ext cx="2613816" cy="461665"/>
-          </a:xfrm>
-          <a:prstGeom prst="rect">
-            <a:avLst/>
-          </a:prstGeom>
-          <a:noFill/>
-        </p:spPr>
-        <p:txBody>
-          <a:bodyPr wrap="none" rtlCol="0">
-            <a:spAutoFit/>
-          </a:bodyPr>
-          <a:lstStyle/>
-          <a:p>
-            <a:r>
-              <a:rPr lang="en-US" sz="2400" dirty="0" smtClean="0"/>
-              <a:t>Output / Codomain</a:t>
-            </a:r>
-          </a:p>
-        </p:txBody>
-      </p:sp>
-      <p:sp>
-        <p:nvSpPr>
-          <p:cNvPr id="2" name="Cross 1"/>
-          <p:cNvSpPr/>
-          <p:nvPr/>
-        </p:nvSpPr>
-        <p:spPr>
-          <a:xfrm>
-            <a:off x="1685818" y="2853802"/>
-            <a:ext cx="540014" cy="327709"/>
-          </a:xfrm>
-          <a:prstGeom prst="plus">
-            <a:avLst/>
-          </a:prstGeom>
-        </p:spPr>
-        <p:style>
-          <a:lnRef idx="1">
-            <a:schemeClr val="accent1"/>
-          </a:lnRef>
-          <a:fillRef idx="3">
-            <a:schemeClr val="accent1"/>
-          </a:fillRef>
-          <a:effectRef idx="2">
-            <a:schemeClr val="accent1"/>
-          </a:effectRef>
-          <a:fontRef idx="minor">
-            <a:schemeClr val="lt1"/>
-          </a:fontRef>
-        </p:style>
-        <p:txBody>
-          <a:bodyPr rtlCol="0" anchor="ctr"/>
-          <a:lstStyle/>
-          <a:p>
-            <a:pPr algn="ctr"/>
-            <a:r>
-              <a:rPr lang="en-US" dirty="0" smtClean="0"/>
-              <a:t>a1</a:t>
-            </a:r>
-            <a:endParaRPr lang="en-US" dirty="0"/>
-          </a:p>
-        </p:txBody>
-      </p:sp>
-      <p:sp>
-        <p:nvSpPr>
-          <p:cNvPr id="8" name="Cross 7"/>
-          <p:cNvSpPr/>
-          <p:nvPr/>
-        </p:nvSpPr>
-        <p:spPr>
-          <a:xfrm>
-            <a:off x="2684853" y="3525075"/>
-            <a:ext cx="540014" cy="327709"/>
-          </a:xfrm>
-          <a:prstGeom prst="plus">
-            <a:avLst/>
-          </a:prstGeom>
-        </p:spPr>
-        <p:style>
-          <a:lnRef idx="1">
-            <a:schemeClr val="accent1"/>
-          </a:lnRef>
-          <a:fillRef idx="3">
-            <a:schemeClr val="accent1"/>
-          </a:fillRef>
-          <a:effectRef idx="2">
-            <a:schemeClr val="accent1"/>
-          </a:effectRef>
-          <a:fontRef idx="minor">
-            <a:schemeClr val="lt1"/>
-          </a:fontRef>
-        </p:style>
-        <p:txBody>
-          <a:bodyPr rtlCol="0" anchor="ctr"/>
-          <a:lstStyle/>
-          <a:p>
-            <a:pPr algn="ctr"/>
-            <a:r>
-              <a:rPr lang="en-US" dirty="0" smtClean="0"/>
-              <a:t>a2</a:t>
-            </a:r>
-            <a:endParaRPr lang="en-US" dirty="0"/>
-          </a:p>
-        </p:txBody>
-      </p:sp>
-      <p:sp>
-        <p:nvSpPr>
-          <p:cNvPr id="12" name="Cross 11"/>
-          <p:cNvSpPr/>
-          <p:nvPr/>
-        </p:nvSpPr>
-        <p:spPr>
-          <a:xfrm>
-            <a:off x="1826753" y="4264621"/>
-            <a:ext cx="540014" cy="327709"/>
-          </a:xfrm>
-          <a:prstGeom prst="plus">
-            <a:avLst/>
-          </a:prstGeom>
-        </p:spPr>
-        <p:style>
-          <a:lnRef idx="1">
-            <a:schemeClr val="accent1"/>
-          </a:lnRef>
-          <a:fillRef idx="3">
-            <a:schemeClr val="accent1"/>
-          </a:fillRef>
-          <a:effectRef idx="2">
-            <a:schemeClr val="accent1"/>
-          </a:effectRef>
-          <a:fontRef idx="minor">
-            <a:schemeClr val="lt1"/>
-          </a:fontRef>
-        </p:style>
-        <p:txBody>
-          <a:bodyPr rtlCol="0" anchor="ctr"/>
-          <a:lstStyle/>
-          <a:p>
-            <a:pPr algn="ctr"/>
-            <a:r>
-              <a:rPr lang="en-US" dirty="0" smtClean="0"/>
-              <a:t>a3</a:t>
-            </a:r>
-            <a:endParaRPr lang="en-US" dirty="0"/>
-          </a:p>
-        </p:txBody>
-      </p:sp>
-      <p:sp>
-        <p:nvSpPr>
-          <p:cNvPr id="13" name="Cross 12"/>
-          <p:cNvSpPr/>
-          <p:nvPr/>
-        </p:nvSpPr>
-        <p:spPr>
-          <a:xfrm>
-            <a:off x="2464547" y="4764984"/>
-            <a:ext cx="540014" cy="327709"/>
-          </a:xfrm>
-          <a:prstGeom prst="plus">
-            <a:avLst/>
-          </a:prstGeom>
-        </p:spPr>
-        <p:style>
-          <a:lnRef idx="1">
-            <a:schemeClr val="accent1"/>
-          </a:lnRef>
-          <a:fillRef idx="3">
-            <a:schemeClr val="accent1"/>
-          </a:fillRef>
-          <a:effectRef idx="2">
-            <a:schemeClr val="accent1"/>
-          </a:effectRef>
-          <a:fontRef idx="minor">
-            <a:schemeClr val="lt1"/>
-          </a:fontRef>
-        </p:style>
-        <p:txBody>
-          <a:bodyPr rtlCol="0" anchor="ctr"/>
-          <a:lstStyle/>
-          <a:p>
-            <a:pPr algn="ctr"/>
-            <a:r>
-              <a:rPr lang="en-US" dirty="0" smtClean="0"/>
-              <a:t>an</a:t>
-            </a:r>
-            <a:endParaRPr lang="en-US" dirty="0"/>
-          </a:p>
-        </p:txBody>
-      </p:sp>
-      <p:sp>
-        <p:nvSpPr>
-          <p:cNvPr id="14" name="Cross 13"/>
-          <p:cNvSpPr/>
-          <p:nvPr/>
-        </p:nvSpPr>
-        <p:spPr>
-          <a:xfrm>
-            <a:off x="5730379" y="2907964"/>
-            <a:ext cx="540014" cy="327709"/>
-          </a:xfrm>
-          <a:prstGeom prst="plus">
-            <a:avLst/>
-          </a:prstGeom>
           <a:solidFill>
-            <a:schemeClr val="accent2"/>
+            <a:schemeClr val="tx2"/>
           </a:solidFill>
           <a:ln>
             <a:solidFill>
-              <a:schemeClr val="accent2"/>
+              <a:schemeClr val="accent1">
+                <a:shade val="95000"/>
+                <a:satMod val="105000"/>
+                <a:alpha val="0"/>
+              </a:schemeClr>
             </a:solidFill>
           </a:ln>
         </p:spPr>
@@ -4005,291 +3704,220 @@
           <a:p>
             <a:pPr algn="ctr"/>
             <a:r>
-              <a:rPr lang="en-US" dirty="0" smtClean="0"/>
-              <a:t>b1</a:t>
-            </a:r>
-            <a:endParaRPr lang="en-US" dirty="0"/>
-          </a:p>
-        </p:txBody>
-      </p:sp>
-      <p:sp>
-        <p:nvSpPr>
-          <p:cNvPr id="15" name="Cross 14"/>
-          <p:cNvSpPr/>
-          <p:nvPr/>
-        </p:nvSpPr>
-        <p:spPr>
-          <a:xfrm>
-            <a:off x="5819255" y="3595091"/>
-            <a:ext cx="540014" cy="327709"/>
-          </a:xfrm>
-          <a:prstGeom prst="plus">
+              <a:rPr lang="en-US" sz="3600" dirty="0" smtClean="0"/>
+              <a:t>A</a:t>
+            </a:r>
+          </a:p>
+        </p:txBody>
+      </p:sp>
+      <p:sp>
+        <p:nvSpPr>
+          <p:cNvPr id="14" name="Right Arrow 13"/>
+          <p:cNvSpPr/>
+          <p:nvPr/>
+        </p:nvSpPr>
+        <p:spPr>
+          <a:xfrm rot="19365763">
+            <a:off x="1429007" y="2372727"/>
+            <a:ext cx="978408" cy="484632"/>
+          </a:xfrm>
+          <a:prstGeom prst="rightArrow">
+            <a:avLst/>
+          </a:prstGeom>
+        </p:spPr>
+        <p:style>
+          <a:lnRef idx="1">
+            <a:schemeClr val="accent1"/>
+          </a:lnRef>
+          <a:fillRef idx="3">
+            <a:schemeClr val="accent1"/>
+          </a:fillRef>
+          <a:effectRef idx="2">
+            <a:schemeClr val="accent1"/>
+          </a:effectRef>
+          <a:fontRef idx="minor">
+            <a:schemeClr val="lt1"/>
+          </a:fontRef>
+        </p:style>
+        <p:txBody>
+          <a:bodyPr rtlCol="0" anchor="ctr"/>
+          <a:lstStyle/>
+          <a:p>
+            <a:pPr algn="ctr"/>
+            <a:endParaRPr lang="en-US"/>
+          </a:p>
+        </p:txBody>
+      </p:sp>
+      <p:sp>
+        <p:nvSpPr>
+          <p:cNvPr id="17" name="Right Arrow 16"/>
+          <p:cNvSpPr/>
+          <p:nvPr/>
+        </p:nvSpPr>
+        <p:spPr>
+          <a:xfrm>
+            <a:off x="4080625" y="1564065"/>
+            <a:ext cx="797623" cy="484632"/>
+          </a:xfrm>
+          <a:prstGeom prst="rightArrow">
+            <a:avLst/>
+          </a:prstGeom>
+        </p:spPr>
+        <p:style>
+          <a:lnRef idx="1">
+            <a:schemeClr val="accent1"/>
+          </a:lnRef>
+          <a:fillRef idx="3">
+            <a:schemeClr val="accent1"/>
+          </a:fillRef>
+          <a:effectRef idx="2">
+            <a:schemeClr val="accent1"/>
+          </a:effectRef>
+          <a:fontRef idx="minor">
+            <a:schemeClr val="lt1"/>
+          </a:fontRef>
+        </p:style>
+        <p:txBody>
+          <a:bodyPr rtlCol="0" anchor="ctr"/>
+          <a:lstStyle/>
+          <a:p>
+            <a:pPr algn="ctr"/>
+            <a:endParaRPr lang="en-US"/>
+          </a:p>
+        </p:txBody>
+      </p:sp>
+      <p:sp>
+        <p:nvSpPr>
+          <p:cNvPr id="18" name="Right Arrow 17"/>
+          <p:cNvSpPr/>
+          <p:nvPr/>
+        </p:nvSpPr>
+        <p:spPr>
+          <a:xfrm rot="2403700">
+            <a:off x="6421429" y="2229155"/>
+            <a:ext cx="978408" cy="484632"/>
+          </a:xfrm>
+          <a:prstGeom prst="rightArrow">
+            <a:avLst/>
+          </a:prstGeom>
+        </p:spPr>
+        <p:style>
+          <a:lnRef idx="1">
+            <a:schemeClr val="accent1"/>
+          </a:lnRef>
+          <a:fillRef idx="3">
+            <a:schemeClr val="accent1"/>
+          </a:fillRef>
+          <a:effectRef idx="2">
+            <a:schemeClr val="accent1"/>
+          </a:effectRef>
+          <a:fontRef idx="minor">
+            <a:schemeClr val="lt1"/>
+          </a:fontRef>
+        </p:style>
+        <p:txBody>
+          <a:bodyPr rtlCol="0" anchor="ctr"/>
+          <a:lstStyle/>
+          <a:p>
+            <a:pPr algn="ctr"/>
+            <a:endParaRPr lang="en-US"/>
+          </a:p>
+        </p:txBody>
+      </p:sp>
+      <p:sp>
+        <p:nvSpPr>
+          <p:cNvPr id="19" name="Right Arrow 18"/>
+          <p:cNvSpPr/>
+          <p:nvPr/>
+        </p:nvSpPr>
+        <p:spPr>
+          <a:xfrm rot="1297716">
+            <a:off x="1953267" y="4309337"/>
+            <a:ext cx="1314875" cy="484632"/>
+          </a:xfrm>
+          <a:prstGeom prst="rightArrow">
+            <a:avLst/>
+          </a:prstGeom>
+        </p:spPr>
+        <p:style>
+          <a:lnRef idx="1">
+            <a:schemeClr val="accent1"/>
+          </a:lnRef>
+          <a:fillRef idx="3">
+            <a:schemeClr val="accent1"/>
+          </a:fillRef>
+          <a:effectRef idx="2">
+            <a:schemeClr val="accent1"/>
+          </a:effectRef>
+          <a:fontRef idx="minor">
+            <a:schemeClr val="lt1"/>
+          </a:fontRef>
+        </p:style>
+        <p:txBody>
+          <a:bodyPr rtlCol="0" anchor="ctr"/>
+          <a:lstStyle/>
+          <a:p>
+            <a:pPr algn="ctr"/>
+            <a:endParaRPr lang="en-US"/>
+          </a:p>
+        </p:txBody>
+      </p:sp>
+      <p:sp>
+        <p:nvSpPr>
+          <p:cNvPr id="20" name="Right Arrow 19"/>
+          <p:cNvSpPr/>
+          <p:nvPr/>
+        </p:nvSpPr>
+        <p:spPr>
+          <a:xfrm rot="19854906">
+            <a:off x="5465104" y="4310459"/>
+            <a:ext cx="1475437" cy="484632"/>
+          </a:xfrm>
+          <a:prstGeom prst="rightArrow">
+            <a:avLst/>
+          </a:prstGeom>
+        </p:spPr>
+        <p:style>
+          <a:lnRef idx="1">
+            <a:schemeClr val="accent1"/>
+          </a:lnRef>
+          <a:fillRef idx="3">
+            <a:schemeClr val="accent1"/>
+          </a:fillRef>
+          <a:effectRef idx="2">
+            <a:schemeClr val="accent1"/>
+          </a:effectRef>
+          <a:fontRef idx="minor">
+            <a:schemeClr val="lt1"/>
+          </a:fontRef>
+        </p:style>
+        <p:txBody>
+          <a:bodyPr rtlCol="0" anchor="ctr"/>
+          <a:lstStyle/>
+          <a:p>
+            <a:pPr algn="ctr"/>
+            <a:endParaRPr lang="en-US"/>
+          </a:p>
+        </p:txBody>
+      </p:sp>
+      <p:sp>
+        <p:nvSpPr>
+          <p:cNvPr id="21" name="Rectangle 20"/>
+          <p:cNvSpPr/>
+          <p:nvPr/>
+        </p:nvSpPr>
+        <p:spPr>
+          <a:xfrm>
+            <a:off x="2533146" y="1313038"/>
+            <a:ext cx="1249405" cy="1322291"/>
+          </a:xfrm>
+          <a:prstGeom prst="rect">
             <a:avLst/>
           </a:prstGeom>
           <a:solidFill>
-            <a:schemeClr val="accent2"/>
-          </a:solidFill>
-          <a:ln>
-            <a:solidFill>
-              <a:schemeClr val="accent2"/>
-            </a:solidFill>
-          </a:ln>
-        </p:spPr>
-        <p:style>
-          <a:lnRef idx="1">
-            <a:schemeClr val="accent1"/>
-          </a:lnRef>
-          <a:fillRef idx="3">
-            <a:schemeClr val="accent1"/>
-          </a:fillRef>
-          <a:effectRef idx="2">
-            <a:schemeClr val="accent1"/>
-          </a:effectRef>
-          <a:fontRef idx="minor">
-            <a:schemeClr val="lt1"/>
-          </a:fontRef>
-        </p:style>
-        <p:txBody>
-          <a:bodyPr rtlCol="0" anchor="ctr"/>
-          <a:lstStyle/>
-          <a:p>
-            <a:pPr algn="ctr"/>
-            <a:r>
-              <a:rPr lang="en-US" dirty="0" smtClean="0"/>
-              <a:t>b2</a:t>
-            </a:r>
-            <a:endParaRPr lang="en-US" dirty="0"/>
-          </a:p>
-        </p:txBody>
-      </p:sp>
-      <p:sp>
-        <p:nvSpPr>
-          <p:cNvPr id="16" name="Cross 15"/>
-          <p:cNvSpPr/>
-          <p:nvPr/>
-        </p:nvSpPr>
-        <p:spPr>
-          <a:xfrm>
-            <a:off x="5819255" y="4264621"/>
-            <a:ext cx="540014" cy="327709"/>
-          </a:xfrm>
-          <a:prstGeom prst="plus">
-            <a:avLst/>
-          </a:prstGeom>
-          <a:solidFill>
-            <a:schemeClr val="accent2"/>
-          </a:solidFill>
-          <a:ln>
-            <a:solidFill>
-              <a:schemeClr val="accent2"/>
-            </a:solidFill>
-          </a:ln>
-        </p:spPr>
-        <p:style>
-          <a:lnRef idx="1">
-            <a:schemeClr val="accent1"/>
-          </a:lnRef>
-          <a:fillRef idx="3">
-            <a:schemeClr val="accent1"/>
-          </a:fillRef>
-          <a:effectRef idx="2">
-            <a:schemeClr val="accent1"/>
-          </a:effectRef>
-          <a:fontRef idx="minor">
-            <a:schemeClr val="lt1"/>
-          </a:fontRef>
-        </p:style>
-        <p:txBody>
-          <a:bodyPr rtlCol="0" anchor="ctr"/>
-          <a:lstStyle/>
-          <a:p>
-            <a:pPr algn="ctr"/>
-            <a:r>
-              <a:rPr lang="en-US" dirty="0" smtClean="0"/>
-              <a:t>b3</a:t>
-            </a:r>
-            <a:endParaRPr lang="en-US" dirty="0"/>
-          </a:p>
-        </p:txBody>
-      </p:sp>
-      <p:sp>
-        <p:nvSpPr>
-          <p:cNvPr id="17" name="Cross 16"/>
-          <p:cNvSpPr/>
-          <p:nvPr/>
-        </p:nvSpPr>
-        <p:spPr>
-          <a:xfrm>
-            <a:off x="6707226" y="3540473"/>
-            <a:ext cx="540014" cy="327709"/>
-          </a:xfrm>
-          <a:prstGeom prst="plus">
-            <a:avLst/>
-          </a:prstGeom>
-          <a:solidFill>
-            <a:schemeClr val="accent2"/>
-          </a:solidFill>
-          <a:ln>
-            <a:solidFill>
-              <a:schemeClr val="accent2"/>
-            </a:solidFill>
-          </a:ln>
-        </p:spPr>
-        <p:style>
-          <a:lnRef idx="1">
-            <a:schemeClr val="accent1"/>
-          </a:lnRef>
-          <a:fillRef idx="3">
-            <a:schemeClr val="accent1"/>
-          </a:fillRef>
-          <a:effectRef idx="2">
-            <a:schemeClr val="accent1"/>
-          </a:effectRef>
-          <a:fontRef idx="minor">
-            <a:schemeClr val="lt1"/>
-          </a:fontRef>
-        </p:style>
-        <p:txBody>
-          <a:bodyPr rtlCol="0" anchor="ctr"/>
-          <a:lstStyle/>
-          <a:p>
-            <a:pPr algn="ctr"/>
-            <a:r>
-              <a:rPr lang="en-US" dirty="0" err="1" smtClean="0"/>
-              <a:t>bm</a:t>
-            </a:r>
-            <a:endParaRPr lang="en-US" dirty="0"/>
-          </a:p>
-        </p:txBody>
-      </p:sp>
-      <p:cxnSp>
-        <p:nvCxnSpPr>
-          <p:cNvPr id="18" name="Curved Connector 17"/>
-          <p:cNvCxnSpPr>
-            <a:stCxn id="2" idx="3"/>
-            <a:endCxn id="15" idx="1"/>
-          </p:cNvCxnSpPr>
-          <p:nvPr/>
-        </p:nvCxnSpPr>
-        <p:spPr>
-          <a:xfrm>
-            <a:off x="2225832" y="3017657"/>
-            <a:ext cx="3593423" cy="741289"/>
-          </a:xfrm>
-          <a:prstGeom prst="curvedConnector3">
-            <a:avLst/>
-          </a:prstGeom>
-          <a:ln>
-            <a:tailEnd type="arrow"/>
-          </a:ln>
-        </p:spPr>
-        <p:style>
-          <a:lnRef idx="2">
-            <a:schemeClr val="accent1"/>
-          </a:lnRef>
-          <a:fillRef idx="0">
-            <a:schemeClr val="accent1"/>
-          </a:fillRef>
-          <a:effectRef idx="1">
-            <a:schemeClr val="accent1"/>
-          </a:effectRef>
-          <a:fontRef idx="minor">
-            <a:schemeClr val="tx1"/>
-          </a:fontRef>
-        </p:style>
-      </p:cxnSp>
-      <p:cxnSp>
-        <p:nvCxnSpPr>
-          <p:cNvPr id="23" name="Curved Connector 22"/>
-          <p:cNvCxnSpPr>
-            <a:stCxn id="8" idx="3"/>
-            <a:endCxn id="15" idx="1"/>
-          </p:cNvCxnSpPr>
-          <p:nvPr/>
-        </p:nvCxnSpPr>
-        <p:spPr>
-          <a:xfrm>
-            <a:off x="3224867" y="3688930"/>
-            <a:ext cx="2594388" cy="70016"/>
-          </a:xfrm>
-          <a:prstGeom prst="curvedConnector3">
-            <a:avLst>
-              <a:gd name="adj1" fmla="val 50000"/>
-            </a:avLst>
-          </a:prstGeom>
-          <a:ln>
-            <a:tailEnd type="arrow"/>
-          </a:ln>
-        </p:spPr>
-        <p:style>
-          <a:lnRef idx="2">
-            <a:schemeClr val="accent1"/>
-          </a:lnRef>
-          <a:fillRef idx="0">
-            <a:schemeClr val="accent1"/>
-          </a:fillRef>
-          <a:effectRef idx="1">
-            <a:schemeClr val="accent1"/>
-          </a:effectRef>
-          <a:fontRef idx="minor">
-            <a:schemeClr val="tx1"/>
-          </a:fontRef>
-        </p:style>
-      </p:cxnSp>
-      <p:cxnSp>
-        <p:nvCxnSpPr>
-          <p:cNvPr id="27" name="Curved Connector 26"/>
-          <p:cNvCxnSpPr>
-            <a:stCxn id="13" idx="3"/>
-            <a:endCxn id="16" idx="1"/>
-          </p:cNvCxnSpPr>
-          <p:nvPr/>
-        </p:nvCxnSpPr>
-        <p:spPr>
-          <a:xfrm flipV="1">
-            <a:off x="3004561" y="4428476"/>
-            <a:ext cx="2814694" cy="500363"/>
-          </a:xfrm>
-          <a:prstGeom prst="curvedConnector3">
-            <a:avLst/>
-          </a:prstGeom>
-          <a:ln>
-            <a:tailEnd type="arrow"/>
-          </a:ln>
-        </p:spPr>
-        <p:style>
-          <a:lnRef idx="2">
-            <a:schemeClr val="accent1"/>
-          </a:lnRef>
-          <a:fillRef idx="0">
-            <a:schemeClr val="accent1"/>
-          </a:fillRef>
-          <a:effectRef idx="1">
-            <a:schemeClr val="accent1"/>
-          </a:effectRef>
-          <a:fontRef idx="minor">
-            <a:schemeClr val="tx1"/>
-          </a:fontRef>
-        </p:style>
-      </p:cxnSp>
-      <p:sp>
-        <p:nvSpPr>
-          <p:cNvPr id="21" name="Multiply 20"/>
-          <p:cNvSpPr/>
-          <p:nvPr/>
-        </p:nvSpPr>
-        <p:spPr>
-          <a:xfrm>
-            <a:off x="3224867" y="2853802"/>
-            <a:ext cx="2495159" cy="2362237"/>
-          </a:xfrm>
-          <a:prstGeom prst="mathMultiply">
-            <a:avLst/>
-          </a:prstGeom>
-          <a:solidFill>
-            <a:srgbClr val="FF0000">
-              <a:alpha val="46000"/>
-            </a:srgbClr>
+            <a:schemeClr val="accent6">
+              <a:lumMod val="75000"/>
+            </a:schemeClr>
           </a:solidFill>
           <a:ln>
             <a:noFill/>
@@ -4315,17 +3943,163 @@
           <a:p>
             <a:pPr algn="ctr"/>
             <a:r>
-              <a:rPr lang="en-US" dirty="0" smtClean="0"/>
-              <a:t> </a:t>
-            </a:r>
-            <a:endParaRPr lang="en-US" dirty="0"/>
+              <a:rPr lang="en-US" sz="3600" dirty="0" smtClean="0"/>
+              <a:t>B</a:t>
+            </a:r>
+            <a:endParaRPr lang="en-US" sz="3600" dirty="0"/>
+          </a:p>
+        </p:txBody>
+      </p:sp>
+      <p:sp>
+        <p:nvSpPr>
+          <p:cNvPr id="22" name="Isosceles Triangle 21"/>
+          <p:cNvSpPr/>
+          <p:nvPr/>
+        </p:nvSpPr>
+        <p:spPr>
+          <a:xfrm>
+            <a:off x="4782656" y="1313039"/>
+            <a:ext cx="1597606" cy="1322292"/>
+          </a:xfrm>
+          <a:prstGeom prst="triangle">
+            <a:avLst/>
+          </a:prstGeom>
+          <a:solidFill>
+            <a:schemeClr val="accent6">
+              <a:lumMod val="75000"/>
+            </a:schemeClr>
+          </a:solidFill>
+          <a:ln>
+            <a:noFill/>
+          </a:ln>
+        </p:spPr>
+        <p:style>
+          <a:lnRef idx="1">
+            <a:schemeClr val="accent1"/>
+          </a:lnRef>
+          <a:fillRef idx="3">
+            <a:schemeClr val="accent1"/>
+          </a:fillRef>
+          <a:effectRef idx="2">
+            <a:schemeClr val="accent1"/>
+          </a:effectRef>
+          <a:fontRef idx="minor">
+            <a:schemeClr val="lt1"/>
+          </a:fontRef>
+        </p:style>
+        <p:txBody>
+          <a:bodyPr rtlCol="0" anchor="ctr"/>
+          <a:lstStyle/>
+          <a:p>
+            <a:pPr algn="ctr"/>
+            <a:r>
+              <a:rPr lang="en-US" sz="3600" dirty="0" smtClean="0"/>
+              <a:t>C</a:t>
+            </a:r>
+            <a:endParaRPr lang="en-US" sz="3600" dirty="0"/>
+          </a:p>
+        </p:txBody>
+      </p:sp>
+      <p:sp>
+        <p:nvSpPr>
+          <p:cNvPr id="23" name="Rectangle 22"/>
+          <p:cNvSpPr/>
+          <p:nvPr/>
+        </p:nvSpPr>
+        <p:spPr>
+          <a:xfrm>
+            <a:off x="7050237" y="3026405"/>
+            <a:ext cx="1716532" cy="1010619"/>
+          </a:xfrm>
+          <a:prstGeom prst="rect">
+            <a:avLst/>
+          </a:prstGeom>
+          <a:solidFill>
+            <a:schemeClr val="accent4"/>
+          </a:solidFill>
+          <a:ln>
+            <a:noFill/>
+          </a:ln>
+        </p:spPr>
+        <p:style>
+          <a:lnRef idx="1">
+            <a:schemeClr val="accent1"/>
+          </a:lnRef>
+          <a:fillRef idx="3">
+            <a:schemeClr val="accent1"/>
+          </a:fillRef>
+          <a:effectRef idx="2">
+            <a:schemeClr val="accent1"/>
+          </a:effectRef>
+          <a:fontRef idx="minor">
+            <a:schemeClr val="lt1"/>
+          </a:fontRef>
+        </p:style>
+        <p:txBody>
+          <a:bodyPr rtlCol="0" anchor="ctr"/>
+          <a:lstStyle/>
+          <a:p>
+            <a:pPr algn="ctr"/>
+            <a:r>
+              <a:rPr lang="en-US" sz="3600" dirty="0" smtClean="0"/>
+              <a:t>E</a:t>
+            </a:r>
+            <a:endParaRPr lang="en-US" sz="3600" dirty="0"/>
+          </a:p>
+        </p:txBody>
+      </p:sp>
+      <p:sp>
+        <p:nvSpPr>
+          <p:cNvPr id="24" name="Hexagon 23"/>
+          <p:cNvSpPr/>
+          <p:nvPr/>
+        </p:nvSpPr>
+        <p:spPr>
+          <a:xfrm>
+            <a:off x="3602526" y="4428051"/>
+            <a:ext cx="1531911" cy="1320516"/>
+          </a:xfrm>
+          <a:prstGeom prst="hexagon">
+            <a:avLst/>
+          </a:prstGeom>
+          <a:solidFill>
+            <a:schemeClr val="accent3"/>
+          </a:solidFill>
+          <a:ln>
+            <a:noFill/>
+          </a:ln>
+        </p:spPr>
+        <p:style>
+          <a:lnRef idx="1">
+            <a:schemeClr val="accent1"/>
+          </a:lnRef>
+          <a:fillRef idx="3">
+            <a:schemeClr val="accent1"/>
+          </a:fillRef>
+          <a:effectRef idx="2">
+            <a:schemeClr val="accent1"/>
+          </a:effectRef>
+          <a:fontRef idx="minor">
+            <a:schemeClr val="lt1"/>
+          </a:fontRef>
+        </p:style>
+        <p:txBody>
+          <a:bodyPr rtlCol="0" anchor="ctr"/>
+          <a:lstStyle/>
+          <a:p>
+            <a:pPr algn="ctr"/>
+            <a:r>
+              <a:rPr lang="en-US" sz="3600" dirty="0" smtClean="0"/>
+              <a:t>D</a:t>
+            </a:r>
+            <a:endParaRPr lang="en-US" sz="3600" dirty="0"/>
           </a:p>
         </p:txBody>
       </p:sp>
     </p:spTree>
     <p:extLst>
       <p:ext uri="{BB962C8B-B14F-4D97-AF65-F5344CB8AC3E}">
-        <p14:creationId xmlns:p14="http://schemas.microsoft.com/office/powerpoint/2010/main" val="3541740611"/>
+        <p14:creationId xmlns:p14="http://schemas.microsoft.com/office/powerpoint/2010/main" val="1677747331"/>
       </p:ext>
     </p:extLst>
   </p:cSld>
@@ -4360,7 +4134,7 @@
         </p:nvSpPr>
         <p:spPr>
           <a:xfrm>
-            <a:off x="1229862" y="2293967"/>
+            <a:off x="1229862" y="2293970"/>
             <a:ext cx="2266798" cy="3318057"/>
           </a:xfrm>
           <a:prstGeom prst="ellipse">
@@ -4399,8 +4173,8 @@
         </p:nvSpPr>
         <p:spPr>
           <a:xfrm>
-            <a:off x="5326483" y="2293967"/>
-            <a:ext cx="2286961" cy="3429722"/>
+            <a:off x="5326487" y="2293968"/>
+            <a:ext cx="2286961" cy="3429723"/>
           </a:xfrm>
           <a:prstGeom prst="ellipse">
             <a:avLst/>
@@ -4443,7 +4217,7 @@
         </p:nvSpPr>
         <p:spPr>
           <a:xfrm>
-            <a:off x="1410933" y="1715746"/>
+            <a:off x="1410934" y="1715747"/>
             <a:ext cx="2085727" cy="461665"/>
           </a:xfrm>
           <a:prstGeom prst="rect">
@@ -4472,7 +4246,7 @@
         </p:nvSpPr>
         <p:spPr>
           <a:xfrm>
-            <a:off x="5123842" y="1715746"/>
+            <a:off x="5123842" y="1715747"/>
             <a:ext cx="2613816" cy="461665"/>
           </a:xfrm>
           <a:prstGeom prst="rect">
@@ -4501,7 +4275,7 @@
         </p:nvSpPr>
         <p:spPr>
           <a:xfrm>
-            <a:off x="1685818" y="2853802"/>
+            <a:off x="1685818" y="2853804"/>
             <a:ext cx="540014" cy="327709"/>
           </a:xfrm>
           <a:prstGeom prst="plus">
@@ -4543,7 +4317,7 @@
         </p:nvSpPr>
         <p:spPr>
           <a:xfrm>
-            <a:off x="2684853" y="3525075"/>
+            <a:off x="2684853" y="3525076"/>
             <a:ext cx="540014" cy="327709"/>
           </a:xfrm>
           <a:prstGeom prst="plus">
@@ -4585,7 +4359,7 @@
         </p:nvSpPr>
         <p:spPr>
           <a:xfrm>
-            <a:off x="1826753" y="4264621"/>
+            <a:off x="1826753" y="4264623"/>
             <a:ext cx="540014" cy="327709"/>
           </a:xfrm>
           <a:prstGeom prst="plus">
@@ -4719,7 +4493,7 @@
         </p:nvSpPr>
         <p:spPr>
           <a:xfrm>
-            <a:off x="5819255" y="3595091"/>
+            <a:off x="5819255" y="3595092"/>
             <a:ext cx="540014" cy="327709"/>
           </a:xfrm>
           <a:prstGeom prst="plus">
@@ -4769,7 +4543,7 @@
         </p:nvSpPr>
         <p:spPr>
           <a:xfrm>
-            <a:off x="5819255" y="4264621"/>
+            <a:off x="5819255" y="4264623"/>
             <a:ext cx="540014" cy="327709"/>
           </a:xfrm>
           <a:prstGeom prst="plus">
@@ -4819,7 +4593,7 @@
         </p:nvSpPr>
         <p:spPr>
           <a:xfrm>
-            <a:off x="6707226" y="3540473"/>
+            <a:off x="6707226" y="3540475"/>
             <a:ext cx="540014" cy="327709"/>
           </a:xfrm>
           <a:prstGeom prst="plus">
@@ -4872,7 +4646,7 @@
         </p:nvCxnSpPr>
         <p:spPr>
           <a:xfrm>
-            <a:off x="2225832" y="3017657"/>
+            <a:off x="2225836" y="3017660"/>
             <a:ext cx="3593423" cy="741289"/>
           </a:xfrm>
           <a:prstGeom prst="curvedConnector3">
@@ -4902,18 +4676,19 @@
           <p:cNvPr id="23" name="Curved Connector 22"/>
           <p:cNvCxnSpPr>
             <a:stCxn id="8" idx="3"/>
-            <a:endCxn id="15" idx="1"/>
+            <a:endCxn id="17" idx="0"/>
           </p:cNvCxnSpPr>
           <p:nvPr/>
         </p:nvCxnSpPr>
         <p:spPr>
-          <a:xfrm>
-            <a:off x="3224867" y="3688930"/>
-            <a:ext cx="2594388" cy="70016"/>
-          </a:xfrm>
-          <a:prstGeom prst="curvedConnector3">
+          <a:xfrm flipV="1">
+            <a:off x="3224867" y="3540475"/>
+            <a:ext cx="3752366" cy="148457"/>
+          </a:xfrm>
+          <a:prstGeom prst="curvedConnector4">
             <a:avLst>
-              <a:gd name="adj1" fmla="val 50000"/>
+              <a:gd name="adj1" fmla="val 46402"/>
+              <a:gd name="adj2" fmla="val 264356"/>
             </a:avLst>
           </a:prstGeom>
           <a:ln>
@@ -4939,17 +4714,17 @@
         <p:nvCxnSpPr>
           <p:cNvPr id="25" name="Curved Connector 24"/>
           <p:cNvCxnSpPr>
-            <a:stCxn id="12" idx="2"/>
-            <a:endCxn id="3" idx="4"/>
+            <a:stCxn id="12" idx="3"/>
+            <a:endCxn id="14" idx="1"/>
           </p:cNvCxnSpPr>
           <p:nvPr/>
         </p:nvCxnSpPr>
         <p:spPr>
-          <a:xfrm rot="16200000" flipH="1">
-            <a:off x="2207894" y="4481196"/>
-            <a:ext cx="1519222" cy="1741490"/>
-          </a:xfrm>
-          <a:prstGeom prst="curvedConnector2">
+          <a:xfrm flipV="1">
+            <a:off x="2366767" y="3071822"/>
+            <a:ext cx="3363612" cy="1356657"/>
+          </a:xfrm>
+          <a:prstGeom prst="curvedConnector3">
             <a:avLst/>
           </a:prstGeom>
           <a:ln>
@@ -4982,7 +4757,7 @@
         </p:nvCxnSpPr>
         <p:spPr>
           <a:xfrm flipV="1">
-            <a:off x="3004561" y="4428476"/>
+            <a:off x="3004561" y="4428477"/>
             <a:ext cx="2814694" cy="500363"/>
           </a:xfrm>
           <a:prstGeom prst="curvedConnector3">
@@ -5007,104 +4782,10 @@
           </a:fontRef>
         </p:style>
       </p:cxnSp>
-      <p:sp>
-        <p:nvSpPr>
-          <p:cNvPr id="3" name="7-Point Star 2"/>
-          <p:cNvSpPr/>
-          <p:nvPr/>
-        </p:nvSpPr>
-        <p:spPr>
-          <a:xfrm>
-            <a:off x="3838254" y="5523495"/>
-            <a:ext cx="1407172" cy="914400"/>
-          </a:xfrm>
-          <a:prstGeom prst="star7">
-            <a:avLst/>
-          </a:prstGeom>
-          <a:solidFill>
-            <a:srgbClr val="FF6600"/>
-          </a:solidFill>
-        </p:spPr>
-        <p:style>
-          <a:lnRef idx="1">
-            <a:schemeClr val="accent1"/>
-          </a:lnRef>
-          <a:fillRef idx="3">
-            <a:schemeClr val="accent1"/>
-          </a:fillRef>
-          <a:effectRef idx="2">
-            <a:schemeClr val="accent1"/>
-          </a:effectRef>
-          <a:fontRef idx="minor">
-            <a:schemeClr val="lt1"/>
-          </a:fontRef>
-        </p:style>
-        <p:txBody>
-          <a:bodyPr rtlCol="0" anchor="ctr"/>
-          <a:lstStyle/>
-          <a:p>
-            <a:pPr algn="ctr"/>
-            <a:r>
-              <a:rPr lang="en-US" dirty="0" smtClean="0"/>
-              <a:t>Boom</a:t>
-            </a:r>
-          </a:p>
-        </p:txBody>
-      </p:sp>
-      <p:sp>
-        <p:nvSpPr>
-          <p:cNvPr id="19" name="Multiply 18"/>
-          <p:cNvSpPr/>
-          <p:nvPr/>
-        </p:nvSpPr>
-        <p:spPr>
-          <a:xfrm>
-            <a:off x="3224867" y="2853802"/>
-            <a:ext cx="2495159" cy="2362237"/>
-          </a:xfrm>
-          <a:prstGeom prst="mathMultiply">
-            <a:avLst/>
-          </a:prstGeom>
-          <a:solidFill>
-            <a:srgbClr val="FF0000">
-              <a:alpha val="46000"/>
-            </a:srgbClr>
-          </a:solidFill>
-          <a:ln>
-            <a:noFill/>
-          </a:ln>
-        </p:spPr>
-        <p:style>
-          <a:lnRef idx="1">
-            <a:schemeClr val="accent1"/>
-          </a:lnRef>
-          <a:fillRef idx="3">
-            <a:schemeClr val="accent1"/>
-          </a:fillRef>
-          <a:effectRef idx="2">
-            <a:schemeClr val="accent1"/>
-          </a:effectRef>
-          <a:fontRef idx="minor">
-            <a:schemeClr val="lt1"/>
-          </a:fontRef>
-        </p:style>
-        <p:txBody>
-          <a:bodyPr rtlCol="0" anchor="ctr"/>
-          <a:lstStyle/>
-          <a:p>
-            <a:pPr algn="ctr"/>
-            <a:r>
-              <a:rPr lang="en-US" dirty="0" smtClean="0"/>
-              <a:t> </a:t>
-            </a:r>
-            <a:endParaRPr lang="en-US" dirty="0"/>
-          </a:p>
-        </p:txBody>
-      </p:sp>
     </p:spTree>
     <p:extLst>
       <p:ext uri="{BB962C8B-B14F-4D97-AF65-F5344CB8AC3E}">
-        <p14:creationId xmlns:p14="http://schemas.microsoft.com/office/powerpoint/2010/main" val="1304041939"/>
+        <p14:creationId xmlns:p14="http://schemas.microsoft.com/office/powerpoint/2010/main" val="2181149206"/>
       </p:ext>
     </p:extLst>
   </p:cSld>
@@ -5139,7 +4820,7 @@
         </p:nvSpPr>
         <p:spPr>
           <a:xfrm>
-            <a:off x="1229862" y="2293967"/>
+            <a:off x="1229862" y="2293970"/>
             <a:ext cx="2266798" cy="3318057"/>
           </a:xfrm>
           <a:prstGeom prst="ellipse">
@@ -5178,8 +4859,8 @@
         </p:nvSpPr>
         <p:spPr>
           <a:xfrm>
-            <a:off x="5326483" y="2293967"/>
-            <a:ext cx="2286961" cy="3429722"/>
+            <a:off x="5326487" y="2293968"/>
+            <a:ext cx="2286961" cy="3429723"/>
           </a:xfrm>
           <a:prstGeom prst="ellipse">
             <a:avLst/>
@@ -5222,7 +4903,7 @@
         </p:nvSpPr>
         <p:spPr>
           <a:xfrm>
-            <a:off x="1410933" y="1715746"/>
+            <a:off x="1410934" y="1715747"/>
             <a:ext cx="2085727" cy="461665"/>
           </a:xfrm>
           <a:prstGeom prst="rect">
@@ -5251,7 +4932,7 @@
         </p:nvSpPr>
         <p:spPr>
           <a:xfrm>
-            <a:off x="5123842" y="1715746"/>
+            <a:off x="5123842" y="1715747"/>
             <a:ext cx="2613816" cy="461665"/>
           </a:xfrm>
           <a:prstGeom prst="rect">
@@ -5280,7 +4961,7 @@
         </p:nvSpPr>
         <p:spPr>
           <a:xfrm>
-            <a:off x="1685818" y="2853802"/>
+            <a:off x="1685818" y="2853804"/>
             <a:ext cx="540014" cy="327709"/>
           </a:xfrm>
           <a:prstGeom prst="plus">
@@ -5322,7 +5003,7 @@
         </p:nvSpPr>
         <p:spPr>
           <a:xfrm>
-            <a:off x="2684853" y="3525075"/>
+            <a:off x="2684853" y="3525076"/>
             <a:ext cx="540014" cy="327709"/>
           </a:xfrm>
           <a:prstGeom prst="plus">
@@ -5364,7 +5045,7 @@
         </p:nvSpPr>
         <p:spPr>
           <a:xfrm>
-            <a:off x="1826753" y="4264621"/>
+            <a:off x="1826753" y="4264623"/>
             <a:ext cx="540014" cy="327709"/>
           </a:xfrm>
           <a:prstGeom prst="plus">
@@ -5498,7 +5179,7 @@
         </p:nvSpPr>
         <p:spPr>
           <a:xfrm>
-            <a:off x="5819255" y="3595091"/>
+            <a:off x="5819255" y="3595092"/>
             <a:ext cx="540014" cy="327709"/>
           </a:xfrm>
           <a:prstGeom prst="plus">
@@ -5548,7 +5229,7 @@
         </p:nvSpPr>
         <p:spPr>
           <a:xfrm>
-            <a:off x="5819255" y="4264621"/>
+            <a:off x="5819255" y="4264623"/>
             <a:ext cx="540014" cy="327709"/>
           </a:xfrm>
           <a:prstGeom prst="plus">
@@ -5598,7 +5279,7 @@
         </p:nvSpPr>
         <p:spPr>
           <a:xfrm>
-            <a:off x="6707226" y="3540473"/>
+            <a:off x="6707226" y="3540475"/>
             <a:ext cx="540014" cy="327709"/>
           </a:xfrm>
           <a:prstGeom prst="plus">
@@ -5651,7 +5332,7 @@
         </p:nvCxnSpPr>
         <p:spPr>
           <a:xfrm>
-            <a:off x="2225832" y="3017657"/>
+            <a:off x="2225836" y="3017660"/>
             <a:ext cx="3593423" cy="741289"/>
           </a:xfrm>
           <a:prstGeom prst="curvedConnector3">
@@ -5681,19 +5362,18 @@
           <p:cNvPr id="23" name="Curved Connector 22"/>
           <p:cNvCxnSpPr>
             <a:stCxn id="8" idx="3"/>
-            <a:endCxn id="17" idx="0"/>
+            <a:endCxn id="15" idx="1"/>
           </p:cNvCxnSpPr>
           <p:nvPr/>
         </p:nvCxnSpPr>
         <p:spPr>
-          <a:xfrm flipV="1">
-            <a:off x="3224867" y="3540473"/>
-            <a:ext cx="3752366" cy="148457"/>
-          </a:xfrm>
-          <a:prstGeom prst="curvedConnector4">
+          <a:xfrm>
+            <a:off x="3224867" y="3688931"/>
+            <a:ext cx="2594388" cy="70016"/>
+          </a:xfrm>
+          <a:prstGeom prst="curvedConnector3">
             <a:avLst>
-              <a:gd name="adj1" fmla="val 46402"/>
-              <a:gd name="adj2" fmla="val 264356"/>
+              <a:gd name="adj1" fmla="val 50000"/>
             </a:avLst>
           </a:prstGeom>
           <a:ln>
@@ -5719,14 +5399,15 @@
         <p:nvCxnSpPr>
           <p:cNvPr id="25" name="Curved Connector 24"/>
           <p:cNvCxnSpPr>
-            <a:endCxn id="14" idx="1"/>
+            <a:stCxn id="12" idx="3"/>
+            <a:endCxn id="15" idx="1"/>
           </p:cNvCxnSpPr>
           <p:nvPr/>
         </p:nvCxnSpPr>
         <p:spPr>
           <a:xfrm flipV="1">
-            <a:off x="2225832" y="3071819"/>
-            <a:ext cx="3504547" cy="1393220"/>
+            <a:off x="2366767" y="3758945"/>
+            <a:ext cx="3452488" cy="669531"/>
           </a:xfrm>
           <a:prstGeom prst="curvedConnector3">
             <a:avLst/>
@@ -5761,7 +5442,7 @@
         </p:nvCxnSpPr>
         <p:spPr>
           <a:xfrm flipV="1">
-            <a:off x="3004561" y="4428476"/>
+            <a:off x="3004561" y="4428477"/>
             <a:ext cx="2814694" cy="500363"/>
           </a:xfrm>
           <a:prstGeom prst="curvedConnector3">
@@ -5789,7 +5470,7 @@
     </p:spTree>
     <p:extLst>
       <p:ext uri="{BB962C8B-B14F-4D97-AF65-F5344CB8AC3E}">
-        <p14:creationId xmlns:p14="http://schemas.microsoft.com/office/powerpoint/2010/main" val="1512008150"/>
+        <p14:creationId xmlns:p14="http://schemas.microsoft.com/office/powerpoint/2010/main" val="4104288549"/>
       </p:ext>
     </p:extLst>
   </p:cSld>
@@ -5818,30 +5499,249 @@
       </p:grpSpPr>
       <p:sp>
         <p:nvSpPr>
-          <p:cNvPr id="8" name="Oval 7"/>
-          <p:cNvSpPr/>
-          <p:nvPr/>
-        </p:nvSpPr>
-        <p:spPr>
-          <a:xfrm>
-            <a:off x="5005762" y="1313039"/>
-            <a:ext cx="1098204" cy="1158435"/>
+          <p:cNvPr id="4" name="Oval 3"/>
+          <p:cNvSpPr/>
+          <p:nvPr/>
+        </p:nvSpPr>
+        <p:spPr>
+          <a:xfrm>
+            <a:off x="1229862" y="2293970"/>
+            <a:ext cx="2266798" cy="3318057"/>
           </a:xfrm>
           <a:prstGeom prst="ellipse">
             <a:avLst/>
           </a:prstGeom>
+          <a:noFill/>
+        </p:spPr>
+        <p:style>
+          <a:lnRef idx="1">
+            <a:schemeClr val="accent1"/>
+          </a:lnRef>
+          <a:fillRef idx="3">
+            <a:schemeClr val="accent1"/>
+          </a:fillRef>
+          <a:effectRef idx="2">
+            <a:schemeClr val="accent1"/>
+          </a:effectRef>
+          <a:fontRef idx="minor">
+            <a:schemeClr val="lt1"/>
+          </a:fontRef>
+        </p:style>
+        <p:txBody>
+          <a:bodyPr rtlCol="0" anchor="ctr"/>
+          <a:lstStyle/>
+          <a:p>
+            <a:pPr algn="ctr"/>
+            <a:endParaRPr lang="en-US" sz="3600" dirty="0"/>
+          </a:p>
+        </p:txBody>
+      </p:sp>
+      <p:sp>
+        <p:nvSpPr>
+          <p:cNvPr id="6" name="Oval 5"/>
+          <p:cNvSpPr/>
+          <p:nvPr/>
+        </p:nvSpPr>
+        <p:spPr>
+          <a:xfrm>
+            <a:off x="5326487" y="2293968"/>
+            <a:ext cx="2286961" cy="3429723"/>
+          </a:xfrm>
+          <a:prstGeom prst="ellipse">
+            <a:avLst/>
+          </a:prstGeom>
+          <a:noFill/>
+          <a:ln>
+            <a:solidFill>
+              <a:schemeClr val="accent2"/>
+            </a:solidFill>
+          </a:ln>
+        </p:spPr>
+        <p:style>
+          <a:lnRef idx="1">
+            <a:schemeClr val="accent1"/>
+          </a:lnRef>
+          <a:fillRef idx="3">
+            <a:schemeClr val="accent1"/>
+          </a:fillRef>
+          <a:effectRef idx="2">
+            <a:schemeClr val="accent1"/>
+          </a:effectRef>
+          <a:fontRef idx="minor">
+            <a:schemeClr val="lt1"/>
+          </a:fontRef>
+        </p:style>
+        <p:txBody>
+          <a:bodyPr rtlCol="0" anchor="ctr"/>
+          <a:lstStyle/>
+          <a:p>
+            <a:pPr algn="ctr"/>
+            <a:endParaRPr lang="en-US" sz="3600" dirty="0"/>
+          </a:p>
+        </p:txBody>
+      </p:sp>
+      <p:sp>
+        <p:nvSpPr>
+          <p:cNvPr id="10" name="TextBox 9"/>
+          <p:cNvSpPr txBox="1"/>
+          <p:nvPr/>
+        </p:nvSpPr>
+        <p:spPr>
+          <a:xfrm>
+            <a:off x="1410934" y="1715747"/>
+            <a:ext cx="2085727" cy="461665"/>
+          </a:xfrm>
+          <a:prstGeom prst="rect">
+            <a:avLst/>
+          </a:prstGeom>
+          <a:noFill/>
+        </p:spPr>
+        <p:txBody>
+          <a:bodyPr wrap="none" rtlCol="0">
+            <a:spAutoFit/>
+          </a:bodyPr>
+          <a:lstStyle/>
+          <a:p>
+            <a:r>
+              <a:rPr lang="en-US" sz="2400" dirty="0" smtClean="0"/>
+              <a:t>Input / Domain</a:t>
+            </a:r>
+          </a:p>
+        </p:txBody>
+      </p:sp>
+      <p:sp>
+        <p:nvSpPr>
+          <p:cNvPr id="11" name="TextBox 10"/>
+          <p:cNvSpPr txBox="1"/>
+          <p:nvPr/>
+        </p:nvSpPr>
+        <p:spPr>
+          <a:xfrm>
+            <a:off x="5123842" y="1715747"/>
+            <a:ext cx="2613816" cy="461665"/>
+          </a:xfrm>
+          <a:prstGeom prst="rect">
+            <a:avLst/>
+          </a:prstGeom>
+          <a:noFill/>
+        </p:spPr>
+        <p:txBody>
+          <a:bodyPr wrap="none" rtlCol="0">
+            <a:spAutoFit/>
+          </a:bodyPr>
+          <a:lstStyle/>
+          <a:p>
+            <a:r>
+              <a:rPr lang="en-US" sz="2400" dirty="0" smtClean="0"/>
+              <a:t>Output / Codomain</a:t>
+            </a:r>
+          </a:p>
+        </p:txBody>
+      </p:sp>
+      <p:sp>
+        <p:nvSpPr>
+          <p:cNvPr id="2" name="Cross 1"/>
+          <p:cNvSpPr/>
+          <p:nvPr/>
+        </p:nvSpPr>
+        <p:spPr>
+          <a:xfrm>
+            <a:off x="1685818" y="2853804"/>
+            <a:ext cx="540014" cy="327709"/>
+          </a:xfrm>
+          <a:prstGeom prst="plus">
+            <a:avLst/>
+          </a:prstGeom>
+        </p:spPr>
+        <p:style>
+          <a:lnRef idx="1">
+            <a:schemeClr val="accent1"/>
+          </a:lnRef>
+          <a:fillRef idx="3">
+            <a:schemeClr val="accent1"/>
+          </a:fillRef>
+          <a:effectRef idx="2">
+            <a:schemeClr val="accent1"/>
+          </a:effectRef>
+          <a:fontRef idx="minor">
+            <a:schemeClr val="lt1"/>
+          </a:fontRef>
+        </p:style>
+        <p:txBody>
+          <a:bodyPr rtlCol="0" anchor="ctr"/>
+          <a:lstStyle/>
+          <a:p>
+            <a:pPr algn="ctr"/>
+            <a:r>
+              <a:rPr lang="en-US" dirty="0" smtClean="0"/>
+              <a:t>a1</a:t>
+            </a:r>
+            <a:endParaRPr lang="en-US" dirty="0"/>
+          </a:p>
+        </p:txBody>
+      </p:sp>
+      <p:sp>
+        <p:nvSpPr>
+          <p:cNvPr id="8" name="Cross 7"/>
+          <p:cNvSpPr/>
+          <p:nvPr/>
+        </p:nvSpPr>
+        <p:spPr>
+          <a:xfrm>
+            <a:off x="1955825" y="3885780"/>
+            <a:ext cx="540014" cy="327709"/>
+          </a:xfrm>
+          <a:prstGeom prst="plus">
+            <a:avLst/>
+          </a:prstGeom>
+        </p:spPr>
+        <p:style>
+          <a:lnRef idx="1">
+            <a:schemeClr val="accent1"/>
+          </a:lnRef>
+          <a:fillRef idx="3">
+            <a:schemeClr val="accent1"/>
+          </a:fillRef>
+          <a:effectRef idx="2">
+            <a:schemeClr val="accent1"/>
+          </a:effectRef>
+          <a:fontRef idx="minor">
+            <a:schemeClr val="lt1"/>
+          </a:fontRef>
+        </p:style>
+        <p:txBody>
+          <a:bodyPr rtlCol="0" anchor="ctr"/>
+          <a:lstStyle/>
+          <a:p>
+            <a:pPr algn="ctr"/>
+            <a:r>
+              <a:rPr lang="en-US" dirty="0" smtClean="0"/>
+              <a:t>a2</a:t>
+            </a:r>
+            <a:endParaRPr lang="en-US" dirty="0"/>
+          </a:p>
+        </p:txBody>
+      </p:sp>
+      <p:sp>
+        <p:nvSpPr>
+          <p:cNvPr id="14" name="Cross 13"/>
+          <p:cNvSpPr/>
+          <p:nvPr/>
+        </p:nvSpPr>
+        <p:spPr>
+          <a:xfrm>
+            <a:off x="5730379" y="2907964"/>
+            <a:ext cx="540014" cy="327709"/>
+          </a:xfrm>
+          <a:prstGeom prst="plus">
+            <a:avLst/>
+          </a:prstGeom>
           <a:solidFill>
-            <a:schemeClr val="accent6">
-              <a:lumMod val="75000"/>
-            </a:schemeClr>
+            <a:schemeClr val="accent2"/>
           </a:solidFill>
           <a:ln>
             <a:solidFill>
-              <a:schemeClr val="accent1">
-                <a:shade val="95000"/>
-                <a:satMod val="105000"/>
-                <a:alpha val="0"/>
-              </a:schemeClr>
+              <a:schemeClr val="accent2"/>
             </a:solidFill>
           </a:ln>
         </p:spPr>
@@ -5865,39 +5765,33 @@
           <a:p>
             <a:pPr algn="ctr"/>
             <a:r>
-              <a:rPr lang="en-US" sz="3600" dirty="0" smtClean="0"/>
-              <a:t>C</a:t>
-            </a:r>
-            <a:endParaRPr lang="en-US" sz="3600" dirty="0"/>
-          </a:p>
-        </p:txBody>
-      </p:sp>
-      <p:sp>
-        <p:nvSpPr>
-          <p:cNvPr id="10" name="Oval 9"/>
-          <p:cNvSpPr/>
-          <p:nvPr/>
-        </p:nvSpPr>
-        <p:spPr>
-          <a:xfrm>
-            <a:off x="2454313" y="1313039"/>
-            <a:ext cx="1098204" cy="1158435"/>
-          </a:xfrm>
-          <a:prstGeom prst="ellipse">
+              <a:rPr lang="en-US" dirty="0" smtClean="0"/>
+              <a:t>b1</a:t>
+            </a:r>
+            <a:endParaRPr lang="en-US" dirty="0"/>
+          </a:p>
+        </p:txBody>
+      </p:sp>
+      <p:sp>
+        <p:nvSpPr>
+          <p:cNvPr id="15" name="Cross 14"/>
+          <p:cNvSpPr/>
+          <p:nvPr/>
+        </p:nvSpPr>
+        <p:spPr>
+          <a:xfrm>
+            <a:off x="5819255" y="3595092"/>
+            <a:ext cx="540014" cy="327709"/>
+          </a:xfrm>
+          <a:prstGeom prst="plus">
             <a:avLst/>
           </a:prstGeom>
           <a:solidFill>
-            <a:schemeClr val="accent6">
-              <a:lumMod val="75000"/>
-            </a:schemeClr>
+            <a:schemeClr val="accent2"/>
           </a:solidFill>
           <a:ln>
             <a:solidFill>
-              <a:schemeClr val="accent1">
-                <a:shade val="95000"/>
-                <a:satMod val="105000"/>
-                <a:alpha val="0"/>
-              </a:schemeClr>
+              <a:schemeClr val="accent2"/>
             </a:solidFill>
           </a:ln>
         </p:spPr>
@@ -5921,36 +5815,33 @@
           <a:p>
             <a:pPr algn="ctr"/>
             <a:r>
-              <a:rPr lang="en-US" sz="3600" dirty="0" smtClean="0"/>
-              <a:t>B</a:t>
-            </a:r>
-          </a:p>
-        </p:txBody>
-      </p:sp>
-      <p:sp>
-        <p:nvSpPr>
-          <p:cNvPr id="11" name="Oval 10"/>
-          <p:cNvSpPr/>
-          <p:nvPr/>
-        </p:nvSpPr>
-        <p:spPr>
-          <a:xfrm>
-            <a:off x="599447" y="3103985"/>
-            <a:ext cx="1098204" cy="1158435"/>
-          </a:xfrm>
-          <a:prstGeom prst="ellipse">
+              <a:rPr lang="en-US" dirty="0" smtClean="0"/>
+              <a:t>b2</a:t>
+            </a:r>
+            <a:endParaRPr lang="en-US" dirty="0"/>
+          </a:p>
+        </p:txBody>
+      </p:sp>
+      <p:sp>
+        <p:nvSpPr>
+          <p:cNvPr id="16" name="Cross 15"/>
+          <p:cNvSpPr/>
+          <p:nvPr/>
+        </p:nvSpPr>
+        <p:spPr>
+          <a:xfrm>
+            <a:off x="6624924" y="4715223"/>
+            <a:ext cx="540014" cy="327709"/>
+          </a:xfrm>
+          <a:prstGeom prst="plus">
             <a:avLst/>
           </a:prstGeom>
           <a:solidFill>
-            <a:schemeClr val="tx2"/>
+            <a:schemeClr val="accent2"/>
           </a:solidFill>
           <a:ln>
             <a:solidFill>
-              <a:schemeClr val="accent1">
-                <a:shade val="95000"/>
-                <a:satMod val="105000"/>
-                <a:alpha val="0"/>
-              </a:schemeClr>
+              <a:schemeClr val="accent2"/>
             </a:solidFill>
           </a:ln>
         </p:spPr>
@@ -5974,36 +5865,534 @@
           <a:p>
             <a:pPr algn="ctr"/>
             <a:r>
-              <a:rPr lang="en-US" sz="3600" dirty="0" smtClean="0"/>
-              <a:t>A</a:t>
-            </a:r>
-          </a:p>
-        </p:txBody>
-      </p:sp>
-      <p:sp>
-        <p:nvSpPr>
-          <p:cNvPr id="12" name="Oval 11"/>
-          <p:cNvSpPr/>
-          <p:nvPr/>
-        </p:nvSpPr>
-        <p:spPr>
-          <a:xfrm>
-            <a:off x="3684452" y="4543925"/>
-            <a:ext cx="1098204" cy="1158435"/>
+              <a:rPr lang="en-US" dirty="0" smtClean="0"/>
+              <a:t>b3</a:t>
+            </a:r>
+            <a:endParaRPr lang="en-US" dirty="0"/>
+          </a:p>
+        </p:txBody>
+      </p:sp>
+      <p:cxnSp>
+        <p:nvCxnSpPr>
+          <p:cNvPr id="18" name="Curved Connector 17"/>
+          <p:cNvCxnSpPr>
+            <a:stCxn id="2" idx="3"/>
+            <a:endCxn id="14" idx="1"/>
+          </p:cNvCxnSpPr>
+          <p:nvPr/>
+        </p:nvCxnSpPr>
+        <p:spPr>
+          <a:xfrm>
+            <a:off x="2225836" y="3017657"/>
+            <a:ext cx="3504547" cy="54163"/>
+          </a:xfrm>
+          <a:prstGeom prst="curvedConnector3">
+            <a:avLst/>
+          </a:prstGeom>
+          <a:ln>
+            <a:tailEnd type="arrow"/>
+          </a:ln>
+        </p:spPr>
+        <p:style>
+          <a:lnRef idx="2">
+            <a:schemeClr val="accent1"/>
+          </a:lnRef>
+          <a:fillRef idx="0">
+            <a:schemeClr val="accent1"/>
+          </a:fillRef>
+          <a:effectRef idx="1">
+            <a:schemeClr val="accent1"/>
+          </a:effectRef>
+          <a:fontRef idx="minor">
+            <a:schemeClr val="tx1"/>
+          </a:fontRef>
+        </p:style>
+      </p:cxnSp>
+      <p:cxnSp>
+        <p:nvCxnSpPr>
+          <p:cNvPr id="23" name="Curved Connector 22"/>
+          <p:cNvCxnSpPr>
+            <a:stCxn id="8" idx="3"/>
+            <a:endCxn id="15" idx="1"/>
+          </p:cNvCxnSpPr>
+          <p:nvPr/>
+        </p:nvCxnSpPr>
+        <p:spPr>
+          <a:xfrm flipV="1">
+            <a:off x="2495839" y="3758949"/>
+            <a:ext cx="3323416" cy="290689"/>
+          </a:xfrm>
+          <a:prstGeom prst="curvedConnector3">
+            <a:avLst>
+              <a:gd name="adj1" fmla="val 50000"/>
+            </a:avLst>
+          </a:prstGeom>
+          <a:ln>
+            <a:tailEnd type="arrow"/>
+          </a:ln>
+        </p:spPr>
+        <p:style>
+          <a:lnRef idx="2">
+            <a:schemeClr val="accent1"/>
+          </a:lnRef>
+          <a:fillRef idx="0">
+            <a:schemeClr val="accent1"/>
+          </a:fillRef>
+          <a:effectRef idx="1">
+            <a:schemeClr val="accent1"/>
+          </a:effectRef>
+          <a:fontRef idx="minor">
+            <a:schemeClr val="tx1"/>
+          </a:fontRef>
+        </p:style>
+      </p:cxnSp>
+      <p:cxnSp>
+        <p:nvCxnSpPr>
+          <p:cNvPr id="22" name="Curved Connector 21"/>
+          <p:cNvCxnSpPr>
+            <a:stCxn id="8" idx="3"/>
+            <a:endCxn id="16" idx="1"/>
+          </p:cNvCxnSpPr>
+          <p:nvPr/>
+        </p:nvCxnSpPr>
+        <p:spPr>
+          <a:xfrm>
+            <a:off x="2495843" y="4049638"/>
+            <a:ext cx="4129085" cy="829441"/>
+          </a:xfrm>
+          <a:prstGeom prst="curvedConnector3">
+            <a:avLst>
+              <a:gd name="adj1" fmla="val 50000"/>
+            </a:avLst>
+          </a:prstGeom>
+          <a:ln>
+            <a:tailEnd type="arrow"/>
+          </a:ln>
+        </p:spPr>
+        <p:style>
+          <a:lnRef idx="2">
+            <a:schemeClr val="accent1"/>
+          </a:lnRef>
+          <a:fillRef idx="0">
+            <a:schemeClr val="accent1"/>
+          </a:fillRef>
+          <a:effectRef idx="1">
+            <a:schemeClr val="accent1"/>
+          </a:effectRef>
+          <a:fontRef idx="minor">
+            <a:schemeClr val="tx1"/>
+          </a:fontRef>
+        </p:style>
+      </p:cxnSp>
+      <p:sp>
+        <p:nvSpPr>
+          <p:cNvPr id="32" name="Multiply 31"/>
+          <p:cNvSpPr/>
+          <p:nvPr/>
+        </p:nvSpPr>
+        <p:spPr>
+          <a:xfrm>
+            <a:off x="3224871" y="2853804"/>
+            <a:ext cx="2495159" cy="2362237"/>
+          </a:xfrm>
+          <a:prstGeom prst="mathMultiply">
+            <a:avLst/>
+          </a:prstGeom>
+          <a:solidFill>
+            <a:srgbClr val="FF0000">
+              <a:alpha val="46000"/>
+            </a:srgbClr>
+          </a:solidFill>
+          <a:ln>
+            <a:noFill/>
+          </a:ln>
+        </p:spPr>
+        <p:style>
+          <a:lnRef idx="1">
+            <a:schemeClr val="accent1"/>
+          </a:lnRef>
+          <a:fillRef idx="3">
+            <a:schemeClr val="accent1"/>
+          </a:fillRef>
+          <a:effectRef idx="2">
+            <a:schemeClr val="accent1"/>
+          </a:effectRef>
+          <a:fontRef idx="minor">
+            <a:schemeClr val="lt1"/>
+          </a:fontRef>
+        </p:style>
+        <p:txBody>
+          <a:bodyPr rtlCol="0" anchor="ctr"/>
+          <a:lstStyle/>
+          <a:p>
+            <a:pPr algn="ctr"/>
+            <a:r>
+              <a:rPr lang="en-US" dirty="0" smtClean="0"/>
+              <a:t> </a:t>
+            </a:r>
+            <a:endParaRPr lang="en-US" dirty="0"/>
+          </a:p>
+        </p:txBody>
+      </p:sp>
+    </p:spTree>
+    <p:extLst>
+      <p:ext uri="{BB962C8B-B14F-4D97-AF65-F5344CB8AC3E}">
+        <p14:creationId xmlns:p14="http://schemas.microsoft.com/office/powerpoint/2010/main" val="148186602"/>
+      </p:ext>
+    </p:extLst>
+  </p:cSld>
+  <p:clrMapOvr>
+    <a:masterClrMapping/>
+  </p:clrMapOvr>
+</p:sld>
+</file>
+
+<file path=ppt/slides/slide14.xml><?xml version="1.0" encoding="utf-8"?>
+<p:sld xmlns:a="http://schemas.openxmlformats.org/drawingml/2006/main" xmlns:r="http://schemas.openxmlformats.org/officeDocument/2006/relationships" xmlns:p="http://schemas.openxmlformats.org/presentationml/2006/main">
+  <p:cSld>
+    <p:spTree>
+      <p:nvGrpSpPr>
+        <p:cNvPr id="1" name=""/>
+        <p:cNvGrpSpPr/>
+        <p:nvPr/>
+      </p:nvGrpSpPr>
+      <p:grpSpPr>
+        <a:xfrm>
+          <a:off x="0" y="0"/>
+          <a:ext cx="0" cy="0"/>
+          <a:chOff x="0" y="0"/>
+          <a:chExt cx="0" cy="0"/>
+        </a:xfrm>
+      </p:grpSpPr>
+      <p:sp>
+        <p:nvSpPr>
+          <p:cNvPr id="4" name="Oval 3"/>
+          <p:cNvSpPr/>
+          <p:nvPr/>
+        </p:nvSpPr>
+        <p:spPr>
+          <a:xfrm>
+            <a:off x="1229862" y="2293970"/>
+            <a:ext cx="2266798" cy="3318057"/>
           </a:xfrm>
           <a:prstGeom prst="ellipse">
             <a:avLst/>
           </a:prstGeom>
+          <a:noFill/>
+        </p:spPr>
+        <p:style>
+          <a:lnRef idx="1">
+            <a:schemeClr val="accent1"/>
+          </a:lnRef>
+          <a:fillRef idx="3">
+            <a:schemeClr val="accent1"/>
+          </a:fillRef>
+          <a:effectRef idx="2">
+            <a:schemeClr val="accent1"/>
+          </a:effectRef>
+          <a:fontRef idx="minor">
+            <a:schemeClr val="lt1"/>
+          </a:fontRef>
+        </p:style>
+        <p:txBody>
+          <a:bodyPr rtlCol="0" anchor="ctr"/>
+          <a:lstStyle/>
+          <a:p>
+            <a:pPr algn="ctr"/>
+            <a:endParaRPr lang="en-US" sz="3600" dirty="0"/>
+          </a:p>
+        </p:txBody>
+      </p:sp>
+      <p:sp>
+        <p:nvSpPr>
+          <p:cNvPr id="6" name="Oval 5"/>
+          <p:cNvSpPr/>
+          <p:nvPr/>
+        </p:nvSpPr>
+        <p:spPr>
+          <a:xfrm>
+            <a:off x="5326487" y="2293968"/>
+            <a:ext cx="2286961" cy="3429723"/>
+          </a:xfrm>
+          <a:prstGeom prst="ellipse">
+            <a:avLst/>
+          </a:prstGeom>
+          <a:noFill/>
+          <a:ln>
+            <a:solidFill>
+              <a:schemeClr val="accent2"/>
+            </a:solidFill>
+          </a:ln>
+        </p:spPr>
+        <p:style>
+          <a:lnRef idx="1">
+            <a:schemeClr val="accent1"/>
+          </a:lnRef>
+          <a:fillRef idx="3">
+            <a:schemeClr val="accent1"/>
+          </a:fillRef>
+          <a:effectRef idx="2">
+            <a:schemeClr val="accent1"/>
+          </a:effectRef>
+          <a:fontRef idx="minor">
+            <a:schemeClr val="lt1"/>
+          </a:fontRef>
+        </p:style>
+        <p:txBody>
+          <a:bodyPr rtlCol="0" anchor="ctr"/>
+          <a:lstStyle/>
+          <a:p>
+            <a:pPr algn="ctr"/>
+            <a:endParaRPr lang="en-US" sz="3600" dirty="0"/>
+          </a:p>
+        </p:txBody>
+      </p:sp>
+      <p:sp>
+        <p:nvSpPr>
+          <p:cNvPr id="10" name="TextBox 9"/>
+          <p:cNvSpPr txBox="1"/>
+          <p:nvPr/>
+        </p:nvSpPr>
+        <p:spPr>
+          <a:xfrm>
+            <a:off x="1410934" y="1715747"/>
+            <a:ext cx="2085727" cy="461665"/>
+          </a:xfrm>
+          <a:prstGeom prst="rect">
+            <a:avLst/>
+          </a:prstGeom>
+          <a:noFill/>
+        </p:spPr>
+        <p:txBody>
+          <a:bodyPr wrap="none" rtlCol="0">
+            <a:spAutoFit/>
+          </a:bodyPr>
+          <a:lstStyle/>
+          <a:p>
+            <a:r>
+              <a:rPr lang="en-US" sz="2400" dirty="0" smtClean="0"/>
+              <a:t>Input / Domain</a:t>
+            </a:r>
+          </a:p>
+        </p:txBody>
+      </p:sp>
+      <p:sp>
+        <p:nvSpPr>
+          <p:cNvPr id="11" name="TextBox 10"/>
+          <p:cNvSpPr txBox="1"/>
+          <p:nvPr/>
+        </p:nvSpPr>
+        <p:spPr>
+          <a:xfrm>
+            <a:off x="5123842" y="1715747"/>
+            <a:ext cx="2613816" cy="461665"/>
+          </a:xfrm>
+          <a:prstGeom prst="rect">
+            <a:avLst/>
+          </a:prstGeom>
+          <a:noFill/>
+        </p:spPr>
+        <p:txBody>
+          <a:bodyPr wrap="none" rtlCol="0">
+            <a:spAutoFit/>
+          </a:bodyPr>
+          <a:lstStyle/>
+          <a:p>
+            <a:r>
+              <a:rPr lang="en-US" sz="2400" dirty="0" smtClean="0"/>
+              <a:t>Output / Codomain</a:t>
+            </a:r>
+          </a:p>
+        </p:txBody>
+      </p:sp>
+      <p:sp>
+        <p:nvSpPr>
+          <p:cNvPr id="2" name="Cross 1"/>
+          <p:cNvSpPr/>
+          <p:nvPr/>
+        </p:nvSpPr>
+        <p:spPr>
+          <a:xfrm>
+            <a:off x="1685818" y="2853804"/>
+            <a:ext cx="540014" cy="327709"/>
+          </a:xfrm>
+          <a:prstGeom prst="plus">
+            <a:avLst/>
+          </a:prstGeom>
+        </p:spPr>
+        <p:style>
+          <a:lnRef idx="1">
+            <a:schemeClr val="accent1"/>
+          </a:lnRef>
+          <a:fillRef idx="3">
+            <a:schemeClr val="accent1"/>
+          </a:fillRef>
+          <a:effectRef idx="2">
+            <a:schemeClr val="accent1"/>
+          </a:effectRef>
+          <a:fontRef idx="minor">
+            <a:schemeClr val="lt1"/>
+          </a:fontRef>
+        </p:style>
+        <p:txBody>
+          <a:bodyPr rtlCol="0" anchor="ctr"/>
+          <a:lstStyle/>
+          <a:p>
+            <a:pPr algn="ctr"/>
+            <a:r>
+              <a:rPr lang="en-US" dirty="0" smtClean="0"/>
+              <a:t>a1</a:t>
+            </a:r>
+            <a:endParaRPr lang="en-US" dirty="0"/>
+          </a:p>
+        </p:txBody>
+      </p:sp>
+      <p:sp>
+        <p:nvSpPr>
+          <p:cNvPr id="8" name="Cross 7"/>
+          <p:cNvSpPr/>
+          <p:nvPr/>
+        </p:nvSpPr>
+        <p:spPr>
+          <a:xfrm>
+            <a:off x="2684853" y="3525076"/>
+            <a:ext cx="540014" cy="327709"/>
+          </a:xfrm>
+          <a:prstGeom prst="plus">
+            <a:avLst/>
+          </a:prstGeom>
+        </p:spPr>
+        <p:style>
+          <a:lnRef idx="1">
+            <a:schemeClr val="accent1"/>
+          </a:lnRef>
+          <a:fillRef idx="3">
+            <a:schemeClr val="accent1"/>
+          </a:fillRef>
+          <a:effectRef idx="2">
+            <a:schemeClr val="accent1"/>
+          </a:effectRef>
+          <a:fontRef idx="minor">
+            <a:schemeClr val="lt1"/>
+          </a:fontRef>
+        </p:style>
+        <p:txBody>
+          <a:bodyPr rtlCol="0" anchor="ctr"/>
+          <a:lstStyle/>
+          <a:p>
+            <a:pPr algn="ctr"/>
+            <a:r>
+              <a:rPr lang="en-US" dirty="0" smtClean="0"/>
+              <a:t>a2</a:t>
+            </a:r>
+            <a:endParaRPr lang="en-US" dirty="0"/>
+          </a:p>
+        </p:txBody>
+      </p:sp>
+      <p:sp>
+        <p:nvSpPr>
+          <p:cNvPr id="12" name="Cross 11"/>
+          <p:cNvSpPr/>
+          <p:nvPr/>
+        </p:nvSpPr>
+        <p:spPr>
+          <a:xfrm>
+            <a:off x="1826753" y="4264623"/>
+            <a:ext cx="540014" cy="327709"/>
+          </a:xfrm>
+          <a:prstGeom prst="plus">
+            <a:avLst/>
+          </a:prstGeom>
+        </p:spPr>
+        <p:style>
+          <a:lnRef idx="1">
+            <a:schemeClr val="accent1"/>
+          </a:lnRef>
+          <a:fillRef idx="3">
+            <a:schemeClr val="accent1"/>
+          </a:fillRef>
+          <a:effectRef idx="2">
+            <a:schemeClr val="accent1"/>
+          </a:effectRef>
+          <a:fontRef idx="minor">
+            <a:schemeClr val="lt1"/>
+          </a:fontRef>
+        </p:style>
+        <p:txBody>
+          <a:bodyPr rtlCol="0" anchor="ctr"/>
+          <a:lstStyle/>
+          <a:p>
+            <a:pPr algn="ctr"/>
+            <a:r>
+              <a:rPr lang="en-US" dirty="0" smtClean="0"/>
+              <a:t>a3</a:t>
+            </a:r>
+            <a:endParaRPr lang="en-US" dirty="0"/>
+          </a:p>
+        </p:txBody>
+      </p:sp>
+      <p:sp>
+        <p:nvSpPr>
+          <p:cNvPr id="13" name="Cross 12"/>
+          <p:cNvSpPr/>
+          <p:nvPr/>
+        </p:nvSpPr>
+        <p:spPr>
+          <a:xfrm>
+            <a:off x="2464547" y="4764984"/>
+            <a:ext cx="540014" cy="327709"/>
+          </a:xfrm>
+          <a:prstGeom prst="plus">
+            <a:avLst/>
+          </a:prstGeom>
+        </p:spPr>
+        <p:style>
+          <a:lnRef idx="1">
+            <a:schemeClr val="accent1"/>
+          </a:lnRef>
+          <a:fillRef idx="3">
+            <a:schemeClr val="accent1"/>
+          </a:fillRef>
+          <a:effectRef idx="2">
+            <a:schemeClr val="accent1"/>
+          </a:effectRef>
+          <a:fontRef idx="minor">
+            <a:schemeClr val="lt1"/>
+          </a:fontRef>
+        </p:style>
+        <p:txBody>
+          <a:bodyPr rtlCol="0" anchor="ctr"/>
+          <a:lstStyle/>
+          <a:p>
+            <a:pPr algn="ctr"/>
+            <a:r>
+              <a:rPr lang="en-US" dirty="0" smtClean="0"/>
+              <a:t>an</a:t>
+            </a:r>
+            <a:endParaRPr lang="en-US" dirty="0"/>
+          </a:p>
+        </p:txBody>
+      </p:sp>
+      <p:sp>
+        <p:nvSpPr>
+          <p:cNvPr id="14" name="Cross 13"/>
+          <p:cNvSpPr/>
+          <p:nvPr/>
+        </p:nvSpPr>
+        <p:spPr>
+          <a:xfrm>
+            <a:off x="5730379" y="2907964"/>
+            <a:ext cx="540014" cy="327709"/>
+          </a:xfrm>
+          <a:prstGeom prst="plus">
+            <a:avLst/>
+          </a:prstGeom>
           <a:solidFill>
-            <a:schemeClr val="accent3"/>
+            <a:schemeClr val="accent2"/>
           </a:solidFill>
           <a:ln>
             <a:solidFill>
-              <a:schemeClr val="accent1">
-                <a:shade val="95000"/>
-                <a:satMod val="105000"/>
-                <a:alpha val="0"/>
-              </a:schemeClr>
+              <a:schemeClr val="accent2"/>
             </a:solidFill>
           </a:ln>
         </p:spPr>
@@ -6027,37 +6416,33 @@
           <a:p>
             <a:pPr algn="ctr"/>
             <a:r>
-              <a:rPr lang="en-US" sz="3600" dirty="0"/>
-              <a:t>D</a:t>
-            </a:r>
-            <a:endParaRPr lang="en-US" sz="3600" dirty="0" smtClean="0"/>
-          </a:p>
-        </p:txBody>
-      </p:sp>
-      <p:sp>
-        <p:nvSpPr>
-          <p:cNvPr id="13" name="Oval 12"/>
-          <p:cNvSpPr/>
-          <p:nvPr/>
-        </p:nvSpPr>
-        <p:spPr>
-          <a:xfrm>
-            <a:off x="7140385" y="2830894"/>
-            <a:ext cx="1098204" cy="1158435"/>
-          </a:xfrm>
-          <a:prstGeom prst="ellipse">
+              <a:rPr lang="en-US" dirty="0" smtClean="0"/>
+              <a:t>b1</a:t>
+            </a:r>
+            <a:endParaRPr lang="en-US" dirty="0"/>
+          </a:p>
+        </p:txBody>
+      </p:sp>
+      <p:sp>
+        <p:nvSpPr>
+          <p:cNvPr id="15" name="Cross 14"/>
+          <p:cNvSpPr/>
+          <p:nvPr/>
+        </p:nvSpPr>
+        <p:spPr>
+          <a:xfrm>
+            <a:off x="5819255" y="3595092"/>
+            <a:ext cx="540014" cy="327709"/>
+          </a:xfrm>
+          <a:prstGeom prst="plus">
             <a:avLst/>
           </a:prstGeom>
           <a:solidFill>
-            <a:schemeClr val="accent4"/>
+            <a:schemeClr val="accent2"/>
           </a:solidFill>
           <a:ln>
             <a:solidFill>
-              <a:schemeClr val="accent1">
-                <a:shade val="95000"/>
-                <a:satMod val="105000"/>
-                <a:alpha val="0"/>
-              </a:schemeClr>
+              <a:schemeClr val="accent2"/>
             </a:solidFill>
           </a:ln>
         </p:spPr>
@@ -6081,207 +6466,1784 @@
           <a:p>
             <a:pPr algn="ctr"/>
             <a:r>
-              <a:rPr lang="en-US" sz="3600" dirty="0"/>
-              <a:t>E</a:t>
-            </a:r>
-            <a:endParaRPr lang="en-US" sz="3600" dirty="0" smtClean="0"/>
-          </a:p>
-        </p:txBody>
-      </p:sp>
-      <p:sp>
-        <p:nvSpPr>
-          <p:cNvPr id="14" name="Right Arrow 13"/>
-          <p:cNvSpPr/>
-          <p:nvPr/>
-        </p:nvSpPr>
-        <p:spPr>
-          <a:xfrm rot="19365763">
-            <a:off x="1429007" y="2372727"/>
-            <a:ext cx="978408" cy="484632"/>
-          </a:xfrm>
-          <a:prstGeom prst="rightArrow">
-            <a:avLst/>
-          </a:prstGeom>
-        </p:spPr>
-        <p:style>
-          <a:lnRef idx="1">
-            <a:schemeClr val="accent1"/>
-          </a:lnRef>
-          <a:fillRef idx="3">
-            <a:schemeClr val="accent1"/>
-          </a:fillRef>
-          <a:effectRef idx="2">
-            <a:schemeClr val="accent1"/>
-          </a:effectRef>
-          <a:fontRef idx="minor">
-            <a:schemeClr val="lt1"/>
-          </a:fontRef>
-        </p:style>
-        <p:txBody>
-          <a:bodyPr rtlCol="0" anchor="ctr"/>
-          <a:lstStyle/>
-          <a:p>
-            <a:pPr algn="ctr"/>
-            <a:endParaRPr lang="en-US"/>
-          </a:p>
-        </p:txBody>
-      </p:sp>
-      <p:sp>
-        <p:nvSpPr>
-          <p:cNvPr id="17" name="Right Arrow 16"/>
-          <p:cNvSpPr/>
-          <p:nvPr/>
-        </p:nvSpPr>
-        <p:spPr>
-          <a:xfrm>
-            <a:off x="3804248" y="1564065"/>
-            <a:ext cx="978408" cy="484632"/>
-          </a:xfrm>
-          <a:prstGeom prst="rightArrow">
-            <a:avLst/>
-          </a:prstGeom>
-        </p:spPr>
-        <p:style>
-          <a:lnRef idx="1">
-            <a:schemeClr val="accent1"/>
-          </a:lnRef>
-          <a:fillRef idx="3">
-            <a:schemeClr val="accent1"/>
-          </a:fillRef>
-          <a:effectRef idx="2">
-            <a:schemeClr val="accent1"/>
-          </a:effectRef>
-          <a:fontRef idx="minor">
-            <a:schemeClr val="lt1"/>
-          </a:fontRef>
-        </p:style>
-        <p:txBody>
-          <a:bodyPr rtlCol="0" anchor="ctr"/>
-          <a:lstStyle/>
-          <a:p>
-            <a:pPr algn="ctr"/>
-            <a:endParaRPr lang="en-US"/>
-          </a:p>
-        </p:txBody>
-      </p:sp>
-      <p:sp>
-        <p:nvSpPr>
-          <p:cNvPr id="18" name="Right Arrow 17"/>
-          <p:cNvSpPr/>
-          <p:nvPr/>
-        </p:nvSpPr>
-        <p:spPr>
-          <a:xfrm rot="2403700">
-            <a:off x="6161977" y="2306695"/>
-            <a:ext cx="978408" cy="484632"/>
-          </a:xfrm>
-          <a:prstGeom prst="rightArrow">
-            <a:avLst/>
-          </a:prstGeom>
-        </p:spPr>
-        <p:style>
-          <a:lnRef idx="1">
-            <a:schemeClr val="accent1"/>
-          </a:lnRef>
-          <a:fillRef idx="3">
-            <a:schemeClr val="accent1"/>
-          </a:fillRef>
-          <a:effectRef idx="2">
-            <a:schemeClr val="accent1"/>
-          </a:effectRef>
-          <a:fontRef idx="minor">
-            <a:schemeClr val="lt1"/>
-          </a:fontRef>
-        </p:style>
-        <p:txBody>
-          <a:bodyPr rtlCol="0" anchor="ctr"/>
-          <a:lstStyle/>
-          <a:p>
-            <a:pPr algn="ctr"/>
-            <a:endParaRPr lang="en-US"/>
-          </a:p>
-        </p:txBody>
-      </p:sp>
-      <p:sp>
-        <p:nvSpPr>
-          <p:cNvPr id="19" name="Right Arrow 18"/>
-          <p:cNvSpPr/>
-          <p:nvPr/>
-        </p:nvSpPr>
-        <p:spPr>
-          <a:xfrm rot="1297716">
-            <a:off x="1953263" y="4309337"/>
-            <a:ext cx="1314875" cy="484632"/>
-          </a:xfrm>
-          <a:prstGeom prst="rightArrow">
-            <a:avLst/>
-          </a:prstGeom>
-        </p:spPr>
-        <p:style>
-          <a:lnRef idx="1">
-            <a:schemeClr val="accent1"/>
-          </a:lnRef>
-          <a:fillRef idx="3">
-            <a:schemeClr val="accent1"/>
-          </a:fillRef>
-          <a:effectRef idx="2">
-            <a:schemeClr val="accent1"/>
-          </a:effectRef>
-          <a:fontRef idx="minor">
-            <a:schemeClr val="lt1"/>
-          </a:fontRef>
-        </p:style>
-        <p:txBody>
-          <a:bodyPr rtlCol="0" anchor="ctr"/>
-          <a:lstStyle/>
-          <a:p>
-            <a:pPr algn="ctr"/>
-            <a:endParaRPr lang="en-US"/>
-          </a:p>
-        </p:txBody>
-      </p:sp>
-      <p:sp>
-        <p:nvSpPr>
-          <p:cNvPr id="20" name="Right Arrow 19"/>
-          <p:cNvSpPr/>
-          <p:nvPr/>
-        </p:nvSpPr>
-        <p:spPr>
-          <a:xfrm rot="19854906">
-            <a:off x="5192059" y="4217596"/>
-            <a:ext cx="1857502" cy="484632"/>
-          </a:xfrm>
-          <a:prstGeom prst="rightArrow">
-            <a:avLst/>
-          </a:prstGeom>
-        </p:spPr>
-        <p:style>
-          <a:lnRef idx="1">
-            <a:schemeClr val="accent1"/>
-          </a:lnRef>
-          <a:fillRef idx="3">
-            <a:schemeClr val="accent1"/>
-          </a:fillRef>
-          <a:effectRef idx="2">
-            <a:schemeClr val="accent1"/>
-          </a:effectRef>
-          <a:fontRef idx="minor">
-            <a:schemeClr val="lt1"/>
-          </a:fontRef>
-        </p:style>
-        <p:txBody>
-          <a:bodyPr rtlCol="0" anchor="ctr"/>
-          <a:lstStyle/>
-          <a:p>
-            <a:pPr algn="ctr"/>
-            <a:endParaRPr lang="en-US"/>
+              <a:rPr lang="en-US" dirty="0" smtClean="0"/>
+              <a:t>b2</a:t>
+            </a:r>
+            <a:endParaRPr lang="en-US" dirty="0"/>
+          </a:p>
+        </p:txBody>
+      </p:sp>
+      <p:sp>
+        <p:nvSpPr>
+          <p:cNvPr id="16" name="Cross 15"/>
+          <p:cNvSpPr/>
+          <p:nvPr/>
+        </p:nvSpPr>
+        <p:spPr>
+          <a:xfrm>
+            <a:off x="5819255" y="4264623"/>
+            <a:ext cx="540014" cy="327709"/>
+          </a:xfrm>
+          <a:prstGeom prst="plus">
+            <a:avLst/>
+          </a:prstGeom>
+          <a:solidFill>
+            <a:schemeClr val="accent2"/>
+          </a:solidFill>
+          <a:ln>
+            <a:solidFill>
+              <a:schemeClr val="accent2"/>
+            </a:solidFill>
+          </a:ln>
+        </p:spPr>
+        <p:style>
+          <a:lnRef idx="1">
+            <a:schemeClr val="accent1"/>
+          </a:lnRef>
+          <a:fillRef idx="3">
+            <a:schemeClr val="accent1"/>
+          </a:fillRef>
+          <a:effectRef idx="2">
+            <a:schemeClr val="accent1"/>
+          </a:effectRef>
+          <a:fontRef idx="minor">
+            <a:schemeClr val="lt1"/>
+          </a:fontRef>
+        </p:style>
+        <p:txBody>
+          <a:bodyPr rtlCol="0" anchor="ctr"/>
+          <a:lstStyle/>
+          <a:p>
+            <a:pPr algn="ctr"/>
+            <a:r>
+              <a:rPr lang="en-US" dirty="0" smtClean="0"/>
+              <a:t>b3</a:t>
+            </a:r>
+            <a:endParaRPr lang="en-US" dirty="0"/>
+          </a:p>
+        </p:txBody>
+      </p:sp>
+      <p:sp>
+        <p:nvSpPr>
+          <p:cNvPr id="17" name="Cross 16"/>
+          <p:cNvSpPr/>
+          <p:nvPr/>
+        </p:nvSpPr>
+        <p:spPr>
+          <a:xfrm>
+            <a:off x="6707226" y="3540475"/>
+            <a:ext cx="540014" cy="327709"/>
+          </a:xfrm>
+          <a:prstGeom prst="plus">
+            <a:avLst/>
+          </a:prstGeom>
+          <a:solidFill>
+            <a:schemeClr val="accent2"/>
+          </a:solidFill>
+          <a:ln>
+            <a:solidFill>
+              <a:schemeClr val="accent2"/>
+            </a:solidFill>
+          </a:ln>
+        </p:spPr>
+        <p:style>
+          <a:lnRef idx="1">
+            <a:schemeClr val="accent1"/>
+          </a:lnRef>
+          <a:fillRef idx="3">
+            <a:schemeClr val="accent1"/>
+          </a:fillRef>
+          <a:effectRef idx="2">
+            <a:schemeClr val="accent1"/>
+          </a:effectRef>
+          <a:fontRef idx="minor">
+            <a:schemeClr val="lt1"/>
+          </a:fontRef>
+        </p:style>
+        <p:txBody>
+          <a:bodyPr rtlCol="0" anchor="ctr"/>
+          <a:lstStyle/>
+          <a:p>
+            <a:pPr algn="ctr"/>
+            <a:r>
+              <a:rPr lang="en-US" dirty="0" err="1" smtClean="0"/>
+              <a:t>bm</a:t>
+            </a:r>
+            <a:endParaRPr lang="en-US" dirty="0"/>
+          </a:p>
+        </p:txBody>
+      </p:sp>
+      <p:cxnSp>
+        <p:nvCxnSpPr>
+          <p:cNvPr id="18" name="Curved Connector 17"/>
+          <p:cNvCxnSpPr>
+            <a:stCxn id="2" idx="3"/>
+            <a:endCxn id="15" idx="1"/>
+          </p:cNvCxnSpPr>
+          <p:nvPr/>
+        </p:nvCxnSpPr>
+        <p:spPr>
+          <a:xfrm>
+            <a:off x="2225836" y="3017660"/>
+            <a:ext cx="3593423" cy="741289"/>
+          </a:xfrm>
+          <a:prstGeom prst="curvedConnector3">
+            <a:avLst/>
+          </a:prstGeom>
+          <a:ln>
+            <a:tailEnd type="arrow"/>
+          </a:ln>
+        </p:spPr>
+        <p:style>
+          <a:lnRef idx="2">
+            <a:schemeClr val="accent1"/>
+          </a:lnRef>
+          <a:fillRef idx="0">
+            <a:schemeClr val="accent1"/>
+          </a:fillRef>
+          <a:effectRef idx="1">
+            <a:schemeClr val="accent1"/>
+          </a:effectRef>
+          <a:fontRef idx="minor">
+            <a:schemeClr val="tx1"/>
+          </a:fontRef>
+        </p:style>
+      </p:cxnSp>
+      <p:cxnSp>
+        <p:nvCxnSpPr>
+          <p:cNvPr id="23" name="Curved Connector 22"/>
+          <p:cNvCxnSpPr>
+            <a:stCxn id="8" idx="3"/>
+            <a:endCxn id="15" idx="1"/>
+          </p:cNvCxnSpPr>
+          <p:nvPr/>
+        </p:nvCxnSpPr>
+        <p:spPr>
+          <a:xfrm>
+            <a:off x="3224867" y="3688931"/>
+            <a:ext cx="2594388" cy="70016"/>
+          </a:xfrm>
+          <a:prstGeom prst="curvedConnector3">
+            <a:avLst>
+              <a:gd name="adj1" fmla="val 50000"/>
+            </a:avLst>
+          </a:prstGeom>
+          <a:ln>
+            <a:tailEnd type="arrow"/>
+          </a:ln>
+        </p:spPr>
+        <p:style>
+          <a:lnRef idx="2">
+            <a:schemeClr val="accent1"/>
+          </a:lnRef>
+          <a:fillRef idx="0">
+            <a:schemeClr val="accent1"/>
+          </a:fillRef>
+          <a:effectRef idx="1">
+            <a:schemeClr val="accent1"/>
+          </a:effectRef>
+          <a:fontRef idx="minor">
+            <a:schemeClr val="tx1"/>
+          </a:fontRef>
+        </p:style>
+      </p:cxnSp>
+      <p:cxnSp>
+        <p:nvCxnSpPr>
+          <p:cNvPr id="27" name="Curved Connector 26"/>
+          <p:cNvCxnSpPr>
+            <a:stCxn id="13" idx="3"/>
+            <a:endCxn id="16" idx="1"/>
+          </p:cNvCxnSpPr>
+          <p:nvPr/>
+        </p:nvCxnSpPr>
+        <p:spPr>
+          <a:xfrm flipV="1">
+            <a:off x="3004561" y="4428477"/>
+            <a:ext cx="2814694" cy="500363"/>
+          </a:xfrm>
+          <a:prstGeom prst="curvedConnector3">
+            <a:avLst/>
+          </a:prstGeom>
+          <a:ln>
+            <a:tailEnd type="arrow"/>
+          </a:ln>
+        </p:spPr>
+        <p:style>
+          <a:lnRef idx="2">
+            <a:schemeClr val="accent1"/>
+          </a:lnRef>
+          <a:fillRef idx="0">
+            <a:schemeClr val="accent1"/>
+          </a:fillRef>
+          <a:effectRef idx="1">
+            <a:schemeClr val="accent1"/>
+          </a:effectRef>
+          <a:fontRef idx="minor">
+            <a:schemeClr val="tx1"/>
+          </a:fontRef>
+        </p:style>
+      </p:cxnSp>
+      <p:sp>
+        <p:nvSpPr>
+          <p:cNvPr id="21" name="Multiply 20"/>
+          <p:cNvSpPr/>
+          <p:nvPr/>
+        </p:nvSpPr>
+        <p:spPr>
+          <a:xfrm>
+            <a:off x="3224871" y="2853804"/>
+            <a:ext cx="2495159" cy="2362237"/>
+          </a:xfrm>
+          <a:prstGeom prst="mathMultiply">
+            <a:avLst/>
+          </a:prstGeom>
+          <a:solidFill>
+            <a:srgbClr val="FF0000">
+              <a:alpha val="46000"/>
+            </a:srgbClr>
+          </a:solidFill>
+          <a:ln>
+            <a:noFill/>
+          </a:ln>
+        </p:spPr>
+        <p:style>
+          <a:lnRef idx="1">
+            <a:schemeClr val="accent1"/>
+          </a:lnRef>
+          <a:fillRef idx="3">
+            <a:schemeClr val="accent1"/>
+          </a:fillRef>
+          <a:effectRef idx="2">
+            <a:schemeClr val="accent1"/>
+          </a:effectRef>
+          <a:fontRef idx="minor">
+            <a:schemeClr val="lt1"/>
+          </a:fontRef>
+        </p:style>
+        <p:txBody>
+          <a:bodyPr rtlCol="0" anchor="ctr"/>
+          <a:lstStyle/>
+          <a:p>
+            <a:pPr algn="ctr"/>
+            <a:r>
+              <a:rPr lang="en-US" dirty="0" smtClean="0"/>
+              <a:t> </a:t>
+            </a:r>
+            <a:endParaRPr lang="en-US" dirty="0"/>
           </a:p>
         </p:txBody>
       </p:sp>
     </p:spTree>
     <p:extLst>
       <p:ext uri="{BB962C8B-B14F-4D97-AF65-F5344CB8AC3E}">
-        <p14:creationId xmlns:p14="http://schemas.microsoft.com/office/powerpoint/2010/main" val="1677747331"/>
+        <p14:creationId xmlns:p14="http://schemas.microsoft.com/office/powerpoint/2010/main" val="3541740611"/>
+      </p:ext>
+    </p:extLst>
+  </p:cSld>
+  <p:clrMapOvr>
+    <a:masterClrMapping/>
+  </p:clrMapOvr>
+</p:sld>
+</file>
+
+<file path=ppt/slides/slide15.xml><?xml version="1.0" encoding="utf-8"?>
+<p:sld xmlns:a="http://schemas.openxmlformats.org/drawingml/2006/main" xmlns:r="http://schemas.openxmlformats.org/officeDocument/2006/relationships" xmlns:p="http://schemas.openxmlformats.org/presentationml/2006/main">
+  <p:cSld>
+    <p:spTree>
+      <p:nvGrpSpPr>
+        <p:cNvPr id="1" name=""/>
+        <p:cNvGrpSpPr/>
+        <p:nvPr/>
+      </p:nvGrpSpPr>
+      <p:grpSpPr>
+        <a:xfrm>
+          <a:off x="0" y="0"/>
+          <a:ext cx="0" cy="0"/>
+          <a:chOff x="0" y="0"/>
+          <a:chExt cx="0" cy="0"/>
+        </a:xfrm>
+      </p:grpSpPr>
+      <p:sp>
+        <p:nvSpPr>
+          <p:cNvPr id="4" name="Oval 3"/>
+          <p:cNvSpPr/>
+          <p:nvPr/>
+        </p:nvSpPr>
+        <p:spPr>
+          <a:xfrm>
+            <a:off x="1229862" y="2293970"/>
+            <a:ext cx="2266798" cy="3318057"/>
+          </a:xfrm>
+          <a:prstGeom prst="ellipse">
+            <a:avLst/>
+          </a:prstGeom>
+          <a:noFill/>
+        </p:spPr>
+        <p:style>
+          <a:lnRef idx="1">
+            <a:schemeClr val="accent1"/>
+          </a:lnRef>
+          <a:fillRef idx="3">
+            <a:schemeClr val="accent1"/>
+          </a:fillRef>
+          <a:effectRef idx="2">
+            <a:schemeClr val="accent1"/>
+          </a:effectRef>
+          <a:fontRef idx="minor">
+            <a:schemeClr val="lt1"/>
+          </a:fontRef>
+        </p:style>
+        <p:txBody>
+          <a:bodyPr rtlCol="0" anchor="ctr"/>
+          <a:lstStyle/>
+          <a:p>
+            <a:pPr algn="ctr"/>
+            <a:endParaRPr lang="en-US" sz="3600" dirty="0"/>
+          </a:p>
+        </p:txBody>
+      </p:sp>
+      <p:sp>
+        <p:nvSpPr>
+          <p:cNvPr id="6" name="Oval 5"/>
+          <p:cNvSpPr/>
+          <p:nvPr/>
+        </p:nvSpPr>
+        <p:spPr>
+          <a:xfrm>
+            <a:off x="5326487" y="2293968"/>
+            <a:ext cx="2286961" cy="3429723"/>
+          </a:xfrm>
+          <a:prstGeom prst="ellipse">
+            <a:avLst/>
+          </a:prstGeom>
+          <a:noFill/>
+          <a:ln>
+            <a:solidFill>
+              <a:schemeClr val="accent2"/>
+            </a:solidFill>
+          </a:ln>
+        </p:spPr>
+        <p:style>
+          <a:lnRef idx="1">
+            <a:schemeClr val="accent1"/>
+          </a:lnRef>
+          <a:fillRef idx="3">
+            <a:schemeClr val="accent1"/>
+          </a:fillRef>
+          <a:effectRef idx="2">
+            <a:schemeClr val="accent1"/>
+          </a:effectRef>
+          <a:fontRef idx="minor">
+            <a:schemeClr val="lt1"/>
+          </a:fontRef>
+        </p:style>
+        <p:txBody>
+          <a:bodyPr rtlCol="0" anchor="ctr"/>
+          <a:lstStyle/>
+          <a:p>
+            <a:pPr algn="ctr"/>
+            <a:endParaRPr lang="en-US" sz="3600" dirty="0"/>
+          </a:p>
+        </p:txBody>
+      </p:sp>
+      <p:sp>
+        <p:nvSpPr>
+          <p:cNvPr id="10" name="TextBox 9"/>
+          <p:cNvSpPr txBox="1"/>
+          <p:nvPr/>
+        </p:nvSpPr>
+        <p:spPr>
+          <a:xfrm>
+            <a:off x="1410934" y="1715747"/>
+            <a:ext cx="2085727" cy="461665"/>
+          </a:xfrm>
+          <a:prstGeom prst="rect">
+            <a:avLst/>
+          </a:prstGeom>
+          <a:noFill/>
+        </p:spPr>
+        <p:txBody>
+          <a:bodyPr wrap="none" rtlCol="0">
+            <a:spAutoFit/>
+          </a:bodyPr>
+          <a:lstStyle/>
+          <a:p>
+            <a:r>
+              <a:rPr lang="en-US" sz="2400" dirty="0" smtClean="0"/>
+              <a:t>Input / Domain</a:t>
+            </a:r>
+          </a:p>
+        </p:txBody>
+      </p:sp>
+      <p:sp>
+        <p:nvSpPr>
+          <p:cNvPr id="11" name="TextBox 10"/>
+          <p:cNvSpPr txBox="1"/>
+          <p:nvPr/>
+        </p:nvSpPr>
+        <p:spPr>
+          <a:xfrm>
+            <a:off x="5123842" y="1715747"/>
+            <a:ext cx="2613816" cy="461665"/>
+          </a:xfrm>
+          <a:prstGeom prst="rect">
+            <a:avLst/>
+          </a:prstGeom>
+          <a:noFill/>
+        </p:spPr>
+        <p:txBody>
+          <a:bodyPr wrap="none" rtlCol="0">
+            <a:spAutoFit/>
+          </a:bodyPr>
+          <a:lstStyle/>
+          <a:p>
+            <a:r>
+              <a:rPr lang="en-US" sz="2400" dirty="0" smtClean="0"/>
+              <a:t>Output / Codomain</a:t>
+            </a:r>
+          </a:p>
+        </p:txBody>
+      </p:sp>
+      <p:sp>
+        <p:nvSpPr>
+          <p:cNvPr id="2" name="Cross 1"/>
+          <p:cNvSpPr/>
+          <p:nvPr/>
+        </p:nvSpPr>
+        <p:spPr>
+          <a:xfrm>
+            <a:off x="1685818" y="2853804"/>
+            <a:ext cx="540014" cy="327709"/>
+          </a:xfrm>
+          <a:prstGeom prst="plus">
+            <a:avLst/>
+          </a:prstGeom>
+        </p:spPr>
+        <p:style>
+          <a:lnRef idx="1">
+            <a:schemeClr val="accent1"/>
+          </a:lnRef>
+          <a:fillRef idx="3">
+            <a:schemeClr val="accent1"/>
+          </a:fillRef>
+          <a:effectRef idx="2">
+            <a:schemeClr val="accent1"/>
+          </a:effectRef>
+          <a:fontRef idx="minor">
+            <a:schemeClr val="lt1"/>
+          </a:fontRef>
+        </p:style>
+        <p:txBody>
+          <a:bodyPr rtlCol="0" anchor="ctr"/>
+          <a:lstStyle/>
+          <a:p>
+            <a:pPr algn="ctr"/>
+            <a:r>
+              <a:rPr lang="en-US" dirty="0" smtClean="0"/>
+              <a:t>a1</a:t>
+            </a:r>
+            <a:endParaRPr lang="en-US" dirty="0"/>
+          </a:p>
+        </p:txBody>
+      </p:sp>
+      <p:sp>
+        <p:nvSpPr>
+          <p:cNvPr id="8" name="Cross 7"/>
+          <p:cNvSpPr/>
+          <p:nvPr/>
+        </p:nvSpPr>
+        <p:spPr>
+          <a:xfrm>
+            <a:off x="2684853" y="3525076"/>
+            <a:ext cx="540014" cy="327709"/>
+          </a:xfrm>
+          <a:prstGeom prst="plus">
+            <a:avLst/>
+          </a:prstGeom>
+        </p:spPr>
+        <p:style>
+          <a:lnRef idx="1">
+            <a:schemeClr val="accent1"/>
+          </a:lnRef>
+          <a:fillRef idx="3">
+            <a:schemeClr val="accent1"/>
+          </a:fillRef>
+          <a:effectRef idx="2">
+            <a:schemeClr val="accent1"/>
+          </a:effectRef>
+          <a:fontRef idx="minor">
+            <a:schemeClr val="lt1"/>
+          </a:fontRef>
+        </p:style>
+        <p:txBody>
+          <a:bodyPr rtlCol="0" anchor="ctr"/>
+          <a:lstStyle/>
+          <a:p>
+            <a:pPr algn="ctr"/>
+            <a:r>
+              <a:rPr lang="en-US" dirty="0" smtClean="0"/>
+              <a:t>a2</a:t>
+            </a:r>
+            <a:endParaRPr lang="en-US" dirty="0"/>
+          </a:p>
+        </p:txBody>
+      </p:sp>
+      <p:sp>
+        <p:nvSpPr>
+          <p:cNvPr id="12" name="Cross 11"/>
+          <p:cNvSpPr/>
+          <p:nvPr/>
+        </p:nvSpPr>
+        <p:spPr>
+          <a:xfrm>
+            <a:off x="1826753" y="4264623"/>
+            <a:ext cx="540014" cy="327709"/>
+          </a:xfrm>
+          <a:prstGeom prst="plus">
+            <a:avLst/>
+          </a:prstGeom>
+        </p:spPr>
+        <p:style>
+          <a:lnRef idx="1">
+            <a:schemeClr val="accent1"/>
+          </a:lnRef>
+          <a:fillRef idx="3">
+            <a:schemeClr val="accent1"/>
+          </a:fillRef>
+          <a:effectRef idx="2">
+            <a:schemeClr val="accent1"/>
+          </a:effectRef>
+          <a:fontRef idx="minor">
+            <a:schemeClr val="lt1"/>
+          </a:fontRef>
+        </p:style>
+        <p:txBody>
+          <a:bodyPr rtlCol="0" anchor="ctr"/>
+          <a:lstStyle/>
+          <a:p>
+            <a:pPr algn="ctr"/>
+            <a:r>
+              <a:rPr lang="en-US" dirty="0" smtClean="0"/>
+              <a:t>a3</a:t>
+            </a:r>
+            <a:endParaRPr lang="en-US" dirty="0"/>
+          </a:p>
+        </p:txBody>
+      </p:sp>
+      <p:sp>
+        <p:nvSpPr>
+          <p:cNvPr id="13" name="Cross 12"/>
+          <p:cNvSpPr/>
+          <p:nvPr/>
+        </p:nvSpPr>
+        <p:spPr>
+          <a:xfrm>
+            <a:off x="2464547" y="4764984"/>
+            <a:ext cx="540014" cy="327709"/>
+          </a:xfrm>
+          <a:prstGeom prst="plus">
+            <a:avLst/>
+          </a:prstGeom>
+        </p:spPr>
+        <p:style>
+          <a:lnRef idx="1">
+            <a:schemeClr val="accent1"/>
+          </a:lnRef>
+          <a:fillRef idx="3">
+            <a:schemeClr val="accent1"/>
+          </a:fillRef>
+          <a:effectRef idx="2">
+            <a:schemeClr val="accent1"/>
+          </a:effectRef>
+          <a:fontRef idx="minor">
+            <a:schemeClr val="lt1"/>
+          </a:fontRef>
+        </p:style>
+        <p:txBody>
+          <a:bodyPr rtlCol="0" anchor="ctr"/>
+          <a:lstStyle/>
+          <a:p>
+            <a:pPr algn="ctr"/>
+            <a:r>
+              <a:rPr lang="en-US" dirty="0" smtClean="0"/>
+              <a:t>an</a:t>
+            </a:r>
+            <a:endParaRPr lang="en-US" dirty="0"/>
+          </a:p>
+        </p:txBody>
+      </p:sp>
+      <p:sp>
+        <p:nvSpPr>
+          <p:cNvPr id="14" name="Cross 13"/>
+          <p:cNvSpPr/>
+          <p:nvPr/>
+        </p:nvSpPr>
+        <p:spPr>
+          <a:xfrm>
+            <a:off x="5730379" y="2907964"/>
+            <a:ext cx="540014" cy="327709"/>
+          </a:xfrm>
+          <a:prstGeom prst="plus">
+            <a:avLst/>
+          </a:prstGeom>
+          <a:solidFill>
+            <a:schemeClr val="accent2"/>
+          </a:solidFill>
+          <a:ln>
+            <a:solidFill>
+              <a:schemeClr val="accent2"/>
+            </a:solidFill>
+          </a:ln>
+        </p:spPr>
+        <p:style>
+          <a:lnRef idx="1">
+            <a:schemeClr val="accent1"/>
+          </a:lnRef>
+          <a:fillRef idx="3">
+            <a:schemeClr val="accent1"/>
+          </a:fillRef>
+          <a:effectRef idx="2">
+            <a:schemeClr val="accent1"/>
+          </a:effectRef>
+          <a:fontRef idx="minor">
+            <a:schemeClr val="lt1"/>
+          </a:fontRef>
+        </p:style>
+        <p:txBody>
+          <a:bodyPr rtlCol="0" anchor="ctr"/>
+          <a:lstStyle/>
+          <a:p>
+            <a:pPr algn="ctr"/>
+            <a:r>
+              <a:rPr lang="en-US" dirty="0" smtClean="0"/>
+              <a:t>b1</a:t>
+            </a:r>
+            <a:endParaRPr lang="en-US" dirty="0"/>
+          </a:p>
+        </p:txBody>
+      </p:sp>
+      <p:sp>
+        <p:nvSpPr>
+          <p:cNvPr id="15" name="Cross 14"/>
+          <p:cNvSpPr/>
+          <p:nvPr/>
+        </p:nvSpPr>
+        <p:spPr>
+          <a:xfrm>
+            <a:off x="5819255" y="3595092"/>
+            <a:ext cx="540014" cy="327709"/>
+          </a:xfrm>
+          <a:prstGeom prst="plus">
+            <a:avLst/>
+          </a:prstGeom>
+          <a:solidFill>
+            <a:schemeClr val="accent2"/>
+          </a:solidFill>
+          <a:ln>
+            <a:solidFill>
+              <a:schemeClr val="accent2"/>
+            </a:solidFill>
+          </a:ln>
+        </p:spPr>
+        <p:style>
+          <a:lnRef idx="1">
+            <a:schemeClr val="accent1"/>
+          </a:lnRef>
+          <a:fillRef idx="3">
+            <a:schemeClr val="accent1"/>
+          </a:fillRef>
+          <a:effectRef idx="2">
+            <a:schemeClr val="accent1"/>
+          </a:effectRef>
+          <a:fontRef idx="minor">
+            <a:schemeClr val="lt1"/>
+          </a:fontRef>
+        </p:style>
+        <p:txBody>
+          <a:bodyPr rtlCol="0" anchor="ctr"/>
+          <a:lstStyle/>
+          <a:p>
+            <a:pPr algn="ctr"/>
+            <a:r>
+              <a:rPr lang="en-US" dirty="0" smtClean="0"/>
+              <a:t>b2</a:t>
+            </a:r>
+            <a:endParaRPr lang="en-US" dirty="0"/>
+          </a:p>
+        </p:txBody>
+      </p:sp>
+      <p:sp>
+        <p:nvSpPr>
+          <p:cNvPr id="16" name="Cross 15"/>
+          <p:cNvSpPr/>
+          <p:nvPr/>
+        </p:nvSpPr>
+        <p:spPr>
+          <a:xfrm>
+            <a:off x="5819255" y="4264623"/>
+            <a:ext cx="540014" cy="327709"/>
+          </a:xfrm>
+          <a:prstGeom prst="plus">
+            <a:avLst/>
+          </a:prstGeom>
+          <a:solidFill>
+            <a:schemeClr val="accent2"/>
+          </a:solidFill>
+          <a:ln>
+            <a:solidFill>
+              <a:schemeClr val="accent2"/>
+            </a:solidFill>
+          </a:ln>
+        </p:spPr>
+        <p:style>
+          <a:lnRef idx="1">
+            <a:schemeClr val="accent1"/>
+          </a:lnRef>
+          <a:fillRef idx="3">
+            <a:schemeClr val="accent1"/>
+          </a:fillRef>
+          <a:effectRef idx="2">
+            <a:schemeClr val="accent1"/>
+          </a:effectRef>
+          <a:fontRef idx="minor">
+            <a:schemeClr val="lt1"/>
+          </a:fontRef>
+        </p:style>
+        <p:txBody>
+          <a:bodyPr rtlCol="0" anchor="ctr"/>
+          <a:lstStyle/>
+          <a:p>
+            <a:pPr algn="ctr"/>
+            <a:r>
+              <a:rPr lang="en-US" dirty="0" smtClean="0"/>
+              <a:t>b3</a:t>
+            </a:r>
+            <a:endParaRPr lang="en-US" dirty="0"/>
+          </a:p>
+        </p:txBody>
+      </p:sp>
+      <p:sp>
+        <p:nvSpPr>
+          <p:cNvPr id="17" name="Cross 16"/>
+          <p:cNvSpPr/>
+          <p:nvPr/>
+        </p:nvSpPr>
+        <p:spPr>
+          <a:xfrm>
+            <a:off x="6707226" y="3540475"/>
+            <a:ext cx="540014" cy="327709"/>
+          </a:xfrm>
+          <a:prstGeom prst="plus">
+            <a:avLst/>
+          </a:prstGeom>
+          <a:solidFill>
+            <a:schemeClr val="accent2"/>
+          </a:solidFill>
+          <a:ln>
+            <a:solidFill>
+              <a:schemeClr val="accent2"/>
+            </a:solidFill>
+          </a:ln>
+        </p:spPr>
+        <p:style>
+          <a:lnRef idx="1">
+            <a:schemeClr val="accent1"/>
+          </a:lnRef>
+          <a:fillRef idx="3">
+            <a:schemeClr val="accent1"/>
+          </a:fillRef>
+          <a:effectRef idx="2">
+            <a:schemeClr val="accent1"/>
+          </a:effectRef>
+          <a:fontRef idx="minor">
+            <a:schemeClr val="lt1"/>
+          </a:fontRef>
+        </p:style>
+        <p:txBody>
+          <a:bodyPr rtlCol="0" anchor="ctr"/>
+          <a:lstStyle/>
+          <a:p>
+            <a:pPr algn="ctr"/>
+            <a:r>
+              <a:rPr lang="en-US" dirty="0" err="1" smtClean="0"/>
+              <a:t>bm</a:t>
+            </a:r>
+            <a:endParaRPr lang="en-US" dirty="0"/>
+          </a:p>
+        </p:txBody>
+      </p:sp>
+      <p:cxnSp>
+        <p:nvCxnSpPr>
+          <p:cNvPr id="18" name="Curved Connector 17"/>
+          <p:cNvCxnSpPr>
+            <a:stCxn id="2" idx="3"/>
+            <a:endCxn id="15" idx="1"/>
+          </p:cNvCxnSpPr>
+          <p:nvPr/>
+        </p:nvCxnSpPr>
+        <p:spPr>
+          <a:xfrm>
+            <a:off x="2225836" y="3017660"/>
+            <a:ext cx="3593423" cy="741289"/>
+          </a:xfrm>
+          <a:prstGeom prst="curvedConnector3">
+            <a:avLst/>
+          </a:prstGeom>
+          <a:ln>
+            <a:tailEnd type="arrow"/>
+          </a:ln>
+        </p:spPr>
+        <p:style>
+          <a:lnRef idx="2">
+            <a:schemeClr val="accent1"/>
+          </a:lnRef>
+          <a:fillRef idx="0">
+            <a:schemeClr val="accent1"/>
+          </a:fillRef>
+          <a:effectRef idx="1">
+            <a:schemeClr val="accent1"/>
+          </a:effectRef>
+          <a:fontRef idx="minor">
+            <a:schemeClr val="tx1"/>
+          </a:fontRef>
+        </p:style>
+      </p:cxnSp>
+      <p:cxnSp>
+        <p:nvCxnSpPr>
+          <p:cNvPr id="23" name="Curved Connector 22"/>
+          <p:cNvCxnSpPr>
+            <a:stCxn id="8" idx="3"/>
+            <a:endCxn id="15" idx="1"/>
+          </p:cNvCxnSpPr>
+          <p:nvPr/>
+        </p:nvCxnSpPr>
+        <p:spPr>
+          <a:xfrm>
+            <a:off x="3224867" y="3688931"/>
+            <a:ext cx="2594388" cy="70016"/>
+          </a:xfrm>
+          <a:prstGeom prst="curvedConnector3">
+            <a:avLst>
+              <a:gd name="adj1" fmla="val 50000"/>
+            </a:avLst>
+          </a:prstGeom>
+          <a:ln>
+            <a:tailEnd type="arrow"/>
+          </a:ln>
+        </p:spPr>
+        <p:style>
+          <a:lnRef idx="2">
+            <a:schemeClr val="accent1"/>
+          </a:lnRef>
+          <a:fillRef idx="0">
+            <a:schemeClr val="accent1"/>
+          </a:fillRef>
+          <a:effectRef idx="1">
+            <a:schemeClr val="accent1"/>
+          </a:effectRef>
+          <a:fontRef idx="minor">
+            <a:schemeClr val="tx1"/>
+          </a:fontRef>
+        </p:style>
+      </p:cxnSp>
+      <p:cxnSp>
+        <p:nvCxnSpPr>
+          <p:cNvPr id="25" name="Curved Connector 24"/>
+          <p:cNvCxnSpPr>
+            <a:stCxn id="12" idx="2"/>
+            <a:endCxn id="3" idx="4"/>
+          </p:cNvCxnSpPr>
+          <p:nvPr/>
+        </p:nvCxnSpPr>
+        <p:spPr>
+          <a:xfrm rot="16200000" flipH="1">
+            <a:off x="2207896" y="4481196"/>
+            <a:ext cx="1519223" cy="1741490"/>
+          </a:xfrm>
+          <a:prstGeom prst="curvedConnector2">
+            <a:avLst/>
+          </a:prstGeom>
+          <a:ln>
+            <a:tailEnd type="arrow"/>
+          </a:ln>
+        </p:spPr>
+        <p:style>
+          <a:lnRef idx="2">
+            <a:schemeClr val="accent1"/>
+          </a:lnRef>
+          <a:fillRef idx="0">
+            <a:schemeClr val="accent1"/>
+          </a:fillRef>
+          <a:effectRef idx="1">
+            <a:schemeClr val="accent1"/>
+          </a:effectRef>
+          <a:fontRef idx="minor">
+            <a:schemeClr val="tx1"/>
+          </a:fontRef>
+        </p:style>
+      </p:cxnSp>
+      <p:cxnSp>
+        <p:nvCxnSpPr>
+          <p:cNvPr id="27" name="Curved Connector 26"/>
+          <p:cNvCxnSpPr>
+            <a:stCxn id="13" idx="3"/>
+            <a:endCxn id="16" idx="1"/>
+          </p:cNvCxnSpPr>
+          <p:nvPr/>
+        </p:nvCxnSpPr>
+        <p:spPr>
+          <a:xfrm flipV="1">
+            <a:off x="3004561" y="4428477"/>
+            <a:ext cx="2814694" cy="500363"/>
+          </a:xfrm>
+          <a:prstGeom prst="curvedConnector3">
+            <a:avLst/>
+          </a:prstGeom>
+          <a:ln>
+            <a:tailEnd type="arrow"/>
+          </a:ln>
+        </p:spPr>
+        <p:style>
+          <a:lnRef idx="2">
+            <a:schemeClr val="accent1"/>
+          </a:lnRef>
+          <a:fillRef idx="0">
+            <a:schemeClr val="accent1"/>
+          </a:fillRef>
+          <a:effectRef idx="1">
+            <a:schemeClr val="accent1"/>
+          </a:effectRef>
+          <a:fontRef idx="minor">
+            <a:schemeClr val="tx1"/>
+          </a:fontRef>
+        </p:style>
+      </p:cxnSp>
+      <p:sp>
+        <p:nvSpPr>
+          <p:cNvPr id="3" name="7-Point Star 2"/>
+          <p:cNvSpPr/>
+          <p:nvPr/>
+        </p:nvSpPr>
+        <p:spPr>
+          <a:xfrm>
+            <a:off x="3838254" y="5523495"/>
+            <a:ext cx="1407172" cy="914400"/>
+          </a:xfrm>
+          <a:prstGeom prst="star7">
+            <a:avLst/>
+          </a:prstGeom>
+          <a:solidFill>
+            <a:srgbClr val="FF6600"/>
+          </a:solidFill>
+        </p:spPr>
+        <p:style>
+          <a:lnRef idx="1">
+            <a:schemeClr val="accent1"/>
+          </a:lnRef>
+          <a:fillRef idx="3">
+            <a:schemeClr val="accent1"/>
+          </a:fillRef>
+          <a:effectRef idx="2">
+            <a:schemeClr val="accent1"/>
+          </a:effectRef>
+          <a:fontRef idx="minor">
+            <a:schemeClr val="lt1"/>
+          </a:fontRef>
+        </p:style>
+        <p:txBody>
+          <a:bodyPr rtlCol="0" anchor="ctr"/>
+          <a:lstStyle/>
+          <a:p>
+            <a:pPr algn="ctr"/>
+            <a:r>
+              <a:rPr lang="en-US" dirty="0" smtClean="0"/>
+              <a:t>Boom</a:t>
+            </a:r>
+          </a:p>
+        </p:txBody>
+      </p:sp>
+      <p:sp>
+        <p:nvSpPr>
+          <p:cNvPr id="19" name="Multiply 18"/>
+          <p:cNvSpPr/>
+          <p:nvPr/>
+        </p:nvSpPr>
+        <p:spPr>
+          <a:xfrm>
+            <a:off x="3224871" y="2853804"/>
+            <a:ext cx="2495159" cy="2362237"/>
+          </a:xfrm>
+          <a:prstGeom prst="mathMultiply">
+            <a:avLst/>
+          </a:prstGeom>
+          <a:solidFill>
+            <a:srgbClr val="FF0000">
+              <a:alpha val="46000"/>
+            </a:srgbClr>
+          </a:solidFill>
+          <a:ln>
+            <a:noFill/>
+          </a:ln>
+        </p:spPr>
+        <p:style>
+          <a:lnRef idx="1">
+            <a:schemeClr val="accent1"/>
+          </a:lnRef>
+          <a:fillRef idx="3">
+            <a:schemeClr val="accent1"/>
+          </a:fillRef>
+          <a:effectRef idx="2">
+            <a:schemeClr val="accent1"/>
+          </a:effectRef>
+          <a:fontRef idx="minor">
+            <a:schemeClr val="lt1"/>
+          </a:fontRef>
+        </p:style>
+        <p:txBody>
+          <a:bodyPr rtlCol="0" anchor="ctr"/>
+          <a:lstStyle/>
+          <a:p>
+            <a:pPr algn="ctr"/>
+            <a:r>
+              <a:rPr lang="en-US" dirty="0" smtClean="0"/>
+              <a:t> </a:t>
+            </a:r>
+            <a:endParaRPr lang="en-US" dirty="0"/>
+          </a:p>
+        </p:txBody>
+      </p:sp>
+    </p:spTree>
+    <p:extLst>
+      <p:ext uri="{BB962C8B-B14F-4D97-AF65-F5344CB8AC3E}">
+        <p14:creationId xmlns:p14="http://schemas.microsoft.com/office/powerpoint/2010/main" val="1304041939"/>
+      </p:ext>
+    </p:extLst>
+  </p:cSld>
+  <p:clrMapOvr>
+    <a:masterClrMapping/>
+  </p:clrMapOvr>
+</p:sld>
+</file>
+
+<file path=ppt/slides/slide16.xml><?xml version="1.0" encoding="utf-8"?>
+<p:sld xmlns:a="http://schemas.openxmlformats.org/drawingml/2006/main" xmlns:r="http://schemas.openxmlformats.org/officeDocument/2006/relationships" xmlns:p="http://schemas.openxmlformats.org/presentationml/2006/main">
+  <p:cSld>
+    <p:spTree>
+      <p:nvGrpSpPr>
+        <p:cNvPr id="1" name=""/>
+        <p:cNvGrpSpPr/>
+        <p:nvPr/>
+      </p:nvGrpSpPr>
+      <p:grpSpPr>
+        <a:xfrm>
+          <a:off x="0" y="0"/>
+          <a:ext cx="0" cy="0"/>
+          <a:chOff x="0" y="0"/>
+          <a:chExt cx="0" cy="0"/>
+        </a:xfrm>
+      </p:grpSpPr>
+      <p:sp>
+        <p:nvSpPr>
+          <p:cNvPr id="4" name="Oval 3"/>
+          <p:cNvSpPr/>
+          <p:nvPr/>
+        </p:nvSpPr>
+        <p:spPr>
+          <a:xfrm>
+            <a:off x="1229862" y="2293970"/>
+            <a:ext cx="2266798" cy="3318057"/>
+          </a:xfrm>
+          <a:prstGeom prst="ellipse">
+            <a:avLst/>
+          </a:prstGeom>
+          <a:noFill/>
+        </p:spPr>
+        <p:style>
+          <a:lnRef idx="1">
+            <a:schemeClr val="accent1"/>
+          </a:lnRef>
+          <a:fillRef idx="3">
+            <a:schemeClr val="accent1"/>
+          </a:fillRef>
+          <a:effectRef idx="2">
+            <a:schemeClr val="accent1"/>
+          </a:effectRef>
+          <a:fontRef idx="minor">
+            <a:schemeClr val="lt1"/>
+          </a:fontRef>
+        </p:style>
+        <p:txBody>
+          <a:bodyPr rtlCol="0" anchor="ctr"/>
+          <a:lstStyle/>
+          <a:p>
+            <a:pPr algn="ctr"/>
+            <a:endParaRPr lang="en-US" sz="3600" dirty="0"/>
+          </a:p>
+        </p:txBody>
+      </p:sp>
+      <p:sp>
+        <p:nvSpPr>
+          <p:cNvPr id="6" name="Oval 5"/>
+          <p:cNvSpPr/>
+          <p:nvPr/>
+        </p:nvSpPr>
+        <p:spPr>
+          <a:xfrm>
+            <a:off x="5326487" y="2293968"/>
+            <a:ext cx="2286961" cy="3429723"/>
+          </a:xfrm>
+          <a:prstGeom prst="ellipse">
+            <a:avLst/>
+          </a:prstGeom>
+          <a:noFill/>
+          <a:ln>
+            <a:solidFill>
+              <a:schemeClr val="accent2"/>
+            </a:solidFill>
+          </a:ln>
+        </p:spPr>
+        <p:style>
+          <a:lnRef idx="1">
+            <a:schemeClr val="accent1"/>
+          </a:lnRef>
+          <a:fillRef idx="3">
+            <a:schemeClr val="accent1"/>
+          </a:fillRef>
+          <a:effectRef idx="2">
+            <a:schemeClr val="accent1"/>
+          </a:effectRef>
+          <a:fontRef idx="minor">
+            <a:schemeClr val="lt1"/>
+          </a:fontRef>
+        </p:style>
+        <p:txBody>
+          <a:bodyPr rtlCol="0" anchor="ctr"/>
+          <a:lstStyle/>
+          <a:p>
+            <a:pPr algn="ctr"/>
+            <a:endParaRPr lang="en-US" sz="3600" dirty="0"/>
+          </a:p>
+        </p:txBody>
+      </p:sp>
+      <p:sp>
+        <p:nvSpPr>
+          <p:cNvPr id="10" name="TextBox 9"/>
+          <p:cNvSpPr txBox="1"/>
+          <p:nvPr/>
+        </p:nvSpPr>
+        <p:spPr>
+          <a:xfrm>
+            <a:off x="1410934" y="1715747"/>
+            <a:ext cx="2085727" cy="461665"/>
+          </a:xfrm>
+          <a:prstGeom prst="rect">
+            <a:avLst/>
+          </a:prstGeom>
+          <a:noFill/>
+        </p:spPr>
+        <p:txBody>
+          <a:bodyPr wrap="none" rtlCol="0">
+            <a:spAutoFit/>
+          </a:bodyPr>
+          <a:lstStyle/>
+          <a:p>
+            <a:r>
+              <a:rPr lang="en-US" sz="2400" dirty="0" smtClean="0"/>
+              <a:t>Input / Domain</a:t>
+            </a:r>
+          </a:p>
+        </p:txBody>
+      </p:sp>
+      <p:sp>
+        <p:nvSpPr>
+          <p:cNvPr id="11" name="TextBox 10"/>
+          <p:cNvSpPr txBox="1"/>
+          <p:nvPr/>
+        </p:nvSpPr>
+        <p:spPr>
+          <a:xfrm>
+            <a:off x="5123842" y="1715747"/>
+            <a:ext cx="2613816" cy="461665"/>
+          </a:xfrm>
+          <a:prstGeom prst="rect">
+            <a:avLst/>
+          </a:prstGeom>
+          <a:noFill/>
+        </p:spPr>
+        <p:txBody>
+          <a:bodyPr wrap="none" rtlCol="0">
+            <a:spAutoFit/>
+          </a:bodyPr>
+          <a:lstStyle/>
+          <a:p>
+            <a:r>
+              <a:rPr lang="en-US" sz="2400" dirty="0" smtClean="0"/>
+              <a:t>Output / Codomain</a:t>
+            </a:r>
+          </a:p>
+        </p:txBody>
+      </p:sp>
+      <p:sp>
+        <p:nvSpPr>
+          <p:cNvPr id="2" name="Cross 1"/>
+          <p:cNvSpPr/>
+          <p:nvPr/>
+        </p:nvSpPr>
+        <p:spPr>
+          <a:xfrm>
+            <a:off x="1685818" y="2853804"/>
+            <a:ext cx="540014" cy="327709"/>
+          </a:xfrm>
+          <a:prstGeom prst="plus">
+            <a:avLst/>
+          </a:prstGeom>
+        </p:spPr>
+        <p:style>
+          <a:lnRef idx="1">
+            <a:schemeClr val="accent1"/>
+          </a:lnRef>
+          <a:fillRef idx="3">
+            <a:schemeClr val="accent1"/>
+          </a:fillRef>
+          <a:effectRef idx="2">
+            <a:schemeClr val="accent1"/>
+          </a:effectRef>
+          <a:fontRef idx="minor">
+            <a:schemeClr val="lt1"/>
+          </a:fontRef>
+        </p:style>
+        <p:txBody>
+          <a:bodyPr rtlCol="0" anchor="ctr"/>
+          <a:lstStyle/>
+          <a:p>
+            <a:pPr algn="ctr"/>
+            <a:r>
+              <a:rPr lang="en-US" dirty="0" smtClean="0"/>
+              <a:t>a1</a:t>
+            </a:r>
+            <a:endParaRPr lang="en-US" dirty="0"/>
+          </a:p>
+        </p:txBody>
+      </p:sp>
+      <p:sp>
+        <p:nvSpPr>
+          <p:cNvPr id="8" name="Cross 7"/>
+          <p:cNvSpPr/>
+          <p:nvPr/>
+        </p:nvSpPr>
+        <p:spPr>
+          <a:xfrm>
+            <a:off x="2684853" y="3525076"/>
+            <a:ext cx="540014" cy="327709"/>
+          </a:xfrm>
+          <a:prstGeom prst="plus">
+            <a:avLst/>
+          </a:prstGeom>
+        </p:spPr>
+        <p:style>
+          <a:lnRef idx="1">
+            <a:schemeClr val="accent1"/>
+          </a:lnRef>
+          <a:fillRef idx="3">
+            <a:schemeClr val="accent1"/>
+          </a:fillRef>
+          <a:effectRef idx="2">
+            <a:schemeClr val="accent1"/>
+          </a:effectRef>
+          <a:fontRef idx="minor">
+            <a:schemeClr val="lt1"/>
+          </a:fontRef>
+        </p:style>
+        <p:txBody>
+          <a:bodyPr rtlCol="0" anchor="ctr"/>
+          <a:lstStyle/>
+          <a:p>
+            <a:pPr algn="ctr"/>
+            <a:r>
+              <a:rPr lang="en-US" dirty="0" smtClean="0"/>
+              <a:t>a2</a:t>
+            </a:r>
+            <a:endParaRPr lang="en-US" dirty="0"/>
+          </a:p>
+        </p:txBody>
+      </p:sp>
+      <p:sp>
+        <p:nvSpPr>
+          <p:cNvPr id="12" name="Cross 11"/>
+          <p:cNvSpPr/>
+          <p:nvPr/>
+        </p:nvSpPr>
+        <p:spPr>
+          <a:xfrm>
+            <a:off x="1826753" y="4264623"/>
+            <a:ext cx="540014" cy="327709"/>
+          </a:xfrm>
+          <a:prstGeom prst="plus">
+            <a:avLst/>
+          </a:prstGeom>
+        </p:spPr>
+        <p:style>
+          <a:lnRef idx="1">
+            <a:schemeClr val="accent1"/>
+          </a:lnRef>
+          <a:fillRef idx="3">
+            <a:schemeClr val="accent1"/>
+          </a:fillRef>
+          <a:effectRef idx="2">
+            <a:schemeClr val="accent1"/>
+          </a:effectRef>
+          <a:fontRef idx="minor">
+            <a:schemeClr val="lt1"/>
+          </a:fontRef>
+        </p:style>
+        <p:txBody>
+          <a:bodyPr rtlCol="0" anchor="ctr"/>
+          <a:lstStyle/>
+          <a:p>
+            <a:pPr algn="ctr"/>
+            <a:r>
+              <a:rPr lang="en-US" dirty="0" smtClean="0"/>
+              <a:t>a3</a:t>
+            </a:r>
+            <a:endParaRPr lang="en-US" dirty="0"/>
+          </a:p>
+        </p:txBody>
+      </p:sp>
+      <p:sp>
+        <p:nvSpPr>
+          <p:cNvPr id="13" name="Cross 12"/>
+          <p:cNvSpPr/>
+          <p:nvPr/>
+        </p:nvSpPr>
+        <p:spPr>
+          <a:xfrm>
+            <a:off x="2464547" y="4764984"/>
+            <a:ext cx="540014" cy="327709"/>
+          </a:xfrm>
+          <a:prstGeom prst="plus">
+            <a:avLst/>
+          </a:prstGeom>
+        </p:spPr>
+        <p:style>
+          <a:lnRef idx="1">
+            <a:schemeClr val="accent1"/>
+          </a:lnRef>
+          <a:fillRef idx="3">
+            <a:schemeClr val="accent1"/>
+          </a:fillRef>
+          <a:effectRef idx="2">
+            <a:schemeClr val="accent1"/>
+          </a:effectRef>
+          <a:fontRef idx="minor">
+            <a:schemeClr val="lt1"/>
+          </a:fontRef>
+        </p:style>
+        <p:txBody>
+          <a:bodyPr rtlCol="0" anchor="ctr"/>
+          <a:lstStyle/>
+          <a:p>
+            <a:pPr algn="ctr"/>
+            <a:r>
+              <a:rPr lang="en-US" dirty="0" smtClean="0"/>
+              <a:t>an</a:t>
+            </a:r>
+            <a:endParaRPr lang="en-US" dirty="0"/>
+          </a:p>
+        </p:txBody>
+      </p:sp>
+      <p:sp>
+        <p:nvSpPr>
+          <p:cNvPr id="14" name="Cross 13"/>
+          <p:cNvSpPr/>
+          <p:nvPr/>
+        </p:nvSpPr>
+        <p:spPr>
+          <a:xfrm>
+            <a:off x="5730379" y="2907964"/>
+            <a:ext cx="540014" cy="327709"/>
+          </a:xfrm>
+          <a:prstGeom prst="plus">
+            <a:avLst/>
+          </a:prstGeom>
+          <a:solidFill>
+            <a:schemeClr val="accent2"/>
+          </a:solidFill>
+          <a:ln>
+            <a:solidFill>
+              <a:schemeClr val="accent2"/>
+            </a:solidFill>
+          </a:ln>
+        </p:spPr>
+        <p:style>
+          <a:lnRef idx="1">
+            <a:schemeClr val="accent1"/>
+          </a:lnRef>
+          <a:fillRef idx="3">
+            <a:schemeClr val="accent1"/>
+          </a:fillRef>
+          <a:effectRef idx="2">
+            <a:schemeClr val="accent1"/>
+          </a:effectRef>
+          <a:fontRef idx="minor">
+            <a:schemeClr val="lt1"/>
+          </a:fontRef>
+        </p:style>
+        <p:txBody>
+          <a:bodyPr rtlCol="0" anchor="ctr"/>
+          <a:lstStyle/>
+          <a:p>
+            <a:pPr algn="ctr"/>
+            <a:r>
+              <a:rPr lang="en-US" dirty="0" smtClean="0"/>
+              <a:t>b1</a:t>
+            </a:r>
+            <a:endParaRPr lang="en-US" dirty="0"/>
+          </a:p>
+        </p:txBody>
+      </p:sp>
+      <p:sp>
+        <p:nvSpPr>
+          <p:cNvPr id="15" name="Cross 14"/>
+          <p:cNvSpPr/>
+          <p:nvPr/>
+        </p:nvSpPr>
+        <p:spPr>
+          <a:xfrm>
+            <a:off x="5819255" y="3595092"/>
+            <a:ext cx="540014" cy="327709"/>
+          </a:xfrm>
+          <a:prstGeom prst="plus">
+            <a:avLst/>
+          </a:prstGeom>
+          <a:solidFill>
+            <a:schemeClr val="accent2"/>
+          </a:solidFill>
+          <a:ln>
+            <a:solidFill>
+              <a:schemeClr val="accent2"/>
+            </a:solidFill>
+          </a:ln>
+        </p:spPr>
+        <p:style>
+          <a:lnRef idx="1">
+            <a:schemeClr val="accent1"/>
+          </a:lnRef>
+          <a:fillRef idx="3">
+            <a:schemeClr val="accent1"/>
+          </a:fillRef>
+          <a:effectRef idx="2">
+            <a:schemeClr val="accent1"/>
+          </a:effectRef>
+          <a:fontRef idx="minor">
+            <a:schemeClr val="lt1"/>
+          </a:fontRef>
+        </p:style>
+        <p:txBody>
+          <a:bodyPr rtlCol="0" anchor="ctr"/>
+          <a:lstStyle/>
+          <a:p>
+            <a:pPr algn="ctr"/>
+            <a:r>
+              <a:rPr lang="en-US" dirty="0" smtClean="0"/>
+              <a:t>b2</a:t>
+            </a:r>
+            <a:endParaRPr lang="en-US" dirty="0"/>
+          </a:p>
+        </p:txBody>
+      </p:sp>
+      <p:sp>
+        <p:nvSpPr>
+          <p:cNvPr id="16" name="Cross 15"/>
+          <p:cNvSpPr/>
+          <p:nvPr/>
+        </p:nvSpPr>
+        <p:spPr>
+          <a:xfrm>
+            <a:off x="5819255" y="4264623"/>
+            <a:ext cx="540014" cy="327709"/>
+          </a:xfrm>
+          <a:prstGeom prst="plus">
+            <a:avLst/>
+          </a:prstGeom>
+          <a:solidFill>
+            <a:schemeClr val="accent2"/>
+          </a:solidFill>
+          <a:ln>
+            <a:solidFill>
+              <a:schemeClr val="accent2"/>
+            </a:solidFill>
+          </a:ln>
+        </p:spPr>
+        <p:style>
+          <a:lnRef idx="1">
+            <a:schemeClr val="accent1"/>
+          </a:lnRef>
+          <a:fillRef idx="3">
+            <a:schemeClr val="accent1"/>
+          </a:fillRef>
+          <a:effectRef idx="2">
+            <a:schemeClr val="accent1"/>
+          </a:effectRef>
+          <a:fontRef idx="minor">
+            <a:schemeClr val="lt1"/>
+          </a:fontRef>
+        </p:style>
+        <p:txBody>
+          <a:bodyPr rtlCol="0" anchor="ctr"/>
+          <a:lstStyle/>
+          <a:p>
+            <a:pPr algn="ctr"/>
+            <a:r>
+              <a:rPr lang="en-US" dirty="0" smtClean="0"/>
+              <a:t>b3</a:t>
+            </a:r>
+            <a:endParaRPr lang="en-US" dirty="0"/>
+          </a:p>
+        </p:txBody>
+      </p:sp>
+      <p:sp>
+        <p:nvSpPr>
+          <p:cNvPr id="17" name="Cross 16"/>
+          <p:cNvSpPr/>
+          <p:nvPr/>
+        </p:nvSpPr>
+        <p:spPr>
+          <a:xfrm>
+            <a:off x="6707226" y="3540475"/>
+            <a:ext cx="540014" cy="327709"/>
+          </a:xfrm>
+          <a:prstGeom prst="plus">
+            <a:avLst/>
+          </a:prstGeom>
+          <a:solidFill>
+            <a:schemeClr val="accent2"/>
+          </a:solidFill>
+          <a:ln>
+            <a:solidFill>
+              <a:schemeClr val="accent2"/>
+            </a:solidFill>
+          </a:ln>
+        </p:spPr>
+        <p:style>
+          <a:lnRef idx="1">
+            <a:schemeClr val="accent1"/>
+          </a:lnRef>
+          <a:fillRef idx="3">
+            <a:schemeClr val="accent1"/>
+          </a:fillRef>
+          <a:effectRef idx="2">
+            <a:schemeClr val="accent1"/>
+          </a:effectRef>
+          <a:fontRef idx="minor">
+            <a:schemeClr val="lt1"/>
+          </a:fontRef>
+        </p:style>
+        <p:txBody>
+          <a:bodyPr rtlCol="0" anchor="ctr"/>
+          <a:lstStyle/>
+          <a:p>
+            <a:pPr algn="ctr"/>
+            <a:r>
+              <a:rPr lang="en-US" dirty="0" err="1" smtClean="0"/>
+              <a:t>bm</a:t>
+            </a:r>
+            <a:endParaRPr lang="en-US" dirty="0"/>
+          </a:p>
+        </p:txBody>
+      </p:sp>
+      <p:cxnSp>
+        <p:nvCxnSpPr>
+          <p:cNvPr id="18" name="Curved Connector 17"/>
+          <p:cNvCxnSpPr>
+            <a:stCxn id="2" idx="3"/>
+            <a:endCxn id="15" idx="1"/>
+          </p:cNvCxnSpPr>
+          <p:nvPr/>
+        </p:nvCxnSpPr>
+        <p:spPr>
+          <a:xfrm>
+            <a:off x="2225836" y="3017660"/>
+            <a:ext cx="3593423" cy="741289"/>
+          </a:xfrm>
+          <a:prstGeom prst="curvedConnector3">
+            <a:avLst/>
+          </a:prstGeom>
+          <a:ln>
+            <a:tailEnd type="arrow"/>
+          </a:ln>
+        </p:spPr>
+        <p:style>
+          <a:lnRef idx="2">
+            <a:schemeClr val="accent1"/>
+          </a:lnRef>
+          <a:fillRef idx="0">
+            <a:schemeClr val="accent1"/>
+          </a:fillRef>
+          <a:effectRef idx="1">
+            <a:schemeClr val="accent1"/>
+          </a:effectRef>
+          <a:fontRef idx="minor">
+            <a:schemeClr val="tx1"/>
+          </a:fontRef>
+        </p:style>
+      </p:cxnSp>
+      <p:cxnSp>
+        <p:nvCxnSpPr>
+          <p:cNvPr id="23" name="Curved Connector 22"/>
+          <p:cNvCxnSpPr>
+            <a:stCxn id="8" idx="3"/>
+            <a:endCxn id="17" idx="0"/>
+          </p:cNvCxnSpPr>
+          <p:nvPr/>
+        </p:nvCxnSpPr>
+        <p:spPr>
+          <a:xfrm flipV="1">
+            <a:off x="3224867" y="3540475"/>
+            <a:ext cx="3752366" cy="148457"/>
+          </a:xfrm>
+          <a:prstGeom prst="curvedConnector4">
+            <a:avLst>
+              <a:gd name="adj1" fmla="val 46402"/>
+              <a:gd name="adj2" fmla="val 264356"/>
+            </a:avLst>
+          </a:prstGeom>
+          <a:ln>
+            <a:tailEnd type="arrow"/>
+          </a:ln>
+        </p:spPr>
+        <p:style>
+          <a:lnRef idx="2">
+            <a:schemeClr val="accent1"/>
+          </a:lnRef>
+          <a:fillRef idx="0">
+            <a:schemeClr val="accent1"/>
+          </a:fillRef>
+          <a:effectRef idx="1">
+            <a:schemeClr val="accent1"/>
+          </a:effectRef>
+          <a:fontRef idx="minor">
+            <a:schemeClr val="tx1"/>
+          </a:fontRef>
+        </p:style>
+      </p:cxnSp>
+      <p:cxnSp>
+        <p:nvCxnSpPr>
+          <p:cNvPr id="25" name="Curved Connector 24"/>
+          <p:cNvCxnSpPr>
+            <a:endCxn id="14" idx="1"/>
+          </p:cNvCxnSpPr>
+          <p:nvPr/>
+        </p:nvCxnSpPr>
+        <p:spPr>
+          <a:xfrm flipV="1">
+            <a:off x="2225836" y="3071819"/>
+            <a:ext cx="3504547" cy="1393220"/>
+          </a:xfrm>
+          <a:prstGeom prst="curvedConnector3">
+            <a:avLst/>
+          </a:prstGeom>
+          <a:ln>
+            <a:tailEnd type="arrow"/>
+          </a:ln>
+        </p:spPr>
+        <p:style>
+          <a:lnRef idx="2">
+            <a:schemeClr val="accent1"/>
+          </a:lnRef>
+          <a:fillRef idx="0">
+            <a:schemeClr val="accent1"/>
+          </a:fillRef>
+          <a:effectRef idx="1">
+            <a:schemeClr val="accent1"/>
+          </a:effectRef>
+          <a:fontRef idx="minor">
+            <a:schemeClr val="tx1"/>
+          </a:fontRef>
+        </p:style>
+      </p:cxnSp>
+      <p:cxnSp>
+        <p:nvCxnSpPr>
+          <p:cNvPr id="27" name="Curved Connector 26"/>
+          <p:cNvCxnSpPr>
+            <a:stCxn id="13" idx="3"/>
+            <a:endCxn id="16" idx="1"/>
+          </p:cNvCxnSpPr>
+          <p:nvPr/>
+        </p:nvCxnSpPr>
+        <p:spPr>
+          <a:xfrm flipV="1">
+            <a:off x="3004561" y="4428477"/>
+            <a:ext cx="2814694" cy="500363"/>
+          </a:xfrm>
+          <a:prstGeom prst="curvedConnector3">
+            <a:avLst/>
+          </a:prstGeom>
+          <a:ln>
+            <a:tailEnd type="arrow"/>
+          </a:ln>
+        </p:spPr>
+        <p:style>
+          <a:lnRef idx="2">
+            <a:schemeClr val="accent1"/>
+          </a:lnRef>
+          <a:fillRef idx="0">
+            <a:schemeClr val="accent1"/>
+          </a:fillRef>
+          <a:effectRef idx="1">
+            <a:schemeClr val="accent1"/>
+          </a:effectRef>
+          <a:fontRef idx="minor">
+            <a:schemeClr val="tx1"/>
+          </a:fontRef>
+        </p:style>
+      </p:cxnSp>
+      <p:sp>
+        <p:nvSpPr>
+          <p:cNvPr id="19" name="Lightning Bolt 18"/>
+          <p:cNvSpPr/>
+          <p:nvPr/>
+        </p:nvSpPr>
+        <p:spPr>
+          <a:xfrm>
+            <a:off x="3835350" y="2933943"/>
+            <a:ext cx="1138282" cy="1977716"/>
+          </a:xfrm>
+          <a:prstGeom prst="lightningBolt">
+            <a:avLst/>
+          </a:prstGeom>
+          <a:solidFill>
+            <a:srgbClr val="FF6600"/>
+          </a:solidFill>
+          <a:ln>
+            <a:noFill/>
+          </a:ln>
+        </p:spPr>
+        <p:style>
+          <a:lnRef idx="1">
+            <a:schemeClr val="accent1"/>
+          </a:lnRef>
+          <a:fillRef idx="3">
+            <a:schemeClr val="accent1"/>
+          </a:fillRef>
+          <a:effectRef idx="2">
+            <a:schemeClr val="accent1"/>
+          </a:effectRef>
+          <a:fontRef idx="minor">
+            <a:schemeClr val="lt1"/>
+          </a:fontRef>
+        </p:style>
+        <p:txBody>
+          <a:bodyPr/>
+          <a:lstStyle/>
+          <a:p>
+            <a:endParaRPr lang="en-US"/>
+          </a:p>
+        </p:txBody>
+      </p:sp>
+    </p:spTree>
+    <p:extLst>
+      <p:ext uri="{BB962C8B-B14F-4D97-AF65-F5344CB8AC3E}">
+        <p14:creationId xmlns:p14="http://schemas.microsoft.com/office/powerpoint/2010/main" val="1512008150"/>
       </p:ext>
     </p:extLst>
   </p:cSld>
@@ -6316,7 +8278,7 @@
         </p:nvSpPr>
         <p:spPr>
           <a:xfrm>
-            <a:off x="2150244" y="1291708"/>
+            <a:off x="2150248" y="1291710"/>
             <a:ext cx="4438975" cy="5027697"/>
           </a:xfrm>
           <a:prstGeom prst="ellipse">
@@ -6359,7 +8321,7 @@
         </p:nvSpPr>
         <p:spPr>
           <a:xfrm>
-            <a:off x="3721167" y="645377"/>
+            <a:off x="3703972" y="474514"/>
             <a:ext cx="1353200" cy="646331"/>
           </a:xfrm>
           <a:prstGeom prst="rect">
@@ -6397,7 +8359,7 @@
         </p:nvSpPr>
         <p:spPr>
           <a:xfrm>
-            <a:off x="3309661" y="2250179"/>
+            <a:off x="3309665" y="2250180"/>
             <a:ext cx="959037" cy="316877"/>
           </a:xfrm>
           <a:prstGeom prst="plus">
@@ -6450,7 +8412,7 @@
         </p:nvSpPr>
         <p:spPr>
           <a:xfrm>
-            <a:off x="4786542" y="1933302"/>
+            <a:off x="4786542" y="1933304"/>
             <a:ext cx="410630" cy="316877"/>
           </a:xfrm>
           <a:prstGeom prst="plus">
@@ -6503,7 +8465,7 @@
         </p:nvSpPr>
         <p:spPr>
           <a:xfrm>
-            <a:off x="4978782" y="2849735"/>
+            <a:off x="4978783" y="2849736"/>
             <a:ext cx="959037" cy="316877"/>
           </a:xfrm>
           <a:prstGeom prst="plus">
@@ -6556,7 +8518,7 @@
         </p:nvSpPr>
         <p:spPr>
           <a:xfrm>
-            <a:off x="2830142" y="4245632"/>
+            <a:off x="2830142" y="4245634"/>
             <a:ext cx="3227414" cy="628732"/>
           </a:xfrm>
           <a:prstGeom prst="plus">
@@ -6621,7 +8583,7 @@
         </p:nvSpPr>
         <p:spPr>
           <a:xfrm>
-            <a:off x="2492745" y="3339327"/>
+            <a:off x="2492749" y="3339328"/>
             <a:ext cx="1775953" cy="316877"/>
           </a:xfrm>
           <a:prstGeom prst="plus">
@@ -6724,7 +8686,7 @@
         </p:nvSpPr>
         <p:spPr>
           <a:xfrm>
-            <a:off x="4978782" y="3497765"/>
+            <a:off x="4978782" y="3497767"/>
             <a:ext cx="410630" cy="316877"/>
           </a:xfrm>
           <a:prstGeom prst="plus">
@@ -6774,7 +8736,7 @@
         </p:nvSpPr>
         <p:spPr>
           <a:xfrm>
-            <a:off x="3309661" y="5205934"/>
+            <a:off x="3309661" y="5205936"/>
             <a:ext cx="410630" cy="316877"/>
           </a:xfrm>
           <a:prstGeom prst="plus">
@@ -6824,7 +8786,7 @@
         </p:nvSpPr>
         <p:spPr>
           <a:xfrm>
-            <a:off x="5184097" y="5047495"/>
+            <a:off x="5184097" y="5047496"/>
             <a:ext cx="410630" cy="316877"/>
           </a:xfrm>
           <a:prstGeom prst="plus">
@@ -6874,7 +8836,7 @@
         </p:nvSpPr>
         <p:spPr>
           <a:xfrm>
-            <a:off x="4154011" y="5522811"/>
+            <a:off x="4154011" y="5522812"/>
             <a:ext cx="410630" cy="316877"/>
           </a:xfrm>
           <a:prstGeom prst="plus">
@@ -6961,7 +8923,7 @@
         </p:nvSpPr>
         <p:spPr>
           <a:xfrm>
-            <a:off x="1229862" y="2293967"/>
+            <a:off x="1229862" y="2293970"/>
             <a:ext cx="2266798" cy="3318057"/>
           </a:xfrm>
           <a:prstGeom prst="ellipse">
@@ -7009,8 +8971,8 @@
         </p:nvSpPr>
         <p:spPr>
           <a:xfrm>
-            <a:off x="5326483" y="2293967"/>
-            <a:ext cx="2286961" cy="3429722"/>
+            <a:off x="5326487" y="2293968"/>
+            <a:ext cx="2286961" cy="3429723"/>
           </a:xfrm>
           <a:prstGeom prst="ellipse">
             <a:avLst/>
@@ -7059,7 +9021,7 @@
         </p:nvSpPr>
         <p:spPr>
           <a:xfrm>
-            <a:off x="3782546" y="3497994"/>
+            <a:off x="3782550" y="3497996"/>
             <a:ext cx="1242643" cy="778309"/>
           </a:xfrm>
           <a:prstGeom prst="rightArrow">
@@ -7097,7 +9059,7 @@
         </p:nvSpPr>
         <p:spPr>
           <a:xfrm>
-            <a:off x="1410933" y="1715746"/>
+            <a:off x="1513359" y="1647474"/>
             <a:ext cx="2085727" cy="461665"/>
           </a:xfrm>
           <a:prstGeom prst="rect">
@@ -7126,7 +9088,7 @@
         </p:nvSpPr>
         <p:spPr>
           <a:xfrm>
-            <a:off x="5123842" y="1715746"/>
+            <a:off x="5326486" y="1678417"/>
             <a:ext cx="2613816" cy="461665"/>
           </a:xfrm>
           <a:prstGeom prst="rect">
@@ -7179,20 +9141,104 @@
       </p:grpSpPr>
       <p:sp>
         <p:nvSpPr>
-          <p:cNvPr id="4" name="Oval 3"/>
-          <p:cNvSpPr/>
-          <p:nvPr/>
-        </p:nvSpPr>
-        <p:spPr>
-          <a:xfrm>
-            <a:off x="738266" y="2293968"/>
-            <a:ext cx="1719705" cy="2990346"/>
-          </a:xfrm>
-          <a:prstGeom prst="ellipse">
+          <p:cNvPr id="9" name="Right Arrow 8"/>
+          <p:cNvSpPr/>
+          <p:nvPr/>
+        </p:nvSpPr>
+        <p:spPr>
+          <a:xfrm>
+            <a:off x="2765222" y="3497996"/>
+            <a:ext cx="798843" cy="778309"/>
+          </a:xfrm>
+          <a:prstGeom prst="rightArrow">
+            <a:avLst/>
+          </a:prstGeom>
+        </p:spPr>
+        <p:style>
+          <a:lnRef idx="1">
+            <a:schemeClr val="accent1"/>
+          </a:lnRef>
+          <a:fillRef idx="3">
+            <a:schemeClr val="accent1"/>
+          </a:fillRef>
+          <a:effectRef idx="2">
+            <a:schemeClr val="accent1"/>
+          </a:effectRef>
+          <a:fontRef idx="minor">
+            <a:schemeClr val="lt1"/>
+          </a:fontRef>
+        </p:style>
+        <p:txBody>
+          <a:bodyPr rtlCol="0" anchor="ctr"/>
+          <a:lstStyle/>
+          <a:p>
+            <a:pPr algn="ctr"/>
+            <a:r>
+              <a:rPr lang="en-US" sz="2800" dirty="0" smtClean="0"/>
+              <a:t>f</a:t>
+            </a:r>
+            <a:endParaRPr lang="en-US" sz="2800" dirty="0"/>
+          </a:p>
+        </p:txBody>
+      </p:sp>
+      <p:sp>
+        <p:nvSpPr>
+          <p:cNvPr id="14" name="Right Arrow 13"/>
+          <p:cNvSpPr/>
+          <p:nvPr/>
+        </p:nvSpPr>
+        <p:spPr>
+          <a:xfrm>
+            <a:off x="5730636" y="3497996"/>
+            <a:ext cx="798843" cy="778309"/>
+          </a:xfrm>
+          <a:prstGeom prst="rightArrow">
+            <a:avLst/>
+          </a:prstGeom>
+        </p:spPr>
+        <p:style>
+          <a:lnRef idx="1">
+            <a:schemeClr val="accent1"/>
+          </a:lnRef>
+          <a:fillRef idx="3">
+            <a:schemeClr val="accent1"/>
+          </a:fillRef>
+          <a:effectRef idx="2">
+            <a:schemeClr val="accent1"/>
+          </a:effectRef>
+          <a:fontRef idx="minor">
+            <a:schemeClr val="lt1"/>
+          </a:fontRef>
+        </p:style>
+        <p:txBody>
+          <a:bodyPr rtlCol="0" anchor="ctr"/>
+          <a:lstStyle/>
+          <a:p>
+            <a:pPr algn="ctr"/>
+            <a:r>
+              <a:rPr lang="en-US" sz="2800" dirty="0" smtClean="0"/>
+              <a:t>g</a:t>
+            </a:r>
+            <a:endParaRPr lang="en-US" sz="2800" dirty="0"/>
+          </a:p>
+        </p:txBody>
+      </p:sp>
+      <p:sp>
+        <p:nvSpPr>
+          <p:cNvPr id="3" name="Hexagon 2"/>
+          <p:cNvSpPr/>
+          <p:nvPr/>
+        </p:nvSpPr>
+        <p:spPr>
+          <a:xfrm>
+            <a:off x="6718464" y="2758221"/>
+            <a:ext cx="2239487" cy="2034529"/>
+          </a:xfrm>
+          <a:prstGeom prst="hexagon">
             <a:avLst/>
           </a:prstGeom>
           <a:solidFill>
-            <a:schemeClr val="accent1"/>
+            <a:schemeClr val="accent3"/>
           </a:solidFill>
           <a:ln>
             <a:noFill/>
@@ -7219,6 +9265,48 @@
             <a:pPr algn="ctr"/>
             <a:r>
               <a:rPr lang="en-US" sz="3600" dirty="0" smtClean="0"/>
+              <a:t>C</a:t>
+            </a:r>
+            <a:endParaRPr lang="en-US" sz="3600" dirty="0"/>
+          </a:p>
+        </p:txBody>
+      </p:sp>
+      <p:sp>
+        <p:nvSpPr>
+          <p:cNvPr id="5" name="Oval 4"/>
+          <p:cNvSpPr/>
+          <p:nvPr/>
+        </p:nvSpPr>
+        <p:spPr>
+          <a:xfrm>
+            <a:off x="396014" y="2758222"/>
+            <a:ext cx="2027825" cy="2034529"/>
+          </a:xfrm>
+          <a:prstGeom prst="ellipse">
+            <a:avLst/>
+          </a:prstGeom>
+        </p:spPr>
+        <p:style>
+          <a:lnRef idx="1">
+            <a:schemeClr val="accent1"/>
+          </a:lnRef>
+          <a:fillRef idx="3">
+            <a:schemeClr val="accent1"/>
+          </a:fillRef>
+          <a:effectRef idx="2">
+            <a:schemeClr val="accent1"/>
+          </a:effectRef>
+          <a:fontRef idx="minor">
+            <a:schemeClr val="lt1"/>
+          </a:fontRef>
+        </p:style>
+        <p:txBody>
+          <a:bodyPr rtlCol="0" anchor="ctr"/>
+          <a:lstStyle/>
+          <a:p>
+            <a:pPr algn="ctr"/>
+            <a:r>
+              <a:rPr lang="en-US" sz="3600" dirty="0" smtClean="0"/>
               <a:t>A</a:t>
             </a:r>
             <a:endParaRPr lang="en-US" sz="3600" dirty="0"/>
@@ -7227,58 +9315,16 @@
       </p:sp>
       <p:sp>
         <p:nvSpPr>
-          <p:cNvPr id="9" name="Right Arrow 8"/>
-          <p:cNvSpPr/>
-          <p:nvPr/>
-        </p:nvSpPr>
-        <p:spPr>
-          <a:xfrm>
-            <a:off x="2669629" y="3497994"/>
-            <a:ext cx="798843" cy="778309"/>
-          </a:xfrm>
-          <a:prstGeom prst="rightArrow">
-            <a:avLst/>
-          </a:prstGeom>
-        </p:spPr>
-        <p:style>
-          <a:lnRef idx="1">
-            <a:schemeClr val="accent1"/>
-          </a:lnRef>
-          <a:fillRef idx="3">
-            <a:schemeClr val="accent1"/>
-          </a:fillRef>
-          <a:effectRef idx="2">
-            <a:schemeClr val="accent1"/>
-          </a:effectRef>
-          <a:fontRef idx="minor">
-            <a:schemeClr val="lt1"/>
-          </a:fontRef>
-        </p:style>
-        <p:txBody>
-          <a:bodyPr rtlCol="0" anchor="ctr"/>
-          <a:lstStyle/>
-          <a:p>
-            <a:pPr algn="ctr"/>
-            <a:r>
-              <a:rPr lang="en-US" sz="2800" dirty="0" smtClean="0"/>
-              <a:t>f</a:t>
-            </a:r>
-            <a:endParaRPr lang="en-US" sz="2800" dirty="0"/>
-          </a:p>
-        </p:txBody>
-      </p:sp>
-      <p:sp>
-        <p:nvSpPr>
-          <p:cNvPr id="8" name="Oval 7"/>
-          <p:cNvSpPr/>
-          <p:nvPr/>
-        </p:nvSpPr>
-        <p:spPr>
-          <a:xfrm>
-            <a:off x="3673741" y="2293968"/>
-            <a:ext cx="1719705" cy="2990346"/>
-          </a:xfrm>
-          <a:prstGeom prst="ellipse">
+          <p:cNvPr id="7" name="Isosceles Triangle 6"/>
+          <p:cNvSpPr/>
+          <p:nvPr/>
+        </p:nvSpPr>
+        <p:spPr>
+          <a:xfrm>
+            <a:off x="3409212" y="2758222"/>
+            <a:ext cx="2321420" cy="2034529"/>
+          </a:xfrm>
+          <a:prstGeom prst="triangle">
             <a:avLst/>
           </a:prstGeom>
           <a:solidFill>
@@ -7315,100 +9361,10 @@
           </a:p>
         </p:txBody>
       </p:sp>
-      <p:sp>
-        <p:nvSpPr>
-          <p:cNvPr id="12" name="Oval 11"/>
-          <p:cNvSpPr/>
-          <p:nvPr/>
-        </p:nvSpPr>
-        <p:spPr>
-          <a:xfrm>
-            <a:off x="6559849" y="2293968"/>
-            <a:ext cx="1719705" cy="2990346"/>
-          </a:xfrm>
-          <a:prstGeom prst="ellipse">
-            <a:avLst/>
-          </a:prstGeom>
-          <a:solidFill>
-            <a:schemeClr val="accent3"/>
-          </a:solidFill>
-          <a:ln>
-            <a:noFill/>
-          </a:ln>
-        </p:spPr>
-        <p:style>
-          <a:lnRef idx="1">
-            <a:schemeClr val="accent1"/>
-          </a:lnRef>
-          <a:fillRef idx="3">
-            <a:schemeClr val="accent1"/>
-          </a:fillRef>
-          <a:effectRef idx="2">
-            <a:schemeClr val="accent1"/>
-          </a:effectRef>
-          <a:fontRef idx="minor">
-            <a:schemeClr val="lt1"/>
-          </a:fontRef>
-        </p:style>
-        <p:txBody>
-          <a:bodyPr rtlCol="0" anchor="ctr"/>
-          <a:lstStyle/>
-          <a:p>
-            <a:pPr algn="ctr"/>
-            <a:r>
-              <a:rPr lang="en-US" sz="3600" dirty="0" smtClean="0"/>
-              <a:t>C</a:t>
-            </a:r>
-            <a:endParaRPr lang="en-US" sz="3600" dirty="0"/>
-          </a:p>
-        </p:txBody>
-      </p:sp>
-      <p:sp>
-        <p:nvSpPr>
-          <p:cNvPr id="14" name="Right Arrow 13"/>
-          <p:cNvSpPr/>
-          <p:nvPr/>
-        </p:nvSpPr>
-        <p:spPr>
-          <a:xfrm>
-            <a:off x="5566765" y="3497994"/>
-            <a:ext cx="798843" cy="778309"/>
-          </a:xfrm>
-          <a:prstGeom prst="rightArrow">
-            <a:avLst/>
-          </a:prstGeom>
-        </p:spPr>
-        <p:style>
-          <a:lnRef idx="1">
-            <a:schemeClr val="accent1"/>
-          </a:lnRef>
-          <a:fillRef idx="3">
-            <a:schemeClr val="accent1"/>
-          </a:fillRef>
-          <a:effectRef idx="2">
-            <a:schemeClr val="accent1"/>
-          </a:effectRef>
-          <a:fontRef idx="minor">
-            <a:schemeClr val="lt1"/>
-          </a:fontRef>
-        </p:style>
-        <p:txBody>
-          <a:bodyPr rtlCol="0" anchor="ctr"/>
-          <a:lstStyle/>
-          <a:p>
-            <a:pPr algn="ctr"/>
-            <a:r>
-              <a:rPr lang="en-US" sz="2800" dirty="0" smtClean="0"/>
-              <a:t>g</a:t>
-            </a:r>
-            <a:endParaRPr lang="en-US" sz="2800" dirty="0"/>
-          </a:p>
-        </p:txBody>
-      </p:sp>
     </p:spTree>
     <p:extLst>
       <p:ext uri="{BB962C8B-B14F-4D97-AF65-F5344CB8AC3E}">
-        <p14:creationId xmlns:p14="http://schemas.microsoft.com/office/powerpoint/2010/main" val="2099004660"/>
+        <p14:creationId xmlns:p14="http://schemas.microsoft.com/office/powerpoint/2010/main" val="2507321502"/>
       </p:ext>
     </p:extLst>
   </p:cSld>
@@ -7437,20 +9393,104 @@
       </p:grpSpPr>
       <p:sp>
         <p:nvSpPr>
-          <p:cNvPr id="4" name="Oval 3"/>
-          <p:cNvSpPr/>
-          <p:nvPr/>
-        </p:nvSpPr>
-        <p:spPr>
-          <a:xfrm>
-            <a:off x="738266" y="2293968"/>
-            <a:ext cx="1719705" cy="2990346"/>
-          </a:xfrm>
-          <a:prstGeom prst="ellipse">
+          <p:cNvPr id="9" name="Right Arrow 8"/>
+          <p:cNvSpPr/>
+          <p:nvPr/>
+        </p:nvSpPr>
+        <p:spPr>
+          <a:xfrm>
+            <a:off x="2765222" y="3497996"/>
+            <a:ext cx="798843" cy="778309"/>
+          </a:xfrm>
+          <a:prstGeom prst="rightArrow">
+            <a:avLst/>
+          </a:prstGeom>
+        </p:spPr>
+        <p:style>
+          <a:lnRef idx="1">
+            <a:schemeClr val="accent1"/>
+          </a:lnRef>
+          <a:fillRef idx="3">
+            <a:schemeClr val="accent1"/>
+          </a:fillRef>
+          <a:effectRef idx="2">
+            <a:schemeClr val="accent1"/>
+          </a:effectRef>
+          <a:fontRef idx="minor">
+            <a:schemeClr val="lt1"/>
+          </a:fontRef>
+        </p:style>
+        <p:txBody>
+          <a:bodyPr rtlCol="0" anchor="ctr"/>
+          <a:lstStyle/>
+          <a:p>
+            <a:pPr algn="ctr"/>
+            <a:r>
+              <a:rPr lang="en-US" sz="2800" dirty="0" smtClean="0"/>
+              <a:t>f</a:t>
+            </a:r>
+            <a:endParaRPr lang="en-US" sz="2800" dirty="0"/>
+          </a:p>
+        </p:txBody>
+      </p:sp>
+      <p:sp>
+        <p:nvSpPr>
+          <p:cNvPr id="14" name="Right Arrow 13"/>
+          <p:cNvSpPr/>
+          <p:nvPr/>
+        </p:nvSpPr>
+        <p:spPr>
+          <a:xfrm>
+            <a:off x="5730636" y="3497996"/>
+            <a:ext cx="798843" cy="778309"/>
+          </a:xfrm>
+          <a:prstGeom prst="rightArrow">
+            <a:avLst/>
+          </a:prstGeom>
+        </p:spPr>
+        <p:style>
+          <a:lnRef idx="1">
+            <a:schemeClr val="accent1"/>
+          </a:lnRef>
+          <a:fillRef idx="3">
+            <a:schemeClr val="accent1"/>
+          </a:fillRef>
+          <a:effectRef idx="2">
+            <a:schemeClr val="accent1"/>
+          </a:effectRef>
+          <a:fontRef idx="minor">
+            <a:schemeClr val="lt1"/>
+          </a:fontRef>
+        </p:style>
+        <p:txBody>
+          <a:bodyPr rtlCol="0" anchor="ctr"/>
+          <a:lstStyle/>
+          <a:p>
+            <a:pPr algn="ctr"/>
+            <a:r>
+              <a:rPr lang="en-US" sz="2800" dirty="0" smtClean="0"/>
+              <a:t>g</a:t>
+            </a:r>
+            <a:endParaRPr lang="en-US" sz="2800" dirty="0"/>
+          </a:p>
+        </p:txBody>
+      </p:sp>
+      <p:sp>
+        <p:nvSpPr>
+          <p:cNvPr id="3" name="Hexagon 2"/>
+          <p:cNvSpPr/>
+          <p:nvPr/>
+        </p:nvSpPr>
+        <p:spPr>
+          <a:xfrm>
+            <a:off x="6718464" y="2758221"/>
+            <a:ext cx="2239487" cy="2034529"/>
+          </a:xfrm>
+          <a:prstGeom prst="hexagon">
             <a:avLst/>
           </a:prstGeom>
           <a:solidFill>
-            <a:schemeClr val="accent1"/>
+            <a:schemeClr val="accent3"/>
           </a:solidFill>
           <a:ln>
             <a:noFill/>
@@ -7477,6 +9517,48 @@
             <a:pPr algn="ctr"/>
             <a:r>
               <a:rPr lang="en-US" sz="3600" dirty="0" smtClean="0"/>
+              <a:t>C</a:t>
+            </a:r>
+            <a:endParaRPr lang="en-US" sz="3600" dirty="0"/>
+          </a:p>
+        </p:txBody>
+      </p:sp>
+      <p:sp>
+        <p:nvSpPr>
+          <p:cNvPr id="5" name="Oval 4"/>
+          <p:cNvSpPr/>
+          <p:nvPr/>
+        </p:nvSpPr>
+        <p:spPr>
+          <a:xfrm>
+            <a:off x="396014" y="2758222"/>
+            <a:ext cx="2027825" cy="2034529"/>
+          </a:xfrm>
+          <a:prstGeom prst="ellipse">
+            <a:avLst/>
+          </a:prstGeom>
+        </p:spPr>
+        <p:style>
+          <a:lnRef idx="1">
+            <a:schemeClr val="accent1"/>
+          </a:lnRef>
+          <a:fillRef idx="3">
+            <a:schemeClr val="accent1"/>
+          </a:fillRef>
+          <a:effectRef idx="2">
+            <a:schemeClr val="accent1"/>
+          </a:effectRef>
+          <a:fontRef idx="minor">
+            <a:schemeClr val="lt1"/>
+          </a:fontRef>
+        </p:style>
+        <p:txBody>
+          <a:bodyPr rtlCol="0" anchor="ctr"/>
+          <a:lstStyle/>
+          <a:p>
+            <a:pPr algn="ctr"/>
+            <a:r>
+              <a:rPr lang="en-US" sz="3600" dirty="0" smtClean="0"/>
               <a:t>A</a:t>
             </a:r>
             <a:endParaRPr lang="en-US" sz="3600" dirty="0"/>
@@ -7485,58 +9567,16 @@
       </p:sp>
       <p:sp>
         <p:nvSpPr>
-          <p:cNvPr id="9" name="Right Arrow 8"/>
-          <p:cNvSpPr/>
-          <p:nvPr/>
-        </p:nvSpPr>
-        <p:spPr>
-          <a:xfrm>
-            <a:off x="2669629" y="3497994"/>
-            <a:ext cx="798843" cy="778309"/>
-          </a:xfrm>
-          <a:prstGeom prst="rightArrow">
-            <a:avLst/>
-          </a:prstGeom>
-        </p:spPr>
-        <p:style>
-          <a:lnRef idx="1">
-            <a:schemeClr val="accent1"/>
-          </a:lnRef>
-          <a:fillRef idx="3">
-            <a:schemeClr val="accent1"/>
-          </a:fillRef>
-          <a:effectRef idx="2">
-            <a:schemeClr val="accent1"/>
-          </a:effectRef>
-          <a:fontRef idx="minor">
-            <a:schemeClr val="lt1"/>
-          </a:fontRef>
-        </p:style>
-        <p:txBody>
-          <a:bodyPr rtlCol="0" anchor="ctr"/>
-          <a:lstStyle/>
-          <a:p>
-            <a:pPr algn="ctr"/>
-            <a:r>
-              <a:rPr lang="en-US" sz="2800" dirty="0" smtClean="0"/>
-              <a:t>f</a:t>
-            </a:r>
-            <a:endParaRPr lang="en-US" sz="2800" dirty="0"/>
-          </a:p>
-        </p:txBody>
-      </p:sp>
-      <p:sp>
-        <p:nvSpPr>
-          <p:cNvPr id="8" name="Oval 7"/>
-          <p:cNvSpPr/>
-          <p:nvPr/>
-        </p:nvSpPr>
-        <p:spPr>
-          <a:xfrm>
-            <a:off x="3673741" y="2293968"/>
-            <a:ext cx="1719705" cy="2990346"/>
-          </a:xfrm>
-          <a:prstGeom prst="ellipse">
+          <p:cNvPr id="7" name="Isosceles Triangle 6"/>
+          <p:cNvSpPr/>
+          <p:nvPr/>
+        </p:nvSpPr>
+        <p:spPr>
+          <a:xfrm>
+            <a:off x="3409212" y="2758222"/>
+            <a:ext cx="2321420" cy="2034529"/>
+          </a:xfrm>
+          <a:prstGeom prst="triangle">
             <a:avLst/>
           </a:prstGeom>
           <a:solidFill>
@@ -7575,104 +9615,14 @@
       </p:sp>
       <p:sp>
         <p:nvSpPr>
-          <p:cNvPr id="12" name="Oval 11"/>
-          <p:cNvSpPr/>
-          <p:nvPr/>
-        </p:nvSpPr>
-        <p:spPr>
-          <a:xfrm>
-            <a:off x="6559849" y="2293968"/>
-            <a:ext cx="1719705" cy="2990346"/>
-          </a:xfrm>
-          <a:prstGeom prst="ellipse">
-            <a:avLst/>
-          </a:prstGeom>
-          <a:solidFill>
-            <a:schemeClr val="accent3"/>
-          </a:solidFill>
-          <a:ln>
-            <a:noFill/>
-          </a:ln>
-        </p:spPr>
-        <p:style>
-          <a:lnRef idx="1">
-            <a:schemeClr val="accent1"/>
-          </a:lnRef>
-          <a:fillRef idx="3">
-            <a:schemeClr val="accent1"/>
-          </a:fillRef>
-          <a:effectRef idx="2">
-            <a:schemeClr val="accent1"/>
-          </a:effectRef>
-          <a:fontRef idx="minor">
-            <a:schemeClr val="lt1"/>
-          </a:fontRef>
-        </p:style>
-        <p:txBody>
-          <a:bodyPr rtlCol="0" anchor="ctr"/>
-          <a:lstStyle/>
-          <a:p>
-            <a:pPr algn="ctr"/>
-            <a:r>
-              <a:rPr lang="en-US" sz="3600" dirty="0" smtClean="0"/>
-              <a:t>C</a:t>
-            </a:r>
-            <a:endParaRPr lang="en-US" sz="3600" dirty="0"/>
-          </a:p>
-        </p:txBody>
-      </p:sp>
-      <p:sp>
-        <p:nvSpPr>
-          <p:cNvPr id="14" name="Right Arrow 13"/>
-          <p:cNvSpPr/>
-          <p:nvPr/>
-        </p:nvSpPr>
-        <p:spPr>
-          <a:xfrm>
-            <a:off x="5566765" y="3497994"/>
-            <a:ext cx="798843" cy="778309"/>
-          </a:xfrm>
-          <a:prstGeom prst="rightArrow">
-            <a:avLst/>
-          </a:prstGeom>
-        </p:spPr>
-        <p:style>
-          <a:lnRef idx="1">
-            <a:schemeClr val="accent1"/>
-          </a:lnRef>
-          <a:fillRef idx="3">
-            <a:schemeClr val="accent1"/>
-          </a:fillRef>
-          <a:effectRef idx="2">
-            <a:schemeClr val="accent1"/>
-          </a:effectRef>
-          <a:fontRef idx="minor">
-            <a:schemeClr val="lt1"/>
-          </a:fontRef>
-        </p:style>
-        <p:txBody>
-          <a:bodyPr rtlCol="0" anchor="ctr"/>
-          <a:lstStyle/>
-          <a:p>
-            <a:pPr algn="ctr"/>
-            <a:r>
-              <a:rPr lang="en-US" sz="2800" dirty="0" smtClean="0"/>
-              <a:t>g</a:t>
-            </a:r>
-            <a:endParaRPr lang="en-US" sz="2800" dirty="0"/>
-          </a:p>
-        </p:txBody>
-      </p:sp>
-      <p:sp>
-        <p:nvSpPr>
-          <p:cNvPr id="5" name="Curved Down Arrow 4"/>
-          <p:cNvSpPr/>
-          <p:nvPr/>
-        </p:nvSpPr>
-        <p:spPr>
-          <a:xfrm>
-            <a:off x="2266795" y="1242564"/>
-            <a:ext cx="4615528" cy="1051404"/>
+          <p:cNvPr id="13" name="Curved Down Arrow 12"/>
+          <p:cNvSpPr/>
+          <p:nvPr/>
+        </p:nvSpPr>
+        <p:spPr>
+          <a:xfrm>
+            <a:off x="1665957" y="1351802"/>
+            <a:ext cx="5953758" cy="1051404"/>
           </a:xfrm>
           <a:prstGeom prst="curvedDownArrow">
             <a:avLst/>
@@ -7724,7 +9674,7 @@
     </p:spTree>
     <p:extLst>
       <p:ext uri="{BB962C8B-B14F-4D97-AF65-F5344CB8AC3E}">
-        <p14:creationId xmlns:p14="http://schemas.microsoft.com/office/powerpoint/2010/main" val="1858872991"/>
+        <p14:creationId xmlns:p14="http://schemas.microsoft.com/office/powerpoint/2010/main" val="3200160084"/>
       </p:ext>
     </p:extLst>
   </p:cSld>
@@ -7753,62 +9703,14 @@
       </p:grpSpPr>
       <p:sp>
         <p:nvSpPr>
-          <p:cNvPr id="4" name="Oval 3"/>
-          <p:cNvSpPr/>
-          <p:nvPr/>
-        </p:nvSpPr>
-        <p:spPr>
-          <a:xfrm>
-            <a:off x="738266" y="2293968"/>
-            <a:ext cx="1719705" cy="2990346"/>
-          </a:xfrm>
-          <a:prstGeom prst="ellipse">
-            <a:avLst/>
-          </a:prstGeom>
-          <a:solidFill>
-            <a:schemeClr val="accent1"/>
-          </a:solidFill>
-          <a:ln>
-            <a:noFill/>
-          </a:ln>
-        </p:spPr>
-        <p:style>
-          <a:lnRef idx="1">
-            <a:schemeClr val="accent1"/>
-          </a:lnRef>
-          <a:fillRef idx="3">
-            <a:schemeClr val="accent1"/>
-          </a:fillRef>
-          <a:effectRef idx="2">
-            <a:schemeClr val="accent1"/>
-          </a:effectRef>
-          <a:fontRef idx="minor">
-            <a:schemeClr val="lt1"/>
-          </a:fontRef>
-        </p:style>
-        <p:txBody>
-          <a:bodyPr rtlCol="0" anchor="ctr"/>
-          <a:lstStyle/>
-          <a:p>
-            <a:pPr algn="ctr"/>
-            <a:r>
-              <a:rPr lang="en-US" sz="3600" dirty="0" smtClean="0"/>
-              <a:t>A</a:t>
-            </a:r>
-            <a:endParaRPr lang="en-US" sz="3600" dirty="0"/>
-          </a:p>
-        </p:txBody>
-      </p:sp>
-      <p:sp>
-        <p:nvSpPr>
           <p:cNvPr id="9" name="Right Arrow 8"/>
           <p:cNvSpPr/>
           <p:nvPr/>
         </p:nvSpPr>
         <p:spPr>
           <a:xfrm>
-            <a:off x="2669629" y="3497994"/>
-            <a:ext cx="3639168" cy="778309"/>
+            <a:off x="2765224" y="3497996"/>
+            <a:ext cx="3584543" cy="778309"/>
           </a:xfrm>
           <a:prstGeom prst="rightArrow">
             <a:avLst/>
@@ -7834,12 +9736,12 @@
           <a:p>
             <a:pPr algn="ctr"/>
             <a:r>
+              <a:rPr lang="en-US" sz="2800" dirty="0"/>
+              <a:t>g</a:t>
+            </a:r>
+            <a:r>
               <a:rPr lang="en-US" sz="2800" dirty="0" smtClean="0"/>
-              <a:t>g </a:t>
-            </a:r>
-            <a:r>
-              <a:rPr lang="en-US" sz="2800" dirty="0" smtClean="0"/>
-              <a:t>o f</a:t>
+              <a:t> o f</a:t>
             </a:r>
             <a:endParaRPr lang="en-US" sz="2800" dirty="0"/>
           </a:p>
@@ -7847,16 +9749,16 @@
       </p:sp>
       <p:sp>
         <p:nvSpPr>
-          <p:cNvPr id="12" name="Oval 11"/>
-          <p:cNvSpPr/>
-          <p:nvPr/>
-        </p:nvSpPr>
-        <p:spPr>
-          <a:xfrm>
-            <a:off x="6559849" y="2293968"/>
-            <a:ext cx="1719705" cy="2990346"/>
-          </a:xfrm>
-          <a:prstGeom prst="ellipse">
+          <p:cNvPr id="3" name="Hexagon 2"/>
+          <p:cNvSpPr/>
+          <p:nvPr/>
+        </p:nvSpPr>
+        <p:spPr>
+          <a:xfrm>
+            <a:off x="6718464" y="2758221"/>
+            <a:ext cx="2239487" cy="2034529"/>
+          </a:xfrm>
+          <a:prstGeom prst="hexagon">
             <a:avLst/>
           </a:prstGeom>
           <a:solidFill>
@@ -7893,10 +9795,52 @@
           </a:p>
         </p:txBody>
       </p:sp>
+      <p:sp>
+        <p:nvSpPr>
+          <p:cNvPr id="5" name="Oval 4"/>
+          <p:cNvSpPr/>
+          <p:nvPr/>
+        </p:nvSpPr>
+        <p:spPr>
+          <a:xfrm>
+            <a:off x="396014" y="2758222"/>
+            <a:ext cx="2027825" cy="2034529"/>
+          </a:xfrm>
+          <a:prstGeom prst="ellipse">
+            <a:avLst/>
+          </a:prstGeom>
+        </p:spPr>
+        <p:style>
+          <a:lnRef idx="1">
+            <a:schemeClr val="accent1"/>
+          </a:lnRef>
+          <a:fillRef idx="3">
+            <a:schemeClr val="accent1"/>
+          </a:fillRef>
+          <a:effectRef idx="2">
+            <a:schemeClr val="accent1"/>
+          </a:effectRef>
+          <a:fontRef idx="minor">
+            <a:schemeClr val="lt1"/>
+          </a:fontRef>
+        </p:style>
+        <p:txBody>
+          <a:bodyPr rtlCol="0" anchor="ctr"/>
+          <a:lstStyle/>
+          <a:p>
+            <a:pPr algn="ctr"/>
+            <a:r>
+              <a:rPr lang="en-US" sz="3600" dirty="0" smtClean="0"/>
+              <a:t>A</a:t>
+            </a:r>
+            <a:endParaRPr lang="en-US" sz="3600" dirty="0"/>
+          </a:p>
+        </p:txBody>
+      </p:sp>
     </p:spTree>
     <p:extLst>
       <p:ext uri="{BB962C8B-B14F-4D97-AF65-F5344CB8AC3E}">
-        <p14:creationId xmlns:p14="http://schemas.microsoft.com/office/powerpoint/2010/main" val="422251327"/>
+        <p14:creationId xmlns:p14="http://schemas.microsoft.com/office/powerpoint/2010/main" val="266375756"/>
       </p:ext>
     </p:extLst>
   </p:cSld>
@@ -7931,328 +9875,107 @@
         </p:nvSpPr>
         <p:spPr>
           <a:xfrm>
-            <a:off x="1229862" y="2293967"/>
-            <a:ext cx="2266798" cy="3318057"/>
+            <a:off x="738270" y="2293969"/>
+            <a:ext cx="1719705" cy="2990347"/>
           </a:xfrm>
           <a:prstGeom prst="ellipse">
             <a:avLst/>
           </a:prstGeom>
-          <a:noFill/>
-        </p:spPr>
-        <p:style>
-          <a:lnRef idx="1">
-            <a:schemeClr val="accent1"/>
-          </a:lnRef>
-          <a:fillRef idx="3">
-            <a:schemeClr val="accent1"/>
-          </a:fillRef>
-          <a:effectRef idx="2">
-            <a:schemeClr val="accent1"/>
-          </a:effectRef>
-          <a:fontRef idx="minor">
-            <a:schemeClr val="lt1"/>
-          </a:fontRef>
-        </p:style>
-        <p:txBody>
-          <a:bodyPr rtlCol="0" anchor="ctr"/>
-          <a:lstStyle/>
-          <a:p>
-            <a:pPr algn="ctr"/>
+          <a:solidFill>
+            <a:schemeClr val="accent1"/>
+          </a:solidFill>
+          <a:ln>
+            <a:noFill/>
+          </a:ln>
+        </p:spPr>
+        <p:style>
+          <a:lnRef idx="1">
+            <a:schemeClr val="accent1"/>
+          </a:lnRef>
+          <a:fillRef idx="3">
+            <a:schemeClr val="accent1"/>
+          </a:fillRef>
+          <a:effectRef idx="2">
+            <a:schemeClr val="accent1"/>
+          </a:effectRef>
+          <a:fontRef idx="minor">
+            <a:schemeClr val="lt1"/>
+          </a:fontRef>
+        </p:style>
+        <p:txBody>
+          <a:bodyPr rtlCol="0" anchor="ctr"/>
+          <a:lstStyle/>
+          <a:p>
+            <a:pPr algn="ctr"/>
+            <a:r>
+              <a:rPr lang="en-US" sz="3600" dirty="0" smtClean="0"/>
+              <a:t>A</a:t>
+            </a:r>
             <a:endParaRPr lang="en-US" sz="3600" dirty="0"/>
           </a:p>
         </p:txBody>
       </p:sp>
       <p:sp>
         <p:nvSpPr>
-          <p:cNvPr id="6" name="Oval 5"/>
-          <p:cNvSpPr/>
-          <p:nvPr/>
-        </p:nvSpPr>
-        <p:spPr>
-          <a:xfrm>
-            <a:off x="5326483" y="2293967"/>
-            <a:ext cx="2286961" cy="3429722"/>
+          <p:cNvPr id="9" name="Right Arrow 8"/>
+          <p:cNvSpPr/>
+          <p:nvPr/>
+        </p:nvSpPr>
+        <p:spPr>
+          <a:xfrm>
+            <a:off x="2669633" y="3497996"/>
+            <a:ext cx="798843" cy="778309"/>
+          </a:xfrm>
+          <a:prstGeom prst="rightArrow">
+            <a:avLst/>
+          </a:prstGeom>
+        </p:spPr>
+        <p:style>
+          <a:lnRef idx="1">
+            <a:schemeClr val="accent1"/>
+          </a:lnRef>
+          <a:fillRef idx="3">
+            <a:schemeClr val="accent1"/>
+          </a:fillRef>
+          <a:effectRef idx="2">
+            <a:schemeClr val="accent1"/>
+          </a:effectRef>
+          <a:fontRef idx="minor">
+            <a:schemeClr val="lt1"/>
+          </a:fontRef>
+        </p:style>
+        <p:txBody>
+          <a:bodyPr rtlCol="0" anchor="ctr"/>
+          <a:lstStyle/>
+          <a:p>
+            <a:pPr algn="ctr"/>
+            <a:r>
+              <a:rPr lang="en-US" sz="2800" dirty="0" smtClean="0"/>
+              <a:t>f</a:t>
+            </a:r>
+            <a:endParaRPr lang="en-US" sz="2800" dirty="0"/>
+          </a:p>
+        </p:txBody>
+      </p:sp>
+      <p:sp>
+        <p:nvSpPr>
+          <p:cNvPr id="8" name="Oval 7"/>
+          <p:cNvSpPr/>
+          <p:nvPr/>
+        </p:nvSpPr>
+        <p:spPr>
+          <a:xfrm>
+            <a:off x="3673745" y="2293969"/>
+            <a:ext cx="1719705" cy="2990347"/>
           </a:xfrm>
           <a:prstGeom prst="ellipse">
-            <a:avLst/>
-          </a:prstGeom>
-          <a:noFill/>
-          <a:ln>
-            <a:solidFill>
-              <a:schemeClr val="accent2"/>
-            </a:solidFill>
-          </a:ln>
-        </p:spPr>
-        <p:style>
-          <a:lnRef idx="1">
-            <a:schemeClr val="accent1"/>
-          </a:lnRef>
-          <a:fillRef idx="3">
-            <a:schemeClr val="accent1"/>
-          </a:fillRef>
-          <a:effectRef idx="2">
-            <a:schemeClr val="accent1"/>
-          </a:effectRef>
-          <a:fontRef idx="minor">
-            <a:schemeClr val="lt1"/>
-          </a:fontRef>
-        </p:style>
-        <p:txBody>
-          <a:bodyPr rtlCol="0" anchor="ctr"/>
-          <a:lstStyle/>
-          <a:p>
-            <a:pPr algn="ctr"/>
-            <a:endParaRPr lang="en-US" sz="3600" dirty="0"/>
-          </a:p>
-        </p:txBody>
-      </p:sp>
-      <p:sp>
-        <p:nvSpPr>
-          <p:cNvPr id="10" name="TextBox 9"/>
-          <p:cNvSpPr txBox="1"/>
-          <p:nvPr/>
-        </p:nvSpPr>
-        <p:spPr>
-          <a:xfrm>
-            <a:off x="1410933" y="1715746"/>
-            <a:ext cx="2085727" cy="461665"/>
-          </a:xfrm>
-          <a:prstGeom prst="rect">
-            <a:avLst/>
-          </a:prstGeom>
-          <a:noFill/>
-        </p:spPr>
-        <p:txBody>
-          <a:bodyPr wrap="none" rtlCol="0">
-            <a:spAutoFit/>
-          </a:bodyPr>
-          <a:lstStyle/>
-          <a:p>
-            <a:r>
-              <a:rPr lang="en-US" sz="2400" dirty="0" smtClean="0"/>
-              <a:t>Input / Domain</a:t>
-            </a:r>
-          </a:p>
-        </p:txBody>
-      </p:sp>
-      <p:sp>
-        <p:nvSpPr>
-          <p:cNvPr id="11" name="TextBox 10"/>
-          <p:cNvSpPr txBox="1"/>
-          <p:nvPr/>
-        </p:nvSpPr>
-        <p:spPr>
-          <a:xfrm>
-            <a:off x="5123842" y="1715746"/>
-            <a:ext cx="2613816" cy="461665"/>
-          </a:xfrm>
-          <a:prstGeom prst="rect">
-            <a:avLst/>
-          </a:prstGeom>
-          <a:noFill/>
-        </p:spPr>
-        <p:txBody>
-          <a:bodyPr wrap="none" rtlCol="0">
-            <a:spAutoFit/>
-          </a:bodyPr>
-          <a:lstStyle/>
-          <a:p>
-            <a:r>
-              <a:rPr lang="en-US" sz="2400" dirty="0" smtClean="0"/>
-              <a:t>Output / Codomain</a:t>
-            </a:r>
-          </a:p>
-        </p:txBody>
-      </p:sp>
-      <p:sp>
-        <p:nvSpPr>
-          <p:cNvPr id="2" name="Cross 1"/>
-          <p:cNvSpPr/>
-          <p:nvPr/>
-        </p:nvSpPr>
-        <p:spPr>
-          <a:xfrm>
-            <a:off x="1685818" y="2853802"/>
-            <a:ext cx="540014" cy="327709"/>
-          </a:xfrm>
-          <a:prstGeom prst="plus">
-            <a:avLst/>
-          </a:prstGeom>
-        </p:spPr>
-        <p:style>
-          <a:lnRef idx="1">
-            <a:schemeClr val="accent1"/>
-          </a:lnRef>
-          <a:fillRef idx="3">
-            <a:schemeClr val="accent1"/>
-          </a:fillRef>
-          <a:effectRef idx="2">
-            <a:schemeClr val="accent1"/>
-          </a:effectRef>
-          <a:fontRef idx="minor">
-            <a:schemeClr val="lt1"/>
-          </a:fontRef>
-        </p:style>
-        <p:txBody>
-          <a:bodyPr rtlCol="0" anchor="ctr"/>
-          <a:lstStyle/>
-          <a:p>
-            <a:pPr algn="ctr"/>
-            <a:r>
-              <a:rPr lang="en-US" dirty="0" smtClean="0"/>
-              <a:t>a1</a:t>
-            </a:r>
-            <a:endParaRPr lang="en-US" dirty="0"/>
-          </a:p>
-        </p:txBody>
-      </p:sp>
-      <p:sp>
-        <p:nvSpPr>
-          <p:cNvPr id="8" name="Cross 7"/>
-          <p:cNvSpPr/>
-          <p:nvPr/>
-        </p:nvSpPr>
-        <p:spPr>
-          <a:xfrm>
-            <a:off x="2684853" y="3525075"/>
-            <a:ext cx="540014" cy="327709"/>
-          </a:xfrm>
-          <a:prstGeom prst="plus">
-            <a:avLst/>
-          </a:prstGeom>
-        </p:spPr>
-        <p:style>
-          <a:lnRef idx="1">
-            <a:schemeClr val="accent1"/>
-          </a:lnRef>
-          <a:fillRef idx="3">
-            <a:schemeClr val="accent1"/>
-          </a:fillRef>
-          <a:effectRef idx="2">
-            <a:schemeClr val="accent1"/>
-          </a:effectRef>
-          <a:fontRef idx="minor">
-            <a:schemeClr val="lt1"/>
-          </a:fontRef>
-        </p:style>
-        <p:txBody>
-          <a:bodyPr rtlCol="0" anchor="ctr"/>
-          <a:lstStyle/>
-          <a:p>
-            <a:pPr algn="ctr"/>
-            <a:r>
-              <a:rPr lang="en-US" dirty="0" smtClean="0"/>
-              <a:t>a2</a:t>
-            </a:r>
-            <a:endParaRPr lang="en-US" dirty="0"/>
-          </a:p>
-        </p:txBody>
-      </p:sp>
-      <p:sp>
-        <p:nvSpPr>
-          <p:cNvPr id="12" name="Cross 11"/>
-          <p:cNvSpPr/>
-          <p:nvPr/>
-        </p:nvSpPr>
-        <p:spPr>
-          <a:xfrm>
-            <a:off x="1826753" y="4264621"/>
-            <a:ext cx="540014" cy="327709"/>
-          </a:xfrm>
-          <a:prstGeom prst="plus">
-            <a:avLst/>
-          </a:prstGeom>
-        </p:spPr>
-        <p:style>
-          <a:lnRef idx="1">
-            <a:schemeClr val="accent1"/>
-          </a:lnRef>
-          <a:fillRef idx="3">
-            <a:schemeClr val="accent1"/>
-          </a:fillRef>
-          <a:effectRef idx="2">
-            <a:schemeClr val="accent1"/>
-          </a:effectRef>
-          <a:fontRef idx="minor">
-            <a:schemeClr val="lt1"/>
-          </a:fontRef>
-        </p:style>
-        <p:txBody>
-          <a:bodyPr rtlCol="0" anchor="ctr"/>
-          <a:lstStyle/>
-          <a:p>
-            <a:pPr algn="ctr"/>
-            <a:r>
-              <a:rPr lang="en-US" dirty="0" smtClean="0"/>
-              <a:t>a3</a:t>
-            </a:r>
-            <a:endParaRPr lang="en-US" dirty="0"/>
-          </a:p>
-        </p:txBody>
-      </p:sp>
-      <p:sp>
-        <p:nvSpPr>
-          <p:cNvPr id="13" name="Cross 12"/>
-          <p:cNvSpPr/>
-          <p:nvPr/>
-        </p:nvSpPr>
-        <p:spPr>
-          <a:xfrm>
-            <a:off x="2464547" y="4764984"/>
-            <a:ext cx="540014" cy="327709"/>
-          </a:xfrm>
-          <a:prstGeom prst="plus">
-            <a:avLst/>
-          </a:prstGeom>
-        </p:spPr>
-        <p:style>
-          <a:lnRef idx="1">
-            <a:schemeClr val="accent1"/>
-          </a:lnRef>
-          <a:fillRef idx="3">
-            <a:schemeClr val="accent1"/>
-          </a:fillRef>
-          <a:effectRef idx="2">
-            <a:schemeClr val="accent1"/>
-          </a:effectRef>
-          <a:fontRef idx="minor">
-            <a:schemeClr val="lt1"/>
-          </a:fontRef>
-        </p:style>
-        <p:txBody>
-          <a:bodyPr rtlCol="0" anchor="ctr"/>
-          <a:lstStyle/>
-          <a:p>
-            <a:pPr algn="ctr"/>
-            <a:r>
-              <a:rPr lang="en-US" dirty="0" smtClean="0"/>
-              <a:t>an</a:t>
-            </a:r>
-            <a:endParaRPr lang="en-US" dirty="0"/>
-          </a:p>
-        </p:txBody>
-      </p:sp>
-      <p:sp>
-        <p:nvSpPr>
-          <p:cNvPr id="14" name="Cross 13"/>
-          <p:cNvSpPr/>
-          <p:nvPr/>
-        </p:nvSpPr>
-        <p:spPr>
-          <a:xfrm>
-            <a:off x="5730379" y="2907964"/>
-            <a:ext cx="540014" cy="327709"/>
-          </a:xfrm>
-          <a:prstGeom prst="plus">
             <a:avLst/>
           </a:prstGeom>
           <a:solidFill>
             <a:schemeClr val="accent2"/>
           </a:solidFill>
           <a:ln>
-            <a:solidFill>
-              <a:schemeClr val="accent2"/>
-            </a:solidFill>
+            <a:noFill/>
           </a:ln>
         </p:spPr>
         <p:style>
@@ -8275,34 +9998,32 @@
           <a:p>
             <a:pPr algn="ctr"/>
             <a:r>
-              <a:rPr lang="en-US" dirty="0" smtClean="0"/>
-              <a:t>b1</a:t>
-            </a:r>
-            <a:endParaRPr lang="en-US" dirty="0"/>
-          </a:p>
-        </p:txBody>
-      </p:sp>
-      <p:sp>
-        <p:nvSpPr>
-          <p:cNvPr id="15" name="Cross 14"/>
-          <p:cNvSpPr/>
-          <p:nvPr/>
-        </p:nvSpPr>
-        <p:spPr>
-          <a:xfrm>
-            <a:off x="5819255" y="3595091"/>
-            <a:ext cx="540014" cy="327709"/>
-          </a:xfrm>
-          <a:prstGeom prst="plus">
+              <a:rPr lang="en-US" sz="3600" dirty="0" smtClean="0"/>
+              <a:t>B</a:t>
+            </a:r>
+            <a:endParaRPr lang="en-US" sz="3600" dirty="0"/>
+          </a:p>
+        </p:txBody>
+      </p:sp>
+      <p:sp>
+        <p:nvSpPr>
+          <p:cNvPr id="12" name="Oval 11"/>
+          <p:cNvSpPr/>
+          <p:nvPr/>
+        </p:nvSpPr>
+        <p:spPr>
+          <a:xfrm>
+            <a:off x="6559853" y="2293969"/>
+            <a:ext cx="1719705" cy="2990347"/>
+          </a:xfrm>
+          <a:prstGeom prst="ellipse">
             <a:avLst/>
           </a:prstGeom>
           <a:solidFill>
-            <a:schemeClr val="accent2"/>
+            <a:schemeClr val="accent3"/>
           </a:solidFill>
           <a:ln>
-            <a:solidFill>
-              <a:schemeClr val="accent2"/>
-            </a:solidFill>
+            <a:noFill/>
           </a:ln>
         </p:spPr>
         <p:style>
@@ -8325,264 +10046,59 @@
           <a:p>
             <a:pPr algn="ctr"/>
             <a:r>
-              <a:rPr lang="en-US" dirty="0" smtClean="0"/>
-              <a:t>b2</a:t>
-            </a:r>
-            <a:endParaRPr lang="en-US" dirty="0"/>
-          </a:p>
-        </p:txBody>
-      </p:sp>
-      <p:sp>
-        <p:nvSpPr>
-          <p:cNvPr id="16" name="Cross 15"/>
-          <p:cNvSpPr/>
-          <p:nvPr/>
-        </p:nvSpPr>
-        <p:spPr>
-          <a:xfrm>
-            <a:off x="5819255" y="4264621"/>
-            <a:ext cx="540014" cy="327709"/>
-          </a:xfrm>
-          <a:prstGeom prst="plus">
-            <a:avLst/>
-          </a:prstGeom>
-          <a:solidFill>
-            <a:schemeClr val="accent2"/>
-          </a:solidFill>
-          <a:ln>
-            <a:solidFill>
-              <a:schemeClr val="accent2"/>
-            </a:solidFill>
-          </a:ln>
-        </p:spPr>
-        <p:style>
-          <a:lnRef idx="1">
-            <a:schemeClr val="accent1"/>
-          </a:lnRef>
-          <a:fillRef idx="3">
-            <a:schemeClr val="accent1"/>
-          </a:fillRef>
-          <a:effectRef idx="2">
-            <a:schemeClr val="accent1"/>
-          </a:effectRef>
-          <a:fontRef idx="minor">
-            <a:schemeClr val="lt1"/>
-          </a:fontRef>
-        </p:style>
-        <p:txBody>
-          <a:bodyPr rtlCol="0" anchor="ctr"/>
-          <a:lstStyle/>
-          <a:p>
-            <a:pPr algn="ctr"/>
-            <a:r>
-              <a:rPr lang="en-US" dirty="0" smtClean="0"/>
-              <a:t>b3</a:t>
-            </a:r>
-            <a:endParaRPr lang="en-US" dirty="0"/>
-          </a:p>
-        </p:txBody>
-      </p:sp>
-      <p:sp>
-        <p:nvSpPr>
-          <p:cNvPr id="17" name="Cross 16"/>
-          <p:cNvSpPr/>
-          <p:nvPr/>
-        </p:nvSpPr>
-        <p:spPr>
-          <a:xfrm>
-            <a:off x="6707226" y="3540473"/>
-            <a:ext cx="540014" cy="327709"/>
-          </a:xfrm>
-          <a:prstGeom prst="plus">
-            <a:avLst/>
-          </a:prstGeom>
-          <a:solidFill>
-            <a:schemeClr val="accent2"/>
-          </a:solidFill>
-          <a:ln>
-            <a:solidFill>
-              <a:schemeClr val="accent2"/>
-            </a:solidFill>
-          </a:ln>
-        </p:spPr>
-        <p:style>
-          <a:lnRef idx="1">
-            <a:schemeClr val="accent1"/>
-          </a:lnRef>
-          <a:fillRef idx="3">
-            <a:schemeClr val="accent1"/>
-          </a:fillRef>
-          <a:effectRef idx="2">
-            <a:schemeClr val="accent1"/>
-          </a:effectRef>
-          <a:fontRef idx="minor">
-            <a:schemeClr val="lt1"/>
-          </a:fontRef>
-        </p:style>
-        <p:txBody>
-          <a:bodyPr rtlCol="0" anchor="ctr"/>
-          <a:lstStyle/>
-          <a:p>
-            <a:pPr algn="ctr"/>
-            <a:r>
-              <a:rPr lang="en-US" dirty="0" err="1" smtClean="0"/>
-              <a:t>bm</a:t>
-            </a:r>
-            <a:endParaRPr lang="en-US" dirty="0"/>
-          </a:p>
-        </p:txBody>
-      </p:sp>
-      <p:cxnSp>
-        <p:nvCxnSpPr>
-          <p:cNvPr id="18" name="Curved Connector 17"/>
-          <p:cNvCxnSpPr>
-            <a:stCxn id="2" idx="3"/>
-            <a:endCxn id="15" idx="1"/>
-          </p:cNvCxnSpPr>
-          <p:nvPr/>
-        </p:nvCxnSpPr>
-        <p:spPr>
-          <a:xfrm>
-            <a:off x="2225832" y="3017657"/>
-            <a:ext cx="3593423" cy="741289"/>
-          </a:xfrm>
-          <a:prstGeom prst="curvedConnector3">
-            <a:avLst/>
-          </a:prstGeom>
-          <a:ln>
-            <a:tailEnd type="arrow"/>
-          </a:ln>
-        </p:spPr>
-        <p:style>
-          <a:lnRef idx="2">
-            <a:schemeClr val="accent1"/>
-          </a:lnRef>
-          <a:fillRef idx="0">
-            <a:schemeClr val="accent1"/>
-          </a:fillRef>
-          <a:effectRef idx="1">
-            <a:schemeClr val="accent1"/>
-          </a:effectRef>
-          <a:fontRef idx="minor">
-            <a:schemeClr val="tx1"/>
-          </a:fontRef>
-        </p:style>
-      </p:cxnSp>
-      <p:cxnSp>
-        <p:nvCxnSpPr>
-          <p:cNvPr id="23" name="Curved Connector 22"/>
-          <p:cNvCxnSpPr>
-            <a:stCxn id="8" idx="3"/>
-            <a:endCxn id="17" idx="0"/>
-          </p:cNvCxnSpPr>
-          <p:nvPr/>
-        </p:nvCxnSpPr>
-        <p:spPr>
-          <a:xfrm flipV="1">
-            <a:off x="3224867" y="3540473"/>
-            <a:ext cx="3752366" cy="148457"/>
-          </a:xfrm>
-          <a:prstGeom prst="curvedConnector4">
-            <a:avLst>
-              <a:gd name="adj1" fmla="val 46402"/>
-              <a:gd name="adj2" fmla="val 264356"/>
-            </a:avLst>
-          </a:prstGeom>
-          <a:ln>
-            <a:tailEnd type="arrow"/>
-          </a:ln>
-        </p:spPr>
-        <p:style>
-          <a:lnRef idx="2">
-            <a:schemeClr val="accent1"/>
-          </a:lnRef>
-          <a:fillRef idx="0">
-            <a:schemeClr val="accent1"/>
-          </a:fillRef>
-          <a:effectRef idx="1">
-            <a:schemeClr val="accent1"/>
-          </a:effectRef>
-          <a:fontRef idx="minor">
-            <a:schemeClr val="tx1"/>
-          </a:fontRef>
-        </p:style>
-      </p:cxnSp>
-      <p:cxnSp>
-        <p:nvCxnSpPr>
-          <p:cNvPr id="25" name="Curved Connector 24"/>
-          <p:cNvCxnSpPr>
-            <a:stCxn id="12" idx="3"/>
-            <a:endCxn id="14" idx="1"/>
-          </p:cNvCxnSpPr>
-          <p:nvPr/>
-        </p:nvCxnSpPr>
-        <p:spPr>
-          <a:xfrm flipV="1">
-            <a:off x="2366767" y="3071819"/>
-            <a:ext cx="3363612" cy="1356657"/>
-          </a:xfrm>
-          <a:prstGeom prst="curvedConnector3">
-            <a:avLst/>
-          </a:prstGeom>
-          <a:ln>
-            <a:tailEnd type="arrow"/>
-          </a:ln>
-        </p:spPr>
-        <p:style>
-          <a:lnRef idx="2">
-            <a:schemeClr val="accent1"/>
-          </a:lnRef>
-          <a:fillRef idx="0">
-            <a:schemeClr val="accent1"/>
-          </a:fillRef>
-          <a:effectRef idx="1">
-            <a:schemeClr val="accent1"/>
-          </a:effectRef>
-          <a:fontRef idx="minor">
-            <a:schemeClr val="tx1"/>
-          </a:fontRef>
-        </p:style>
-      </p:cxnSp>
-      <p:cxnSp>
-        <p:nvCxnSpPr>
-          <p:cNvPr id="27" name="Curved Connector 26"/>
-          <p:cNvCxnSpPr>
-            <a:stCxn id="13" idx="3"/>
-            <a:endCxn id="16" idx="1"/>
-          </p:cNvCxnSpPr>
-          <p:nvPr/>
-        </p:nvCxnSpPr>
-        <p:spPr>
-          <a:xfrm flipV="1">
-            <a:off x="3004561" y="4428476"/>
-            <a:ext cx="2814694" cy="500363"/>
-          </a:xfrm>
-          <a:prstGeom prst="curvedConnector3">
-            <a:avLst/>
-          </a:prstGeom>
-          <a:ln>
-            <a:tailEnd type="arrow"/>
-          </a:ln>
-        </p:spPr>
-        <p:style>
-          <a:lnRef idx="2">
-            <a:schemeClr val="accent1"/>
-          </a:lnRef>
-          <a:fillRef idx="0">
-            <a:schemeClr val="accent1"/>
-          </a:fillRef>
-          <a:effectRef idx="1">
-            <a:schemeClr val="accent1"/>
-          </a:effectRef>
-          <a:fontRef idx="minor">
-            <a:schemeClr val="tx1"/>
-          </a:fontRef>
-        </p:style>
-      </p:cxnSp>
+              <a:rPr lang="en-US" sz="3600" dirty="0" smtClean="0"/>
+              <a:t>C</a:t>
+            </a:r>
+            <a:endParaRPr lang="en-US" sz="3600" dirty="0"/>
+          </a:p>
+        </p:txBody>
+      </p:sp>
+      <p:sp>
+        <p:nvSpPr>
+          <p:cNvPr id="14" name="Right Arrow 13"/>
+          <p:cNvSpPr/>
+          <p:nvPr/>
+        </p:nvSpPr>
+        <p:spPr>
+          <a:xfrm>
+            <a:off x="5566769" y="3497996"/>
+            <a:ext cx="798843" cy="778309"/>
+          </a:xfrm>
+          <a:prstGeom prst="rightArrow">
+            <a:avLst/>
+          </a:prstGeom>
+        </p:spPr>
+        <p:style>
+          <a:lnRef idx="1">
+            <a:schemeClr val="accent1"/>
+          </a:lnRef>
+          <a:fillRef idx="3">
+            <a:schemeClr val="accent1"/>
+          </a:fillRef>
+          <a:effectRef idx="2">
+            <a:schemeClr val="accent1"/>
+          </a:effectRef>
+          <a:fontRef idx="minor">
+            <a:schemeClr val="lt1"/>
+          </a:fontRef>
+        </p:style>
+        <p:txBody>
+          <a:bodyPr rtlCol="0" anchor="ctr"/>
+          <a:lstStyle/>
+          <a:p>
+            <a:pPr algn="ctr"/>
+            <a:r>
+              <a:rPr lang="en-US" sz="2800" dirty="0" smtClean="0"/>
+              <a:t>g</a:t>
+            </a:r>
+            <a:endParaRPr lang="en-US" sz="2800" dirty="0"/>
+          </a:p>
+        </p:txBody>
+      </p:sp>
     </p:spTree>
     <p:extLst>
       <p:ext uri="{BB962C8B-B14F-4D97-AF65-F5344CB8AC3E}">
-        <p14:creationId xmlns:p14="http://schemas.microsoft.com/office/powerpoint/2010/main" val="2181149206"/>
+        <p14:creationId xmlns:p14="http://schemas.microsoft.com/office/powerpoint/2010/main" val="2099004660"/>
       </p:ext>
     </p:extLst>
   </p:cSld>
@@ -8617,328 +10133,107 @@
         </p:nvSpPr>
         <p:spPr>
           <a:xfrm>
-            <a:off x="1229862" y="2293967"/>
-            <a:ext cx="2266798" cy="3318057"/>
+            <a:off x="738270" y="2293969"/>
+            <a:ext cx="1719705" cy="2990347"/>
           </a:xfrm>
           <a:prstGeom prst="ellipse">
             <a:avLst/>
           </a:prstGeom>
-          <a:noFill/>
-        </p:spPr>
-        <p:style>
-          <a:lnRef idx="1">
-            <a:schemeClr val="accent1"/>
-          </a:lnRef>
-          <a:fillRef idx="3">
-            <a:schemeClr val="accent1"/>
-          </a:fillRef>
-          <a:effectRef idx="2">
-            <a:schemeClr val="accent1"/>
-          </a:effectRef>
-          <a:fontRef idx="minor">
-            <a:schemeClr val="lt1"/>
-          </a:fontRef>
-        </p:style>
-        <p:txBody>
-          <a:bodyPr rtlCol="0" anchor="ctr"/>
-          <a:lstStyle/>
-          <a:p>
-            <a:pPr algn="ctr"/>
+          <a:solidFill>
+            <a:schemeClr val="accent1"/>
+          </a:solidFill>
+          <a:ln>
+            <a:noFill/>
+          </a:ln>
+        </p:spPr>
+        <p:style>
+          <a:lnRef idx="1">
+            <a:schemeClr val="accent1"/>
+          </a:lnRef>
+          <a:fillRef idx="3">
+            <a:schemeClr val="accent1"/>
+          </a:fillRef>
+          <a:effectRef idx="2">
+            <a:schemeClr val="accent1"/>
+          </a:effectRef>
+          <a:fontRef idx="minor">
+            <a:schemeClr val="lt1"/>
+          </a:fontRef>
+        </p:style>
+        <p:txBody>
+          <a:bodyPr rtlCol="0" anchor="ctr"/>
+          <a:lstStyle/>
+          <a:p>
+            <a:pPr algn="ctr"/>
+            <a:r>
+              <a:rPr lang="en-US" sz="3600" dirty="0" smtClean="0"/>
+              <a:t>A</a:t>
+            </a:r>
             <a:endParaRPr lang="en-US" sz="3600" dirty="0"/>
           </a:p>
         </p:txBody>
       </p:sp>
       <p:sp>
         <p:nvSpPr>
-          <p:cNvPr id="6" name="Oval 5"/>
-          <p:cNvSpPr/>
-          <p:nvPr/>
-        </p:nvSpPr>
-        <p:spPr>
-          <a:xfrm>
-            <a:off x="5326483" y="2293967"/>
-            <a:ext cx="2286961" cy="3429722"/>
+          <p:cNvPr id="9" name="Right Arrow 8"/>
+          <p:cNvSpPr/>
+          <p:nvPr/>
+        </p:nvSpPr>
+        <p:spPr>
+          <a:xfrm>
+            <a:off x="2669633" y="3497996"/>
+            <a:ext cx="798843" cy="778309"/>
+          </a:xfrm>
+          <a:prstGeom prst="rightArrow">
+            <a:avLst/>
+          </a:prstGeom>
+        </p:spPr>
+        <p:style>
+          <a:lnRef idx="1">
+            <a:schemeClr val="accent1"/>
+          </a:lnRef>
+          <a:fillRef idx="3">
+            <a:schemeClr val="accent1"/>
+          </a:fillRef>
+          <a:effectRef idx="2">
+            <a:schemeClr val="accent1"/>
+          </a:effectRef>
+          <a:fontRef idx="minor">
+            <a:schemeClr val="lt1"/>
+          </a:fontRef>
+        </p:style>
+        <p:txBody>
+          <a:bodyPr rtlCol="0" anchor="ctr"/>
+          <a:lstStyle/>
+          <a:p>
+            <a:pPr algn="ctr"/>
+            <a:r>
+              <a:rPr lang="en-US" sz="2800" dirty="0" smtClean="0"/>
+              <a:t>f</a:t>
+            </a:r>
+            <a:endParaRPr lang="en-US" sz="2800" dirty="0"/>
+          </a:p>
+        </p:txBody>
+      </p:sp>
+      <p:sp>
+        <p:nvSpPr>
+          <p:cNvPr id="8" name="Oval 7"/>
+          <p:cNvSpPr/>
+          <p:nvPr/>
+        </p:nvSpPr>
+        <p:spPr>
+          <a:xfrm>
+            <a:off x="3673745" y="2293969"/>
+            <a:ext cx="1719705" cy="2990347"/>
           </a:xfrm>
           <a:prstGeom prst="ellipse">
-            <a:avLst/>
-          </a:prstGeom>
-          <a:noFill/>
-          <a:ln>
-            <a:solidFill>
-              <a:schemeClr val="accent2"/>
-            </a:solidFill>
-          </a:ln>
-        </p:spPr>
-        <p:style>
-          <a:lnRef idx="1">
-            <a:schemeClr val="accent1"/>
-          </a:lnRef>
-          <a:fillRef idx="3">
-            <a:schemeClr val="accent1"/>
-          </a:fillRef>
-          <a:effectRef idx="2">
-            <a:schemeClr val="accent1"/>
-          </a:effectRef>
-          <a:fontRef idx="minor">
-            <a:schemeClr val="lt1"/>
-          </a:fontRef>
-        </p:style>
-        <p:txBody>
-          <a:bodyPr rtlCol="0" anchor="ctr"/>
-          <a:lstStyle/>
-          <a:p>
-            <a:pPr algn="ctr"/>
-            <a:endParaRPr lang="en-US" sz="3600" dirty="0"/>
-          </a:p>
-        </p:txBody>
-      </p:sp>
-      <p:sp>
-        <p:nvSpPr>
-          <p:cNvPr id="10" name="TextBox 9"/>
-          <p:cNvSpPr txBox="1"/>
-          <p:nvPr/>
-        </p:nvSpPr>
-        <p:spPr>
-          <a:xfrm>
-            <a:off x="1410933" y="1715746"/>
-            <a:ext cx="2085727" cy="461665"/>
-          </a:xfrm>
-          <a:prstGeom prst="rect">
-            <a:avLst/>
-          </a:prstGeom>
-          <a:noFill/>
-        </p:spPr>
-        <p:txBody>
-          <a:bodyPr wrap="none" rtlCol="0">
-            <a:spAutoFit/>
-          </a:bodyPr>
-          <a:lstStyle/>
-          <a:p>
-            <a:r>
-              <a:rPr lang="en-US" sz="2400" dirty="0" smtClean="0"/>
-              <a:t>Input / Domain</a:t>
-            </a:r>
-          </a:p>
-        </p:txBody>
-      </p:sp>
-      <p:sp>
-        <p:nvSpPr>
-          <p:cNvPr id="11" name="TextBox 10"/>
-          <p:cNvSpPr txBox="1"/>
-          <p:nvPr/>
-        </p:nvSpPr>
-        <p:spPr>
-          <a:xfrm>
-            <a:off x="5123842" y="1715746"/>
-            <a:ext cx="2613816" cy="461665"/>
-          </a:xfrm>
-          <a:prstGeom prst="rect">
-            <a:avLst/>
-          </a:prstGeom>
-          <a:noFill/>
-        </p:spPr>
-        <p:txBody>
-          <a:bodyPr wrap="none" rtlCol="0">
-            <a:spAutoFit/>
-          </a:bodyPr>
-          <a:lstStyle/>
-          <a:p>
-            <a:r>
-              <a:rPr lang="en-US" sz="2400" dirty="0" smtClean="0"/>
-              <a:t>Output / Codomain</a:t>
-            </a:r>
-          </a:p>
-        </p:txBody>
-      </p:sp>
-      <p:sp>
-        <p:nvSpPr>
-          <p:cNvPr id="2" name="Cross 1"/>
-          <p:cNvSpPr/>
-          <p:nvPr/>
-        </p:nvSpPr>
-        <p:spPr>
-          <a:xfrm>
-            <a:off x="1685818" y="2853802"/>
-            <a:ext cx="540014" cy="327709"/>
-          </a:xfrm>
-          <a:prstGeom prst="plus">
-            <a:avLst/>
-          </a:prstGeom>
-        </p:spPr>
-        <p:style>
-          <a:lnRef idx="1">
-            <a:schemeClr val="accent1"/>
-          </a:lnRef>
-          <a:fillRef idx="3">
-            <a:schemeClr val="accent1"/>
-          </a:fillRef>
-          <a:effectRef idx="2">
-            <a:schemeClr val="accent1"/>
-          </a:effectRef>
-          <a:fontRef idx="minor">
-            <a:schemeClr val="lt1"/>
-          </a:fontRef>
-        </p:style>
-        <p:txBody>
-          <a:bodyPr rtlCol="0" anchor="ctr"/>
-          <a:lstStyle/>
-          <a:p>
-            <a:pPr algn="ctr"/>
-            <a:r>
-              <a:rPr lang="en-US" dirty="0" smtClean="0"/>
-              <a:t>a1</a:t>
-            </a:r>
-            <a:endParaRPr lang="en-US" dirty="0"/>
-          </a:p>
-        </p:txBody>
-      </p:sp>
-      <p:sp>
-        <p:nvSpPr>
-          <p:cNvPr id="8" name="Cross 7"/>
-          <p:cNvSpPr/>
-          <p:nvPr/>
-        </p:nvSpPr>
-        <p:spPr>
-          <a:xfrm>
-            <a:off x="2684853" y="3525075"/>
-            <a:ext cx="540014" cy="327709"/>
-          </a:xfrm>
-          <a:prstGeom prst="plus">
-            <a:avLst/>
-          </a:prstGeom>
-        </p:spPr>
-        <p:style>
-          <a:lnRef idx="1">
-            <a:schemeClr val="accent1"/>
-          </a:lnRef>
-          <a:fillRef idx="3">
-            <a:schemeClr val="accent1"/>
-          </a:fillRef>
-          <a:effectRef idx="2">
-            <a:schemeClr val="accent1"/>
-          </a:effectRef>
-          <a:fontRef idx="minor">
-            <a:schemeClr val="lt1"/>
-          </a:fontRef>
-        </p:style>
-        <p:txBody>
-          <a:bodyPr rtlCol="0" anchor="ctr"/>
-          <a:lstStyle/>
-          <a:p>
-            <a:pPr algn="ctr"/>
-            <a:r>
-              <a:rPr lang="en-US" dirty="0" smtClean="0"/>
-              <a:t>a2</a:t>
-            </a:r>
-            <a:endParaRPr lang="en-US" dirty="0"/>
-          </a:p>
-        </p:txBody>
-      </p:sp>
-      <p:sp>
-        <p:nvSpPr>
-          <p:cNvPr id="12" name="Cross 11"/>
-          <p:cNvSpPr/>
-          <p:nvPr/>
-        </p:nvSpPr>
-        <p:spPr>
-          <a:xfrm>
-            <a:off x="1826753" y="4264621"/>
-            <a:ext cx="540014" cy="327709"/>
-          </a:xfrm>
-          <a:prstGeom prst="plus">
-            <a:avLst/>
-          </a:prstGeom>
-        </p:spPr>
-        <p:style>
-          <a:lnRef idx="1">
-            <a:schemeClr val="accent1"/>
-          </a:lnRef>
-          <a:fillRef idx="3">
-            <a:schemeClr val="accent1"/>
-          </a:fillRef>
-          <a:effectRef idx="2">
-            <a:schemeClr val="accent1"/>
-          </a:effectRef>
-          <a:fontRef idx="minor">
-            <a:schemeClr val="lt1"/>
-          </a:fontRef>
-        </p:style>
-        <p:txBody>
-          <a:bodyPr rtlCol="0" anchor="ctr"/>
-          <a:lstStyle/>
-          <a:p>
-            <a:pPr algn="ctr"/>
-            <a:r>
-              <a:rPr lang="en-US" dirty="0" smtClean="0"/>
-              <a:t>a3</a:t>
-            </a:r>
-            <a:endParaRPr lang="en-US" dirty="0"/>
-          </a:p>
-        </p:txBody>
-      </p:sp>
-      <p:sp>
-        <p:nvSpPr>
-          <p:cNvPr id="13" name="Cross 12"/>
-          <p:cNvSpPr/>
-          <p:nvPr/>
-        </p:nvSpPr>
-        <p:spPr>
-          <a:xfrm>
-            <a:off x="2464547" y="4764984"/>
-            <a:ext cx="540014" cy="327709"/>
-          </a:xfrm>
-          <a:prstGeom prst="plus">
-            <a:avLst/>
-          </a:prstGeom>
-        </p:spPr>
-        <p:style>
-          <a:lnRef idx="1">
-            <a:schemeClr val="accent1"/>
-          </a:lnRef>
-          <a:fillRef idx="3">
-            <a:schemeClr val="accent1"/>
-          </a:fillRef>
-          <a:effectRef idx="2">
-            <a:schemeClr val="accent1"/>
-          </a:effectRef>
-          <a:fontRef idx="minor">
-            <a:schemeClr val="lt1"/>
-          </a:fontRef>
-        </p:style>
-        <p:txBody>
-          <a:bodyPr rtlCol="0" anchor="ctr"/>
-          <a:lstStyle/>
-          <a:p>
-            <a:pPr algn="ctr"/>
-            <a:r>
-              <a:rPr lang="en-US" dirty="0" smtClean="0"/>
-              <a:t>an</a:t>
-            </a:r>
-            <a:endParaRPr lang="en-US" dirty="0"/>
-          </a:p>
-        </p:txBody>
-      </p:sp>
-      <p:sp>
-        <p:nvSpPr>
-          <p:cNvPr id="14" name="Cross 13"/>
-          <p:cNvSpPr/>
-          <p:nvPr/>
-        </p:nvSpPr>
-        <p:spPr>
-          <a:xfrm>
-            <a:off x="5730379" y="2907964"/>
-            <a:ext cx="540014" cy="327709"/>
-          </a:xfrm>
-          <a:prstGeom prst="plus">
             <a:avLst/>
           </a:prstGeom>
           <a:solidFill>
             <a:schemeClr val="accent2"/>
           </a:solidFill>
           <a:ln>
-            <a:solidFill>
-              <a:schemeClr val="accent2"/>
-            </a:solidFill>
+            <a:noFill/>
           </a:ln>
         </p:spPr>
         <p:style>
@@ -8961,34 +10256,32 @@
           <a:p>
             <a:pPr algn="ctr"/>
             <a:r>
-              <a:rPr lang="en-US" dirty="0" smtClean="0"/>
-              <a:t>b1</a:t>
-            </a:r>
-            <a:endParaRPr lang="en-US" dirty="0"/>
-          </a:p>
-        </p:txBody>
-      </p:sp>
-      <p:sp>
-        <p:nvSpPr>
-          <p:cNvPr id="15" name="Cross 14"/>
-          <p:cNvSpPr/>
-          <p:nvPr/>
-        </p:nvSpPr>
-        <p:spPr>
-          <a:xfrm>
-            <a:off x="5819255" y="3595091"/>
-            <a:ext cx="540014" cy="327709"/>
-          </a:xfrm>
-          <a:prstGeom prst="plus">
+              <a:rPr lang="en-US" sz="3600" dirty="0" smtClean="0"/>
+              <a:t>B</a:t>
+            </a:r>
+            <a:endParaRPr lang="en-US" sz="3600" dirty="0"/>
+          </a:p>
+        </p:txBody>
+      </p:sp>
+      <p:sp>
+        <p:nvSpPr>
+          <p:cNvPr id="12" name="Oval 11"/>
+          <p:cNvSpPr/>
+          <p:nvPr/>
+        </p:nvSpPr>
+        <p:spPr>
+          <a:xfrm>
+            <a:off x="6559853" y="2293969"/>
+            <a:ext cx="1719705" cy="2990347"/>
+          </a:xfrm>
+          <a:prstGeom prst="ellipse">
             <a:avLst/>
           </a:prstGeom>
           <a:solidFill>
-            <a:schemeClr val="accent2"/>
+            <a:schemeClr val="accent3"/>
           </a:solidFill>
           <a:ln>
-            <a:solidFill>
-              <a:schemeClr val="accent2"/>
-            </a:solidFill>
+            <a:noFill/>
           </a:ln>
         </p:spPr>
         <p:style>
@@ -9011,263 +10304,117 @@
           <a:p>
             <a:pPr algn="ctr"/>
             <a:r>
-              <a:rPr lang="en-US" dirty="0" smtClean="0"/>
-              <a:t>b2</a:t>
-            </a:r>
-            <a:endParaRPr lang="en-US" dirty="0"/>
-          </a:p>
-        </p:txBody>
-      </p:sp>
-      <p:sp>
-        <p:nvSpPr>
-          <p:cNvPr id="16" name="Cross 15"/>
-          <p:cNvSpPr/>
-          <p:nvPr/>
-        </p:nvSpPr>
-        <p:spPr>
-          <a:xfrm>
-            <a:off x="5819255" y="4264621"/>
-            <a:ext cx="540014" cy="327709"/>
-          </a:xfrm>
-          <a:prstGeom prst="plus">
-            <a:avLst/>
-          </a:prstGeom>
-          <a:solidFill>
-            <a:schemeClr val="accent2"/>
-          </a:solidFill>
-          <a:ln>
-            <a:solidFill>
-              <a:schemeClr val="accent2"/>
-            </a:solidFill>
-          </a:ln>
-        </p:spPr>
-        <p:style>
-          <a:lnRef idx="1">
-            <a:schemeClr val="accent1"/>
-          </a:lnRef>
-          <a:fillRef idx="3">
-            <a:schemeClr val="accent1"/>
-          </a:fillRef>
-          <a:effectRef idx="2">
-            <a:schemeClr val="accent1"/>
-          </a:effectRef>
-          <a:fontRef idx="minor">
-            <a:schemeClr val="lt1"/>
-          </a:fontRef>
-        </p:style>
-        <p:txBody>
-          <a:bodyPr rtlCol="0" anchor="ctr"/>
-          <a:lstStyle/>
-          <a:p>
-            <a:pPr algn="ctr"/>
-            <a:r>
-              <a:rPr lang="en-US" dirty="0" smtClean="0"/>
-              <a:t>b3</a:t>
-            </a:r>
-            <a:endParaRPr lang="en-US" dirty="0"/>
-          </a:p>
-        </p:txBody>
-      </p:sp>
-      <p:sp>
-        <p:nvSpPr>
-          <p:cNvPr id="17" name="Cross 16"/>
-          <p:cNvSpPr/>
-          <p:nvPr/>
-        </p:nvSpPr>
-        <p:spPr>
-          <a:xfrm>
-            <a:off x="6707226" y="3540473"/>
-            <a:ext cx="540014" cy="327709"/>
-          </a:xfrm>
-          <a:prstGeom prst="plus">
-            <a:avLst/>
-          </a:prstGeom>
-          <a:solidFill>
-            <a:schemeClr val="accent2"/>
-          </a:solidFill>
-          <a:ln>
-            <a:solidFill>
-              <a:schemeClr val="accent2"/>
-            </a:solidFill>
-          </a:ln>
-        </p:spPr>
-        <p:style>
-          <a:lnRef idx="1">
-            <a:schemeClr val="accent1"/>
-          </a:lnRef>
-          <a:fillRef idx="3">
-            <a:schemeClr val="accent1"/>
-          </a:fillRef>
-          <a:effectRef idx="2">
-            <a:schemeClr val="accent1"/>
-          </a:effectRef>
-          <a:fontRef idx="minor">
-            <a:schemeClr val="lt1"/>
-          </a:fontRef>
-        </p:style>
-        <p:txBody>
-          <a:bodyPr rtlCol="0" anchor="ctr"/>
-          <a:lstStyle/>
-          <a:p>
-            <a:pPr algn="ctr"/>
-            <a:r>
-              <a:rPr lang="en-US" dirty="0" err="1" smtClean="0"/>
-              <a:t>bm</a:t>
-            </a:r>
-            <a:endParaRPr lang="en-US" dirty="0"/>
-          </a:p>
-        </p:txBody>
-      </p:sp>
-      <p:cxnSp>
-        <p:nvCxnSpPr>
-          <p:cNvPr id="18" name="Curved Connector 17"/>
-          <p:cNvCxnSpPr>
-            <a:stCxn id="2" idx="3"/>
-            <a:endCxn id="15" idx="1"/>
-          </p:cNvCxnSpPr>
-          <p:nvPr/>
-        </p:nvCxnSpPr>
-        <p:spPr>
-          <a:xfrm>
-            <a:off x="2225832" y="3017657"/>
-            <a:ext cx="3593423" cy="741289"/>
-          </a:xfrm>
-          <a:prstGeom prst="curvedConnector3">
-            <a:avLst/>
-          </a:prstGeom>
-          <a:ln>
-            <a:tailEnd type="arrow"/>
-          </a:ln>
-        </p:spPr>
-        <p:style>
-          <a:lnRef idx="2">
-            <a:schemeClr val="accent1"/>
-          </a:lnRef>
-          <a:fillRef idx="0">
-            <a:schemeClr val="accent1"/>
-          </a:fillRef>
-          <a:effectRef idx="1">
-            <a:schemeClr val="accent1"/>
-          </a:effectRef>
-          <a:fontRef idx="minor">
-            <a:schemeClr val="tx1"/>
-          </a:fontRef>
-        </p:style>
-      </p:cxnSp>
-      <p:cxnSp>
-        <p:nvCxnSpPr>
-          <p:cNvPr id="23" name="Curved Connector 22"/>
-          <p:cNvCxnSpPr>
-            <a:stCxn id="8" idx="3"/>
-            <a:endCxn id="15" idx="1"/>
-          </p:cNvCxnSpPr>
-          <p:nvPr/>
-        </p:nvCxnSpPr>
-        <p:spPr>
-          <a:xfrm>
-            <a:off x="3224867" y="3688930"/>
-            <a:ext cx="2594388" cy="70016"/>
-          </a:xfrm>
-          <a:prstGeom prst="curvedConnector3">
-            <a:avLst>
-              <a:gd name="adj1" fmla="val 50000"/>
-            </a:avLst>
-          </a:prstGeom>
-          <a:ln>
-            <a:tailEnd type="arrow"/>
-          </a:ln>
-        </p:spPr>
-        <p:style>
-          <a:lnRef idx="2">
-            <a:schemeClr val="accent1"/>
-          </a:lnRef>
-          <a:fillRef idx="0">
-            <a:schemeClr val="accent1"/>
-          </a:fillRef>
-          <a:effectRef idx="1">
-            <a:schemeClr val="accent1"/>
-          </a:effectRef>
-          <a:fontRef idx="minor">
-            <a:schemeClr val="tx1"/>
-          </a:fontRef>
-        </p:style>
-      </p:cxnSp>
-      <p:cxnSp>
-        <p:nvCxnSpPr>
-          <p:cNvPr id="25" name="Curved Connector 24"/>
-          <p:cNvCxnSpPr>
-            <a:stCxn id="12" idx="3"/>
-            <a:endCxn id="15" idx="1"/>
-          </p:cNvCxnSpPr>
-          <p:nvPr/>
-        </p:nvCxnSpPr>
-        <p:spPr>
-          <a:xfrm flipV="1">
-            <a:off x="2366767" y="3758946"/>
-            <a:ext cx="3452488" cy="669530"/>
-          </a:xfrm>
-          <a:prstGeom prst="curvedConnector3">
-            <a:avLst/>
-          </a:prstGeom>
-          <a:ln>
-            <a:tailEnd type="arrow"/>
-          </a:ln>
-        </p:spPr>
-        <p:style>
-          <a:lnRef idx="2">
-            <a:schemeClr val="accent1"/>
-          </a:lnRef>
-          <a:fillRef idx="0">
-            <a:schemeClr val="accent1"/>
-          </a:fillRef>
-          <a:effectRef idx="1">
-            <a:schemeClr val="accent1"/>
-          </a:effectRef>
-          <a:fontRef idx="minor">
-            <a:schemeClr val="tx1"/>
-          </a:fontRef>
-        </p:style>
-      </p:cxnSp>
-      <p:cxnSp>
-        <p:nvCxnSpPr>
-          <p:cNvPr id="27" name="Curved Connector 26"/>
-          <p:cNvCxnSpPr>
-            <a:stCxn id="13" idx="3"/>
-            <a:endCxn id="16" idx="1"/>
-          </p:cNvCxnSpPr>
-          <p:nvPr/>
-        </p:nvCxnSpPr>
-        <p:spPr>
-          <a:xfrm flipV="1">
-            <a:off x="3004561" y="4428476"/>
-            <a:ext cx="2814694" cy="500363"/>
-          </a:xfrm>
-          <a:prstGeom prst="curvedConnector3">
-            <a:avLst/>
-          </a:prstGeom>
-          <a:ln>
-            <a:tailEnd type="arrow"/>
-          </a:ln>
-        </p:spPr>
-        <p:style>
-          <a:lnRef idx="2">
-            <a:schemeClr val="accent1"/>
-          </a:lnRef>
-          <a:fillRef idx="0">
-            <a:schemeClr val="accent1"/>
-          </a:fillRef>
-          <a:effectRef idx="1">
-            <a:schemeClr val="accent1"/>
-          </a:effectRef>
-          <a:fontRef idx="minor">
-            <a:schemeClr val="tx1"/>
-          </a:fontRef>
-        </p:style>
-      </p:cxnSp>
+              <a:rPr lang="en-US" sz="3600" dirty="0" smtClean="0"/>
+              <a:t>C</a:t>
+            </a:r>
+            <a:endParaRPr lang="en-US" sz="3600" dirty="0"/>
+          </a:p>
+        </p:txBody>
+      </p:sp>
+      <p:sp>
+        <p:nvSpPr>
+          <p:cNvPr id="14" name="Right Arrow 13"/>
+          <p:cNvSpPr/>
+          <p:nvPr/>
+        </p:nvSpPr>
+        <p:spPr>
+          <a:xfrm>
+            <a:off x="5566769" y="3497996"/>
+            <a:ext cx="798843" cy="778309"/>
+          </a:xfrm>
+          <a:prstGeom prst="rightArrow">
+            <a:avLst/>
+          </a:prstGeom>
+        </p:spPr>
+        <p:style>
+          <a:lnRef idx="1">
+            <a:schemeClr val="accent1"/>
+          </a:lnRef>
+          <a:fillRef idx="3">
+            <a:schemeClr val="accent1"/>
+          </a:fillRef>
+          <a:effectRef idx="2">
+            <a:schemeClr val="accent1"/>
+          </a:effectRef>
+          <a:fontRef idx="minor">
+            <a:schemeClr val="lt1"/>
+          </a:fontRef>
+        </p:style>
+        <p:txBody>
+          <a:bodyPr rtlCol="0" anchor="ctr"/>
+          <a:lstStyle/>
+          <a:p>
+            <a:pPr algn="ctr"/>
+            <a:r>
+              <a:rPr lang="en-US" sz="2800" dirty="0" smtClean="0"/>
+              <a:t>g</a:t>
+            </a:r>
+            <a:endParaRPr lang="en-US" sz="2800" dirty="0"/>
+          </a:p>
+        </p:txBody>
+      </p:sp>
+      <p:sp>
+        <p:nvSpPr>
+          <p:cNvPr id="5" name="Curved Down Arrow 4"/>
+          <p:cNvSpPr/>
+          <p:nvPr/>
+        </p:nvSpPr>
+        <p:spPr>
+          <a:xfrm>
+            <a:off x="2266795" y="1242566"/>
+            <a:ext cx="4615528" cy="1051404"/>
+          </a:xfrm>
+          <a:prstGeom prst="curvedDownArrow">
+            <a:avLst/>
+          </a:prstGeom>
+        </p:spPr>
+        <p:style>
+          <a:lnRef idx="1">
+            <a:schemeClr val="accent1"/>
+          </a:lnRef>
+          <a:fillRef idx="3">
+            <a:schemeClr val="accent1"/>
+          </a:fillRef>
+          <a:effectRef idx="2">
+            <a:schemeClr val="accent1"/>
+          </a:effectRef>
+          <a:fontRef idx="minor">
+            <a:schemeClr val="lt1"/>
+          </a:fontRef>
+        </p:style>
+        <p:txBody>
+          <a:bodyPr rtlCol="0" anchor="ctr"/>
+          <a:lstStyle/>
+          <a:p>
+            <a:pPr algn="ctr"/>
+            <a:r>
+              <a:rPr lang="en-US" sz="2800" dirty="0" smtClean="0">
+                <a:solidFill>
+                  <a:schemeClr val="tx1"/>
+                </a:solidFill>
+              </a:rPr>
+              <a:t>g</a:t>
+            </a:r>
+            <a:r>
+              <a:rPr lang="en-US" sz="2800" dirty="0" smtClean="0">
+                <a:solidFill>
+                  <a:schemeClr val="tx1"/>
+                </a:solidFill>
+              </a:rPr>
+              <a:t> o f</a:t>
+            </a:r>
+            <a:endParaRPr lang="en-US" sz="2800" dirty="0">
+              <a:solidFill>
+                <a:schemeClr val="tx1"/>
+              </a:solidFill>
+            </a:endParaRPr>
+          </a:p>
+        </p:txBody>
+      </p:sp>
     </p:spTree>
     <p:extLst>
       <p:ext uri="{BB962C8B-B14F-4D97-AF65-F5344CB8AC3E}">
-        <p14:creationId xmlns:p14="http://schemas.microsoft.com/office/powerpoint/2010/main" val="4104288549"/>
+        <p14:creationId xmlns:p14="http://schemas.microsoft.com/office/powerpoint/2010/main" val="1858872991"/>
       </p:ext>
     </p:extLst>
   </p:cSld>
@@ -9302,503 +10449,14 @@
         </p:nvSpPr>
         <p:spPr>
           <a:xfrm>
-            <a:off x="1229862" y="2293967"/>
-            <a:ext cx="2266798" cy="3318057"/>
+            <a:off x="738270" y="2293969"/>
+            <a:ext cx="1719705" cy="2990347"/>
           </a:xfrm>
           <a:prstGeom prst="ellipse">
             <a:avLst/>
           </a:prstGeom>
-          <a:noFill/>
-        </p:spPr>
-        <p:style>
-          <a:lnRef idx="1">
-            <a:schemeClr val="accent1"/>
-          </a:lnRef>
-          <a:fillRef idx="3">
-            <a:schemeClr val="accent1"/>
-          </a:fillRef>
-          <a:effectRef idx="2">
-            <a:schemeClr val="accent1"/>
-          </a:effectRef>
-          <a:fontRef idx="minor">
-            <a:schemeClr val="lt1"/>
-          </a:fontRef>
-        </p:style>
-        <p:txBody>
-          <a:bodyPr rtlCol="0" anchor="ctr"/>
-          <a:lstStyle/>
-          <a:p>
-            <a:pPr algn="ctr"/>
-            <a:endParaRPr lang="en-US" sz="3600" dirty="0"/>
-          </a:p>
-        </p:txBody>
-      </p:sp>
-      <p:sp>
-        <p:nvSpPr>
-          <p:cNvPr id="6" name="Oval 5"/>
-          <p:cNvSpPr/>
-          <p:nvPr/>
-        </p:nvSpPr>
-        <p:spPr>
-          <a:xfrm>
-            <a:off x="5326483" y="2293967"/>
-            <a:ext cx="2286961" cy="3429722"/>
-          </a:xfrm>
-          <a:prstGeom prst="ellipse">
-            <a:avLst/>
-          </a:prstGeom>
-          <a:noFill/>
-          <a:ln>
-            <a:solidFill>
-              <a:schemeClr val="accent2"/>
-            </a:solidFill>
-          </a:ln>
-        </p:spPr>
-        <p:style>
-          <a:lnRef idx="1">
-            <a:schemeClr val="accent1"/>
-          </a:lnRef>
-          <a:fillRef idx="3">
-            <a:schemeClr val="accent1"/>
-          </a:fillRef>
-          <a:effectRef idx="2">
-            <a:schemeClr val="accent1"/>
-          </a:effectRef>
-          <a:fontRef idx="minor">
-            <a:schemeClr val="lt1"/>
-          </a:fontRef>
-        </p:style>
-        <p:txBody>
-          <a:bodyPr rtlCol="0" anchor="ctr"/>
-          <a:lstStyle/>
-          <a:p>
-            <a:pPr algn="ctr"/>
-            <a:endParaRPr lang="en-US" sz="3600" dirty="0"/>
-          </a:p>
-        </p:txBody>
-      </p:sp>
-      <p:sp>
-        <p:nvSpPr>
-          <p:cNvPr id="10" name="TextBox 9"/>
-          <p:cNvSpPr txBox="1"/>
-          <p:nvPr/>
-        </p:nvSpPr>
-        <p:spPr>
-          <a:xfrm>
-            <a:off x="1410933" y="1715746"/>
-            <a:ext cx="2085727" cy="461665"/>
-          </a:xfrm>
-          <a:prstGeom prst="rect">
-            <a:avLst/>
-          </a:prstGeom>
-          <a:noFill/>
-        </p:spPr>
-        <p:txBody>
-          <a:bodyPr wrap="none" rtlCol="0">
-            <a:spAutoFit/>
-          </a:bodyPr>
-          <a:lstStyle/>
-          <a:p>
-            <a:r>
-              <a:rPr lang="en-US" sz="2400" dirty="0" smtClean="0"/>
-              <a:t>Input / Domain</a:t>
-            </a:r>
-          </a:p>
-        </p:txBody>
-      </p:sp>
-      <p:sp>
-        <p:nvSpPr>
-          <p:cNvPr id="11" name="TextBox 10"/>
-          <p:cNvSpPr txBox="1"/>
-          <p:nvPr/>
-        </p:nvSpPr>
-        <p:spPr>
-          <a:xfrm>
-            <a:off x="5123842" y="1715746"/>
-            <a:ext cx="2613816" cy="461665"/>
-          </a:xfrm>
-          <a:prstGeom prst="rect">
-            <a:avLst/>
-          </a:prstGeom>
-          <a:noFill/>
-        </p:spPr>
-        <p:txBody>
-          <a:bodyPr wrap="none" rtlCol="0">
-            <a:spAutoFit/>
-          </a:bodyPr>
-          <a:lstStyle/>
-          <a:p>
-            <a:r>
-              <a:rPr lang="en-US" sz="2400" dirty="0" smtClean="0"/>
-              <a:t>Output / Codomain</a:t>
-            </a:r>
-          </a:p>
-        </p:txBody>
-      </p:sp>
-      <p:sp>
-        <p:nvSpPr>
-          <p:cNvPr id="2" name="Cross 1"/>
-          <p:cNvSpPr/>
-          <p:nvPr/>
-        </p:nvSpPr>
-        <p:spPr>
-          <a:xfrm>
-            <a:off x="1685818" y="2853802"/>
-            <a:ext cx="540014" cy="327709"/>
-          </a:xfrm>
-          <a:prstGeom prst="plus">
-            <a:avLst/>
-          </a:prstGeom>
-        </p:spPr>
-        <p:style>
-          <a:lnRef idx="1">
-            <a:schemeClr val="accent1"/>
-          </a:lnRef>
-          <a:fillRef idx="3">
-            <a:schemeClr val="accent1"/>
-          </a:fillRef>
-          <a:effectRef idx="2">
-            <a:schemeClr val="accent1"/>
-          </a:effectRef>
-          <a:fontRef idx="minor">
-            <a:schemeClr val="lt1"/>
-          </a:fontRef>
-        </p:style>
-        <p:txBody>
-          <a:bodyPr rtlCol="0" anchor="ctr"/>
-          <a:lstStyle/>
-          <a:p>
-            <a:pPr algn="ctr"/>
-            <a:r>
-              <a:rPr lang="en-US" dirty="0" smtClean="0"/>
-              <a:t>a1</a:t>
-            </a:r>
-            <a:endParaRPr lang="en-US" dirty="0"/>
-          </a:p>
-        </p:txBody>
-      </p:sp>
-      <p:sp>
-        <p:nvSpPr>
-          <p:cNvPr id="8" name="Cross 7"/>
-          <p:cNvSpPr/>
-          <p:nvPr/>
-        </p:nvSpPr>
-        <p:spPr>
-          <a:xfrm>
-            <a:off x="1955825" y="3885780"/>
-            <a:ext cx="540014" cy="327709"/>
-          </a:xfrm>
-          <a:prstGeom prst="plus">
-            <a:avLst/>
-          </a:prstGeom>
-        </p:spPr>
-        <p:style>
-          <a:lnRef idx="1">
-            <a:schemeClr val="accent1"/>
-          </a:lnRef>
-          <a:fillRef idx="3">
-            <a:schemeClr val="accent1"/>
-          </a:fillRef>
-          <a:effectRef idx="2">
-            <a:schemeClr val="accent1"/>
-          </a:effectRef>
-          <a:fontRef idx="minor">
-            <a:schemeClr val="lt1"/>
-          </a:fontRef>
-        </p:style>
-        <p:txBody>
-          <a:bodyPr rtlCol="0" anchor="ctr"/>
-          <a:lstStyle/>
-          <a:p>
-            <a:pPr algn="ctr"/>
-            <a:r>
-              <a:rPr lang="en-US" dirty="0" smtClean="0"/>
-              <a:t>a2</a:t>
-            </a:r>
-            <a:endParaRPr lang="en-US" dirty="0"/>
-          </a:p>
-        </p:txBody>
-      </p:sp>
-      <p:sp>
-        <p:nvSpPr>
-          <p:cNvPr id="14" name="Cross 13"/>
-          <p:cNvSpPr/>
-          <p:nvPr/>
-        </p:nvSpPr>
-        <p:spPr>
-          <a:xfrm>
-            <a:off x="5730379" y="2907964"/>
-            <a:ext cx="540014" cy="327709"/>
-          </a:xfrm>
-          <a:prstGeom prst="plus">
-            <a:avLst/>
-          </a:prstGeom>
           <a:solidFill>
-            <a:schemeClr val="accent2"/>
-          </a:solidFill>
-          <a:ln>
-            <a:solidFill>
-              <a:schemeClr val="accent2"/>
-            </a:solidFill>
-          </a:ln>
-        </p:spPr>
-        <p:style>
-          <a:lnRef idx="1">
-            <a:schemeClr val="accent1"/>
-          </a:lnRef>
-          <a:fillRef idx="3">
-            <a:schemeClr val="accent1"/>
-          </a:fillRef>
-          <a:effectRef idx="2">
-            <a:schemeClr val="accent1"/>
-          </a:effectRef>
-          <a:fontRef idx="minor">
-            <a:schemeClr val="lt1"/>
-          </a:fontRef>
-        </p:style>
-        <p:txBody>
-          <a:bodyPr rtlCol="0" anchor="ctr"/>
-          <a:lstStyle/>
-          <a:p>
-            <a:pPr algn="ctr"/>
-            <a:r>
-              <a:rPr lang="en-US" dirty="0" smtClean="0"/>
-              <a:t>b1</a:t>
-            </a:r>
-            <a:endParaRPr lang="en-US" dirty="0"/>
-          </a:p>
-        </p:txBody>
-      </p:sp>
-      <p:sp>
-        <p:nvSpPr>
-          <p:cNvPr id="15" name="Cross 14"/>
-          <p:cNvSpPr/>
-          <p:nvPr/>
-        </p:nvSpPr>
-        <p:spPr>
-          <a:xfrm>
-            <a:off x="5819255" y="3595091"/>
-            <a:ext cx="540014" cy="327709"/>
-          </a:xfrm>
-          <a:prstGeom prst="plus">
-            <a:avLst/>
-          </a:prstGeom>
-          <a:solidFill>
-            <a:schemeClr val="accent2"/>
-          </a:solidFill>
-          <a:ln>
-            <a:solidFill>
-              <a:schemeClr val="accent2"/>
-            </a:solidFill>
-          </a:ln>
-        </p:spPr>
-        <p:style>
-          <a:lnRef idx="1">
-            <a:schemeClr val="accent1"/>
-          </a:lnRef>
-          <a:fillRef idx="3">
-            <a:schemeClr val="accent1"/>
-          </a:fillRef>
-          <a:effectRef idx="2">
-            <a:schemeClr val="accent1"/>
-          </a:effectRef>
-          <a:fontRef idx="minor">
-            <a:schemeClr val="lt1"/>
-          </a:fontRef>
-        </p:style>
-        <p:txBody>
-          <a:bodyPr rtlCol="0" anchor="ctr"/>
-          <a:lstStyle/>
-          <a:p>
-            <a:pPr algn="ctr"/>
-            <a:r>
-              <a:rPr lang="en-US" dirty="0" smtClean="0"/>
-              <a:t>b2</a:t>
-            </a:r>
-            <a:endParaRPr lang="en-US" dirty="0"/>
-          </a:p>
-        </p:txBody>
-      </p:sp>
-      <p:sp>
-        <p:nvSpPr>
-          <p:cNvPr id="16" name="Cross 15"/>
-          <p:cNvSpPr/>
-          <p:nvPr/>
-        </p:nvSpPr>
-        <p:spPr>
-          <a:xfrm>
-            <a:off x="6624924" y="4715221"/>
-            <a:ext cx="540014" cy="327709"/>
-          </a:xfrm>
-          <a:prstGeom prst="plus">
-            <a:avLst/>
-          </a:prstGeom>
-          <a:solidFill>
-            <a:schemeClr val="accent2"/>
-          </a:solidFill>
-          <a:ln>
-            <a:solidFill>
-              <a:schemeClr val="accent2"/>
-            </a:solidFill>
-          </a:ln>
-        </p:spPr>
-        <p:style>
-          <a:lnRef idx="1">
-            <a:schemeClr val="accent1"/>
-          </a:lnRef>
-          <a:fillRef idx="3">
-            <a:schemeClr val="accent1"/>
-          </a:fillRef>
-          <a:effectRef idx="2">
-            <a:schemeClr val="accent1"/>
-          </a:effectRef>
-          <a:fontRef idx="minor">
-            <a:schemeClr val="lt1"/>
-          </a:fontRef>
-        </p:style>
-        <p:txBody>
-          <a:bodyPr rtlCol="0" anchor="ctr"/>
-          <a:lstStyle/>
-          <a:p>
-            <a:pPr algn="ctr"/>
-            <a:r>
-              <a:rPr lang="en-US" dirty="0" smtClean="0"/>
-              <a:t>b3</a:t>
-            </a:r>
-            <a:endParaRPr lang="en-US" dirty="0"/>
-          </a:p>
-        </p:txBody>
-      </p:sp>
-      <p:cxnSp>
-        <p:nvCxnSpPr>
-          <p:cNvPr id="18" name="Curved Connector 17"/>
-          <p:cNvCxnSpPr>
-            <a:stCxn id="2" idx="3"/>
-            <a:endCxn id="14" idx="1"/>
-          </p:cNvCxnSpPr>
-          <p:nvPr/>
-        </p:nvCxnSpPr>
-        <p:spPr>
-          <a:xfrm>
-            <a:off x="2225832" y="3017657"/>
-            <a:ext cx="3504547" cy="54162"/>
-          </a:xfrm>
-          <a:prstGeom prst="curvedConnector3">
-            <a:avLst/>
-          </a:prstGeom>
-          <a:ln>
-            <a:tailEnd type="arrow"/>
-          </a:ln>
-        </p:spPr>
-        <p:style>
-          <a:lnRef idx="2">
-            <a:schemeClr val="accent1"/>
-          </a:lnRef>
-          <a:fillRef idx="0">
-            <a:schemeClr val="accent1"/>
-          </a:fillRef>
-          <a:effectRef idx="1">
-            <a:schemeClr val="accent1"/>
-          </a:effectRef>
-          <a:fontRef idx="minor">
-            <a:schemeClr val="tx1"/>
-          </a:fontRef>
-        </p:style>
-      </p:cxnSp>
-      <p:cxnSp>
-        <p:nvCxnSpPr>
-          <p:cNvPr id="23" name="Curved Connector 22"/>
-          <p:cNvCxnSpPr>
-            <a:stCxn id="8" idx="3"/>
-            <a:endCxn id="15" idx="1"/>
-          </p:cNvCxnSpPr>
-          <p:nvPr/>
-        </p:nvCxnSpPr>
-        <p:spPr>
-          <a:xfrm flipV="1">
-            <a:off x="2495839" y="3758946"/>
-            <a:ext cx="3323416" cy="290689"/>
-          </a:xfrm>
-          <a:prstGeom prst="curvedConnector3">
-            <a:avLst>
-              <a:gd name="adj1" fmla="val 50000"/>
-            </a:avLst>
-          </a:prstGeom>
-          <a:ln>
-            <a:tailEnd type="arrow"/>
-          </a:ln>
-        </p:spPr>
-        <p:style>
-          <a:lnRef idx="2">
-            <a:schemeClr val="accent1"/>
-          </a:lnRef>
-          <a:fillRef idx="0">
-            <a:schemeClr val="accent1"/>
-          </a:fillRef>
-          <a:effectRef idx="1">
-            <a:schemeClr val="accent1"/>
-          </a:effectRef>
-          <a:fontRef idx="minor">
-            <a:schemeClr val="tx1"/>
-          </a:fontRef>
-        </p:style>
-      </p:cxnSp>
-      <p:cxnSp>
-        <p:nvCxnSpPr>
-          <p:cNvPr id="22" name="Curved Connector 21"/>
-          <p:cNvCxnSpPr>
-            <a:stCxn id="8" idx="3"/>
-            <a:endCxn id="16" idx="1"/>
-          </p:cNvCxnSpPr>
-          <p:nvPr/>
-        </p:nvCxnSpPr>
-        <p:spPr>
-          <a:xfrm>
-            <a:off x="2495839" y="4049635"/>
-            <a:ext cx="4129085" cy="829441"/>
-          </a:xfrm>
-          <a:prstGeom prst="curvedConnector3">
-            <a:avLst>
-              <a:gd name="adj1" fmla="val 50000"/>
-            </a:avLst>
-          </a:prstGeom>
-          <a:ln>
-            <a:tailEnd type="arrow"/>
-          </a:ln>
-        </p:spPr>
-        <p:style>
-          <a:lnRef idx="2">
-            <a:schemeClr val="accent1"/>
-          </a:lnRef>
-          <a:fillRef idx="0">
-            <a:schemeClr val="accent1"/>
-          </a:fillRef>
-          <a:effectRef idx="1">
-            <a:schemeClr val="accent1"/>
-          </a:effectRef>
-          <a:fontRef idx="minor">
-            <a:schemeClr val="tx1"/>
-          </a:fontRef>
-        </p:style>
-      </p:cxnSp>
-      <p:sp>
-        <p:nvSpPr>
-          <p:cNvPr id="32" name="Multiply 31"/>
-          <p:cNvSpPr/>
-          <p:nvPr/>
-        </p:nvSpPr>
-        <p:spPr>
-          <a:xfrm>
-            <a:off x="3224867" y="2853802"/>
-            <a:ext cx="2495159" cy="2362237"/>
-          </a:xfrm>
-          <a:prstGeom prst="mathMultiply">
-            <a:avLst/>
-          </a:prstGeom>
-          <a:solidFill>
-            <a:srgbClr val="FF0000">
-              <a:alpha val="46000"/>
-            </a:srgbClr>
+            <a:schemeClr val="accent1"/>
           </a:solidFill>
           <a:ln>
             <a:noFill/>
@@ -9824,17 +10482,111 @@
           <a:p>
             <a:pPr algn="ctr"/>
             <a:r>
-              <a:rPr lang="en-US" dirty="0" smtClean="0"/>
-              <a:t> </a:t>
-            </a:r>
-            <a:endParaRPr lang="en-US" dirty="0"/>
+              <a:rPr lang="en-US" sz="3600" dirty="0" smtClean="0"/>
+              <a:t>A</a:t>
+            </a:r>
+            <a:endParaRPr lang="en-US" sz="3600" dirty="0"/>
+          </a:p>
+        </p:txBody>
+      </p:sp>
+      <p:sp>
+        <p:nvSpPr>
+          <p:cNvPr id="9" name="Right Arrow 8"/>
+          <p:cNvSpPr/>
+          <p:nvPr/>
+        </p:nvSpPr>
+        <p:spPr>
+          <a:xfrm>
+            <a:off x="2669629" y="3497996"/>
+            <a:ext cx="3639168" cy="778309"/>
+          </a:xfrm>
+          <a:prstGeom prst="rightArrow">
+            <a:avLst/>
+          </a:prstGeom>
+        </p:spPr>
+        <p:style>
+          <a:lnRef idx="1">
+            <a:schemeClr val="accent1"/>
+          </a:lnRef>
+          <a:fillRef idx="3">
+            <a:schemeClr val="accent1"/>
+          </a:fillRef>
+          <a:effectRef idx="2">
+            <a:schemeClr val="accent1"/>
+          </a:effectRef>
+          <a:fontRef idx="minor">
+            <a:schemeClr val="lt1"/>
+          </a:fontRef>
+        </p:style>
+        <p:txBody>
+          <a:bodyPr rtlCol="0" anchor="ctr"/>
+          <a:lstStyle/>
+          <a:p>
+            <a:pPr algn="ctr"/>
+            <a:r>
+              <a:rPr lang="en-US" sz="2800" dirty="0" smtClean="0"/>
+              <a:t>g </a:t>
+            </a:r>
+            <a:r>
+              <a:rPr lang="en-US" sz="2800" dirty="0" smtClean="0"/>
+              <a:t>o f</a:t>
+            </a:r>
+            <a:endParaRPr lang="en-US" sz="2800" dirty="0"/>
+          </a:p>
+        </p:txBody>
+      </p:sp>
+      <p:sp>
+        <p:nvSpPr>
+          <p:cNvPr id="12" name="Oval 11"/>
+          <p:cNvSpPr/>
+          <p:nvPr/>
+        </p:nvSpPr>
+        <p:spPr>
+          <a:xfrm>
+            <a:off x="6559853" y="2293969"/>
+            <a:ext cx="1719705" cy="2990347"/>
+          </a:xfrm>
+          <a:prstGeom prst="ellipse">
+            <a:avLst/>
+          </a:prstGeom>
+          <a:solidFill>
+            <a:schemeClr val="accent3"/>
+          </a:solidFill>
+          <a:ln>
+            <a:noFill/>
+          </a:ln>
+        </p:spPr>
+        <p:style>
+          <a:lnRef idx="1">
+            <a:schemeClr val="accent1"/>
+          </a:lnRef>
+          <a:fillRef idx="3">
+            <a:schemeClr val="accent1"/>
+          </a:fillRef>
+          <a:effectRef idx="2">
+            <a:schemeClr val="accent1"/>
+          </a:effectRef>
+          <a:fontRef idx="minor">
+            <a:schemeClr val="lt1"/>
+          </a:fontRef>
+        </p:style>
+        <p:txBody>
+          <a:bodyPr rtlCol="0" anchor="ctr"/>
+          <a:lstStyle/>
+          <a:p>
+            <a:pPr algn="ctr"/>
+            <a:r>
+              <a:rPr lang="en-US" sz="3600" dirty="0" smtClean="0"/>
+              <a:t>C</a:t>
+            </a:r>
+            <a:endParaRPr lang="en-US" sz="3600" dirty="0"/>
           </a:p>
         </p:txBody>
       </p:sp>
     </p:spTree>
     <p:extLst>
       <p:ext uri="{BB962C8B-B14F-4D97-AF65-F5344CB8AC3E}">
-        <p14:creationId xmlns:p14="http://schemas.microsoft.com/office/powerpoint/2010/main" val="148186602"/>
+        <p14:creationId xmlns:p14="http://schemas.microsoft.com/office/powerpoint/2010/main" val="422251327"/>
       </p:ext>
     </p:extLst>
   </p:cSld>

--- a/Diagrams.pptx
+++ b/Diagrams.pptx
@@ -4167,50 +4167,6 @@
       </p:sp>
       <p:sp>
         <p:nvSpPr>
-          <p:cNvPr id="6" name="Oval 5"/>
-          <p:cNvSpPr/>
-          <p:nvPr/>
-        </p:nvSpPr>
-        <p:spPr>
-          <a:xfrm>
-            <a:off x="5326487" y="2293968"/>
-            <a:ext cx="2286961" cy="3429723"/>
-          </a:xfrm>
-          <a:prstGeom prst="ellipse">
-            <a:avLst/>
-          </a:prstGeom>
-          <a:noFill/>
-          <a:ln>
-            <a:solidFill>
-              <a:schemeClr val="accent2"/>
-            </a:solidFill>
-          </a:ln>
-        </p:spPr>
-        <p:style>
-          <a:lnRef idx="1">
-            <a:schemeClr val="accent1"/>
-          </a:lnRef>
-          <a:fillRef idx="3">
-            <a:schemeClr val="accent1"/>
-          </a:fillRef>
-          <a:effectRef idx="2">
-            <a:schemeClr val="accent1"/>
-          </a:effectRef>
-          <a:fontRef idx="minor">
-            <a:schemeClr val="lt1"/>
-          </a:fontRef>
-        </p:style>
-        <p:txBody>
-          <a:bodyPr rtlCol="0" anchor="ctr"/>
-          <a:lstStyle/>
-          <a:p>
-            <a:pPr algn="ctr"/>
-            <a:endParaRPr lang="en-US" sz="3600" dirty="0"/>
-          </a:p>
-        </p:txBody>
-      </p:sp>
-      <p:sp>
-        <p:nvSpPr>
           <p:cNvPr id="10" name="TextBox 9"/>
           <p:cNvSpPr txBox="1"/>
           <p:nvPr/>
@@ -4782,6 +4738,50 @@
           </a:fontRef>
         </p:style>
       </p:cxnSp>
+      <p:sp>
+        <p:nvSpPr>
+          <p:cNvPr id="34" name="Rectangle 33"/>
+          <p:cNvSpPr/>
+          <p:nvPr/>
+        </p:nvSpPr>
+        <p:spPr>
+          <a:xfrm>
+            <a:off x="5326486" y="2293970"/>
+            <a:ext cx="2286961" cy="3318057"/>
+          </a:xfrm>
+          <a:prstGeom prst="rect">
+            <a:avLst/>
+          </a:prstGeom>
+          <a:noFill/>
+          <a:ln>
+            <a:solidFill>
+              <a:schemeClr val="accent2"/>
+            </a:solidFill>
+          </a:ln>
+        </p:spPr>
+        <p:style>
+          <a:lnRef idx="1">
+            <a:schemeClr val="accent1"/>
+          </a:lnRef>
+          <a:fillRef idx="3">
+            <a:schemeClr val="accent1"/>
+          </a:fillRef>
+          <a:effectRef idx="2">
+            <a:schemeClr val="accent1"/>
+          </a:effectRef>
+          <a:fontRef idx="minor">
+            <a:schemeClr val="lt1"/>
+          </a:fontRef>
+        </p:style>
+        <p:txBody>
+          <a:bodyPr rtlCol="0" anchor="ctr"/>
+          <a:lstStyle/>
+          <a:p>
+            <a:pPr algn="ctr"/>
+            <a:endParaRPr lang="en-US" sz="3600" dirty="0"/>
+          </a:p>
+        </p:txBody>
+      </p:sp>
     </p:spTree>
     <p:extLst>
       <p:ext uri="{BB962C8B-B14F-4D97-AF65-F5344CB8AC3E}">
@@ -4853,50 +4853,6 @@
       </p:sp>
       <p:sp>
         <p:nvSpPr>
-          <p:cNvPr id="6" name="Oval 5"/>
-          <p:cNvSpPr/>
-          <p:nvPr/>
-        </p:nvSpPr>
-        <p:spPr>
-          <a:xfrm>
-            <a:off x="5326487" y="2293968"/>
-            <a:ext cx="2286961" cy="3429723"/>
-          </a:xfrm>
-          <a:prstGeom prst="ellipse">
-            <a:avLst/>
-          </a:prstGeom>
-          <a:noFill/>
-          <a:ln>
-            <a:solidFill>
-              <a:schemeClr val="accent2"/>
-            </a:solidFill>
-          </a:ln>
-        </p:spPr>
-        <p:style>
-          <a:lnRef idx="1">
-            <a:schemeClr val="accent1"/>
-          </a:lnRef>
-          <a:fillRef idx="3">
-            <a:schemeClr val="accent1"/>
-          </a:fillRef>
-          <a:effectRef idx="2">
-            <a:schemeClr val="accent1"/>
-          </a:effectRef>
-          <a:fontRef idx="minor">
-            <a:schemeClr val="lt1"/>
-          </a:fontRef>
-        </p:style>
-        <p:txBody>
-          <a:bodyPr rtlCol="0" anchor="ctr"/>
-          <a:lstStyle/>
-          <a:p>
-            <a:pPr algn="ctr"/>
-            <a:endParaRPr lang="en-US" sz="3600" dirty="0"/>
-          </a:p>
-        </p:txBody>
-      </p:sp>
-      <p:sp>
-        <p:nvSpPr>
           <p:cNvPr id="10" name="TextBox 9"/>
           <p:cNvSpPr txBox="1"/>
           <p:nvPr/>
@@ -5467,6 +5423,50 @@
           </a:fontRef>
         </p:style>
       </p:cxnSp>
+      <p:sp>
+        <p:nvSpPr>
+          <p:cNvPr id="21" name="Rectangle 20"/>
+          <p:cNvSpPr/>
+          <p:nvPr/>
+        </p:nvSpPr>
+        <p:spPr>
+          <a:xfrm>
+            <a:off x="5326486" y="2293970"/>
+            <a:ext cx="2286961" cy="3318057"/>
+          </a:xfrm>
+          <a:prstGeom prst="rect">
+            <a:avLst/>
+          </a:prstGeom>
+          <a:noFill/>
+          <a:ln>
+            <a:solidFill>
+              <a:schemeClr val="accent2"/>
+            </a:solidFill>
+          </a:ln>
+        </p:spPr>
+        <p:style>
+          <a:lnRef idx="1">
+            <a:schemeClr val="accent1"/>
+          </a:lnRef>
+          <a:fillRef idx="3">
+            <a:schemeClr val="accent1"/>
+          </a:fillRef>
+          <a:effectRef idx="2">
+            <a:schemeClr val="accent1"/>
+          </a:effectRef>
+          <a:fontRef idx="minor">
+            <a:schemeClr val="lt1"/>
+          </a:fontRef>
+        </p:style>
+        <p:txBody>
+          <a:bodyPr rtlCol="0" anchor="ctr"/>
+          <a:lstStyle/>
+          <a:p>
+            <a:pPr algn="ctr"/>
+            <a:endParaRPr lang="en-US" sz="3600" dirty="0"/>
+          </a:p>
+        </p:txBody>
+      </p:sp>
     </p:spTree>
     <p:extLst>
       <p:ext uri="{BB962C8B-B14F-4D97-AF65-F5344CB8AC3E}">
@@ -5538,50 +5538,6 @@
       </p:sp>
       <p:sp>
         <p:nvSpPr>
-          <p:cNvPr id="6" name="Oval 5"/>
-          <p:cNvSpPr/>
-          <p:nvPr/>
-        </p:nvSpPr>
-        <p:spPr>
-          <a:xfrm>
-            <a:off x="5326487" y="2293968"/>
-            <a:ext cx="2286961" cy="3429723"/>
-          </a:xfrm>
-          <a:prstGeom prst="ellipse">
-            <a:avLst/>
-          </a:prstGeom>
-          <a:noFill/>
-          <a:ln>
-            <a:solidFill>
-              <a:schemeClr val="accent2"/>
-            </a:solidFill>
-          </a:ln>
-        </p:spPr>
-        <p:style>
-          <a:lnRef idx="1">
-            <a:schemeClr val="accent1"/>
-          </a:lnRef>
-          <a:fillRef idx="3">
-            <a:schemeClr val="accent1"/>
-          </a:fillRef>
-          <a:effectRef idx="2">
-            <a:schemeClr val="accent1"/>
-          </a:effectRef>
-          <a:fontRef idx="minor">
-            <a:schemeClr val="lt1"/>
-          </a:fontRef>
-        </p:style>
-        <p:txBody>
-          <a:bodyPr rtlCol="0" anchor="ctr"/>
-          <a:lstStyle/>
-          <a:p>
-            <a:pPr algn="ctr"/>
-            <a:endParaRPr lang="en-US" sz="3600" dirty="0"/>
-          </a:p>
-        </p:txBody>
-      </p:sp>
-      <p:sp>
-        <p:nvSpPr>
           <p:cNvPr id="10" name="TextBox 9"/>
           <p:cNvSpPr txBox="1"/>
           <p:nvPr/>
@@ -6031,6 +5987,50 @@
               <a:t> </a:t>
             </a:r>
             <a:endParaRPr lang="en-US" dirty="0"/>
+          </a:p>
+        </p:txBody>
+      </p:sp>
+      <p:sp>
+        <p:nvSpPr>
+          <p:cNvPr id="33" name="Rectangle 32"/>
+          <p:cNvSpPr/>
+          <p:nvPr/>
+        </p:nvSpPr>
+        <p:spPr>
+          <a:xfrm>
+            <a:off x="5326486" y="2293970"/>
+            <a:ext cx="2286961" cy="3318057"/>
+          </a:xfrm>
+          <a:prstGeom prst="rect">
+            <a:avLst/>
+          </a:prstGeom>
+          <a:noFill/>
+          <a:ln>
+            <a:solidFill>
+              <a:schemeClr val="accent2"/>
+            </a:solidFill>
+          </a:ln>
+        </p:spPr>
+        <p:style>
+          <a:lnRef idx="1">
+            <a:schemeClr val="accent1"/>
+          </a:lnRef>
+          <a:fillRef idx="3">
+            <a:schemeClr val="accent1"/>
+          </a:fillRef>
+          <a:effectRef idx="2">
+            <a:schemeClr val="accent1"/>
+          </a:effectRef>
+          <a:fontRef idx="minor">
+            <a:schemeClr val="lt1"/>
+          </a:fontRef>
+        </p:style>
+        <p:txBody>
+          <a:bodyPr rtlCol="0" anchor="ctr"/>
+          <a:lstStyle/>
+          <a:p>
+            <a:pPr algn="ctr"/>
+            <a:endParaRPr lang="en-US" sz="3600" dirty="0"/>
           </a:p>
         </p:txBody>
       </p:sp>
@@ -6105,50 +6105,6 @@
       </p:sp>
       <p:sp>
         <p:nvSpPr>
-          <p:cNvPr id="6" name="Oval 5"/>
-          <p:cNvSpPr/>
-          <p:nvPr/>
-        </p:nvSpPr>
-        <p:spPr>
-          <a:xfrm>
-            <a:off x="5326487" y="2293968"/>
-            <a:ext cx="2286961" cy="3429723"/>
-          </a:xfrm>
-          <a:prstGeom prst="ellipse">
-            <a:avLst/>
-          </a:prstGeom>
-          <a:noFill/>
-          <a:ln>
-            <a:solidFill>
-              <a:schemeClr val="accent2"/>
-            </a:solidFill>
-          </a:ln>
-        </p:spPr>
-        <p:style>
-          <a:lnRef idx="1">
-            <a:schemeClr val="accent1"/>
-          </a:lnRef>
-          <a:fillRef idx="3">
-            <a:schemeClr val="accent1"/>
-          </a:fillRef>
-          <a:effectRef idx="2">
-            <a:schemeClr val="accent1"/>
-          </a:effectRef>
-          <a:fontRef idx="minor">
-            <a:schemeClr val="lt1"/>
-          </a:fontRef>
-        </p:style>
-        <p:txBody>
-          <a:bodyPr rtlCol="0" anchor="ctr"/>
-          <a:lstStyle/>
-          <a:p>
-            <a:pPr algn="ctr"/>
-            <a:endParaRPr lang="en-US" sz="3600" dirty="0"/>
-          </a:p>
-        </p:txBody>
-      </p:sp>
-      <p:sp>
-        <p:nvSpPr>
           <p:cNvPr id="10" name="TextBox 9"/>
           <p:cNvSpPr txBox="1"/>
           <p:nvPr/>
@@ -6730,6 +6686,50 @@
               <a:t> </a:t>
             </a:r>
             <a:endParaRPr lang="en-US" dirty="0"/>
+          </a:p>
+        </p:txBody>
+      </p:sp>
+      <p:sp>
+        <p:nvSpPr>
+          <p:cNvPr id="22" name="Rectangle 21"/>
+          <p:cNvSpPr/>
+          <p:nvPr/>
+        </p:nvSpPr>
+        <p:spPr>
+          <a:xfrm>
+            <a:off x="5326486" y="2293970"/>
+            <a:ext cx="2286961" cy="3318057"/>
+          </a:xfrm>
+          <a:prstGeom prst="rect">
+            <a:avLst/>
+          </a:prstGeom>
+          <a:noFill/>
+          <a:ln>
+            <a:solidFill>
+              <a:schemeClr val="accent2"/>
+            </a:solidFill>
+          </a:ln>
+        </p:spPr>
+        <p:style>
+          <a:lnRef idx="1">
+            <a:schemeClr val="accent1"/>
+          </a:lnRef>
+          <a:fillRef idx="3">
+            <a:schemeClr val="accent1"/>
+          </a:fillRef>
+          <a:effectRef idx="2">
+            <a:schemeClr val="accent1"/>
+          </a:effectRef>
+          <a:fontRef idx="minor">
+            <a:schemeClr val="lt1"/>
+          </a:fontRef>
+        </p:style>
+        <p:txBody>
+          <a:bodyPr rtlCol="0" anchor="ctr"/>
+          <a:lstStyle/>
+          <a:p>
+            <a:pPr algn="ctr"/>
+            <a:endParaRPr lang="en-US" sz="3600" dirty="0"/>
           </a:p>
         </p:txBody>
       </p:sp>
@@ -6804,50 +6804,6 @@
       </p:sp>
       <p:sp>
         <p:nvSpPr>
-          <p:cNvPr id="6" name="Oval 5"/>
-          <p:cNvSpPr/>
-          <p:nvPr/>
-        </p:nvSpPr>
-        <p:spPr>
-          <a:xfrm>
-            <a:off x="5326487" y="2293968"/>
-            <a:ext cx="2286961" cy="3429723"/>
-          </a:xfrm>
-          <a:prstGeom prst="ellipse">
-            <a:avLst/>
-          </a:prstGeom>
-          <a:noFill/>
-          <a:ln>
-            <a:solidFill>
-              <a:schemeClr val="accent2"/>
-            </a:solidFill>
-          </a:ln>
-        </p:spPr>
-        <p:style>
-          <a:lnRef idx="1">
-            <a:schemeClr val="accent1"/>
-          </a:lnRef>
-          <a:fillRef idx="3">
-            <a:schemeClr val="accent1"/>
-          </a:fillRef>
-          <a:effectRef idx="2">
-            <a:schemeClr val="accent1"/>
-          </a:effectRef>
-          <a:fontRef idx="minor">
-            <a:schemeClr val="lt1"/>
-          </a:fontRef>
-        </p:style>
-        <p:txBody>
-          <a:bodyPr rtlCol="0" anchor="ctr"/>
-          <a:lstStyle/>
-          <a:p>
-            <a:pPr algn="ctr"/>
-            <a:endParaRPr lang="en-US" sz="3600" dirty="0"/>
-          </a:p>
-        </p:txBody>
-      </p:sp>
-      <p:sp>
-        <p:nvSpPr>
           <p:cNvPr id="10" name="TextBox 9"/>
           <p:cNvSpPr txBox="1"/>
           <p:nvPr/>
@@ -7435,6 +7391,9 @@
           <a:solidFill>
             <a:srgbClr val="FF6600"/>
           </a:solidFill>
+          <a:ln>
+            <a:noFill/>
+          </a:ln>
         </p:spPr>
         <p:style>
           <a:lnRef idx="1">
@@ -7509,6 +7468,50 @@
               <a:t> </a:t>
             </a:r>
             <a:endParaRPr lang="en-US" dirty="0"/>
+          </a:p>
+        </p:txBody>
+      </p:sp>
+      <p:sp>
+        <p:nvSpPr>
+          <p:cNvPr id="22" name="Rectangle 21"/>
+          <p:cNvSpPr/>
+          <p:nvPr/>
+        </p:nvSpPr>
+        <p:spPr>
+          <a:xfrm>
+            <a:off x="5326486" y="2293970"/>
+            <a:ext cx="2286961" cy="3318057"/>
+          </a:xfrm>
+          <a:prstGeom prst="rect">
+            <a:avLst/>
+          </a:prstGeom>
+          <a:noFill/>
+          <a:ln>
+            <a:solidFill>
+              <a:schemeClr val="accent2"/>
+            </a:solidFill>
+          </a:ln>
+        </p:spPr>
+        <p:style>
+          <a:lnRef idx="1">
+            <a:schemeClr val="accent1"/>
+          </a:lnRef>
+          <a:fillRef idx="3">
+            <a:schemeClr val="accent1"/>
+          </a:fillRef>
+          <a:effectRef idx="2">
+            <a:schemeClr val="accent1"/>
+          </a:effectRef>
+          <a:fontRef idx="minor">
+            <a:schemeClr val="lt1"/>
+          </a:fontRef>
+        </p:style>
+        <p:txBody>
+          <a:bodyPr rtlCol="0" anchor="ctr"/>
+          <a:lstStyle/>
+          <a:p>
+            <a:pPr algn="ctr"/>
+            <a:endParaRPr lang="en-US" sz="3600" dirty="0"/>
           </a:p>
         </p:txBody>
       </p:sp>
@@ -7583,50 +7586,6 @@
       </p:sp>
       <p:sp>
         <p:nvSpPr>
-          <p:cNvPr id="6" name="Oval 5"/>
-          <p:cNvSpPr/>
-          <p:nvPr/>
-        </p:nvSpPr>
-        <p:spPr>
-          <a:xfrm>
-            <a:off x="5326487" y="2293968"/>
-            <a:ext cx="2286961" cy="3429723"/>
-          </a:xfrm>
-          <a:prstGeom prst="ellipse">
-            <a:avLst/>
-          </a:prstGeom>
-          <a:noFill/>
-          <a:ln>
-            <a:solidFill>
-              <a:schemeClr val="accent2"/>
-            </a:solidFill>
-          </a:ln>
-        </p:spPr>
-        <p:style>
-          <a:lnRef idx="1">
-            <a:schemeClr val="accent1"/>
-          </a:lnRef>
-          <a:fillRef idx="3">
-            <a:schemeClr val="accent1"/>
-          </a:fillRef>
-          <a:effectRef idx="2">
-            <a:schemeClr val="accent1"/>
-          </a:effectRef>
-          <a:fontRef idx="minor">
-            <a:schemeClr val="lt1"/>
-          </a:fontRef>
-        </p:style>
-        <p:txBody>
-          <a:bodyPr rtlCol="0" anchor="ctr"/>
-          <a:lstStyle/>
-          <a:p>
-            <a:pPr algn="ctr"/>
-            <a:endParaRPr lang="en-US" sz="3600" dirty="0"/>
-          </a:p>
-        </p:txBody>
-      </p:sp>
-      <p:sp>
-        <p:nvSpPr>
           <p:cNvPr id="10" name="TextBox 9"/>
           <p:cNvSpPr txBox="1"/>
           <p:nvPr/>
@@ -8237,6 +8196,50 @@
           <a:lstStyle/>
           <a:p>
             <a:endParaRPr lang="en-US"/>
+          </a:p>
+        </p:txBody>
+      </p:sp>
+      <p:sp>
+        <p:nvSpPr>
+          <p:cNvPr id="20" name="Rectangle 19"/>
+          <p:cNvSpPr/>
+          <p:nvPr/>
+        </p:nvSpPr>
+        <p:spPr>
+          <a:xfrm>
+            <a:off x="5326486" y="2293970"/>
+            <a:ext cx="2286961" cy="3318057"/>
+          </a:xfrm>
+          <a:prstGeom prst="rect">
+            <a:avLst/>
+          </a:prstGeom>
+          <a:noFill/>
+          <a:ln>
+            <a:solidFill>
+              <a:schemeClr val="accent2"/>
+            </a:solidFill>
+          </a:ln>
+        </p:spPr>
+        <p:style>
+          <a:lnRef idx="1">
+            <a:schemeClr val="accent1"/>
+          </a:lnRef>
+          <a:fillRef idx="3">
+            <a:schemeClr val="accent1"/>
+          </a:fillRef>
+          <a:effectRef idx="2">
+            <a:schemeClr val="accent1"/>
+          </a:effectRef>
+          <a:fontRef idx="minor">
+            <a:schemeClr val="lt1"/>
+          </a:fontRef>
+        </p:style>
+        <p:txBody>
+          <a:bodyPr rtlCol="0" anchor="ctr"/>
+          <a:lstStyle/>
+          <a:p>
+            <a:pPr algn="ctr"/>
+            <a:endParaRPr lang="en-US" sz="3600" dirty="0"/>
           </a:p>
         </p:txBody>
       </p:sp>
@@ -8965,22 +8968,116 @@
       </p:sp>
       <p:sp>
         <p:nvSpPr>
-          <p:cNvPr id="6" name="Oval 5"/>
-          <p:cNvSpPr/>
-          <p:nvPr/>
-        </p:nvSpPr>
-        <p:spPr>
-          <a:xfrm>
-            <a:off x="5326487" y="2293968"/>
-            <a:ext cx="2286961" cy="3429723"/>
-          </a:xfrm>
-          <a:prstGeom prst="ellipse">
+          <p:cNvPr id="9" name="Right Arrow 8"/>
+          <p:cNvSpPr/>
+          <p:nvPr/>
+        </p:nvSpPr>
+        <p:spPr>
+          <a:xfrm>
+            <a:off x="3782550" y="3497996"/>
+            <a:ext cx="1242643" cy="778309"/>
+          </a:xfrm>
+          <a:prstGeom prst="rightArrow">
+            <a:avLst/>
+          </a:prstGeom>
+        </p:spPr>
+        <p:style>
+          <a:lnRef idx="1">
+            <a:schemeClr val="accent1"/>
+          </a:lnRef>
+          <a:fillRef idx="3">
+            <a:schemeClr val="accent1"/>
+          </a:fillRef>
+          <a:effectRef idx="2">
+            <a:schemeClr val="accent1"/>
+          </a:effectRef>
+          <a:fontRef idx="minor">
+            <a:schemeClr val="lt1"/>
+          </a:fontRef>
+        </p:style>
+        <p:txBody>
+          <a:bodyPr rtlCol="0" anchor="ctr"/>
+          <a:lstStyle/>
+          <a:p>
+            <a:pPr algn="ctr"/>
+            <a:endParaRPr lang="en-US"/>
+          </a:p>
+        </p:txBody>
+      </p:sp>
+      <p:sp>
+        <p:nvSpPr>
+          <p:cNvPr id="10" name="TextBox 9"/>
+          <p:cNvSpPr txBox="1"/>
+          <p:nvPr/>
+        </p:nvSpPr>
+        <p:spPr>
+          <a:xfrm>
+            <a:off x="1513359" y="1647474"/>
+            <a:ext cx="2085727" cy="461665"/>
+          </a:xfrm>
+          <a:prstGeom prst="rect">
+            <a:avLst/>
+          </a:prstGeom>
+          <a:noFill/>
+        </p:spPr>
+        <p:txBody>
+          <a:bodyPr wrap="none" rtlCol="0">
+            <a:spAutoFit/>
+          </a:bodyPr>
+          <a:lstStyle/>
+          <a:p>
+            <a:r>
+              <a:rPr lang="en-US" sz="2400" dirty="0" smtClean="0"/>
+              <a:t>Input / Domain</a:t>
+            </a:r>
+          </a:p>
+        </p:txBody>
+      </p:sp>
+      <p:sp>
+        <p:nvSpPr>
+          <p:cNvPr id="11" name="TextBox 10"/>
+          <p:cNvSpPr txBox="1"/>
+          <p:nvPr/>
+        </p:nvSpPr>
+        <p:spPr>
+          <a:xfrm>
+            <a:off x="5189932" y="1647474"/>
+            <a:ext cx="2613816" cy="461665"/>
+          </a:xfrm>
+          <a:prstGeom prst="rect">
+            <a:avLst/>
+          </a:prstGeom>
+          <a:noFill/>
+        </p:spPr>
+        <p:txBody>
+          <a:bodyPr wrap="none" rtlCol="0">
+            <a:spAutoFit/>
+          </a:bodyPr>
+          <a:lstStyle/>
+          <a:p>
+            <a:r>
+              <a:rPr lang="en-US" sz="2400" dirty="0" smtClean="0"/>
+              <a:t>Output / Codomain</a:t>
+            </a:r>
+          </a:p>
+        </p:txBody>
+      </p:sp>
+      <p:sp>
+        <p:nvSpPr>
+          <p:cNvPr id="12" name="Rectangle 11"/>
+          <p:cNvSpPr/>
+          <p:nvPr/>
+        </p:nvSpPr>
+        <p:spPr>
+          <a:xfrm>
+            <a:off x="5326486" y="2293970"/>
+            <a:ext cx="2286961" cy="3318057"/>
+          </a:xfrm>
+          <a:prstGeom prst="rect">
             <a:avLst/>
           </a:prstGeom>
           <a:solidFill>
-            <a:schemeClr val="accent2">
-              <a:lumMod val="75000"/>
-            </a:schemeClr>
+            <a:schemeClr val="accent2"/>
           </a:solidFill>
           <a:ln>
             <a:noFill/>
@@ -9010,102 +9107,6 @@
               <a:t>B</a:t>
             </a:r>
             <a:endParaRPr lang="en-US" sz="3600" dirty="0"/>
-          </a:p>
-        </p:txBody>
-      </p:sp>
-      <p:sp>
-        <p:nvSpPr>
-          <p:cNvPr id="9" name="Right Arrow 8"/>
-          <p:cNvSpPr/>
-          <p:nvPr/>
-        </p:nvSpPr>
-        <p:spPr>
-          <a:xfrm>
-            <a:off x="3782550" y="3497996"/>
-            <a:ext cx="1242643" cy="778309"/>
-          </a:xfrm>
-          <a:prstGeom prst="rightArrow">
-            <a:avLst/>
-          </a:prstGeom>
-        </p:spPr>
-        <p:style>
-          <a:lnRef idx="1">
-            <a:schemeClr val="accent1"/>
-          </a:lnRef>
-          <a:fillRef idx="3">
-            <a:schemeClr val="accent1"/>
-          </a:fillRef>
-          <a:effectRef idx="2">
-            <a:schemeClr val="accent1"/>
-          </a:effectRef>
-          <a:fontRef idx="minor">
-            <a:schemeClr val="lt1"/>
-          </a:fontRef>
-        </p:style>
-        <p:txBody>
-          <a:bodyPr rtlCol="0" anchor="ctr"/>
-          <a:lstStyle/>
-          <a:p>
-            <a:pPr algn="ctr"/>
-            <a:endParaRPr lang="en-US"/>
-          </a:p>
-        </p:txBody>
-      </p:sp>
-      <p:sp>
-        <p:nvSpPr>
-          <p:cNvPr id="10" name="TextBox 9"/>
-          <p:cNvSpPr txBox="1"/>
-          <p:nvPr/>
-        </p:nvSpPr>
-        <p:spPr>
-          <a:xfrm>
-            <a:off x="1513359" y="1647474"/>
-            <a:ext cx="2085727" cy="461665"/>
-          </a:xfrm>
-          <a:prstGeom prst="rect">
-            <a:avLst/>
-          </a:prstGeom>
-          <a:noFill/>
-        </p:spPr>
-        <p:txBody>
-          <a:bodyPr wrap="none" rtlCol="0">
-            <a:spAutoFit/>
-          </a:bodyPr>
-          <a:lstStyle/>
-          <a:p>
-            <a:r>
-              <a:rPr lang="en-US" sz="2400" dirty="0" smtClean="0"/>
-              <a:t>Input / Domain</a:t>
-            </a:r>
-          </a:p>
-        </p:txBody>
-      </p:sp>
-      <p:sp>
-        <p:nvSpPr>
-          <p:cNvPr id="11" name="TextBox 10"/>
-          <p:cNvSpPr txBox="1"/>
-          <p:nvPr/>
-        </p:nvSpPr>
-        <p:spPr>
-          <a:xfrm>
-            <a:off x="5326486" y="1678417"/>
-            <a:ext cx="2613816" cy="461665"/>
-          </a:xfrm>
-          <a:prstGeom prst="rect">
-            <a:avLst/>
-          </a:prstGeom>
-          <a:noFill/>
-        </p:spPr>
-        <p:txBody>
-          <a:bodyPr wrap="none" rtlCol="0">
-            <a:spAutoFit/>
-          </a:bodyPr>
-          <a:lstStyle/>
-          <a:p>
-            <a:r>
-              <a:rPr lang="en-US" sz="2400" dirty="0" smtClean="0"/>
-              <a:t>Output / Codomain</a:t>
-            </a:r>
           </a:p>
         </p:txBody>
       </p:sp>
@@ -9119,6 +9120,13 @@
   <p:clrMapOvr>
     <a:masterClrMapping/>
   </p:clrMapOvr>
+  <p:timing>
+    <p:tnLst>
+      <p:par>
+        <p:cTn xmlns:p14="http://schemas.microsoft.com/office/powerpoint/2010/main" id="1" dur="indefinite" restart="never" nodeType="tmRoot"/>
+      </p:par>
+    </p:tnLst>
+  </p:timing>
 </p:sld>
 </file>
 
